--- a/React/slides/react_lessons_slides.pptx
+++ b/React/slides/react_lessons_slides.pptx
@@ -8,6 +8,7 @@
     <p:sldId id="256" r:id="rId2"/>
     <p:sldId id="257" r:id="rId3"/>
     <p:sldId id="258" r:id="rId4"/>
+    <p:sldId id="259" r:id="rId5"/>
   </p:sldIdLst>
   <p:sldSz cx="12192000" cy="6858000"/>
   <p:notesSz cx="6858000" cy="9144000"/>
@@ -171,7 +172,7 @@
           <a:noFill/>
           <a:extLst>
             <a:ext uri="{909E8E84-426E-40dd-AFC4-6F175D3DCCD1}">
-              <a14:hiddenFill xmlns="" xmlns:a14="http://schemas.microsoft.com/office/drawing/2010/main">
+              <a14:hiddenFill xmlns:a14="http://schemas.microsoft.com/office/drawing/2010/main" xmlns="">
                 <a:solidFill>
                   <a:srgbClr val="FFFFFF"/>
                 </a:solidFill>
@@ -230,7 +231,7 @@
             </a:ln>
             <a:extLst>
               <a:ext uri="{91240B29-F687-4f45-9708-019B960494DF}">
-                <a14:hiddenLine xmlns="" xmlns:a14="http://schemas.microsoft.com/office/drawing/2010/main" w="9525">
+                <a14:hiddenLine xmlns:a14="http://schemas.microsoft.com/office/drawing/2010/main" xmlns="" w="9525">
                   <a:solidFill>
                     <a:srgbClr val="000000"/>
                   </a:solidFill>
@@ -320,7 +321,7 @@
             </a:ln>
             <a:extLst>
               <a:ext uri="{91240B29-F687-4f45-9708-019B960494DF}">
-                <a14:hiddenLine xmlns="" xmlns:a14="http://schemas.microsoft.com/office/drawing/2010/main" w="9525">
+                <a14:hiddenLine xmlns:a14="http://schemas.microsoft.com/office/drawing/2010/main" xmlns="" w="9525">
                   <a:solidFill>
                     <a:srgbClr val="000000"/>
                   </a:solidFill>
@@ -410,7 +411,7 @@
             </a:ln>
             <a:extLst>
               <a:ext uri="{91240B29-F687-4f45-9708-019B960494DF}">
-                <a14:hiddenLine xmlns="" xmlns:a14="http://schemas.microsoft.com/office/drawing/2010/main" w="9525">
+                <a14:hiddenLine xmlns:a14="http://schemas.microsoft.com/office/drawing/2010/main" xmlns="" w="9525">
                   <a:solidFill>
                     <a:srgbClr val="000000"/>
                   </a:solidFill>
@@ -444,7 +445,7 @@
             </a:ln>
             <a:extLst>
               <a:ext uri="{91240B29-F687-4f45-9708-019B960494DF}">
-                <a14:hiddenLine xmlns="" xmlns:a14="http://schemas.microsoft.com/office/drawing/2010/main" w="9525">
+                <a14:hiddenLine xmlns:a14="http://schemas.microsoft.com/office/drawing/2010/main" xmlns="" w="9525">
                   <a:solidFill>
                     <a:srgbClr val="000000"/>
                   </a:solidFill>
@@ -534,7 +535,7 @@
             </a:ln>
             <a:extLst>
               <a:ext uri="{91240B29-F687-4f45-9708-019B960494DF}">
-                <a14:hiddenLine xmlns="" xmlns:a14="http://schemas.microsoft.com/office/drawing/2010/main" w="9525">
+                <a14:hiddenLine xmlns:a14="http://schemas.microsoft.com/office/drawing/2010/main" xmlns="" w="9525">
                   <a:solidFill>
                     <a:srgbClr val="000000"/>
                   </a:solidFill>
@@ -596,7 +597,7 @@
             </a:ln>
             <a:extLst>
               <a:ext uri="{91240B29-F687-4f45-9708-019B960494DF}">
-                <a14:hiddenLine xmlns="" xmlns:a14="http://schemas.microsoft.com/office/drawing/2010/main" w="9525">
+                <a14:hiddenLine xmlns:a14="http://schemas.microsoft.com/office/drawing/2010/main" xmlns="" w="9525">
                   <a:solidFill>
                     <a:srgbClr val="000000"/>
                   </a:solidFill>
@@ -658,7 +659,7 @@
             </a:ln>
             <a:extLst>
               <a:ext uri="{91240B29-F687-4f45-9708-019B960494DF}">
-                <a14:hiddenLine xmlns="" xmlns:a14="http://schemas.microsoft.com/office/drawing/2010/main" w="9525">
+                <a14:hiddenLine xmlns:a14="http://schemas.microsoft.com/office/drawing/2010/main" xmlns="" w="9525">
                   <a:solidFill>
                     <a:srgbClr val="000000"/>
                   </a:solidFill>
@@ -748,7 +749,7 @@
             </a:ln>
             <a:extLst>
               <a:ext uri="{91240B29-F687-4f45-9708-019B960494DF}">
-                <a14:hiddenLine xmlns="" xmlns:a14="http://schemas.microsoft.com/office/drawing/2010/main" w="9525">
+                <a14:hiddenLine xmlns:a14="http://schemas.microsoft.com/office/drawing/2010/main" xmlns="" w="9525">
                   <a:solidFill>
                     <a:srgbClr val="000000"/>
                   </a:solidFill>
@@ -810,7 +811,7 @@
             </a:ln>
             <a:extLst>
               <a:ext uri="{91240B29-F687-4f45-9708-019B960494DF}">
-                <a14:hiddenLine xmlns="" xmlns:a14="http://schemas.microsoft.com/office/drawing/2010/main" w="9525">
+                <a14:hiddenLine xmlns:a14="http://schemas.microsoft.com/office/drawing/2010/main" xmlns="" w="9525">
                   <a:solidFill>
                     <a:srgbClr val="000000"/>
                   </a:solidFill>
@@ -872,7 +873,7 @@
             </a:ln>
             <a:extLst>
               <a:ext uri="{91240B29-F687-4f45-9708-019B960494DF}">
-                <a14:hiddenLine xmlns="" xmlns:a14="http://schemas.microsoft.com/office/drawing/2010/main" w="9525">
+                <a14:hiddenLine xmlns:a14="http://schemas.microsoft.com/office/drawing/2010/main" xmlns="" w="9525">
                   <a:solidFill>
                     <a:srgbClr val="000000"/>
                   </a:solidFill>
@@ -962,7 +963,7 @@
             </a:ln>
             <a:extLst>
               <a:ext uri="{91240B29-F687-4f45-9708-019B960494DF}">
-                <a14:hiddenLine xmlns="" xmlns:a14="http://schemas.microsoft.com/office/drawing/2010/main" w="9525">
+                <a14:hiddenLine xmlns:a14="http://schemas.microsoft.com/office/drawing/2010/main" xmlns="" w="9525">
                   <a:solidFill>
                     <a:srgbClr val="000000"/>
                   </a:solidFill>
@@ -1052,7 +1053,7 @@
             </a:ln>
             <a:extLst>
               <a:ext uri="{91240B29-F687-4f45-9708-019B960494DF}">
-                <a14:hiddenLine xmlns="" xmlns:a14="http://schemas.microsoft.com/office/drawing/2010/main" w="9525">
+                <a14:hiddenLine xmlns:a14="http://schemas.microsoft.com/office/drawing/2010/main" xmlns="" w="9525">
                   <a:solidFill>
                     <a:srgbClr val="000000"/>
                   </a:solidFill>
@@ -1114,7 +1115,7 @@
             </a:ln>
             <a:extLst>
               <a:ext uri="{91240B29-F687-4f45-9708-019B960494DF}">
-                <a14:hiddenLine xmlns="" xmlns:a14="http://schemas.microsoft.com/office/drawing/2010/main" w="9525">
+                <a14:hiddenLine xmlns:a14="http://schemas.microsoft.com/office/drawing/2010/main" xmlns="" w="9525">
                   <a:solidFill>
                     <a:srgbClr val="000000"/>
                   </a:solidFill>
@@ -1224,7 +1225,7 @@
             </a:ln>
             <a:extLst>
               <a:ext uri="{91240B29-F687-4f45-9708-019B960494DF}">
-                <a14:hiddenLine xmlns="" xmlns:a14="http://schemas.microsoft.com/office/drawing/2010/main" w="9525">
+                <a14:hiddenLine xmlns:a14="http://schemas.microsoft.com/office/drawing/2010/main" xmlns="" w="9525">
                   <a:solidFill>
                     <a:srgbClr val="000000"/>
                   </a:solidFill>
@@ -1286,7 +1287,7 @@
             </a:ln>
             <a:extLst>
               <a:ext uri="{91240B29-F687-4f45-9708-019B960494DF}">
-                <a14:hiddenLine xmlns="" xmlns:a14="http://schemas.microsoft.com/office/drawing/2010/main" w="9525">
+                <a14:hiddenLine xmlns:a14="http://schemas.microsoft.com/office/drawing/2010/main" xmlns="" w="9525">
                   <a:solidFill>
                     <a:srgbClr val="000000"/>
                   </a:solidFill>
@@ -1376,7 +1377,7 @@
             </a:ln>
             <a:extLst>
               <a:ext uri="{91240B29-F687-4f45-9708-019B960494DF}">
-                <a14:hiddenLine xmlns="" xmlns:a14="http://schemas.microsoft.com/office/drawing/2010/main" w="9525">
+                <a14:hiddenLine xmlns:a14="http://schemas.microsoft.com/office/drawing/2010/main" xmlns="" w="9525">
                   <a:solidFill>
                     <a:srgbClr val="000000"/>
                   </a:solidFill>
@@ -1466,7 +1467,7 @@
             </a:ln>
             <a:extLst>
               <a:ext uri="{91240B29-F687-4f45-9708-019B960494DF}">
-                <a14:hiddenLine xmlns="" xmlns:a14="http://schemas.microsoft.com/office/drawing/2010/main" w="9525">
+                <a14:hiddenLine xmlns:a14="http://schemas.microsoft.com/office/drawing/2010/main" xmlns="" w="9525">
                   <a:solidFill>
                     <a:srgbClr val="000000"/>
                   </a:solidFill>
@@ -1528,7 +1529,7 @@
             </a:ln>
             <a:extLst>
               <a:ext uri="{91240B29-F687-4f45-9708-019B960494DF}">
-                <a14:hiddenLine xmlns="" xmlns:a14="http://schemas.microsoft.com/office/drawing/2010/main" w="9525">
+                <a14:hiddenLine xmlns:a14="http://schemas.microsoft.com/office/drawing/2010/main" xmlns="" w="9525">
                   <a:solidFill>
                     <a:srgbClr val="000000"/>
                   </a:solidFill>
@@ -1618,7 +1619,7 @@
             </a:ln>
             <a:extLst>
               <a:ext uri="{91240B29-F687-4f45-9708-019B960494DF}">
-                <a14:hiddenLine xmlns="" xmlns:a14="http://schemas.microsoft.com/office/drawing/2010/main" w="9525">
+                <a14:hiddenLine xmlns:a14="http://schemas.microsoft.com/office/drawing/2010/main" xmlns="" w="9525">
                   <a:solidFill>
                     <a:srgbClr val="000000"/>
                   </a:solidFill>
@@ -1708,7 +1709,7 @@
             </a:ln>
             <a:extLst>
               <a:ext uri="{91240B29-F687-4f45-9708-019B960494DF}">
-                <a14:hiddenLine xmlns="" xmlns:a14="http://schemas.microsoft.com/office/drawing/2010/main" w="9525">
+                <a14:hiddenLine xmlns:a14="http://schemas.microsoft.com/office/drawing/2010/main" xmlns="" w="9525">
                   <a:solidFill>
                     <a:srgbClr val="000000"/>
                   </a:solidFill>
@@ -1764,7 +1765,7 @@
             </a:ln>
             <a:extLst>
               <a:ext uri="{91240B29-F687-4f45-9708-019B960494DF}">
-                <a14:hiddenLine xmlns="" xmlns:a14="http://schemas.microsoft.com/office/drawing/2010/main" w="9525">
+                <a14:hiddenLine xmlns:a14="http://schemas.microsoft.com/office/drawing/2010/main" xmlns="" w="9525">
                   <a:solidFill>
                     <a:srgbClr val="000000"/>
                   </a:solidFill>
@@ -1854,7 +1855,7 @@
             </a:ln>
             <a:extLst>
               <a:ext uri="{91240B29-F687-4f45-9708-019B960494DF}">
-                <a14:hiddenLine xmlns="" xmlns:a14="http://schemas.microsoft.com/office/drawing/2010/main" w="9525">
+                <a14:hiddenLine xmlns:a14="http://schemas.microsoft.com/office/drawing/2010/main" xmlns="" w="9525">
                   <a:solidFill>
                     <a:srgbClr val="000000"/>
                   </a:solidFill>
@@ -1910,7 +1911,7 @@
             </a:ln>
             <a:extLst>
               <a:ext uri="{91240B29-F687-4f45-9708-019B960494DF}">
-                <a14:hiddenLine xmlns="" xmlns:a14="http://schemas.microsoft.com/office/drawing/2010/main" w="9525">
+                <a14:hiddenLine xmlns:a14="http://schemas.microsoft.com/office/drawing/2010/main" xmlns="" w="9525">
                   <a:solidFill>
                     <a:srgbClr val="000000"/>
                   </a:solidFill>
@@ -2000,7 +2001,7 @@
             </a:ln>
             <a:extLst>
               <a:ext uri="{91240B29-F687-4f45-9708-019B960494DF}">
-                <a14:hiddenLine xmlns="" xmlns:a14="http://schemas.microsoft.com/office/drawing/2010/main" w="9525">
+                <a14:hiddenLine xmlns:a14="http://schemas.microsoft.com/office/drawing/2010/main" xmlns="" w="9525">
                   <a:solidFill>
                     <a:srgbClr val="000000"/>
                   </a:solidFill>
@@ -2068,7 +2069,7 @@
             </a:ln>
             <a:extLst>
               <a:ext uri="{91240B29-F687-4f45-9708-019B960494DF}">
-                <a14:hiddenLine xmlns="" xmlns:a14="http://schemas.microsoft.com/office/drawing/2010/main" w="9525">
+                <a14:hiddenLine xmlns:a14="http://schemas.microsoft.com/office/drawing/2010/main" xmlns="" w="9525">
                   <a:solidFill>
                     <a:srgbClr val="000000"/>
                   </a:solidFill>
@@ -2158,7 +2159,7 @@
             </a:ln>
             <a:extLst>
               <a:ext uri="{91240B29-F687-4f45-9708-019B960494DF}">
-                <a14:hiddenLine xmlns="" xmlns:a14="http://schemas.microsoft.com/office/drawing/2010/main" w="9525">
+                <a14:hiddenLine xmlns:a14="http://schemas.microsoft.com/office/drawing/2010/main" xmlns="" w="9525">
                   <a:solidFill>
                     <a:srgbClr val="000000"/>
                   </a:solidFill>
@@ -2226,7 +2227,7 @@
             </a:ln>
             <a:extLst>
               <a:ext uri="{91240B29-F687-4f45-9708-019B960494DF}">
-                <a14:hiddenLine xmlns="" xmlns:a14="http://schemas.microsoft.com/office/drawing/2010/main" w="9525">
+                <a14:hiddenLine xmlns:a14="http://schemas.microsoft.com/office/drawing/2010/main" xmlns="" w="9525">
                   <a:solidFill>
                     <a:srgbClr val="000000"/>
                   </a:solidFill>
@@ -2316,7 +2317,7 @@
             </a:ln>
             <a:extLst>
               <a:ext uri="{91240B29-F687-4f45-9708-019B960494DF}">
-                <a14:hiddenLine xmlns="" xmlns:a14="http://schemas.microsoft.com/office/drawing/2010/main" w="9525">
+                <a14:hiddenLine xmlns:a14="http://schemas.microsoft.com/office/drawing/2010/main" xmlns="" w="9525">
                   <a:solidFill>
                     <a:srgbClr val="000000"/>
                   </a:solidFill>
@@ -2350,7 +2351,7 @@
             </a:ln>
             <a:extLst>
               <a:ext uri="{91240B29-F687-4f45-9708-019B960494DF}">
-                <a14:hiddenLine xmlns="" xmlns:a14="http://schemas.microsoft.com/office/drawing/2010/main" w="9525">
+                <a14:hiddenLine xmlns:a14="http://schemas.microsoft.com/office/drawing/2010/main" xmlns="" w="9525">
                   <a:solidFill>
                     <a:srgbClr val="000000"/>
                   </a:solidFill>
@@ -2440,7 +2441,7 @@
             </a:ln>
             <a:extLst>
               <a:ext uri="{91240B29-F687-4f45-9708-019B960494DF}">
-                <a14:hiddenLine xmlns="" xmlns:a14="http://schemas.microsoft.com/office/drawing/2010/main" w="9525">
+                <a14:hiddenLine xmlns:a14="http://schemas.microsoft.com/office/drawing/2010/main" xmlns="" w="9525">
                   <a:solidFill>
                     <a:srgbClr val="000000"/>
                   </a:solidFill>
@@ -2502,7 +2503,7 @@
             </a:ln>
             <a:extLst>
               <a:ext uri="{91240B29-F687-4f45-9708-019B960494DF}">
-                <a14:hiddenLine xmlns="" xmlns:a14="http://schemas.microsoft.com/office/drawing/2010/main" w="9525">
+                <a14:hiddenLine xmlns:a14="http://schemas.microsoft.com/office/drawing/2010/main" xmlns="" w="9525">
                   <a:solidFill>
                     <a:srgbClr val="000000"/>
                   </a:solidFill>
@@ -2564,7 +2565,7 @@
             </a:ln>
             <a:extLst>
               <a:ext uri="{91240B29-F687-4f45-9708-019B960494DF}">
-                <a14:hiddenLine xmlns="" xmlns:a14="http://schemas.microsoft.com/office/drawing/2010/main" w="9525">
+                <a14:hiddenLine xmlns:a14="http://schemas.microsoft.com/office/drawing/2010/main" xmlns="" w="9525">
                   <a:solidFill>
                     <a:srgbClr val="000000"/>
                   </a:solidFill>
@@ -2654,7 +2655,7 @@
             </a:ln>
             <a:extLst>
               <a:ext uri="{91240B29-F687-4f45-9708-019B960494DF}">
-                <a14:hiddenLine xmlns="" xmlns:a14="http://schemas.microsoft.com/office/drawing/2010/main" w="9525">
+                <a14:hiddenLine xmlns:a14="http://schemas.microsoft.com/office/drawing/2010/main" xmlns="" w="9525">
                   <a:solidFill>
                     <a:srgbClr val="000000"/>
                   </a:solidFill>
@@ -2722,7 +2723,7 @@
             </a:ln>
             <a:extLst>
               <a:ext uri="{91240B29-F687-4f45-9708-019B960494DF}">
-                <a14:hiddenLine xmlns="" xmlns:a14="http://schemas.microsoft.com/office/drawing/2010/main" w="9525">
+                <a14:hiddenLine xmlns:a14="http://schemas.microsoft.com/office/drawing/2010/main" xmlns="" w="9525">
                   <a:solidFill>
                     <a:srgbClr val="000000"/>
                   </a:solidFill>
@@ -2784,7 +2785,7 @@
             </a:ln>
             <a:extLst>
               <a:ext uri="{91240B29-F687-4f45-9708-019B960494DF}">
-                <a14:hiddenLine xmlns="" xmlns:a14="http://schemas.microsoft.com/office/drawing/2010/main" w="9525">
+                <a14:hiddenLine xmlns:a14="http://schemas.microsoft.com/office/drawing/2010/main" xmlns="" w="9525">
                   <a:solidFill>
                     <a:srgbClr val="000000"/>
                   </a:solidFill>
@@ -2874,7 +2875,7 @@
             </a:ln>
             <a:extLst>
               <a:ext uri="{91240B29-F687-4f45-9708-019B960494DF}">
-                <a14:hiddenLine xmlns="" xmlns:a14="http://schemas.microsoft.com/office/drawing/2010/main" w="9525">
+                <a14:hiddenLine xmlns:a14="http://schemas.microsoft.com/office/drawing/2010/main" xmlns="" w="9525">
                   <a:solidFill>
                     <a:srgbClr val="000000"/>
                   </a:solidFill>
@@ -2936,7 +2937,7 @@
             </a:ln>
             <a:extLst>
               <a:ext uri="{91240B29-F687-4f45-9708-019B960494DF}">
-                <a14:hiddenLine xmlns="" xmlns:a14="http://schemas.microsoft.com/office/drawing/2010/main" w="9525">
+                <a14:hiddenLine xmlns:a14="http://schemas.microsoft.com/office/drawing/2010/main" xmlns="" w="9525">
                   <a:solidFill>
                     <a:srgbClr val="000000"/>
                   </a:solidFill>
@@ -3026,7 +3027,7 @@
             </a:ln>
             <a:extLst>
               <a:ext uri="{91240B29-F687-4f45-9708-019B960494DF}">
-                <a14:hiddenLine xmlns="" xmlns:a14="http://schemas.microsoft.com/office/drawing/2010/main" w="9525">
+                <a14:hiddenLine xmlns:a14="http://schemas.microsoft.com/office/drawing/2010/main" xmlns="" w="9525">
                   <a:solidFill>
                     <a:srgbClr val="000000"/>
                   </a:solidFill>
@@ -3088,7 +3089,7 @@
             </a:ln>
             <a:extLst>
               <a:ext uri="{91240B29-F687-4f45-9708-019B960494DF}">
-                <a14:hiddenLine xmlns="" xmlns:a14="http://schemas.microsoft.com/office/drawing/2010/main" w="9525">
+                <a14:hiddenLine xmlns:a14="http://schemas.microsoft.com/office/drawing/2010/main" xmlns="" w="9525">
                   <a:solidFill>
                     <a:srgbClr val="000000"/>
                   </a:solidFill>
@@ -3178,7 +3179,7 @@
             </a:ln>
             <a:extLst>
               <a:ext uri="{91240B29-F687-4f45-9708-019B960494DF}">
-                <a14:hiddenLine xmlns="" xmlns:a14="http://schemas.microsoft.com/office/drawing/2010/main" w="9525">
+                <a14:hiddenLine xmlns:a14="http://schemas.microsoft.com/office/drawing/2010/main" xmlns="" w="9525">
                   <a:solidFill>
                     <a:srgbClr val="000000"/>
                   </a:solidFill>
@@ -3212,7 +3213,7 @@
             </a:ln>
             <a:extLst>
               <a:ext uri="{91240B29-F687-4f45-9708-019B960494DF}">
-                <a14:hiddenLine xmlns="" xmlns:a14="http://schemas.microsoft.com/office/drawing/2010/main" w="9525">
+                <a14:hiddenLine xmlns:a14="http://schemas.microsoft.com/office/drawing/2010/main" xmlns="" w="9525">
                   <a:solidFill>
                     <a:srgbClr val="000000"/>
                   </a:solidFill>
@@ -3277,7 +3278,7 @@
             </a:ln>
             <a:extLst>
               <a:ext uri="{91240B29-F687-4f45-9708-019B960494DF}">
-                <a14:hiddenLine xmlns="" xmlns:a14="http://schemas.microsoft.com/office/drawing/2010/main" w="9525">
+                <a14:hiddenLine xmlns:a14="http://schemas.microsoft.com/office/drawing/2010/main" xmlns="" w="9525">
                   <a:solidFill>
                     <a:srgbClr val="000000"/>
                   </a:solidFill>
@@ -3367,7 +3368,7 @@
             </a:ln>
             <a:extLst>
               <a:ext uri="{91240B29-F687-4f45-9708-019B960494DF}">
-                <a14:hiddenLine xmlns="" xmlns:a14="http://schemas.microsoft.com/office/drawing/2010/main" w="9525">
+                <a14:hiddenLine xmlns:a14="http://schemas.microsoft.com/office/drawing/2010/main" xmlns="" w="9525">
                   <a:solidFill>
                     <a:srgbClr val="000000"/>
                   </a:solidFill>
@@ -3429,7 +3430,7 @@
             </a:ln>
             <a:extLst>
               <a:ext uri="{91240B29-F687-4f45-9708-019B960494DF}">
-                <a14:hiddenLine xmlns="" xmlns:a14="http://schemas.microsoft.com/office/drawing/2010/main" w="9525">
+                <a14:hiddenLine xmlns:a14="http://schemas.microsoft.com/office/drawing/2010/main" xmlns="" w="9525">
                   <a:solidFill>
                     <a:srgbClr val="000000"/>
                   </a:solidFill>
@@ -3519,7 +3520,7 @@
             </a:ln>
             <a:extLst>
               <a:ext uri="{91240B29-F687-4f45-9708-019B960494DF}">
-                <a14:hiddenLine xmlns="" xmlns:a14="http://schemas.microsoft.com/office/drawing/2010/main" w="9525">
+                <a14:hiddenLine xmlns:a14="http://schemas.microsoft.com/office/drawing/2010/main" xmlns="" w="9525">
                   <a:solidFill>
                     <a:srgbClr val="000000"/>
                   </a:solidFill>
@@ -3609,7 +3610,7 @@
             </a:ln>
             <a:extLst>
               <a:ext uri="{91240B29-F687-4f45-9708-019B960494DF}">
-                <a14:hiddenLine xmlns="" xmlns:a14="http://schemas.microsoft.com/office/drawing/2010/main" w="9525">
+                <a14:hiddenLine xmlns:a14="http://schemas.microsoft.com/office/drawing/2010/main" xmlns="" w="9525">
                   <a:solidFill>
                     <a:srgbClr val="000000"/>
                   </a:solidFill>
@@ -3674,7 +3675,7 @@
             </a:ln>
             <a:extLst>
               <a:ext uri="{91240B29-F687-4f45-9708-019B960494DF}">
-                <a14:hiddenLine xmlns="" xmlns:a14="http://schemas.microsoft.com/office/drawing/2010/main" w="9525">
+                <a14:hiddenLine xmlns:a14="http://schemas.microsoft.com/office/drawing/2010/main" xmlns="" w="9525">
                   <a:solidFill>
                     <a:srgbClr val="000000"/>
                   </a:solidFill>
@@ -3736,7 +3737,7 @@
             </a:ln>
             <a:extLst>
               <a:ext uri="{91240B29-F687-4f45-9708-019B960494DF}">
-                <a14:hiddenLine xmlns="" xmlns:a14="http://schemas.microsoft.com/office/drawing/2010/main" w="9525">
+                <a14:hiddenLine xmlns:a14="http://schemas.microsoft.com/office/drawing/2010/main" xmlns="" w="9525">
                   <a:solidFill>
                     <a:srgbClr val="000000"/>
                   </a:solidFill>
@@ -3826,7 +3827,7 @@
             </a:ln>
             <a:extLst>
               <a:ext uri="{91240B29-F687-4f45-9708-019B960494DF}">
-                <a14:hiddenLine xmlns="" xmlns:a14="http://schemas.microsoft.com/office/drawing/2010/main" w="9525">
+                <a14:hiddenLine xmlns:a14="http://schemas.microsoft.com/office/drawing/2010/main" xmlns="" w="9525">
                   <a:solidFill>
                     <a:srgbClr val="000000"/>
                   </a:solidFill>
@@ -3916,7 +3917,7 @@
             </a:ln>
             <a:extLst>
               <a:ext uri="{91240B29-F687-4f45-9708-019B960494DF}">
-                <a14:hiddenLine xmlns="" xmlns:a14="http://schemas.microsoft.com/office/drawing/2010/main" w="9525">
+                <a14:hiddenLine xmlns:a14="http://schemas.microsoft.com/office/drawing/2010/main" xmlns="" w="9525">
                   <a:solidFill>
                     <a:srgbClr val="000000"/>
                   </a:solidFill>
@@ -3978,7 +3979,7 @@
             </a:ln>
             <a:extLst>
               <a:ext uri="{91240B29-F687-4f45-9708-019B960494DF}">
-                <a14:hiddenLine xmlns="" xmlns:a14="http://schemas.microsoft.com/office/drawing/2010/main" w="9525">
+                <a14:hiddenLine xmlns:a14="http://schemas.microsoft.com/office/drawing/2010/main" xmlns="" w="9525">
                   <a:solidFill>
                     <a:srgbClr val="000000"/>
                   </a:solidFill>
@@ -4098,7 +4099,7 @@
             </a:ln>
             <a:extLst>
               <a:ext uri="{91240B29-F687-4f45-9708-019B960494DF}">
-                <a14:hiddenLine xmlns="" xmlns:a14="http://schemas.microsoft.com/office/drawing/2010/main" w="9525">
+                <a14:hiddenLine xmlns:a14="http://schemas.microsoft.com/office/drawing/2010/main" xmlns="" w="9525">
                   <a:solidFill>
                     <a:srgbClr val="000000"/>
                   </a:solidFill>
@@ -4166,7 +4167,7 @@
             </a:ln>
             <a:extLst>
               <a:ext uri="{91240B29-F687-4f45-9708-019B960494DF}">
-                <a14:hiddenLine xmlns="" xmlns:a14="http://schemas.microsoft.com/office/drawing/2010/main" w="9525">
+                <a14:hiddenLine xmlns:a14="http://schemas.microsoft.com/office/drawing/2010/main" xmlns="" w="9525">
                   <a:solidFill>
                     <a:srgbClr val="000000"/>
                   </a:solidFill>
@@ -4256,7 +4257,7 @@
             </a:ln>
             <a:extLst>
               <a:ext uri="{91240B29-F687-4f45-9708-019B960494DF}">
-                <a14:hiddenLine xmlns="" xmlns:a14="http://schemas.microsoft.com/office/drawing/2010/main" w="9525">
+                <a14:hiddenLine xmlns:a14="http://schemas.microsoft.com/office/drawing/2010/main" xmlns="" w="9525">
                   <a:solidFill>
                     <a:srgbClr val="000000"/>
                   </a:solidFill>
@@ -4396,7 +4397,7 @@
           <a:p>
             <a:fld id="{48A87A34-81AB-432B-8DAE-1953F412C126}" type="datetimeFigureOut">
               <a:rPr lang="en-US" dirty="0"/>
-              <a:t>8/31/2018</a:t>
+              <a:t>9/6/2018</a:t>
             </a:fld>
             <a:endParaRPr lang="en-US" dirty="0"/>
           </a:p>
@@ -4658,7 +4659,7 @@
           <a:p>
             <a:fld id="{48A87A34-81AB-432B-8DAE-1953F412C126}" type="datetimeFigureOut">
               <a:rPr lang="en-US" dirty="0"/>
-              <a:t>8/31/2018</a:t>
+              <a:t>9/6/2018</a:t>
             </a:fld>
             <a:endParaRPr lang="en-US" dirty="0"/>
           </a:p>
@@ -4849,7 +4850,7 @@
           <a:p>
             <a:fld id="{48A87A34-81AB-432B-8DAE-1953F412C126}" type="datetimeFigureOut">
               <a:rPr lang="en-US" dirty="0"/>
-              <a:t>8/31/2018</a:t>
+              <a:t>9/6/2018</a:t>
             </a:fld>
             <a:endParaRPr lang="en-US" dirty="0"/>
           </a:p>
@@ -5107,7 +5108,7 @@
           <a:p>
             <a:fld id="{48A87A34-81AB-432B-8DAE-1953F412C126}" type="datetimeFigureOut">
               <a:rPr lang="en-US" dirty="0"/>
-              <a:t>8/31/2018</a:t>
+              <a:t>9/6/2018</a:t>
             </a:fld>
             <a:endParaRPr lang="en-US" dirty="0"/>
           </a:p>
@@ -5536,7 +5537,7 @@
           <a:p>
             <a:fld id="{48A87A34-81AB-432B-8DAE-1953F412C126}" type="datetimeFigureOut">
               <a:rPr lang="en-US" dirty="0"/>
-              <a:t>8/31/2018</a:t>
+              <a:t>9/6/2018</a:t>
             </a:fld>
             <a:endParaRPr lang="en-US" dirty="0"/>
           </a:p>
@@ -6077,7 +6078,7 @@
           <a:p>
             <a:fld id="{48A87A34-81AB-432B-8DAE-1953F412C126}" type="datetimeFigureOut">
               <a:rPr lang="en-US" dirty="0"/>
-              <a:t>8/31/2018</a:t>
+              <a:t>9/6/2018</a:t>
             </a:fld>
             <a:endParaRPr lang="en-US" dirty="0"/>
           </a:p>
@@ -6792,7 +6793,7 @@
           <a:p>
             <a:fld id="{48A87A34-81AB-432B-8DAE-1953F412C126}" type="datetimeFigureOut">
               <a:rPr lang="en-US" dirty="0"/>
-              <a:t>8/31/2018</a:t>
+              <a:t>9/6/2018</a:t>
             </a:fld>
             <a:endParaRPr lang="en-US" dirty="0"/>
           </a:p>
@@ -6957,7 +6958,7 @@
           <a:p>
             <a:fld id="{48A87A34-81AB-432B-8DAE-1953F412C126}" type="datetimeFigureOut">
               <a:rPr lang="en-US" dirty="0"/>
-              <a:t>8/31/2018</a:t>
+              <a:t>9/6/2018</a:t>
             </a:fld>
             <a:endParaRPr lang="en-US" dirty="0"/>
           </a:p>
@@ -7132,7 +7133,7 @@
           <a:p>
             <a:fld id="{48A87A34-81AB-432B-8DAE-1953F412C126}" type="datetimeFigureOut">
               <a:rPr lang="en-US" dirty="0"/>
-              <a:t>8/31/2018</a:t>
+              <a:t>9/6/2018</a:t>
             </a:fld>
             <a:endParaRPr lang="en-US" dirty="0"/>
           </a:p>
@@ -7297,7 +7298,7 @@
           <a:p>
             <a:fld id="{48A87A34-81AB-432B-8DAE-1953F412C126}" type="datetimeFigureOut">
               <a:rPr lang="en-US" dirty="0"/>
-              <a:t>8/31/2018</a:t>
+              <a:t>9/6/2018</a:t>
             </a:fld>
             <a:endParaRPr lang="en-US" dirty="0"/>
           </a:p>
@@ -7542,7 +7543,7 @@
           <a:p>
             <a:fld id="{48A87A34-81AB-432B-8DAE-1953F412C126}" type="datetimeFigureOut">
               <a:rPr lang="en-US" dirty="0"/>
-              <a:t>8/31/2018</a:t>
+              <a:t>9/6/2018</a:t>
             </a:fld>
             <a:endParaRPr lang="en-US" dirty="0"/>
           </a:p>
@@ -7769,7 +7770,7 @@
           <a:p>
             <a:fld id="{48A87A34-81AB-432B-8DAE-1953F412C126}" type="datetimeFigureOut">
               <a:rPr lang="en-US" dirty="0"/>
-              <a:t>8/31/2018</a:t>
+              <a:t>9/6/2018</a:t>
             </a:fld>
             <a:endParaRPr lang="en-US" dirty="0"/>
           </a:p>
@@ -8145,7 +8146,7 @@
           <a:p>
             <a:fld id="{48A87A34-81AB-432B-8DAE-1953F412C126}" type="datetimeFigureOut">
               <a:rPr lang="en-US" dirty="0"/>
-              <a:t>8/31/2018</a:t>
+              <a:t>9/6/2018</a:t>
             </a:fld>
             <a:endParaRPr lang="en-US" dirty="0"/>
           </a:p>
@@ -8258,7 +8259,7 @@
           <a:p>
             <a:fld id="{48A87A34-81AB-432B-8DAE-1953F412C126}" type="datetimeFigureOut">
               <a:rPr lang="en-US" dirty="0"/>
-              <a:t>8/31/2018</a:t>
+              <a:t>9/6/2018</a:t>
             </a:fld>
             <a:endParaRPr lang="en-US" dirty="0"/>
           </a:p>
@@ -8348,7 +8349,7 @@
           <a:p>
             <a:fld id="{48A87A34-81AB-432B-8DAE-1953F412C126}" type="datetimeFigureOut">
               <a:rPr lang="en-US" dirty="0"/>
-              <a:t>8/31/2018</a:t>
+              <a:t>9/6/2018</a:t>
             </a:fld>
             <a:endParaRPr lang="en-US" dirty="0"/>
           </a:p>
@@ -8592,7 +8593,7 @@
           <a:p>
             <a:fld id="{48A87A34-81AB-432B-8DAE-1953F412C126}" type="datetimeFigureOut">
               <a:rPr lang="en-US" dirty="0"/>
-              <a:t>8/31/2018</a:t>
+              <a:t>9/6/2018</a:t>
             </a:fld>
             <a:endParaRPr lang="en-US" dirty="0"/>
           </a:p>
@@ -8867,7 +8868,7 @@
           <a:p>
             <a:fld id="{48A87A34-81AB-432B-8DAE-1953F412C126}" type="datetimeFigureOut">
               <a:rPr lang="en-US" dirty="0"/>
-              <a:t>8/31/2018</a:t>
+              <a:t>9/6/2018</a:t>
             </a:fld>
             <a:endParaRPr lang="en-US" dirty="0"/>
           </a:p>
@@ -8985,7 +8986,7 @@
           <a:noFill/>
           <a:extLst>
             <a:ext uri="{909E8E84-426E-40dd-AFC4-6F175D3DCCD1}">
-              <a14:hiddenFill xmlns="" xmlns:a14="http://schemas.microsoft.com/office/drawing/2010/main">
+              <a14:hiddenFill xmlns:a14="http://schemas.microsoft.com/office/drawing/2010/main" xmlns="">
                 <a:solidFill>
                   <a:srgbClr val="FFFFFF"/>
                 </a:solidFill>
@@ -9059,7 +9060,7 @@
               </a:ln>
               <a:extLst>
                 <a:ext uri="{91240B29-F687-4f45-9708-019B960494DF}">
-                  <a14:hiddenLine xmlns="" xmlns:a14="http://schemas.microsoft.com/office/drawing/2010/main" w="9525">
+                  <a14:hiddenLine xmlns:a14="http://schemas.microsoft.com/office/drawing/2010/main" xmlns="" w="9525">
                     <a:solidFill>
                       <a:srgbClr val="000000"/>
                     </a:solidFill>
@@ -9149,7 +9150,7 @@
               </a:ln>
               <a:extLst>
                 <a:ext uri="{91240B29-F687-4f45-9708-019B960494DF}">
-                  <a14:hiddenLine xmlns="" xmlns:a14="http://schemas.microsoft.com/office/drawing/2010/main" w="9525">
+                  <a14:hiddenLine xmlns:a14="http://schemas.microsoft.com/office/drawing/2010/main" xmlns="" w="9525">
                     <a:solidFill>
                       <a:srgbClr val="000000"/>
                     </a:solidFill>
@@ -9239,7 +9240,7 @@
               </a:ln>
               <a:extLst>
                 <a:ext uri="{91240B29-F687-4f45-9708-019B960494DF}">
-                  <a14:hiddenLine xmlns="" xmlns:a14="http://schemas.microsoft.com/office/drawing/2010/main" w="9525">
+                  <a14:hiddenLine xmlns:a14="http://schemas.microsoft.com/office/drawing/2010/main" xmlns="" w="9525">
                     <a:solidFill>
                       <a:srgbClr val="000000"/>
                     </a:solidFill>
@@ -9301,7 +9302,7 @@
               </a:ln>
               <a:extLst>
                 <a:ext uri="{91240B29-F687-4f45-9708-019B960494DF}">
-                  <a14:hiddenLine xmlns="" xmlns:a14="http://schemas.microsoft.com/office/drawing/2010/main" w="9525">
+                  <a14:hiddenLine xmlns:a14="http://schemas.microsoft.com/office/drawing/2010/main" xmlns="" w="9525">
                     <a:solidFill>
                       <a:srgbClr val="000000"/>
                     </a:solidFill>
@@ -9391,7 +9392,7 @@
               </a:ln>
               <a:extLst>
                 <a:ext uri="{91240B29-F687-4f45-9708-019B960494DF}">
-                  <a14:hiddenLine xmlns="" xmlns:a14="http://schemas.microsoft.com/office/drawing/2010/main" w="9525">
+                  <a14:hiddenLine xmlns:a14="http://schemas.microsoft.com/office/drawing/2010/main" xmlns="" w="9525">
                     <a:solidFill>
                       <a:srgbClr val="000000"/>
                     </a:solidFill>
@@ -9453,7 +9454,7 @@
               </a:ln>
               <a:extLst>
                 <a:ext uri="{91240B29-F687-4f45-9708-019B960494DF}">
-                  <a14:hiddenLine xmlns="" xmlns:a14="http://schemas.microsoft.com/office/drawing/2010/main" w="9525">
+                  <a14:hiddenLine xmlns:a14="http://schemas.microsoft.com/office/drawing/2010/main" xmlns="" w="9525">
                     <a:solidFill>
                       <a:srgbClr val="000000"/>
                     </a:solidFill>
@@ -9515,7 +9516,7 @@
               </a:ln>
               <a:extLst>
                 <a:ext uri="{91240B29-F687-4f45-9708-019B960494DF}">
-                  <a14:hiddenLine xmlns="" xmlns:a14="http://schemas.microsoft.com/office/drawing/2010/main" w="9525">
+                  <a14:hiddenLine xmlns:a14="http://schemas.microsoft.com/office/drawing/2010/main" xmlns="" w="9525">
                     <a:solidFill>
                       <a:srgbClr val="000000"/>
                     </a:solidFill>
@@ -9605,7 +9606,7 @@
               </a:ln>
               <a:extLst>
                 <a:ext uri="{91240B29-F687-4f45-9708-019B960494DF}">
-                  <a14:hiddenLine xmlns="" xmlns:a14="http://schemas.microsoft.com/office/drawing/2010/main" w="9525">
+                  <a14:hiddenLine xmlns:a14="http://schemas.microsoft.com/office/drawing/2010/main" xmlns="" w="9525">
                     <a:solidFill>
                       <a:srgbClr val="000000"/>
                     </a:solidFill>
@@ -9695,7 +9696,7 @@
               </a:ln>
               <a:extLst>
                 <a:ext uri="{91240B29-F687-4f45-9708-019B960494DF}">
-                  <a14:hiddenLine xmlns="" xmlns:a14="http://schemas.microsoft.com/office/drawing/2010/main" w="9525">
+                  <a14:hiddenLine xmlns:a14="http://schemas.microsoft.com/office/drawing/2010/main" xmlns="" w="9525">
                     <a:solidFill>
                       <a:srgbClr val="000000"/>
                     </a:solidFill>
@@ -9757,7 +9758,7 @@
               </a:ln>
               <a:extLst>
                 <a:ext uri="{91240B29-F687-4f45-9708-019B960494DF}">
-                  <a14:hiddenLine xmlns="" xmlns:a14="http://schemas.microsoft.com/office/drawing/2010/main" w="9525">
+                  <a14:hiddenLine xmlns:a14="http://schemas.microsoft.com/office/drawing/2010/main" xmlns="" w="9525">
                     <a:solidFill>
                       <a:srgbClr val="000000"/>
                     </a:solidFill>
@@ -9867,7 +9868,7 @@
               </a:ln>
               <a:extLst>
                 <a:ext uri="{91240B29-F687-4f45-9708-019B960494DF}">
-                  <a14:hiddenLine xmlns="" xmlns:a14="http://schemas.microsoft.com/office/drawing/2010/main" w="9525">
+                  <a14:hiddenLine xmlns:a14="http://schemas.microsoft.com/office/drawing/2010/main" xmlns="" w="9525">
                     <a:solidFill>
                       <a:srgbClr val="000000"/>
                     </a:solidFill>
@@ -9951,7 +9952,7 @@
               </a:ln>
               <a:extLst>
                 <a:ext uri="{91240B29-F687-4f45-9708-019B960494DF}">
-                  <a14:hiddenLine xmlns="" xmlns:a14="http://schemas.microsoft.com/office/drawing/2010/main" w="9525">
+                  <a14:hiddenLine xmlns:a14="http://schemas.microsoft.com/office/drawing/2010/main" xmlns="" w="9525">
                     <a:solidFill>
                       <a:srgbClr val="000000"/>
                     </a:solidFill>
@@ -10013,7 +10014,7 @@
               </a:ln>
               <a:extLst>
                 <a:ext uri="{91240B29-F687-4f45-9708-019B960494DF}">
-                  <a14:hiddenLine xmlns="" xmlns:a14="http://schemas.microsoft.com/office/drawing/2010/main" w="9525">
+                  <a14:hiddenLine xmlns:a14="http://schemas.microsoft.com/office/drawing/2010/main" xmlns="" w="9525">
                     <a:solidFill>
                       <a:srgbClr val="000000"/>
                     </a:solidFill>
@@ -10075,7 +10076,7 @@
               </a:ln>
               <a:extLst>
                 <a:ext uri="{91240B29-F687-4f45-9708-019B960494DF}">
-                  <a14:hiddenLine xmlns="" xmlns:a14="http://schemas.microsoft.com/office/drawing/2010/main" w="9525">
+                  <a14:hiddenLine xmlns:a14="http://schemas.microsoft.com/office/drawing/2010/main" xmlns="" w="9525">
                     <a:solidFill>
                       <a:srgbClr val="000000"/>
                     </a:solidFill>
@@ -10165,7 +10166,7 @@
               </a:ln>
               <a:extLst>
                 <a:ext uri="{91240B29-F687-4f45-9708-019B960494DF}">
-                  <a14:hiddenLine xmlns="" xmlns:a14="http://schemas.microsoft.com/office/drawing/2010/main" w="9525">
+                  <a14:hiddenLine xmlns:a14="http://schemas.microsoft.com/office/drawing/2010/main" xmlns="" w="9525">
                     <a:solidFill>
                       <a:srgbClr val="000000"/>
                     </a:solidFill>
@@ -10199,7 +10200,7 @@
               </a:ln>
               <a:extLst>
                 <a:ext uri="{91240B29-F687-4f45-9708-019B960494DF}">
-                  <a14:hiddenLine xmlns="" xmlns:a14="http://schemas.microsoft.com/office/drawing/2010/main" w="9525">
+                  <a14:hiddenLine xmlns:a14="http://schemas.microsoft.com/office/drawing/2010/main" xmlns="" w="9525">
                     <a:solidFill>
                       <a:srgbClr val="000000"/>
                     </a:solidFill>
@@ -10264,7 +10265,7 @@
               </a:ln>
               <a:extLst>
                 <a:ext uri="{91240B29-F687-4f45-9708-019B960494DF}">
-                  <a14:hiddenLine xmlns="" xmlns:a14="http://schemas.microsoft.com/office/drawing/2010/main" w="9525">
+                  <a14:hiddenLine xmlns:a14="http://schemas.microsoft.com/office/drawing/2010/main" xmlns="" w="9525">
                     <a:solidFill>
                       <a:srgbClr val="000000"/>
                     </a:solidFill>
@@ -10354,7 +10355,7 @@
               </a:ln>
               <a:extLst>
                 <a:ext uri="{91240B29-F687-4f45-9708-019B960494DF}">
-                  <a14:hiddenLine xmlns="" xmlns:a14="http://schemas.microsoft.com/office/drawing/2010/main" w="9525">
+                  <a14:hiddenLine xmlns:a14="http://schemas.microsoft.com/office/drawing/2010/main" xmlns="" w="9525">
                     <a:solidFill>
                       <a:srgbClr val="000000"/>
                     </a:solidFill>
@@ -10416,7 +10417,7 @@
               </a:ln>
               <a:extLst>
                 <a:ext uri="{91240B29-F687-4f45-9708-019B960494DF}">
-                  <a14:hiddenLine xmlns="" xmlns:a14="http://schemas.microsoft.com/office/drawing/2010/main" w="9525">
+                  <a14:hiddenLine xmlns:a14="http://schemas.microsoft.com/office/drawing/2010/main" xmlns="" w="9525">
                     <a:solidFill>
                       <a:srgbClr val="000000"/>
                     </a:solidFill>
@@ -10506,7 +10507,7 @@
               </a:ln>
               <a:extLst>
                 <a:ext uri="{91240B29-F687-4f45-9708-019B960494DF}">
-                  <a14:hiddenLine xmlns="" xmlns:a14="http://schemas.microsoft.com/office/drawing/2010/main" w="9525">
+                  <a14:hiddenLine xmlns:a14="http://schemas.microsoft.com/office/drawing/2010/main" xmlns="" w="9525">
                     <a:solidFill>
                       <a:srgbClr val="000000"/>
                     </a:solidFill>
@@ -10571,7 +10572,7 @@
               </a:ln>
               <a:extLst>
                 <a:ext uri="{91240B29-F687-4f45-9708-019B960494DF}">
-                  <a14:hiddenLine xmlns="" xmlns:a14="http://schemas.microsoft.com/office/drawing/2010/main" w="9525">
+                  <a14:hiddenLine xmlns:a14="http://schemas.microsoft.com/office/drawing/2010/main" xmlns="" w="9525">
                     <a:solidFill>
                       <a:srgbClr val="000000"/>
                     </a:solidFill>
@@ -10633,7 +10634,7 @@
               </a:ln>
               <a:extLst>
                 <a:ext uri="{91240B29-F687-4f45-9708-019B960494DF}">
-                  <a14:hiddenLine xmlns="" xmlns:a14="http://schemas.microsoft.com/office/drawing/2010/main" w="9525">
+                  <a14:hiddenLine xmlns:a14="http://schemas.microsoft.com/office/drawing/2010/main" xmlns="" w="9525">
                     <a:solidFill>
                       <a:srgbClr val="000000"/>
                     </a:solidFill>
@@ -10723,7 +10724,7 @@
               </a:ln>
               <a:extLst>
                 <a:ext uri="{91240B29-F687-4f45-9708-019B960494DF}">
-                  <a14:hiddenLine xmlns="" xmlns:a14="http://schemas.microsoft.com/office/drawing/2010/main" w="9525">
+                  <a14:hiddenLine xmlns:a14="http://schemas.microsoft.com/office/drawing/2010/main" xmlns="" w="9525">
                     <a:solidFill>
                       <a:srgbClr val="000000"/>
                     </a:solidFill>
@@ -10813,7 +10814,7 @@
               </a:ln>
               <a:extLst>
                 <a:ext uri="{91240B29-F687-4f45-9708-019B960494DF}">
-                  <a14:hiddenLine xmlns="" xmlns:a14="http://schemas.microsoft.com/office/drawing/2010/main" w="9525">
+                  <a14:hiddenLine xmlns:a14="http://schemas.microsoft.com/office/drawing/2010/main" xmlns="" w="9525">
                     <a:solidFill>
                       <a:srgbClr val="000000"/>
                     </a:solidFill>
@@ -10878,7 +10879,7 @@
               </a:ln>
               <a:extLst>
                 <a:ext uri="{91240B29-F687-4f45-9708-019B960494DF}">
-                  <a14:hiddenLine xmlns="" xmlns:a14="http://schemas.microsoft.com/office/drawing/2010/main" w="9525">
+                  <a14:hiddenLine xmlns:a14="http://schemas.microsoft.com/office/drawing/2010/main" xmlns="" w="9525">
                     <a:solidFill>
                       <a:srgbClr val="000000"/>
                     </a:solidFill>
@@ -10998,7 +10999,7 @@
               </a:ln>
               <a:extLst>
                 <a:ext uri="{91240B29-F687-4f45-9708-019B960494DF}">
-                  <a14:hiddenLine xmlns="" xmlns:a14="http://schemas.microsoft.com/office/drawing/2010/main" w="9525">
+                  <a14:hiddenLine xmlns:a14="http://schemas.microsoft.com/office/drawing/2010/main" xmlns="" w="9525">
                     <a:solidFill>
                       <a:srgbClr val="000000"/>
                     </a:solidFill>
@@ -11079,7 +11080,7 @@
               </a:ln>
               <a:extLst>
                 <a:ext uri="{91240B29-F687-4f45-9708-019B960494DF}">
-                  <a14:hiddenLine xmlns="" xmlns:a14="http://schemas.microsoft.com/office/drawing/2010/main" w="9525">
+                  <a14:hiddenLine xmlns:a14="http://schemas.microsoft.com/office/drawing/2010/main" xmlns="" w="9525">
                     <a:solidFill>
                       <a:srgbClr val="000000"/>
                     </a:solidFill>
@@ -11194,7 +11195,7 @@
               </a:ln>
               <a:extLst>
                 <a:ext uri="{91240B29-F687-4f45-9708-019B960494DF}">
-                  <a14:hiddenLine xmlns="" xmlns:a14="http://schemas.microsoft.com/office/drawing/2010/main" w="9525">
+                  <a14:hiddenLine xmlns:a14="http://schemas.microsoft.com/office/drawing/2010/main" xmlns="" w="9525">
                     <a:solidFill>
                       <a:srgbClr val="000000"/>
                     </a:solidFill>
@@ -11284,7 +11285,7 @@
               </a:ln>
               <a:extLst>
                 <a:ext uri="{91240B29-F687-4f45-9708-019B960494DF}">
-                  <a14:hiddenLine xmlns="" xmlns:a14="http://schemas.microsoft.com/office/drawing/2010/main" w="9525">
+                  <a14:hiddenLine xmlns:a14="http://schemas.microsoft.com/office/drawing/2010/main" xmlns="" w="9525">
                     <a:solidFill>
                       <a:srgbClr val="000000"/>
                     </a:solidFill>
@@ -11349,7 +11350,7 @@
               </a:ln>
               <a:extLst>
                 <a:ext uri="{91240B29-F687-4f45-9708-019B960494DF}">
-                  <a14:hiddenLine xmlns="" xmlns:a14="http://schemas.microsoft.com/office/drawing/2010/main" w="9525">
+                  <a14:hiddenLine xmlns:a14="http://schemas.microsoft.com/office/drawing/2010/main" xmlns="" w="9525">
                     <a:solidFill>
                       <a:srgbClr val="000000"/>
                     </a:solidFill>
@@ -11439,7 +11440,7 @@
               </a:ln>
               <a:extLst>
                 <a:ext uri="{91240B29-F687-4f45-9708-019B960494DF}">
-                  <a14:hiddenLine xmlns="" xmlns:a14="http://schemas.microsoft.com/office/drawing/2010/main" w="9525">
+                  <a14:hiddenLine xmlns:a14="http://schemas.microsoft.com/office/drawing/2010/main" xmlns="" w="9525">
                     <a:solidFill>
                       <a:srgbClr val="000000"/>
                     </a:solidFill>
@@ -11507,7 +11508,7 @@
               </a:ln>
               <a:extLst>
                 <a:ext uri="{91240B29-F687-4f45-9708-019B960494DF}">
-                  <a14:hiddenLine xmlns="" xmlns:a14="http://schemas.microsoft.com/office/drawing/2010/main" w="9525">
+                  <a14:hiddenLine xmlns:a14="http://schemas.microsoft.com/office/drawing/2010/main" xmlns="" w="9525">
                     <a:solidFill>
                       <a:srgbClr val="000000"/>
                     </a:solidFill>
@@ -11597,7 +11598,7 @@
               </a:ln>
               <a:extLst>
                 <a:ext uri="{91240B29-F687-4f45-9708-019B960494DF}">
-                  <a14:hiddenLine xmlns="" xmlns:a14="http://schemas.microsoft.com/office/drawing/2010/main" w="9525">
+                  <a14:hiddenLine xmlns:a14="http://schemas.microsoft.com/office/drawing/2010/main" xmlns="" w="9525">
                     <a:solidFill>
                       <a:srgbClr val="000000"/>
                     </a:solidFill>
@@ -11665,7 +11666,7 @@
               </a:ln>
               <a:extLst>
                 <a:ext uri="{91240B29-F687-4f45-9708-019B960494DF}">
-                  <a14:hiddenLine xmlns="" xmlns:a14="http://schemas.microsoft.com/office/drawing/2010/main" w="9525">
+                  <a14:hiddenLine xmlns:a14="http://schemas.microsoft.com/office/drawing/2010/main" xmlns="" w="9525">
                     <a:solidFill>
                       <a:srgbClr val="000000"/>
                     </a:solidFill>
@@ -11755,7 +11756,7 @@
               </a:ln>
               <a:extLst>
                 <a:ext uri="{91240B29-F687-4f45-9708-019B960494DF}">
-                  <a14:hiddenLine xmlns="" xmlns:a14="http://schemas.microsoft.com/office/drawing/2010/main" w="9525">
+                  <a14:hiddenLine xmlns:a14="http://schemas.microsoft.com/office/drawing/2010/main" xmlns="" w="9525">
                     <a:solidFill>
                       <a:srgbClr val="000000"/>
                     </a:solidFill>
@@ -11789,7 +11790,7 @@
               </a:ln>
               <a:extLst>
                 <a:ext uri="{91240B29-F687-4f45-9708-019B960494DF}">
-                  <a14:hiddenLine xmlns="" xmlns:a14="http://schemas.microsoft.com/office/drawing/2010/main" w="9525">
+                  <a14:hiddenLine xmlns:a14="http://schemas.microsoft.com/office/drawing/2010/main" xmlns="" w="9525">
                     <a:solidFill>
                       <a:srgbClr val="000000"/>
                     </a:solidFill>
@@ -11930,7 +11931,7 @@
             <a:fld id="{48A87A34-81AB-432B-8DAE-1953F412C126}" type="datetimeFigureOut">
               <a:rPr lang="en-US" dirty="0"/>
               <a:pPr/>
-              <a:t>8/31/2018</a:t>
+              <a:t>9/6/2018</a:t>
             </a:fld>
             <a:endParaRPr lang="en-US" dirty="0"/>
           </a:p>
@@ -12416,10 +12417,10 @@
       </p:sp>
       <p:pic>
         <p:nvPicPr>
-          <p:cNvPr id="5" name="Picture 4">
+          <p:cNvPr id="6" name="Picture 5">
             <a:extLst>
               <a:ext uri="{FF2B5EF4-FFF2-40B4-BE49-F238E27FC236}">
-                <a16:creationId xmlns:a16="http://schemas.microsoft.com/office/drawing/2014/main" id="{70752310-79D9-4AB7-B848-676F2CB02AF0}"/>
+                <a16:creationId xmlns:a16="http://schemas.microsoft.com/office/drawing/2014/main" id="{3C5BA49A-27F7-4FC8-B925-5D0550C0419A}"/>
               </a:ext>
             </a:extLst>
           </p:cNvPr>
@@ -12436,8 +12437,8 @@
         </p:blipFill>
         <p:spPr>
           <a:xfrm>
-            <a:off x="4116730" y="268287"/>
-            <a:ext cx="3958540" cy="2387601"/>
+            <a:off x="3804797" y="778193"/>
+            <a:ext cx="4582406" cy="1537970"/>
           </a:xfrm>
           <a:prstGeom prst="rect">
             <a:avLst/>
@@ -12649,12 +12650,46 @@
             <p:ph type="body" idx="1"/>
           </p:nvPr>
         </p:nvSpPr>
-        <p:spPr/>
+        <p:spPr>
+          <a:xfrm>
+            <a:off x="1141411" y="3136900"/>
+            <a:ext cx="9906000" cy="2662238"/>
+          </a:xfrm>
+        </p:spPr>
         <p:txBody>
-          <a:bodyPr/>
+          <a:bodyPr>
+            <a:normAutofit/>
+          </a:bodyPr>
           <a:lstStyle/>
           <a:p>
-            <a:endParaRPr lang="en-US"/>
+            <a:pPr marL="285750" indent="-285750">
+              <a:buFont typeface="Arial" panose="020B0604020202020204" pitchFamily="34" charset="0"/>
+              <a:buChar char="•"/>
+            </a:pPr>
+            <a:r>
+              <a:rPr lang="en-US" dirty="0"/>
+              <a:t>It is a JavaScript library for building user interfaces. From simple to complex, just by using isolated pieces called components.</a:t>
+            </a:r>
+          </a:p>
+          <a:p>
+            <a:pPr marL="285750" indent="-285750">
+              <a:buFont typeface="Arial" panose="020B0604020202020204" pitchFamily="34" charset="0"/>
+              <a:buChar char="•"/>
+            </a:pPr>
+            <a:r>
+              <a:rPr lang="en-US" dirty="0"/>
+              <a:t>MVC – Model-View-Controller, React is the View.</a:t>
+            </a:r>
+          </a:p>
+          <a:p>
+            <a:pPr marL="285750" indent="-285750">
+              <a:buFont typeface="Arial" panose="020B0604020202020204" pitchFamily="34" charset="0"/>
+              <a:buChar char="•"/>
+            </a:pPr>
+            <a:r>
+              <a:rPr lang="en-US" dirty="0"/>
+              <a:t>Analogy – A house, React is the Yard, paint, couches, beds, TVs, decorations, etc.</a:t>
+            </a:r>
           </a:p>
         </p:txBody>
       </p:sp>
@@ -12662,6 +12697,86 @@
     <p:extLst>
       <p:ext uri="{BB962C8B-B14F-4D97-AF65-F5344CB8AC3E}">
         <p14:creationId xmlns:p14="http://schemas.microsoft.com/office/powerpoint/2010/main" val="1826038928"/>
+      </p:ext>
+    </p:extLst>
+  </p:cSld>
+  <p:clrMapOvr>
+    <a:masterClrMapping/>
+  </p:clrMapOvr>
+</p:sld>
+</file>
+
+<file path=ppt/slides/slide4.xml><?xml version="1.0" encoding="utf-8"?>
+<p:sld xmlns:a="http://schemas.openxmlformats.org/drawingml/2006/main" xmlns:r="http://schemas.openxmlformats.org/officeDocument/2006/relationships" xmlns:p="http://schemas.openxmlformats.org/presentationml/2006/main">
+  <p:cSld>
+    <p:spTree>
+      <p:nvGrpSpPr>
+        <p:cNvPr id="1" name=""/>
+        <p:cNvGrpSpPr/>
+        <p:nvPr/>
+      </p:nvGrpSpPr>
+      <p:grpSpPr>
+        <a:xfrm>
+          <a:off x="0" y="0"/>
+          <a:ext cx="0" cy="0"/>
+          <a:chOff x="0" y="0"/>
+          <a:chExt cx="0" cy="0"/>
+        </a:xfrm>
+      </p:grpSpPr>
+      <p:sp>
+        <p:nvSpPr>
+          <p:cNvPr id="2" name="Title 1">
+            <a:extLst>
+              <a:ext uri="{FF2B5EF4-FFF2-40B4-BE49-F238E27FC236}">
+                <a16:creationId xmlns:a16="http://schemas.microsoft.com/office/drawing/2014/main" id="{16B08308-3911-4020-A881-4FA01E2E2FC9}"/>
+              </a:ext>
+            </a:extLst>
+          </p:cNvPr>
+          <p:cNvSpPr>
+            <a:spLocks noGrp="1"/>
+          </p:cNvSpPr>
+          <p:nvPr>
+            <p:ph type="title"/>
+          </p:nvPr>
+        </p:nvSpPr>
+        <p:spPr/>
+        <p:txBody>
+          <a:bodyPr/>
+          <a:lstStyle/>
+          <a:p>
+            <a:endParaRPr lang="en-US"/>
+          </a:p>
+        </p:txBody>
+      </p:sp>
+      <p:sp>
+        <p:nvSpPr>
+          <p:cNvPr id="3" name="Text Placeholder 2">
+            <a:extLst>
+              <a:ext uri="{FF2B5EF4-FFF2-40B4-BE49-F238E27FC236}">
+                <a16:creationId xmlns:a16="http://schemas.microsoft.com/office/drawing/2014/main" id="{F4A129A8-1D64-4086-917E-AEEE1193EA21}"/>
+              </a:ext>
+            </a:extLst>
+          </p:cNvPr>
+          <p:cNvSpPr>
+            <a:spLocks noGrp="1"/>
+          </p:cNvSpPr>
+          <p:nvPr>
+            <p:ph type="body" idx="1"/>
+          </p:nvPr>
+        </p:nvSpPr>
+        <p:spPr/>
+        <p:txBody>
+          <a:bodyPr/>
+          <a:lstStyle/>
+          <a:p>
+            <a:endParaRPr lang="en-US"/>
+          </a:p>
+        </p:txBody>
+      </p:sp>
+    </p:spTree>
+    <p:extLst>
+      <p:ext uri="{BB962C8B-B14F-4D97-AF65-F5344CB8AC3E}">
+        <p14:creationId xmlns:p14="http://schemas.microsoft.com/office/powerpoint/2010/main" val="4177524365"/>
       </p:ext>
     </p:extLst>
   </p:cSld>

--- a/React/slides/react_lessons_slides.pptx
+++ b/React/slides/react_lessons_slides.pptx
@@ -172,7 +172,7 @@
           <a:noFill/>
           <a:extLst>
             <a:ext uri="{909E8E84-426E-40dd-AFC4-6F175D3DCCD1}">
-              <a14:hiddenFill xmlns:a14="http://schemas.microsoft.com/office/drawing/2010/main" xmlns="">
+              <a14:hiddenFill xmlns="" xmlns:a14="http://schemas.microsoft.com/office/drawing/2010/main">
                 <a:solidFill>
                   <a:srgbClr val="FFFFFF"/>
                 </a:solidFill>
@@ -231,7 +231,7 @@
             </a:ln>
             <a:extLst>
               <a:ext uri="{91240B29-F687-4f45-9708-019B960494DF}">
-                <a14:hiddenLine xmlns:a14="http://schemas.microsoft.com/office/drawing/2010/main" xmlns="" w="9525">
+                <a14:hiddenLine xmlns="" xmlns:a14="http://schemas.microsoft.com/office/drawing/2010/main" w="9525">
                   <a:solidFill>
                     <a:srgbClr val="000000"/>
                   </a:solidFill>
@@ -321,7 +321,7 @@
             </a:ln>
             <a:extLst>
               <a:ext uri="{91240B29-F687-4f45-9708-019B960494DF}">
-                <a14:hiddenLine xmlns:a14="http://schemas.microsoft.com/office/drawing/2010/main" xmlns="" w="9525">
+                <a14:hiddenLine xmlns="" xmlns:a14="http://schemas.microsoft.com/office/drawing/2010/main" w="9525">
                   <a:solidFill>
                     <a:srgbClr val="000000"/>
                   </a:solidFill>
@@ -411,7 +411,7 @@
             </a:ln>
             <a:extLst>
               <a:ext uri="{91240B29-F687-4f45-9708-019B960494DF}">
-                <a14:hiddenLine xmlns:a14="http://schemas.microsoft.com/office/drawing/2010/main" xmlns="" w="9525">
+                <a14:hiddenLine xmlns="" xmlns:a14="http://schemas.microsoft.com/office/drawing/2010/main" w="9525">
                   <a:solidFill>
                     <a:srgbClr val="000000"/>
                   </a:solidFill>
@@ -445,7 +445,7 @@
             </a:ln>
             <a:extLst>
               <a:ext uri="{91240B29-F687-4f45-9708-019B960494DF}">
-                <a14:hiddenLine xmlns:a14="http://schemas.microsoft.com/office/drawing/2010/main" xmlns="" w="9525">
+                <a14:hiddenLine xmlns="" xmlns:a14="http://schemas.microsoft.com/office/drawing/2010/main" w="9525">
                   <a:solidFill>
                     <a:srgbClr val="000000"/>
                   </a:solidFill>
@@ -535,7 +535,7 @@
             </a:ln>
             <a:extLst>
               <a:ext uri="{91240B29-F687-4f45-9708-019B960494DF}">
-                <a14:hiddenLine xmlns:a14="http://schemas.microsoft.com/office/drawing/2010/main" xmlns="" w="9525">
+                <a14:hiddenLine xmlns="" xmlns:a14="http://schemas.microsoft.com/office/drawing/2010/main" w="9525">
                   <a:solidFill>
                     <a:srgbClr val="000000"/>
                   </a:solidFill>
@@ -597,7 +597,7 @@
             </a:ln>
             <a:extLst>
               <a:ext uri="{91240B29-F687-4f45-9708-019B960494DF}">
-                <a14:hiddenLine xmlns:a14="http://schemas.microsoft.com/office/drawing/2010/main" xmlns="" w="9525">
+                <a14:hiddenLine xmlns="" xmlns:a14="http://schemas.microsoft.com/office/drawing/2010/main" w="9525">
                   <a:solidFill>
                     <a:srgbClr val="000000"/>
                   </a:solidFill>
@@ -659,7 +659,7 @@
             </a:ln>
             <a:extLst>
               <a:ext uri="{91240B29-F687-4f45-9708-019B960494DF}">
-                <a14:hiddenLine xmlns:a14="http://schemas.microsoft.com/office/drawing/2010/main" xmlns="" w="9525">
+                <a14:hiddenLine xmlns="" xmlns:a14="http://schemas.microsoft.com/office/drawing/2010/main" w="9525">
                   <a:solidFill>
                     <a:srgbClr val="000000"/>
                   </a:solidFill>
@@ -749,7 +749,7 @@
             </a:ln>
             <a:extLst>
               <a:ext uri="{91240B29-F687-4f45-9708-019B960494DF}">
-                <a14:hiddenLine xmlns:a14="http://schemas.microsoft.com/office/drawing/2010/main" xmlns="" w="9525">
+                <a14:hiddenLine xmlns="" xmlns:a14="http://schemas.microsoft.com/office/drawing/2010/main" w="9525">
                   <a:solidFill>
                     <a:srgbClr val="000000"/>
                   </a:solidFill>
@@ -811,7 +811,7 @@
             </a:ln>
             <a:extLst>
               <a:ext uri="{91240B29-F687-4f45-9708-019B960494DF}">
-                <a14:hiddenLine xmlns:a14="http://schemas.microsoft.com/office/drawing/2010/main" xmlns="" w="9525">
+                <a14:hiddenLine xmlns="" xmlns:a14="http://schemas.microsoft.com/office/drawing/2010/main" w="9525">
                   <a:solidFill>
                     <a:srgbClr val="000000"/>
                   </a:solidFill>
@@ -873,7 +873,7 @@
             </a:ln>
             <a:extLst>
               <a:ext uri="{91240B29-F687-4f45-9708-019B960494DF}">
-                <a14:hiddenLine xmlns:a14="http://schemas.microsoft.com/office/drawing/2010/main" xmlns="" w="9525">
+                <a14:hiddenLine xmlns="" xmlns:a14="http://schemas.microsoft.com/office/drawing/2010/main" w="9525">
                   <a:solidFill>
                     <a:srgbClr val="000000"/>
                   </a:solidFill>
@@ -963,7 +963,7 @@
             </a:ln>
             <a:extLst>
               <a:ext uri="{91240B29-F687-4f45-9708-019B960494DF}">
-                <a14:hiddenLine xmlns:a14="http://schemas.microsoft.com/office/drawing/2010/main" xmlns="" w="9525">
+                <a14:hiddenLine xmlns="" xmlns:a14="http://schemas.microsoft.com/office/drawing/2010/main" w="9525">
                   <a:solidFill>
                     <a:srgbClr val="000000"/>
                   </a:solidFill>
@@ -1053,7 +1053,7 @@
             </a:ln>
             <a:extLst>
               <a:ext uri="{91240B29-F687-4f45-9708-019B960494DF}">
-                <a14:hiddenLine xmlns:a14="http://schemas.microsoft.com/office/drawing/2010/main" xmlns="" w="9525">
+                <a14:hiddenLine xmlns="" xmlns:a14="http://schemas.microsoft.com/office/drawing/2010/main" w="9525">
                   <a:solidFill>
                     <a:srgbClr val="000000"/>
                   </a:solidFill>
@@ -1115,7 +1115,7 @@
             </a:ln>
             <a:extLst>
               <a:ext uri="{91240B29-F687-4f45-9708-019B960494DF}">
-                <a14:hiddenLine xmlns:a14="http://schemas.microsoft.com/office/drawing/2010/main" xmlns="" w="9525">
+                <a14:hiddenLine xmlns="" xmlns:a14="http://schemas.microsoft.com/office/drawing/2010/main" w="9525">
                   <a:solidFill>
                     <a:srgbClr val="000000"/>
                   </a:solidFill>
@@ -1225,7 +1225,7 @@
             </a:ln>
             <a:extLst>
               <a:ext uri="{91240B29-F687-4f45-9708-019B960494DF}">
-                <a14:hiddenLine xmlns:a14="http://schemas.microsoft.com/office/drawing/2010/main" xmlns="" w="9525">
+                <a14:hiddenLine xmlns="" xmlns:a14="http://schemas.microsoft.com/office/drawing/2010/main" w="9525">
                   <a:solidFill>
                     <a:srgbClr val="000000"/>
                   </a:solidFill>
@@ -1287,7 +1287,7 @@
             </a:ln>
             <a:extLst>
               <a:ext uri="{91240B29-F687-4f45-9708-019B960494DF}">
-                <a14:hiddenLine xmlns:a14="http://schemas.microsoft.com/office/drawing/2010/main" xmlns="" w="9525">
+                <a14:hiddenLine xmlns="" xmlns:a14="http://schemas.microsoft.com/office/drawing/2010/main" w="9525">
                   <a:solidFill>
                     <a:srgbClr val="000000"/>
                   </a:solidFill>
@@ -1377,7 +1377,7 @@
             </a:ln>
             <a:extLst>
               <a:ext uri="{91240B29-F687-4f45-9708-019B960494DF}">
-                <a14:hiddenLine xmlns:a14="http://schemas.microsoft.com/office/drawing/2010/main" xmlns="" w="9525">
+                <a14:hiddenLine xmlns="" xmlns:a14="http://schemas.microsoft.com/office/drawing/2010/main" w="9525">
                   <a:solidFill>
                     <a:srgbClr val="000000"/>
                   </a:solidFill>
@@ -1467,7 +1467,7 @@
             </a:ln>
             <a:extLst>
               <a:ext uri="{91240B29-F687-4f45-9708-019B960494DF}">
-                <a14:hiddenLine xmlns:a14="http://schemas.microsoft.com/office/drawing/2010/main" xmlns="" w="9525">
+                <a14:hiddenLine xmlns="" xmlns:a14="http://schemas.microsoft.com/office/drawing/2010/main" w="9525">
                   <a:solidFill>
                     <a:srgbClr val="000000"/>
                   </a:solidFill>
@@ -1529,7 +1529,7 @@
             </a:ln>
             <a:extLst>
               <a:ext uri="{91240B29-F687-4f45-9708-019B960494DF}">
-                <a14:hiddenLine xmlns:a14="http://schemas.microsoft.com/office/drawing/2010/main" xmlns="" w="9525">
+                <a14:hiddenLine xmlns="" xmlns:a14="http://schemas.microsoft.com/office/drawing/2010/main" w="9525">
                   <a:solidFill>
                     <a:srgbClr val="000000"/>
                   </a:solidFill>
@@ -1619,7 +1619,7 @@
             </a:ln>
             <a:extLst>
               <a:ext uri="{91240B29-F687-4f45-9708-019B960494DF}">
-                <a14:hiddenLine xmlns:a14="http://schemas.microsoft.com/office/drawing/2010/main" xmlns="" w="9525">
+                <a14:hiddenLine xmlns="" xmlns:a14="http://schemas.microsoft.com/office/drawing/2010/main" w="9525">
                   <a:solidFill>
                     <a:srgbClr val="000000"/>
                   </a:solidFill>
@@ -1709,7 +1709,7 @@
             </a:ln>
             <a:extLst>
               <a:ext uri="{91240B29-F687-4f45-9708-019B960494DF}">
-                <a14:hiddenLine xmlns:a14="http://schemas.microsoft.com/office/drawing/2010/main" xmlns="" w="9525">
+                <a14:hiddenLine xmlns="" xmlns:a14="http://schemas.microsoft.com/office/drawing/2010/main" w="9525">
                   <a:solidFill>
                     <a:srgbClr val="000000"/>
                   </a:solidFill>
@@ -1765,7 +1765,7 @@
             </a:ln>
             <a:extLst>
               <a:ext uri="{91240B29-F687-4f45-9708-019B960494DF}">
-                <a14:hiddenLine xmlns:a14="http://schemas.microsoft.com/office/drawing/2010/main" xmlns="" w="9525">
+                <a14:hiddenLine xmlns="" xmlns:a14="http://schemas.microsoft.com/office/drawing/2010/main" w="9525">
                   <a:solidFill>
                     <a:srgbClr val="000000"/>
                   </a:solidFill>
@@ -1855,7 +1855,7 @@
             </a:ln>
             <a:extLst>
               <a:ext uri="{91240B29-F687-4f45-9708-019B960494DF}">
-                <a14:hiddenLine xmlns:a14="http://schemas.microsoft.com/office/drawing/2010/main" xmlns="" w="9525">
+                <a14:hiddenLine xmlns="" xmlns:a14="http://schemas.microsoft.com/office/drawing/2010/main" w="9525">
                   <a:solidFill>
                     <a:srgbClr val="000000"/>
                   </a:solidFill>
@@ -1911,7 +1911,7 @@
             </a:ln>
             <a:extLst>
               <a:ext uri="{91240B29-F687-4f45-9708-019B960494DF}">
-                <a14:hiddenLine xmlns:a14="http://schemas.microsoft.com/office/drawing/2010/main" xmlns="" w="9525">
+                <a14:hiddenLine xmlns="" xmlns:a14="http://schemas.microsoft.com/office/drawing/2010/main" w="9525">
                   <a:solidFill>
                     <a:srgbClr val="000000"/>
                   </a:solidFill>
@@ -2001,7 +2001,7 @@
             </a:ln>
             <a:extLst>
               <a:ext uri="{91240B29-F687-4f45-9708-019B960494DF}">
-                <a14:hiddenLine xmlns:a14="http://schemas.microsoft.com/office/drawing/2010/main" xmlns="" w="9525">
+                <a14:hiddenLine xmlns="" xmlns:a14="http://schemas.microsoft.com/office/drawing/2010/main" w="9525">
                   <a:solidFill>
                     <a:srgbClr val="000000"/>
                   </a:solidFill>
@@ -2069,7 +2069,7 @@
             </a:ln>
             <a:extLst>
               <a:ext uri="{91240B29-F687-4f45-9708-019B960494DF}">
-                <a14:hiddenLine xmlns:a14="http://schemas.microsoft.com/office/drawing/2010/main" xmlns="" w="9525">
+                <a14:hiddenLine xmlns="" xmlns:a14="http://schemas.microsoft.com/office/drawing/2010/main" w="9525">
                   <a:solidFill>
                     <a:srgbClr val="000000"/>
                   </a:solidFill>
@@ -2159,7 +2159,7 @@
             </a:ln>
             <a:extLst>
               <a:ext uri="{91240B29-F687-4f45-9708-019B960494DF}">
-                <a14:hiddenLine xmlns:a14="http://schemas.microsoft.com/office/drawing/2010/main" xmlns="" w="9525">
+                <a14:hiddenLine xmlns="" xmlns:a14="http://schemas.microsoft.com/office/drawing/2010/main" w="9525">
                   <a:solidFill>
                     <a:srgbClr val="000000"/>
                   </a:solidFill>
@@ -2227,7 +2227,7 @@
             </a:ln>
             <a:extLst>
               <a:ext uri="{91240B29-F687-4f45-9708-019B960494DF}">
-                <a14:hiddenLine xmlns:a14="http://schemas.microsoft.com/office/drawing/2010/main" xmlns="" w="9525">
+                <a14:hiddenLine xmlns="" xmlns:a14="http://schemas.microsoft.com/office/drawing/2010/main" w="9525">
                   <a:solidFill>
                     <a:srgbClr val="000000"/>
                   </a:solidFill>
@@ -2317,7 +2317,7 @@
             </a:ln>
             <a:extLst>
               <a:ext uri="{91240B29-F687-4f45-9708-019B960494DF}">
-                <a14:hiddenLine xmlns:a14="http://schemas.microsoft.com/office/drawing/2010/main" xmlns="" w="9525">
+                <a14:hiddenLine xmlns="" xmlns:a14="http://schemas.microsoft.com/office/drawing/2010/main" w="9525">
                   <a:solidFill>
                     <a:srgbClr val="000000"/>
                   </a:solidFill>
@@ -2351,7 +2351,7 @@
             </a:ln>
             <a:extLst>
               <a:ext uri="{91240B29-F687-4f45-9708-019B960494DF}">
-                <a14:hiddenLine xmlns:a14="http://schemas.microsoft.com/office/drawing/2010/main" xmlns="" w="9525">
+                <a14:hiddenLine xmlns="" xmlns:a14="http://schemas.microsoft.com/office/drawing/2010/main" w="9525">
                   <a:solidFill>
                     <a:srgbClr val="000000"/>
                   </a:solidFill>
@@ -2441,7 +2441,7 @@
             </a:ln>
             <a:extLst>
               <a:ext uri="{91240B29-F687-4f45-9708-019B960494DF}">
-                <a14:hiddenLine xmlns:a14="http://schemas.microsoft.com/office/drawing/2010/main" xmlns="" w="9525">
+                <a14:hiddenLine xmlns="" xmlns:a14="http://schemas.microsoft.com/office/drawing/2010/main" w="9525">
                   <a:solidFill>
                     <a:srgbClr val="000000"/>
                   </a:solidFill>
@@ -2503,7 +2503,7 @@
             </a:ln>
             <a:extLst>
               <a:ext uri="{91240B29-F687-4f45-9708-019B960494DF}">
-                <a14:hiddenLine xmlns:a14="http://schemas.microsoft.com/office/drawing/2010/main" xmlns="" w="9525">
+                <a14:hiddenLine xmlns="" xmlns:a14="http://schemas.microsoft.com/office/drawing/2010/main" w="9525">
                   <a:solidFill>
                     <a:srgbClr val="000000"/>
                   </a:solidFill>
@@ -2565,7 +2565,7 @@
             </a:ln>
             <a:extLst>
               <a:ext uri="{91240B29-F687-4f45-9708-019B960494DF}">
-                <a14:hiddenLine xmlns:a14="http://schemas.microsoft.com/office/drawing/2010/main" xmlns="" w="9525">
+                <a14:hiddenLine xmlns="" xmlns:a14="http://schemas.microsoft.com/office/drawing/2010/main" w="9525">
                   <a:solidFill>
                     <a:srgbClr val="000000"/>
                   </a:solidFill>
@@ -2655,7 +2655,7 @@
             </a:ln>
             <a:extLst>
               <a:ext uri="{91240B29-F687-4f45-9708-019B960494DF}">
-                <a14:hiddenLine xmlns:a14="http://schemas.microsoft.com/office/drawing/2010/main" xmlns="" w="9525">
+                <a14:hiddenLine xmlns="" xmlns:a14="http://schemas.microsoft.com/office/drawing/2010/main" w="9525">
                   <a:solidFill>
                     <a:srgbClr val="000000"/>
                   </a:solidFill>
@@ -2723,7 +2723,7 @@
             </a:ln>
             <a:extLst>
               <a:ext uri="{91240B29-F687-4f45-9708-019B960494DF}">
-                <a14:hiddenLine xmlns:a14="http://schemas.microsoft.com/office/drawing/2010/main" xmlns="" w="9525">
+                <a14:hiddenLine xmlns="" xmlns:a14="http://schemas.microsoft.com/office/drawing/2010/main" w="9525">
                   <a:solidFill>
                     <a:srgbClr val="000000"/>
                   </a:solidFill>
@@ -2785,7 +2785,7 @@
             </a:ln>
             <a:extLst>
               <a:ext uri="{91240B29-F687-4f45-9708-019B960494DF}">
-                <a14:hiddenLine xmlns:a14="http://schemas.microsoft.com/office/drawing/2010/main" xmlns="" w="9525">
+                <a14:hiddenLine xmlns="" xmlns:a14="http://schemas.microsoft.com/office/drawing/2010/main" w="9525">
                   <a:solidFill>
                     <a:srgbClr val="000000"/>
                   </a:solidFill>
@@ -2875,7 +2875,7 @@
             </a:ln>
             <a:extLst>
               <a:ext uri="{91240B29-F687-4f45-9708-019B960494DF}">
-                <a14:hiddenLine xmlns:a14="http://schemas.microsoft.com/office/drawing/2010/main" xmlns="" w="9525">
+                <a14:hiddenLine xmlns="" xmlns:a14="http://schemas.microsoft.com/office/drawing/2010/main" w="9525">
                   <a:solidFill>
                     <a:srgbClr val="000000"/>
                   </a:solidFill>
@@ -2937,7 +2937,7 @@
             </a:ln>
             <a:extLst>
               <a:ext uri="{91240B29-F687-4f45-9708-019B960494DF}">
-                <a14:hiddenLine xmlns:a14="http://schemas.microsoft.com/office/drawing/2010/main" xmlns="" w="9525">
+                <a14:hiddenLine xmlns="" xmlns:a14="http://schemas.microsoft.com/office/drawing/2010/main" w="9525">
                   <a:solidFill>
                     <a:srgbClr val="000000"/>
                   </a:solidFill>
@@ -3027,7 +3027,7 @@
             </a:ln>
             <a:extLst>
               <a:ext uri="{91240B29-F687-4f45-9708-019B960494DF}">
-                <a14:hiddenLine xmlns:a14="http://schemas.microsoft.com/office/drawing/2010/main" xmlns="" w="9525">
+                <a14:hiddenLine xmlns="" xmlns:a14="http://schemas.microsoft.com/office/drawing/2010/main" w="9525">
                   <a:solidFill>
                     <a:srgbClr val="000000"/>
                   </a:solidFill>
@@ -3089,7 +3089,7 @@
             </a:ln>
             <a:extLst>
               <a:ext uri="{91240B29-F687-4f45-9708-019B960494DF}">
-                <a14:hiddenLine xmlns:a14="http://schemas.microsoft.com/office/drawing/2010/main" xmlns="" w="9525">
+                <a14:hiddenLine xmlns="" xmlns:a14="http://schemas.microsoft.com/office/drawing/2010/main" w="9525">
                   <a:solidFill>
                     <a:srgbClr val="000000"/>
                   </a:solidFill>
@@ -3179,7 +3179,7 @@
             </a:ln>
             <a:extLst>
               <a:ext uri="{91240B29-F687-4f45-9708-019B960494DF}">
-                <a14:hiddenLine xmlns:a14="http://schemas.microsoft.com/office/drawing/2010/main" xmlns="" w="9525">
+                <a14:hiddenLine xmlns="" xmlns:a14="http://schemas.microsoft.com/office/drawing/2010/main" w="9525">
                   <a:solidFill>
                     <a:srgbClr val="000000"/>
                   </a:solidFill>
@@ -3213,7 +3213,7 @@
             </a:ln>
             <a:extLst>
               <a:ext uri="{91240B29-F687-4f45-9708-019B960494DF}">
-                <a14:hiddenLine xmlns:a14="http://schemas.microsoft.com/office/drawing/2010/main" xmlns="" w="9525">
+                <a14:hiddenLine xmlns="" xmlns:a14="http://schemas.microsoft.com/office/drawing/2010/main" w="9525">
                   <a:solidFill>
                     <a:srgbClr val="000000"/>
                   </a:solidFill>
@@ -3278,7 +3278,7 @@
             </a:ln>
             <a:extLst>
               <a:ext uri="{91240B29-F687-4f45-9708-019B960494DF}">
-                <a14:hiddenLine xmlns:a14="http://schemas.microsoft.com/office/drawing/2010/main" xmlns="" w="9525">
+                <a14:hiddenLine xmlns="" xmlns:a14="http://schemas.microsoft.com/office/drawing/2010/main" w="9525">
                   <a:solidFill>
                     <a:srgbClr val="000000"/>
                   </a:solidFill>
@@ -3368,7 +3368,7 @@
             </a:ln>
             <a:extLst>
               <a:ext uri="{91240B29-F687-4f45-9708-019B960494DF}">
-                <a14:hiddenLine xmlns:a14="http://schemas.microsoft.com/office/drawing/2010/main" xmlns="" w="9525">
+                <a14:hiddenLine xmlns="" xmlns:a14="http://schemas.microsoft.com/office/drawing/2010/main" w="9525">
                   <a:solidFill>
                     <a:srgbClr val="000000"/>
                   </a:solidFill>
@@ -3430,7 +3430,7 @@
             </a:ln>
             <a:extLst>
               <a:ext uri="{91240B29-F687-4f45-9708-019B960494DF}">
-                <a14:hiddenLine xmlns:a14="http://schemas.microsoft.com/office/drawing/2010/main" xmlns="" w="9525">
+                <a14:hiddenLine xmlns="" xmlns:a14="http://schemas.microsoft.com/office/drawing/2010/main" w="9525">
                   <a:solidFill>
                     <a:srgbClr val="000000"/>
                   </a:solidFill>
@@ -3520,7 +3520,7 @@
             </a:ln>
             <a:extLst>
               <a:ext uri="{91240B29-F687-4f45-9708-019B960494DF}">
-                <a14:hiddenLine xmlns:a14="http://schemas.microsoft.com/office/drawing/2010/main" xmlns="" w="9525">
+                <a14:hiddenLine xmlns="" xmlns:a14="http://schemas.microsoft.com/office/drawing/2010/main" w="9525">
                   <a:solidFill>
                     <a:srgbClr val="000000"/>
                   </a:solidFill>
@@ -3610,7 +3610,7 @@
             </a:ln>
             <a:extLst>
               <a:ext uri="{91240B29-F687-4f45-9708-019B960494DF}">
-                <a14:hiddenLine xmlns:a14="http://schemas.microsoft.com/office/drawing/2010/main" xmlns="" w="9525">
+                <a14:hiddenLine xmlns="" xmlns:a14="http://schemas.microsoft.com/office/drawing/2010/main" w="9525">
                   <a:solidFill>
                     <a:srgbClr val="000000"/>
                   </a:solidFill>
@@ -3675,7 +3675,7 @@
             </a:ln>
             <a:extLst>
               <a:ext uri="{91240B29-F687-4f45-9708-019B960494DF}">
-                <a14:hiddenLine xmlns:a14="http://schemas.microsoft.com/office/drawing/2010/main" xmlns="" w="9525">
+                <a14:hiddenLine xmlns="" xmlns:a14="http://schemas.microsoft.com/office/drawing/2010/main" w="9525">
                   <a:solidFill>
                     <a:srgbClr val="000000"/>
                   </a:solidFill>
@@ -3737,7 +3737,7 @@
             </a:ln>
             <a:extLst>
               <a:ext uri="{91240B29-F687-4f45-9708-019B960494DF}">
-                <a14:hiddenLine xmlns:a14="http://schemas.microsoft.com/office/drawing/2010/main" xmlns="" w="9525">
+                <a14:hiddenLine xmlns="" xmlns:a14="http://schemas.microsoft.com/office/drawing/2010/main" w="9525">
                   <a:solidFill>
                     <a:srgbClr val="000000"/>
                   </a:solidFill>
@@ -3827,7 +3827,7 @@
             </a:ln>
             <a:extLst>
               <a:ext uri="{91240B29-F687-4f45-9708-019B960494DF}">
-                <a14:hiddenLine xmlns:a14="http://schemas.microsoft.com/office/drawing/2010/main" xmlns="" w="9525">
+                <a14:hiddenLine xmlns="" xmlns:a14="http://schemas.microsoft.com/office/drawing/2010/main" w="9525">
                   <a:solidFill>
                     <a:srgbClr val="000000"/>
                   </a:solidFill>
@@ -3917,7 +3917,7 @@
             </a:ln>
             <a:extLst>
               <a:ext uri="{91240B29-F687-4f45-9708-019B960494DF}">
-                <a14:hiddenLine xmlns:a14="http://schemas.microsoft.com/office/drawing/2010/main" xmlns="" w="9525">
+                <a14:hiddenLine xmlns="" xmlns:a14="http://schemas.microsoft.com/office/drawing/2010/main" w="9525">
                   <a:solidFill>
                     <a:srgbClr val="000000"/>
                   </a:solidFill>
@@ -3979,7 +3979,7 @@
             </a:ln>
             <a:extLst>
               <a:ext uri="{91240B29-F687-4f45-9708-019B960494DF}">
-                <a14:hiddenLine xmlns:a14="http://schemas.microsoft.com/office/drawing/2010/main" xmlns="" w="9525">
+                <a14:hiddenLine xmlns="" xmlns:a14="http://schemas.microsoft.com/office/drawing/2010/main" w="9525">
                   <a:solidFill>
                     <a:srgbClr val="000000"/>
                   </a:solidFill>
@@ -4099,7 +4099,7 @@
             </a:ln>
             <a:extLst>
               <a:ext uri="{91240B29-F687-4f45-9708-019B960494DF}">
-                <a14:hiddenLine xmlns:a14="http://schemas.microsoft.com/office/drawing/2010/main" xmlns="" w="9525">
+                <a14:hiddenLine xmlns="" xmlns:a14="http://schemas.microsoft.com/office/drawing/2010/main" w="9525">
                   <a:solidFill>
                     <a:srgbClr val="000000"/>
                   </a:solidFill>
@@ -4167,7 +4167,7 @@
             </a:ln>
             <a:extLst>
               <a:ext uri="{91240B29-F687-4f45-9708-019B960494DF}">
-                <a14:hiddenLine xmlns:a14="http://schemas.microsoft.com/office/drawing/2010/main" xmlns="" w="9525">
+                <a14:hiddenLine xmlns="" xmlns:a14="http://schemas.microsoft.com/office/drawing/2010/main" w="9525">
                   <a:solidFill>
                     <a:srgbClr val="000000"/>
                   </a:solidFill>
@@ -4257,7 +4257,7 @@
             </a:ln>
             <a:extLst>
               <a:ext uri="{91240B29-F687-4f45-9708-019B960494DF}">
-                <a14:hiddenLine xmlns:a14="http://schemas.microsoft.com/office/drawing/2010/main" xmlns="" w="9525">
+                <a14:hiddenLine xmlns="" xmlns:a14="http://schemas.microsoft.com/office/drawing/2010/main" w="9525">
                   <a:solidFill>
                     <a:srgbClr val="000000"/>
                   </a:solidFill>
@@ -8986,7 +8986,7 @@
           <a:noFill/>
           <a:extLst>
             <a:ext uri="{909E8E84-426E-40dd-AFC4-6F175D3DCCD1}">
-              <a14:hiddenFill xmlns:a14="http://schemas.microsoft.com/office/drawing/2010/main" xmlns="">
+              <a14:hiddenFill xmlns="" xmlns:a14="http://schemas.microsoft.com/office/drawing/2010/main">
                 <a:solidFill>
                   <a:srgbClr val="FFFFFF"/>
                 </a:solidFill>
@@ -9060,7 +9060,7 @@
               </a:ln>
               <a:extLst>
                 <a:ext uri="{91240B29-F687-4f45-9708-019B960494DF}">
-                  <a14:hiddenLine xmlns:a14="http://schemas.microsoft.com/office/drawing/2010/main" xmlns="" w="9525">
+                  <a14:hiddenLine xmlns="" xmlns:a14="http://schemas.microsoft.com/office/drawing/2010/main" w="9525">
                     <a:solidFill>
                       <a:srgbClr val="000000"/>
                     </a:solidFill>
@@ -9150,7 +9150,7 @@
               </a:ln>
               <a:extLst>
                 <a:ext uri="{91240B29-F687-4f45-9708-019B960494DF}">
-                  <a14:hiddenLine xmlns:a14="http://schemas.microsoft.com/office/drawing/2010/main" xmlns="" w="9525">
+                  <a14:hiddenLine xmlns="" xmlns:a14="http://schemas.microsoft.com/office/drawing/2010/main" w="9525">
                     <a:solidFill>
                       <a:srgbClr val="000000"/>
                     </a:solidFill>
@@ -9240,7 +9240,7 @@
               </a:ln>
               <a:extLst>
                 <a:ext uri="{91240B29-F687-4f45-9708-019B960494DF}">
-                  <a14:hiddenLine xmlns:a14="http://schemas.microsoft.com/office/drawing/2010/main" xmlns="" w="9525">
+                  <a14:hiddenLine xmlns="" xmlns:a14="http://schemas.microsoft.com/office/drawing/2010/main" w="9525">
                     <a:solidFill>
                       <a:srgbClr val="000000"/>
                     </a:solidFill>
@@ -9302,7 +9302,7 @@
               </a:ln>
               <a:extLst>
                 <a:ext uri="{91240B29-F687-4f45-9708-019B960494DF}">
-                  <a14:hiddenLine xmlns:a14="http://schemas.microsoft.com/office/drawing/2010/main" xmlns="" w="9525">
+                  <a14:hiddenLine xmlns="" xmlns:a14="http://schemas.microsoft.com/office/drawing/2010/main" w="9525">
                     <a:solidFill>
                       <a:srgbClr val="000000"/>
                     </a:solidFill>
@@ -9392,7 +9392,7 @@
               </a:ln>
               <a:extLst>
                 <a:ext uri="{91240B29-F687-4f45-9708-019B960494DF}">
-                  <a14:hiddenLine xmlns:a14="http://schemas.microsoft.com/office/drawing/2010/main" xmlns="" w="9525">
+                  <a14:hiddenLine xmlns="" xmlns:a14="http://schemas.microsoft.com/office/drawing/2010/main" w="9525">
                     <a:solidFill>
                       <a:srgbClr val="000000"/>
                     </a:solidFill>
@@ -9454,7 +9454,7 @@
               </a:ln>
               <a:extLst>
                 <a:ext uri="{91240B29-F687-4f45-9708-019B960494DF}">
-                  <a14:hiddenLine xmlns:a14="http://schemas.microsoft.com/office/drawing/2010/main" xmlns="" w="9525">
+                  <a14:hiddenLine xmlns="" xmlns:a14="http://schemas.microsoft.com/office/drawing/2010/main" w="9525">
                     <a:solidFill>
                       <a:srgbClr val="000000"/>
                     </a:solidFill>
@@ -9516,7 +9516,7 @@
               </a:ln>
               <a:extLst>
                 <a:ext uri="{91240B29-F687-4f45-9708-019B960494DF}">
-                  <a14:hiddenLine xmlns:a14="http://schemas.microsoft.com/office/drawing/2010/main" xmlns="" w="9525">
+                  <a14:hiddenLine xmlns="" xmlns:a14="http://schemas.microsoft.com/office/drawing/2010/main" w="9525">
                     <a:solidFill>
                       <a:srgbClr val="000000"/>
                     </a:solidFill>
@@ -9606,7 +9606,7 @@
               </a:ln>
               <a:extLst>
                 <a:ext uri="{91240B29-F687-4f45-9708-019B960494DF}">
-                  <a14:hiddenLine xmlns:a14="http://schemas.microsoft.com/office/drawing/2010/main" xmlns="" w="9525">
+                  <a14:hiddenLine xmlns="" xmlns:a14="http://schemas.microsoft.com/office/drawing/2010/main" w="9525">
                     <a:solidFill>
                       <a:srgbClr val="000000"/>
                     </a:solidFill>
@@ -9696,7 +9696,7 @@
               </a:ln>
               <a:extLst>
                 <a:ext uri="{91240B29-F687-4f45-9708-019B960494DF}">
-                  <a14:hiddenLine xmlns:a14="http://schemas.microsoft.com/office/drawing/2010/main" xmlns="" w="9525">
+                  <a14:hiddenLine xmlns="" xmlns:a14="http://schemas.microsoft.com/office/drawing/2010/main" w="9525">
                     <a:solidFill>
                       <a:srgbClr val="000000"/>
                     </a:solidFill>
@@ -9758,7 +9758,7 @@
               </a:ln>
               <a:extLst>
                 <a:ext uri="{91240B29-F687-4f45-9708-019B960494DF}">
-                  <a14:hiddenLine xmlns:a14="http://schemas.microsoft.com/office/drawing/2010/main" xmlns="" w="9525">
+                  <a14:hiddenLine xmlns="" xmlns:a14="http://schemas.microsoft.com/office/drawing/2010/main" w="9525">
                     <a:solidFill>
                       <a:srgbClr val="000000"/>
                     </a:solidFill>
@@ -9868,7 +9868,7 @@
               </a:ln>
               <a:extLst>
                 <a:ext uri="{91240B29-F687-4f45-9708-019B960494DF}">
-                  <a14:hiddenLine xmlns:a14="http://schemas.microsoft.com/office/drawing/2010/main" xmlns="" w="9525">
+                  <a14:hiddenLine xmlns="" xmlns:a14="http://schemas.microsoft.com/office/drawing/2010/main" w="9525">
                     <a:solidFill>
                       <a:srgbClr val="000000"/>
                     </a:solidFill>
@@ -9952,7 +9952,7 @@
               </a:ln>
               <a:extLst>
                 <a:ext uri="{91240B29-F687-4f45-9708-019B960494DF}">
-                  <a14:hiddenLine xmlns:a14="http://schemas.microsoft.com/office/drawing/2010/main" xmlns="" w="9525">
+                  <a14:hiddenLine xmlns="" xmlns:a14="http://schemas.microsoft.com/office/drawing/2010/main" w="9525">
                     <a:solidFill>
                       <a:srgbClr val="000000"/>
                     </a:solidFill>
@@ -10014,7 +10014,7 @@
               </a:ln>
               <a:extLst>
                 <a:ext uri="{91240B29-F687-4f45-9708-019B960494DF}">
-                  <a14:hiddenLine xmlns:a14="http://schemas.microsoft.com/office/drawing/2010/main" xmlns="" w="9525">
+                  <a14:hiddenLine xmlns="" xmlns:a14="http://schemas.microsoft.com/office/drawing/2010/main" w="9525">
                     <a:solidFill>
                       <a:srgbClr val="000000"/>
                     </a:solidFill>
@@ -10076,7 +10076,7 @@
               </a:ln>
               <a:extLst>
                 <a:ext uri="{91240B29-F687-4f45-9708-019B960494DF}">
-                  <a14:hiddenLine xmlns:a14="http://schemas.microsoft.com/office/drawing/2010/main" xmlns="" w="9525">
+                  <a14:hiddenLine xmlns="" xmlns:a14="http://schemas.microsoft.com/office/drawing/2010/main" w="9525">
                     <a:solidFill>
                       <a:srgbClr val="000000"/>
                     </a:solidFill>
@@ -10166,7 +10166,7 @@
               </a:ln>
               <a:extLst>
                 <a:ext uri="{91240B29-F687-4f45-9708-019B960494DF}">
-                  <a14:hiddenLine xmlns:a14="http://schemas.microsoft.com/office/drawing/2010/main" xmlns="" w="9525">
+                  <a14:hiddenLine xmlns="" xmlns:a14="http://schemas.microsoft.com/office/drawing/2010/main" w="9525">
                     <a:solidFill>
                       <a:srgbClr val="000000"/>
                     </a:solidFill>
@@ -10200,7 +10200,7 @@
               </a:ln>
               <a:extLst>
                 <a:ext uri="{91240B29-F687-4f45-9708-019B960494DF}">
-                  <a14:hiddenLine xmlns:a14="http://schemas.microsoft.com/office/drawing/2010/main" xmlns="" w="9525">
+                  <a14:hiddenLine xmlns="" xmlns:a14="http://schemas.microsoft.com/office/drawing/2010/main" w="9525">
                     <a:solidFill>
                       <a:srgbClr val="000000"/>
                     </a:solidFill>
@@ -10265,7 +10265,7 @@
               </a:ln>
               <a:extLst>
                 <a:ext uri="{91240B29-F687-4f45-9708-019B960494DF}">
-                  <a14:hiddenLine xmlns:a14="http://schemas.microsoft.com/office/drawing/2010/main" xmlns="" w="9525">
+                  <a14:hiddenLine xmlns="" xmlns:a14="http://schemas.microsoft.com/office/drawing/2010/main" w="9525">
                     <a:solidFill>
                       <a:srgbClr val="000000"/>
                     </a:solidFill>
@@ -10355,7 +10355,7 @@
               </a:ln>
               <a:extLst>
                 <a:ext uri="{91240B29-F687-4f45-9708-019B960494DF}">
-                  <a14:hiddenLine xmlns:a14="http://schemas.microsoft.com/office/drawing/2010/main" xmlns="" w="9525">
+                  <a14:hiddenLine xmlns="" xmlns:a14="http://schemas.microsoft.com/office/drawing/2010/main" w="9525">
                     <a:solidFill>
                       <a:srgbClr val="000000"/>
                     </a:solidFill>
@@ -10417,7 +10417,7 @@
               </a:ln>
               <a:extLst>
                 <a:ext uri="{91240B29-F687-4f45-9708-019B960494DF}">
-                  <a14:hiddenLine xmlns:a14="http://schemas.microsoft.com/office/drawing/2010/main" xmlns="" w="9525">
+                  <a14:hiddenLine xmlns="" xmlns:a14="http://schemas.microsoft.com/office/drawing/2010/main" w="9525">
                     <a:solidFill>
                       <a:srgbClr val="000000"/>
                     </a:solidFill>
@@ -10507,7 +10507,7 @@
               </a:ln>
               <a:extLst>
                 <a:ext uri="{91240B29-F687-4f45-9708-019B960494DF}">
-                  <a14:hiddenLine xmlns:a14="http://schemas.microsoft.com/office/drawing/2010/main" xmlns="" w="9525">
+                  <a14:hiddenLine xmlns="" xmlns:a14="http://schemas.microsoft.com/office/drawing/2010/main" w="9525">
                     <a:solidFill>
                       <a:srgbClr val="000000"/>
                     </a:solidFill>
@@ -10572,7 +10572,7 @@
               </a:ln>
               <a:extLst>
                 <a:ext uri="{91240B29-F687-4f45-9708-019B960494DF}">
-                  <a14:hiddenLine xmlns:a14="http://schemas.microsoft.com/office/drawing/2010/main" xmlns="" w="9525">
+                  <a14:hiddenLine xmlns="" xmlns:a14="http://schemas.microsoft.com/office/drawing/2010/main" w="9525">
                     <a:solidFill>
                       <a:srgbClr val="000000"/>
                     </a:solidFill>
@@ -10634,7 +10634,7 @@
               </a:ln>
               <a:extLst>
                 <a:ext uri="{91240B29-F687-4f45-9708-019B960494DF}">
-                  <a14:hiddenLine xmlns:a14="http://schemas.microsoft.com/office/drawing/2010/main" xmlns="" w="9525">
+                  <a14:hiddenLine xmlns="" xmlns:a14="http://schemas.microsoft.com/office/drawing/2010/main" w="9525">
                     <a:solidFill>
                       <a:srgbClr val="000000"/>
                     </a:solidFill>
@@ -10724,7 +10724,7 @@
               </a:ln>
               <a:extLst>
                 <a:ext uri="{91240B29-F687-4f45-9708-019B960494DF}">
-                  <a14:hiddenLine xmlns:a14="http://schemas.microsoft.com/office/drawing/2010/main" xmlns="" w="9525">
+                  <a14:hiddenLine xmlns="" xmlns:a14="http://schemas.microsoft.com/office/drawing/2010/main" w="9525">
                     <a:solidFill>
                       <a:srgbClr val="000000"/>
                     </a:solidFill>
@@ -10814,7 +10814,7 @@
               </a:ln>
               <a:extLst>
                 <a:ext uri="{91240B29-F687-4f45-9708-019B960494DF}">
-                  <a14:hiddenLine xmlns:a14="http://schemas.microsoft.com/office/drawing/2010/main" xmlns="" w="9525">
+                  <a14:hiddenLine xmlns="" xmlns:a14="http://schemas.microsoft.com/office/drawing/2010/main" w="9525">
                     <a:solidFill>
                       <a:srgbClr val="000000"/>
                     </a:solidFill>
@@ -10879,7 +10879,7 @@
               </a:ln>
               <a:extLst>
                 <a:ext uri="{91240B29-F687-4f45-9708-019B960494DF}">
-                  <a14:hiddenLine xmlns:a14="http://schemas.microsoft.com/office/drawing/2010/main" xmlns="" w="9525">
+                  <a14:hiddenLine xmlns="" xmlns:a14="http://schemas.microsoft.com/office/drawing/2010/main" w="9525">
                     <a:solidFill>
                       <a:srgbClr val="000000"/>
                     </a:solidFill>
@@ -10999,7 +10999,7 @@
               </a:ln>
               <a:extLst>
                 <a:ext uri="{91240B29-F687-4f45-9708-019B960494DF}">
-                  <a14:hiddenLine xmlns:a14="http://schemas.microsoft.com/office/drawing/2010/main" xmlns="" w="9525">
+                  <a14:hiddenLine xmlns="" xmlns:a14="http://schemas.microsoft.com/office/drawing/2010/main" w="9525">
                     <a:solidFill>
                       <a:srgbClr val="000000"/>
                     </a:solidFill>
@@ -11080,7 +11080,7 @@
               </a:ln>
               <a:extLst>
                 <a:ext uri="{91240B29-F687-4f45-9708-019B960494DF}">
-                  <a14:hiddenLine xmlns:a14="http://schemas.microsoft.com/office/drawing/2010/main" xmlns="" w="9525">
+                  <a14:hiddenLine xmlns="" xmlns:a14="http://schemas.microsoft.com/office/drawing/2010/main" w="9525">
                     <a:solidFill>
                       <a:srgbClr val="000000"/>
                     </a:solidFill>
@@ -11195,7 +11195,7 @@
               </a:ln>
               <a:extLst>
                 <a:ext uri="{91240B29-F687-4f45-9708-019B960494DF}">
-                  <a14:hiddenLine xmlns:a14="http://schemas.microsoft.com/office/drawing/2010/main" xmlns="" w="9525">
+                  <a14:hiddenLine xmlns="" xmlns:a14="http://schemas.microsoft.com/office/drawing/2010/main" w="9525">
                     <a:solidFill>
                       <a:srgbClr val="000000"/>
                     </a:solidFill>
@@ -11285,7 +11285,7 @@
               </a:ln>
               <a:extLst>
                 <a:ext uri="{91240B29-F687-4f45-9708-019B960494DF}">
-                  <a14:hiddenLine xmlns:a14="http://schemas.microsoft.com/office/drawing/2010/main" xmlns="" w="9525">
+                  <a14:hiddenLine xmlns="" xmlns:a14="http://schemas.microsoft.com/office/drawing/2010/main" w="9525">
                     <a:solidFill>
                       <a:srgbClr val="000000"/>
                     </a:solidFill>
@@ -11350,7 +11350,7 @@
               </a:ln>
               <a:extLst>
                 <a:ext uri="{91240B29-F687-4f45-9708-019B960494DF}">
-                  <a14:hiddenLine xmlns:a14="http://schemas.microsoft.com/office/drawing/2010/main" xmlns="" w="9525">
+                  <a14:hiddenLine xmlns="" xmlns:a14="http://schemas.microsoft.com/office/drawing/2010/main" w="9525">
                     <a:solidFill>
                       <a:srgbClr val="000000"/>
                     </a:solidFill>
@@ -11440,7 +11440,7 @@
               </a:ln>
               <a:extLst>
                 <a:ext uri="{91240B29-F687-4f45-9708-019B960494DF}">
-                  <a14:hiddenLine xmlns:a14="http://schemas.microsoft.com/office/drawing/2010/main" xmlns="" w="9525">
+                  <a14:hiddenLine xmlns="" xmlns:a14="http://schemas.microsoft.com/office/drawing/2010/main" w="9525">
                     <a:solidFill>
                       <a:srgbClr val="000000"/>
                     </a:solidFill>
@@ -11508,7 +11508,7 @@
               </a:ln>
               <a:extLst>
                 <a:ext uri="{91240B29-F687-4f45-9708-019B960494DF}">
-                  <a14:hiddenLine xmlns:a14="http://schemas.microsoft.com/office/drawing/2010/main" xmlns="" w="9525">
+                  <a14:hiddenLine xmlns="" xmlns:a14="http://schemas.microsoft.com/office/drawing/2010/main" w="9525">
                     <a:solidFill>
                       <a:srgbClr val="000000"/>
                     </a:solidFill>
@@ -11598,7 +11598,7 @@
               </a:ln>
               <a:extLst>
                 <a:ext uri="{91240B29-F687-4f45-9708-019B960494DF}">
-                  <a14:hiddenLine xmlns:a14="http://schemas.microsoft.com/office/drawing/2010/main" xmlns="" w="9525">
+                  <a14:hiddenLine xmlns="" xmlns:a14="http://schemas.microsoft.com/office/drawing/2010/main" w="9525">
                     <a:solidFill>
                       <a:srgbClr val="000000"/>
                     </a:solidFill>
@@ -11666,7 +11666,7 @@
               </a:ln>
               <a:extLst>
                 <a:ext uri="{91240B29-F687-4f45-9708-019B960494DF}">
-                  <a14:hiddenLine xmlns:a14="http://schemas.microsoft.com/office/drawing/2010/main" xmlns="" w="9525">
+                  <a14:hiddenLine xmlns="" xmlns:a14="http://schemas.microsoft.com/office/drawing/2010/main" w="9525">
                     <a:solidFill>
                       <a:srgbClr val="000000"/>
                     </a:solidFill>
@@ -11756,7 +11756,7 @@
               </a:ln>
               <a:extLst>
                 <a:ext uri="{91240B29-F687-4f45-9708-019B960494DF}">
-                  <a14:hiddenLine xmlns:a14="http://schemas.microsoft.com/office/drawing/2010/main" xmlns="" w="9525">
+                  <a14:hiddenLine xmlns="" xmlns:a14="http://schemas.microsoft.com/office/drawing/2010/main" w="9525">
                     <a:solidFill>
                       <a:srgbClr val="000000"/>
                     </a:solidFill>
@@ -11790,7 +11790,7 @@
               </a:ln>
               <a:extLst>
                 <a:ext uri="{91240B29-F687-4f45-9708-019B960494DF}">
-                  <a14:hiddenLine xmlns:a14="http://schemas.microsoft.com/office/drawing/2010/main" xmlns="" w="9525">
+                  <a14:hiddenLine xmlns="" xmlns:a14="http://schemas.microsoft.com/office/drawing/2010/main" w="9525">
                     <a:solidFill>
                       <a:srgbClr val="000000"/>
                     </a:solidFill>
@@ -12678,7 +12678,7 @@
             </a:pPr>
             <a:r>
               <a:rPr lang="en-US" dirty="0"/>
-              <a:t>MVC – Model-View-Controller, React is the View.</a:t>
+              <a:t>In technical terms such as MVC – Model-View-Controller, React is the View.</a:t>
             </a:r>
           </a:p>
           <a:p>
@@ -12744,16 +12744,20 @@
           <a:bodyPr/>
           <a:lstStyle/>
           <a:p>
-            <a:endParaRPr lang="en-US"/>
+            <a:pPr algn="ctr"/>
+            <a:r>
+              <a:rPr lang="en-US" dirty="0"/>
+              <a:t>Why use React?</a:t>
+            </a:r>
           </a:p>
         </p:txBody>
       </p:sp>
       <p:sp>
         <p:nvSpPr>
-          <p:cNvPr id="3" name="Text Placeholder 2">
+          <p:cNvPr id="4" name="Content Placeholder 3">
             <a:extLst>
               <a:ext uri="{FF2B5EF4-FFF2-40B4-BE49-F238E27FC236}">
-                <a16:creationId xmlns:a16="http://schemas.microsoft.com/office/drawing/2014/main" id="{F4A129A8-1D64-4086-917E-AEEE1193EA21}"/>
+                <a16:creationId xmlns:a16="http://schemas.microsoft.com/office/drawing/2014/main" id="{E0B34B2D-DBF8-4F91-A404-E181DEB5984B}"/>
               </a:ext>
             </a:extLst>
           </p:cNvPr>
@@ -12761,7 +12765,7 @@
             <a:spLocks noGrp="1"/>
           </p:cNvSpPr>
           <p:nvPr>
-            <p:ph type="body" idx="1"/>
+            <p:ph idx="1"/>
           </p:nvPr>
         </p:nvSpPr>
         <p:spPr/>
@@ -12769,7 +12773,32 @@
           <a:bodyPr/>
           <a:lstStyle/>
           <a:p>
-            <a:endParaRPr lang="en-US"/>
+            <a:r>
+              <a:rPr lang="en-US" dirty="0"/>
+              <a:t>Supported by Facebook.</a:t>
+            </a:r>
+          </a:p>
+          <a:p>
+            <a:r>
+              <a:rPr lang="en-US" dirty="0"/>
+              <a:t>Flexible and SEO-friendly</a:t>
+            </a:r>
+          </a:p>
+          <a:p>
+            <a:r>
+              <a:rPr lang="en-US"/>
+              <a:t>It is fast </a:t>
+            </a:r>
+            <a:r>
+              <a:rPr lang="en-US" dirty="0"/>
+              <a:t>with use of a Virtual DOM and one-way data binding.</a:t>
+            </a:r>
+          </a:p>
+          <a:p>
+            <a:r>
+              <a:rPr lang="en-US" dirty="0"/>
+              <a:t>In skillset is in very high demand by employers.</a:t>
+            </a:r>
           </a:p>
         </p:txBody>
       </p:sp>

--- a/React/slides/react_lessons_slides.pptx
+++ b/React/slides/react_lessons_slides.pptx
@@ -9,6 +9,7 @@
     <p:sldId id="257" r:id="rId3"/>
     <p:sldId id="258" r:id="rId4"/>
     <p:sldId id="259" r:id="rId5"/>
+    <p:sldId id="260" r:id="rId6"/>
   </p:sldIdLst>
   <p:sldSz cx="12192000" cy="6858000"/>
   <p:notesSz cx="6858000" cy="9144000"/>
@@ -172,7 +173,7 @@
           <a:noFill/>
           <a:extLst>
             <a:ext uri="{909E8E84-426E-40dd-AFC4-6F175D3DCCD1}">
-              <a14:hiddenFill xmlns="" xmlns:a14="http://schemas.microsoft.com/office/drawing/2010/main">
+              <a14:hiddenFill xmlns:a14="http://schemas.microsoft.com/office/drawing/2010/main" xmlns="">
                 <a:solidFill>
                   <a:srgbClr val="FFFFFF"/>
                 </a:solidFill>
@@ -231,7 +232,7 @@
             </a:ln>
             <a:extLst>
               <a:ext uri="{91240B29-F687-4f45-9708-019B960494DF}">
-                <a14:hiddenLine xmlns="" xmlns:a14="http://schemas.microsoft.com/office/drawing/2010/main" w="9525">
+                <a14:hiddenLine xmlns:a14="http://schemas.microsoft.com/office/drawing/2010/main" xmlns="" w="9525">
                   <a:solidFill>
                     <a:srgbClr val="000000"/>
                   </a:solidFill>
@@ -321,7 +322,7 @@
             </a:ln>
             <a:extLst>
               <a:ext uri="{91240B29-F687-4f45-9708-019B960494DF}">
-                <a14:hiddenLine xmlns="" xmlns:a14="http://schemas.microsoft.com/office/drawing/2010/main" w="9525">
+                <a14:hiddenLine xmlns:a14="http://schemas.microsoft.com/office/drawing/2010/main" xmlns="" w="9525">
                   <a:solidFill>
                     <a:srgbClr val="000000"/>
                   </a:solidFill>
@@ -411,7 +412,7 @@
             </a:ln>
             <a:extLst>
               <a:ext uri="{91240B29-F687-4f45-9708-019B960494DF}">
-                <a14:hiddenLine xmlns="" xmlns:a14="http://schemas.microsoft.com/office/drawing/2010/main" w="9525">
+                <a14:hiddenLine xmlns:a14="http://schemas.microsoft.com/office/drawing/2010/main" xmlns="" w="9525">
                   <a:solidFill>
                     <a:srgbClr val="000000"/>
                   </a:solidFill>
@@ -445,7 +446,7 @@
             </a:ln>
             <a:extLst>
               <a:ext uri="{91240B29-F687-4f45-9708-019B960494DF}">
-                <a14:hiddenLine xmlns="" xmlns:a14="http://schemas.microsoft.com/office/drawing/2010/main" w="9525">
+                <a14:hiddenLine xmlns:a14="http://schemas.microsoft.com/office/drawing/2010/main" xmlns="" w="9525">
                   <a:solidFill>
                     <a:srgbClr val="000000"/>
                   </a:solidFill>
@@ -535,7 +536,7 @@
             </a:ln>
             <a:extLst>
               <a:ext uri="{91240B29-F687-4f45-9708-019B960494DF}">
-                <a14:hiddenLine xmlns="" xmlns:a14="http://schemas.microsoft.com/office/drawing/2010/main" w="9525">
+                <a14:hiddenLine xmlns:a14="http://schemas.microsoft.com/office/drawing/2010/main" xmlns="" w="9525">
                   <a:solidFill>
                     <a:srgbClr val="000000"/>
                   </a:solidFill>
@@ -597,7 +598,7 @@
             </a:ln>
             <a:extLst>
               <a:ext uri="{91240B29-F687-4f45-9708-019B960494DF}">
-                <a14:hiddenLine xmlns="" xmlns:a14="http://schemas.microsoft.com/office/drawing/2010/main" w="9525">
+                <a14:hiddenLine xmlns:a14="http://schemas.microsoft.com/office/drawing/2010/main" xmlns="" w="9525">
                   <a:solidFill>
                     <a:srgbClr val="000000"/>
                   </a:solidFill>
@@ -659,7 +660,7 @@
             </a:ln>
             <a:extLst>
               <a:ext uri="{91240B29-F687-4f45-9708-019B960494DF}">
-                <a14:hiddenLine xmlns="" xmlns:a14="http://schemas.microsoft.com/office/drawing/2010/main" w="9525">
+                <a14:hiddenLine xmlns:a14="http://schemas.microsoft.com/office/drawing/2010/main" xmlns="" w="9525">
                   <a:solidFill>
                     <a:srgbClr val="000000"/>
                   </a:solidFill>
@@ -749,7 +750,7 @@
             </a:ln>
             <a:extLst>
               <a:ext uri="{91240B29-F687-4f45-9708-019B960494DF}">
-                <a14:hiddenLine xmlns="" xmlns:a14="http://schemas.microsoft.com/office/drawing/2010/main" w="9525">
+                <a14:hiddenLine xmlns:a14="http://schemas.microsoft.com/office/drawing/2010/main" xmlns="" w="9525">
                   <a:solidFill>
                     <a:srgbClr val="000000"/>
                   </a:solidFill>
@@ -811,7 +812,7 @@
             </a:ln>
             <a:extLst>
               <a:ext uri="{91240B29-F687-4f45-9708-019B960494DF}">
-                <a14:hiddenLine xmlns="" xmlns:a14="http://schemas.microsoft.com/office/drawing/2010/main" w="9525">
+                <a14:hiddenLine xmlns:a14="http://schemas.microsoft.com/office/drawing/2010/main" xmlns="" w="9525">
                   <a:solidFill>
                     <a:srgbClr val="000000"/>
                   </a:solidFill>
@@ -873,7 +874,7 @@
             </a:ln>
             <a:extLst>
               <a:ext uri="{91240B29-F687-4f45-9708-019B960494DF}">
-                <a14:hiddenLine xmlns="" xmlns:a14="http://schemas.microsoft.com/office/drawing/2010/main" w="9525">
+                <a14:hiddenLine xmlns:a14="http://schemas.microsoft.com/office/drawing/2010/main" xmlns="" w="9525">
                   <a:solidFill>
                     <a:srgbClr val="000000"/>
                   </a:solidFill>
@@ -963,7 +964,7 @@
             </a:ln>
             <a:extLst>
               <a:ext uri="{91240B29-F687-4f45-9708-019B960494DF}">
-                <a14:hiddenLine xmlns="" xmlns:a14="http://schemas.microsoft.com/office/drawing/2010/main" w="9525">
+                <a14:hiddenLine xmlns:a14="http://schemas.microsoft.com/office/drawing/2010/main" xmlns="" w="9525">
                   <a:solidFill>
                     <a:srgbClr val="000000"/>
                   </a:solidFill>
@@ -1053,7 +1054,7 @@
             </a:ln>
             <a:extLst>
               <a:ext uri="{91240B29-F687-4f45-9708-019B960494DF}">
-                <a14:hiddenLine xmlns="" xmlns:a14="http://schemas.microsoft.com/office/drawing/2010/main" w="9525">
+                <a14:hiddenLine xmlns:a14="http://schemas.microsoft.com/office/drawing/2010/main" xmlns="" w="9525">
                   <a:solidFill>
                     <a:srgbClr val="000000"/>
                   </a:solidFill>
@@ -1115,7 +1116,7 @@
             </a:ln>
             <a:extLst>
               <a:ext uri="{91240B29-F687-4f45-9708-019B960494DF}">
-                <a14:hiddenLine xmlns="" xmlns:a14="http://schemas.microsoft.com/office/drawing/2010/main" w="9525">
+                <a14:hiddenLine xmlns:a14="http://schemas.microsoft.com/office/drawing/2010/main" xmlns="" w="9525">
                   <a:solidFill>
                     <a:srgbClr val="000000"/>
                   </a:solidFill>
@@ -1225,7 +1226,7 @@
             </a:ln>
             <a:extLst>
               <a:ext uri="{91240B29-F687-4f45-9708-019B960494DF}">
-                <a14:hiddenLine xmlns="" xmlns:a14="http://schemas.microsoft.com/office/drawing/2010/main" w="9525">
+                <a14:hiddenLine xmlns:a14="http://schemas.microsoft.com/office/drawing/2010/main" xmlns="" w="9525">
                   <a:solidFill>
                     <a:srgbClr val="000000"/>
                   </a:solidFill>
@@ -1287,7 +1288,7 @@
             </a:ln>
             <a:extLst>
               <a:ext uri="{91240B29-F687-4f45-9708-019B960494DF}">
-                <a14:hiddenLine xmlns="" xmlns:a14="http://schemas.microsoft.com/office/drawing/2010/main" w="9525">
+                <a14:hiddenLine xmlns:a14="http://schemas.microsoft.com/office/drawing/2010/main" xmlns="" w="9525">
                   <a:solidFill>
                     <a:srgbClr val="000000"/>
                   </a:solidFill>
@@ -1377,7 +1378,7 @@
             </a:ln>
             <a:extLst>
               <a:ext uri="{91240B29-F687-4f45-9708-019B960494DF}">
-                <a14:hiddenLine xmlns="" xmlns:a14="http://schemas.microsoft.com/office/drawing/2010/main" w="9525">
+                <a14:hiddenLine xmlns:a14="http://schemas.microsoft.com/office/drawing/2010/main" xmlns="" w="9525">
                   <a:solidFill>
                     <a:srgbClr val="000000"/>
                   </a:solidFill>
@@ -1467,7 +1468,7 @@
             </a:ln>
             <a:extLst>
               <a:ext uri="{91240B29-F687-4f45-9708-019B960494DF}">
-                <a14:hiddenLine xmlns="" xmlns:a14="http://schemas.microsoft.com/office/drawing/2010/main" w="9525">
+                <a14:hiddenLine xmlns:a14="http://schemas.microsoft.com/office/drawing/2010/main" xmlns="" w="9525">
                   <a:solidFill>
                     <a:srgbClr val="000000"/>
                   </a:solidFill>
@@ -1529,7 +1530,7 @@
             </a:ln>
             <a:extLst>
               <a:ext uri="{91240B29-F687-4f45-9708-019B960494DF}">
-                <a14:hiddenLine xmlns="" xmlns:a14="http://schemas.microsoft.com/office/drawing/2010/main" w="9525">
+                <a14:hiddenLine xmlns:a14="http://schemas.microsoft.com/office/drawing/2010/main" xmlns="" w="9525">
                   <a:solidFill>
                     <a:srgbClr val="000000"/>
                   </a:solidFill>
@@ -1619,7 +1620,7 @@
             </a:ln>
             <a:extLst>
               <a:ext uri="{91240B29-F687-4f45-9708-019B960494DF}">
-                <a14:hiddenLine xmlns="" xmlns:a14="http://schemas.microsoft.com/office/drawing/2010/main" w="9525">
+                <a14:hiddenLine xmlns:a14="http://schemas.microsoft.com/office/drawing/2010/main" xmlns="" w="9525">
                   <a:solidFill>
                     <a:srgbClr val="000000"/>
                   </a:solidFill>
@@ -1709,7 +1710,7 @@
             </a:ln>
             <a:extLst>
               <a:ext uri="{91240B29-F687-4f45-9708-019B960494DF}">
-                <a14:hiddenLine xmlns="" xmlns:a14="http://schemas.microsoft.com/office/drawing/2010/main" w="9525">
+                <a14:hiddenLine xmlns:a14="http://schemas.microsoft.com/office/drawing/2010/main" xmlns="" w="9525">
                   <a:solidFill>
                     <a:srgbClr val="000000"/>
                   </a:solidFill>
@@ -1765,7 +1766,7 @@
             </a:ln>
             <a:extLst>
               <a:ext uri="{91240B29-F687-4f45-9708-019B960494DF}">
-                <a14:hiddenLine xmlns="" xmlns:a14="http://schemas.microsoft.com/office/drawing/2010/main" w="9525">
+                <a14:hiddenLine xmlns:a14="http://schemas.microsoft.com/office/drawing/2010/main" xmlns="" w="9525">
                   <a:solidFill>
                     <a:srgbClr val="000000"/>
                   </a:solidFill>
@@ -1855,7 +1856,7 @@
             </a:ln>
             <a:extLst>
               <a:ext uri="{91240B29-F687-4f45-9708-019B960494DF}">
-                <a14:hiddenLine xmlns="" xmlns:a14="http://schemas.microsoft.com/office/drawing/2010/main" w="9525">
+                <a14:hiddenLine xmlns:a14="http://schemas.microsoft.com/office/drawing/2010/main" xmlns="" w="9525">
                   <a:solidFill>
                     <a:srgbClr val="000000"/>
                   </a:solidFill>
@@ -1911,7 +1912,7 @@
             </a:ln>
             <a:extLst>
               <a:ext uri="{91240B29-F687-4f45-9708-019B960494DF}">
-                <a14:hiddenLine xmlns="" xmlns:a14="http://schemas.microsoft.com/office/drawing/2010/main" w="9525">
+                <a14:hiddenLine xmlns:a14="http://schemas.microsoft.com/office/drawing/2010/main" xmlns="" w="9525">
                   <a:solidFill>
                     <a:srgbClr val="000000"/>
                   </a:solidFill>
@@ -2001,7 +2002,7 @@
             </a:ln>
             <a:extLst>
               <a:ext uri="{91240B29-F687-4f45-9708-019B960494DF}">
-                <a14:hiddenLine xmlns="" xmlns:a14="http://schemas.microsoft.com/office/drawing/2010/main" w="9525">
+                <a14:hiddenLine xmlns:a14="http://schemas.microsoft.com/office/drawing/2010/main" xmlns="" w="9525">
                   <a:solidFill>
                     <a:srgbClr val="000000"/>
                   </a:solidFill>
@@ -2069,7 +2070,7 @@
             </a:ln>
             <a:extLst>
               <a:ext uri="{91240B29-F687-4f45-9708-019B960494DF}">
-                <a14:hiddenLine xmlns="" xmlns:a14="http://schemas.microsoft.com/office/drawing/2010/main" w="9525">
+                <a14:hiddenLine xmlns:a14="http://schemas.microsoft.com/office/drawing/2010/main" xmlns="" w="9525">
                   <a:solidFill>
                     <a:srgbClr val="000000"/>
                   </a:solidFill>
@@ -2159,7 +2160,7 @@
             </a:ln>
             <a:extLst>
               <a:ext uri="{91240B29-F687-4f45-9708-019B960494DF}">
-                <a14:hiddenLine xmlns="" xmlns:a14="http://schemas.microsoft.com/office/drawing/2010/main" w="9525">
+                <a14:hiddenLine xmlns:a14="http://schemas.microsoft.com/office/drawing/2010/main" xmlns="" w="9525">
                   <a:solidFill>
                     <a:srgbClr val="000000"/>
                   </a:solidFill>
@@ -2227,7 +2228,7 @@
             </a:ln>
             <a:extLst>
               <a:ext uri="{91240B29-F687-4f45-9708-019B960494DF}">
-                <a14:hiddenLine xmlns="" xmlns:a14="http://schemas.microsoft.com/office/drawing/2010/main" w="9525">
+                <a14:hiddenLine xmlns:a14="http://schemas.microsoft.com/office/drawing/2010/main" xmlns="" w="9525">
                   <a:solidFill>
                     <a:srgbClr val="000000"/>
                   </a:solidFill>
@@ -2317,7 +2318,7 @@
             </a:ln>
             <a:extLst>
               <a:ext uri="{91240B29-F687-4f45-9708-019B960494DF}">
-                <a14:hiddenLine xmlns="" xmlns:a14="http://schemas.microsoft.com/office/drawing/2010/main" w="9525">
+                <a14:hiddenLine xmlns:a14="http://schemas.microsoft.com/office/drawing/2010/main" xmlns="" w="9525">
                   <a:solidFill>
                     <a:srgbClr val="000000"/>
                   </a:solidFill>
@@ -2351,7 +2352,7 @@
             </a:ln>
             <a:extLst>
               <a:ext uri="{91240B29-F687-4f45-9708-019B960494DF}">
-                <a14:hiddenLine xmlns="" xmlns:a14="http://schemas.microsoft.com/office/drawing/2010/main" w="9525">
+                <a14:hiddenLine xmlns:a14="http://schemas.microsoft.com/office/drawing/2010/main" xmlns="" w="9525">
                   <a:solidFill>
                     <a:srgbClr val="000000"/>
                   </a:solidFill>
@@ -2441,7 +2442,7 @@
             </a:ln>
             <a:extLst>
               <a:ext uri="{91240B29-F687-4f45-9708-019B960494DF}">
-                <a14:hiddenLine xmlns="" xmlns:a14="http://schemas.microsoft.com/office/drawing/2010/main" w="9525">
+                <a14:hiddenLine xmlns:a14="http://schemas.microsoft.com/office/drawing/2010/main" xmlns="" w="9525">
                   <a:solidFill>
                     <a:srgbClr val="000000"/>
                   </a:solidFill>
@@ -2503,7 +2504,7 @@
             </a:ln>
             <a:extLst>
               <a:ext uri="{91240B29-F687-4f45-9708-019B960494DF}">
-                <a14:hiddenLine xmlns="" xmlns:a14="http://schemas.microsoft.com/office/drawing/2010/main" w="9525">
+                <a14:hiddenLine xmlns:a14="http://schemas.microsoft.com/office/drawing/2010/main" xmlns="" w="9525">
                   <a:solidFill>
                     <a:srgbClr val="000000"/>
                   </a:solidFill>
@@ -2565,7 +2566,7 @@
             </a:ln>
             <a:extLst>
               <a:ext uri="{91240B29-F687-4f45-9708-019B960494DF}">
-                <a14:hiddenLine xmlns="" xmlns:a14="http://schemas.microsoft.com/office/drawing/2010/main" w="9525">
+                <a14:hiddenLine xmlns:a14="http://schemas.microsoft.com/office/drawing/2010/main" xmlns="" w="9525">
                   <a:solidFill>
                     <a:srgbClr val="000000"/>
                   </a:solidFill>
@@ -2655,7 +2656,7 @@
             </a:ln>
             <a:extLst>
               <a:ext uri="{91240B29-F687-4f45-9708-019B960494DF}">
-                <a14:hiddenLine xmlns="" xmlns:a14="http://schemas.microsoft.com/office/drawing/2010/main" w="9525">
+                <a14:hiddenLine xmlns:a14="http://schemas.microsoft.com/office/drawing/2010/main" xmlns="" w="9525">
                   <a:solidFill>
                     <a:srgbClr val="000000"/>
                   </a:solidFill>
@@ -2723,7 +2724,7 @@
             </a:ln>
             <a:extLst>
               <a:ext uri="{91240B29-F687-4f45-9708-019B960494DF}">
-                <a14:hiddenLine xmlns="" xmlns:a14="http://schemas.microsoft.com/office/drawing/2010/main" w="9525">
+                <a14:hiddenLine xmlns:a14="http://schemas.microsoft.com/office/drawing/2010/main" xmlns="" w="9525">
                   <a:solidFill>
                     <a:srgbClr val="000000"/>
                   </a:solidFill>
@@ -2785,7 +2786,7 @@
             </a:ln>
             <a:extLst>
               <a:ext uri="{91240B29-F687-4f45-9708-019B960494DF}">
-                <a14:hiddenLine xmlns="" xmlns:a14="http://schemas.microsoft.com/office/drawing/2010/main" w="9525">
+                <a14:hiddenLine xmlns:a14="http://schemas.microsoft.com/office/drawing/2010/main" xmlns="" w="9525">
                   <a:solidFill>
                     <a:srgbClr val="000000"/>
                   </a:solidFill>
@@ -2875,7 +2876,7 @@
             </a:ln>
             <a:extLst>
               <a:ext uri="{91240B29-F687-4f45-9708-019B960494DF}">
-                <a14:hiddenLine xmlns="" xmlns:a14="http://schemas.microsoft.com/office/drawing/2010/main" w="9525">
+                <a14:hiddenLine xmlns:a14="http://schemas.microsoft.com/office/drawing/2010/main" xmlns="" w="9525">
                   <a:solidFill>
                     <a:srgbClr val="000000"/>
                   </a:solidFill>
@@ -2937,7 +2938,7 @@
             </a:ln>
             <a:extLst>
               <a:ext uri="{91240B29-F687-4f45-9708-019B960494DF}">
-                <a14:hiddenLine xmlns="" xmlns:a14="http://schemas.microsoft.com/office/drawing/2010/main" w="9525">
+                <a14:hiddenLine xmlns:a14="http://schemas.microsoft.com/office/drawing/2010/main" xmlns="" w="9525">
                   <a:solidFill>
                     <a:srgbClr val="000000"/>
                   </a:solidFill>
@@ -3027,7 +3028,7 @@
             </a:ln>
             <a:extLst>
               <a:ext uri="{91240B29-F687-4f45-9708-019B960494DF}">
-                <a14:hiddenLine xmlns="" xmlns:a14="http://schemas.microsoft.com/office/drawing/2010/main" w="9525">
+                <a14:hiddenLine xmlns:a14="http://schemas.microsoft.com/office/drawing/2010/main" xmlns="" w="9525">
                   <a:solidFill>
                     <a:srgbClr val="000000"/>
                   </a:solidFill>
@@ -3089,7 +3090,7 @@
             </a:ln>
             <a:extLst>
               <a:ext uri="{91240B29-F687-4f45-9708-019B960494DF}">
-                <a14:hiddenLine xmlns="" xmlns:a14="http://schemas.microsoft.com/office/drawing/2010/main" w="9525">
+                <a14:hiddenLine xmlns:a14="http://schemas.microsoft.com/office/drawing/2010/main" xmlns="" w="9525">
                   <a:solidFill>
                     <a:srgbClr val="000000"/>
                   </a:solidFill>
@@ -3179,7 +3180,7 @@
             </a:ln>
             <a:extLst>
               <a:ext uri="{91240B29-F687-4f45-9708-019B960494DF}">
-                <a14:hiddenLine xmlns="" xmlns:a14="http://schemas.microsoft.com/office/drawing/2010/main" w="9525">
+                <a14:hiddenLine xmlns:a14="http://schemas.microsoft.com/office/drawing/2010/main" xmlns="" w="9525">
                   <a:solidFill>
                     <a:srgbClr val="000000"/>
                   </a:solidFill>
@@ -3213,7 +3214,7 @@
             </a:ln>
             <a:extLst>
               <a:ext uri="{91240B29-F687-4f45-9708-019B960494DF}">
-                <a14:hiddenLine xmlns="" xmlns:a14="http://schemas.microsoft.com/office/drawing/2010/main" w="9525">
+                <a14:hiddenLine xmlns:a14="http://schemas.microsoft.com/office/drawing/2010/main" xmlns="" w="9525">
                   <a:solidFill>
                     <a:srgbClr val="000000"/>
                   </a:solidFill>
@@ -3278,7 +3279,7 @@
             </a:ln>
             <a:extLst>
               <a:ext uri="{91240B29-F687-4f45-9708-019B960494DF}">
-                <a14:hiddenLine xmlns="" xmlns:a14="http://schemas.microsoft.com/office/drawing/2010/main" w="9525">
+                <a14:hiddenLine xmlns:a14="http://schemas.microsoft.com/office/drawing/2010/main" xmlns="" w="9525">
                   <a:solidFill>
                     <a:srgbClr val="000000"/>
                   </a:solidFill>
@@ -3368,7 +3369,7 @@
             </a:ln>
             <a:extLst>
               <a:ext uri="{91240B29-F687-4f45-9708-019B960494DF}">
-                <a14:hiddenLine xmlns="" xmlns:a14="http://schemas.microsoft.com/office/drawing/2010/main" w="9525">
+                <a14:hiddenLine xmlns:a14="http://schemas.microsoft.com/office/drawing/2010/main" xmlns="" w="9525">
                   <a:solidFill>
                     <a:srgbClr val="000000"/>
                   </a:solidFill>
@@ -3430,7 +3431,7 @@
             </a:ln>
             <a:extLst>
               <a:ext uri="{91240B29-F687-4f45-9708-019B960494DF}">
-                <a14:hiddenLine xmlns="" xmlns:a14="http://schemas.microsoft.com/office/drawing/2010/main" w="9525">
+                <a14:hiddenLine xmlns:a14="http://schemas.microsoft.com/office/drawing/2010/main" xmlns="" w="9525">
                   <a:solidFill>
                     <a:srgbClr val="000000"/>
                   </a:solidFill>
@@ -3520,7 +3521,7 @@
             </a:ln>
             <a:extLst>
               <a:ext uri="{91240B29-F687-4f45-9708-019B960494DF}">
-                <a14:hiddenLine xmlns="" xmlns:a14="http://schemas.microsoft.com/office/drawing/2010/main" w="9525">
+                <a14:hiddenLine xmlns:a14="http://schemas.microsoft.com/office/drawing/2010/main" xmlns="" w="9525">
                   <a:solidFill>
                     <a:srgbClr val="000000"/>
                   </a:solidFill>
@@ -3610,7 +3611,7 @@
             </a:ln>
             <a:extLst>
               <a:ext uri="{91240B29-F687-4f45-9708-019B960494DF}">
-                <a14:hiddenLine xmlns="" xmlns:a14="http://schemas.microsoft.com/office/drawing/2010/main" w="9525">
+                <a14:hiddenLine xmlns:a14="http://schemas.microsoft.com/office/drawing/2010/main" xmlns="" w="9525">
                   <a:solidFill>
                     <a:srgbClr val="000000"/>
                   </a:solidFill>
@@ -3675,7 +3676,7 @@
             </a:ln>
             <a:extLst>
               <a:ext uri="{91240B29-F687-4f45-9708-019B960494DF}">
-                <a14:hiddenLine xmlns="" xmlns:a14="http://schemas.microsoft.com/office/drawing/2010/main" w="9525">
+                <a14:hiddenLine xmlns:a14="http://schemas.microsoft.com/office/drawing/2010/main" xmlns="" w="9525">
                   <a:solidFill>
                     <a:srgbClr val="000000"/>
                   </a:solidFill>
@@ -3737,7 +3738,7 @@
             </a:ln>
             <a:extLst>
               <a:ext uri="{91240B29-F687-4f45-9708-019B960494DF}">
-                <a14:hiddenLine xmlns="" xmlns:a14="http://schemas.microsoft.com/office/drawing/2010/main" w="9525">
+                <a14:hiddenLine xmlns:a14="http://schemas.microsoft.com/office/drawing/2010/main" xmlns="" w="9525">
                   <a:solidFill>
                     <a:srgbClr val="000000"/>
                   </a:solidFill>
@@ -3827,7 +3828,7 @@
             </a:ln>
             <a:extLst>
               <a:ext uri="{91240B29-F687-4f45-9708-019B960494DF}">
-                <a14:hiddenLine xmlns="" xmlns:a14="http://schemas.microsoft.com/office/drawing/2010/main" w="9525">
+                <a14:hiddenLine xmlns:a14="http://schemas.microsoft.com/office/drawing/2010/main" xmlns="" w="9525">
                   <a:solidFill>
                     <a:srgbClr val="000000"/>
                   </a:solidFill>
@@ -3917,7 +3918,7 @@
             </a:ln>
             <a:extLst>
               <a:ext uri="{91240B29-F687-4f45-9708-019B960494DF}">
-                <a14:hiddenLine xmlns="" xmlns:a14="http://schemas.microsoft.com/office/drawing/2010/main" w="9525">
+                <a14:hiddenLine xmlns:a14="http://schemas.microsoft.com/office/drawing/2010/main" xmlns="" w="9525">
                   <a:solidFill>
                     <a:srgbClr val="000000"/>
                   </a:solidFill>
@@ -3979,7 +3980,7 @@
             </a:ln>
             <a:extLst>
               <a:ext uri="{91240B29-F687-4f45-9708-019B960494DF}">
-                <a14:hiddenLine xmlns="" xmlns:a14="http://schemas.microsoft.com/office/drawing/2010/main" w="9525">
+                <a14:hiddenLine xmlns:a14="http://schemas.microsoft.com/office/drawing/2010/main" xmlns="" w="9525">
                   <a:solidFill>
                     <a:srgbClr val="000000"/>
                   </a:solidFill>
@@ -4099,7 +4100,7 @@
             </a:ln>
             <a:extLst>
               <a:ext uri="{91240B29-F687-4f45-9708-019B960494DF}">
-                <a14:hiddenLine xmlns="" xmlns:a14="http://schemas.microsoft.com/office/drawing/2010/main" w="9525">
+                <a14:hiddenLine xmlns:a14="http://schemas.microsoft.com/office/drawing/2010/main" xmlns="" w="9525">
                   <a:solidFill>
                     <a:srgbClr val="000000"/>
                   </a:solidFill>
@@ -4167,7 +4168,7 @@
             </a:ln>
             <a:extLst>
               <a:ext uri="{91240B29-F687-4f45-9708-019B960494DF}">
-                <a14:hiddenLine xmlns="" xmlns:a14="http://schemas.microsoft.com/office/drawing/2010/main" w="9525">
+                <a14:hiddenLine xmlns:a14="http://schemas.microsoft.com/office/drawing/2010/main" xmlns="" w="9525">
                   <a:solidFill>
                     <a:srgbClr val="000000"/>
                   </a:solidFill>
@@ -4257,7 +4258,7 @@
             </a:ln>
             <a:extLst>
               <a:ext uri="{91240B29-F687-4f45-9708-019B960494DF}">
-                <a14:hiddenLine xmlns="" xmlns:a14="http://schemas.microsoft.com/office/drawing/2010/main" w="9525">
+                <a14:hiddenLine xmlns:a14="http://schemas.microsoft.com/office/drawing/2010/main" xmlns="" w="9525">
                   <a:solidFill>
                     <a:srgbClr val="000000"/>
                   </a:solidFill>
@@ -4397,7 +4398,7 @@
           <a:p>
             <a:fld id="{48A87A34-81AB-432B-8DAE-1953F412C126}" type="datetimeFigureOut">
               <a:rPr lang="en-US" dirty="0"/>
-              <a:t>9/6/2018</a:t>
+              <a:t>9/7/2018</a:t>
             </a:fld>
             <a:endParaRPr lang="en-US" dirty="0"/>
           </a:p>
@@ -4659,7 +4660,7 @@
           <a:p>
             <a:fld id="{48A87A34-81AB-432B-8DAE-1953F412C126}" type="datetimeFigureOut">
               <a:rPr lang="en-US" dirty="0"/>
-              <a:t>9/6/2018</a:t>
+              <a:t>9/7/2018</a:t>
             </a:fld>
             <a:endParaRPr lang="en-US" dirty="0"/>
           </a:p>
@@ -4850,7 +4851,7 @@
           <a:p>
             <a:fld id="{48A87A34-81AB-432B-8DAE-1953F412C126}" type="datetimeFigureOut">
               <a:rPr lang="en-US" dirty="0"/>
-              <a:t>9/6/2018</a:t>
+              <a:t>9/7/2018</a:t>
             </a:fld>
             <a:endParaRPr lang="en-US" dirty="0"/>
           </a:p>
@@ -5108,7 +5109,7 @@
           <a:p>
             <a:fld id="{48A87A34-81AB-432B-8DAE-1953F412C126}" type="datetimeFigureOut">
               <a:rPr lang="en-US" dirty="0"/>
-              <a:t>9/6/2018</a:t>
+              <a:t>9/7/2018</a:t>
             </a:fld>
             <a:endParaRPr lang="en-US" dirty="0"/>
           </a:p>
@@ -5537,7 +5538,7 @@
           <a:p>
             <a:fld id="{48A87A34-81AB-432B-8DAE-1953F412C126}" type="datetimeFigureOut">
               <a:rPr lang="en-US" dirty="0"/>
-              <a:t>9/6/2018</a:t>
+              <a:t>9/7/2018</a:t>
             </a:fld>
             <a:endParaRPr lang="en-US" dirty="0"/>
           </a:p>
@@ -6078,7 +6079,7 @@
           <a:p>
             <a:fld id="{48A87A34-81AB-432B-8DAE-1953F412C126}" type="datetimeFigureOut">
               <a:rPr lang="en-US" dirty="0"/>
-              <a:t>9/6/2018</a:t>
+              <a:t>9/7/2018</a:t>
             </a:fld>
             <a:endParaRPr lang="en-US" dirty="0"/>
           </a:p>
@@ -6793,7 +6794,7 @@
           <a:p>
             <a:fld id="{48A87A34-81AB-432B-8DAE-1953F412C126}" type="datetimeFigureOut">
               <a:rPr lang="en-US" dirty="0"/>
-              <a:t>9/6/2018</a:t>
+              <a:t>9/7/2018</a:t>
             </a:fld>
             <a:endParaRPr lang="en-US" dirty="0"/>
           </a:p>
@@ -6958,7 +6959,7 @@
           <a:p>
             <a:fld id="{48A87A34-81AB-432B-8DAE-1953F412C126}" type="datetimeFigureOut">
               <a:rPr lang="en-US" dirty="0"/>
-              <a:t>9/6/2018</a:t>
+              <a:t>9/7/2018</a:t>
             </a:fld>
             <a:endParaRPr lang="en-US" dirty="0"/>
           </a:p>
@@ -7133,7 +7134,7 @@
           <a:p>
             <a:fld id="{48A87A34-81AB-432B-8DAE-1953F412C126}" type="datetimeFigureOut">
               <a:rPr lang="en-US" dirty="0"/>
-              <a:t>9/6/2018</a:t>
+              <a:t>9/7/2018</a:t>
             </a:fld>
             <a:endParaRPr lang="en-US" dirty="0"/>
           </a:p>
@@ -7298,7 +7299,7 @@
           <a:p>
             <a:fld id="{48A87A34-81AB-432B-8DAE-1953F412C126}" type="datetimeFigureOut">
               <a:rPr lang="en-US" dirty="0"/>
-              <a:t>9/6/2018</a:t>
+              <a:t>9/7/2018</a:t>
             </a:fld>
             <a:endParaRPr lang="en-US" dirty="0"/>
           </a:p>
@@ -7543,7 +7544,7 @@
           <a:p>
             <a:fld id="{48A87A34-81AB-432B-8DAE-1953F412C126}" type="datetimeFigureOut">
               <a:rPr lang="en-US" dirty="0"/>
-              <a:t>9/6/2018</a:t>
+              <a:t>9/7/2018</a:t>
             </a:fld>
             <a:endParaRPr lang="en-US" dirty="0"/>
           </a:p>
@@ -7770,7 +7771,7 @@
           <a:p>
             <a:fld id="{48A87A34-81AB-432B-8DAE-1953F412C126}" type="datetimeFigureOut">
               <a:rPr lang="en-US" dirty="0"/>
-              <a:t>9/6/2018</a:t>
+              <a:t>9/7/2018</a:t>
             </a:fld>
             <a:endParaRPr lang="en-US" dirty="0"/>
           </a:p>
@@ -8146,7 +8147,7 @@
           <a:p>
             <a:fld id="{48A87A34-81AB-432B-8DAE-1953F412C126}" type="datetimeFigureOut">
               <a:rPr lang="en-US" dirty="0"/>
-              <a:t>9/6/2018</a:t>
+              <a:t>9/7/2018</a:t>
             </a:fld>
             <a:endParaRPr lang="en-US" dirty="0"/>
           </a:p>
@@ -8259,7 +8260,7 @@
           <a:p>
             <a:fld id="{48A87A34-81AB-432B-8DAE-1953F412C126}" type="datetimeFigureOut">
               <a:rPr lang="en-US" dirty="0"/>
-              <a:t>9/6/2018</a:t>
+              <a:t>9/7/2018</a:t>
             </a:fld>
             <a:endParaRPr lang="en-US" dirty="0"/>
           </a:p>
@@ -8349,7 +8350,7 @@
           <a:p>
             <a:fld id="{48A87A34-81AB-432B-8DAE-1953F412C126}" type="datetimeFigureOut">
               <a:rPr lang="en-US" dirty="0"/>
-              <a:t>9/6/2018</a:t>
+              <a:t>9/7/2018</a:t>
             </a:fld>
             <a:endParaRPr lang="en-US" dirty="0"/>
           </a:p>
@@ -8593,7 +8594,7 @@
           <a:p>
             <a:fld id="{48A87A34-81AB-432B-8DAE-1953F412C126}" type="datetimeFigureOut">
               <a:rPr lang="en-US" dirty="0"/>
-              <a:t>9/6/2018</a:t>
+              <a:t>9/7/2018</a:t>
             </a:fld>
             <a:endParaRPr lang="en-US" dirty="0"/>
           </a:p>
@@ -8868,7 +8869,7 @@
           <a:p>
             <a:fld id="{48A87A34-81AB-432B-8DAE-1953F412C126}" type="datetimeFigureOut">
               <a:rPr lang="en-US" dirty="0"/>
-              <a:t>9/6/2018</a:t>
+              <a:t>9/7/2018</a:t>
             </a:fld>
             <a:endParaRPr lang="en-US" dirty="0"/>
           </a:p>
@@ -8986,7 +8987,7 @@
           <a:noFill/>
           <a:extLst>
             <a:ext uri="{909E8E84-426E-40dd-AFC4-6F175D3DCCD1}">
-              <a14:hiddenFill xmlns="" xmlns:a14="http://schemas.microsoft.com/office/drawing/2010/main">
+              <a14:hiddenFill xmlns:a14="http://schemas.microsoft.com/office/drawing/2010/main" xmlns="">
                 <a:solidFill>
                   <a:srgbClr val="FFFFFF"/>
                 </a:solidFill>
@@ -9060,7 +9061,7 @@
               </a:ln>
               <a:extLst>
                 <a:ext uri="{91240B29-F687-4f45-9708-019B960494DF}">
-                  <a14:hiddenLine xmlns="" xmlns:a14="http://schemas.microsoft.com/office/drawing/2010/main" w="9525">
+                  <a14:hiddenLine xmlns:a14="http://schemas.microsoft.com/office/drawing/2010/main" xmlns="" w="9525">
                     <a:solidFill>
                       <a:srgbClr val="000000"/>
                     </a:solidFill>
@@ -9150,7 +9151,7 @@
               </a:ln>
               <a:extLst>
                 <a:ext uri="{91240B29-F687-4f45-9708-019B960494DF}">
-                  <a14:hiddenLine xmlns="" xmlns:a14="http://schemas.microsoft.com/office/drawing/2010/main" w="9525">
+                  <a14:hiddenLine xmlns:a14="http://schemas.microsoft.com/office/drawing/2010/main" xmlns="" w="9525">
                     <a:solidFill>
                       <a:srgbClr val="000000"/>
                     </a:solidFill>
@@ -9240,7 +9241,7 @@
               </a:ln>
               <a:extLst>
                 <a:ext uri="{91240B29-F687-4f45-9708-019B960494DF}">
-                  <a14:hiddenLine xmlns="" xmlns:a14="http://schemas.microsoft.com/office/drawing/2010/main" w="9525">
+                  <a14:hiddenLine xmlns:a14="http://schemas.microsoft.com/office/drawing/2010/main" xmlns="" w="9525">
                     <a:solidFill>
                       <a:srgbClr val="000000"/>
                     </a:solidFill>
@@ -9302,7 +9303,7 @@
               </a:ln>
               <a:extLst>
                 <a:ext uri="{91240B29-F687-4f45-9708-019B960494DF}">
-                  <a14:hiddenLine xmlns="" xmlns:a14="http://schemas.microsoft.com/office/drawing/2010/main" w="9525">
+                  <a14:hiddenLine xmlns:a14="http://schemas.microsoft.com/office/drawing/2010/main" xmlns="" w="9525">
                     <a:solidFill>
                       <a:srgbClr val="000000"/>
                     </a:solidFill>
@@ -9392,7 +9393,7 @@
               </a:ln>
               <a:extLst>
                 <a:ext uri="{91240B29-F687-4f45-9708-019B960494DF}">
-                  <a14:hiddenLine xmlns="" xmlns:a14="http://schemas.microsoft.com/office/drawing/2010/main" w="9525">
+                  <a14:hiddenLine xmlns:a14="http://schemas.microsoft.com/office/drawing/2010/main" xmlns="" w="9525">
                     <a:solidFill>
                       <a:srgbClr val="000000"/>
                     </a:solidFill>
@@ -9454,7 +9455,7 @@
               </a:ln>
               <a:extLst>
                 <a:ext uri="{91240B29-F687-4f45-9708-019B960494DF}">
-                  <a14:hiddenLine xmlns="" xmlns:a14="http://schemas.microsoft.com/office/drawing/2010/main" w="9525">
+                  <a14:hiddenLine xmlns:a14="http://schemas.microsoft.com/office/drawing/2010/main" xmlns="" w="9525">
                     <a:solidFill>
                       <a:srgbClr val="000000"/>
                     </a:solidFill>
@@ -9516,7 +9517,7 @@
               </a:ln>
               <a:extLst>
                 <a:ext uri="{91240B29-F687-4f45-9708-019B960494DF}">
-                  <a14:hiddenLine xmlns="" xmlns:a14="http://schemas.microsoft.com/office/drawing/2010/main" w="9525">
+                  <a14:hiddenLine xmlns:a14="http://schemas.microsoft.com/office/drawing/2010/main" xmlns="" w="9525">
                     <a:solidFill>
                       <a:srgbClr val="000000"/>
                     </a:solidFill>
@@ -9606,7 +9607,7 @@
               </a:ln>
               <a:extLst>
                 <a:ext uri="{91240B29-F687-4f45-9708-019B960494DF}">
-                  <a14:hiddenLine xmlns="" xmlns:a14="http://schemas.microsoft.com/office/drawing/2010/main" w="9525">
+                  <a14:hiddenLine xmlns:a14="http://schemas.microsoft.com/office/drawing/2010/main" xmlns="" w="9525">
                     <a:solidFill>
                       <a:srgbClr val="000000"/>
                     </a:solidFill>
@@ -9696,7 +9697,7 @@
               </a:ln>
               <a:extLst>
                 <a:ext uri="{91240B29-F687-4f45-9708-019B960494DF}">
-                  <a14:hiddenLine xmlns="" xmlns:a14="http://schemas.microsoft.com/office/drawing/2010/main" w="9525">
+                  <a14:hiddenLine xmlns:a14="http://schemas.microsoft.com/office/drawing/2010/main" xmlns="" w="9525">
                     <a:solidFill>
                       <a:srgbClr val="000000"/>
                     </a:solidFill>
@@ -9758,7 +9759,7 @@
               </a:ln>
               <a:extLst>
                 <a:ext uri="{91240B29-F687-4f45-9708-019B960494DF}">
-                  <a14:hiddenLine xmlns="" xmlns:a14="http://schemas.microsoft.com/office/drawing/2010/main" w="9525">
+                  <a14:hiddenLine xmlns:a14="http://schemas.microsoft.com/office/drawing/2010/main" xmlns="" w="9525">
                     <a:solidFill>
                       <a:srgbClr val="000000"/>
                     </a:solidFill>
@@ -9868,7 +9869,7 @@
               </a:ln>
               <a:extLst>
                 <a:ext uri="{91240B29-F687-4f45-9708-019B960494DF}">
-                  <a14:hiddenLine xmlns="" xmlns:a14="http://schemas.microsoft.com/office/drawing/2010/main" w="9525">
+                  <a14:hiddenLine xmlns:a14="http://schemas.microsoft.com/office/drawing/2010/main" xmlns="" w="9525">
                     <a:solidFill>
                       <a:srgbClr val="000000"/>
                     </a:solidFill>
@@ -9952,7 +9953,7 @@
               </a:ln>
               <a:extLst>
                 <a:ext uri="{91240B29-F687-4f45-9708-019B960494DF}">
-                  <a14:hiddenLine xmlns="" xmlns:a14="http://schemas.microsoft.com/office/drawing/2010/main" w="9525">
+                  <a14:hiddenLine xmlns:a14="http://schemas.microsoft.com/office/drawing/2010/main" xmlns="" w="9525">
                     <a:solidFill>
                       <a:srgbClr val="000000"/>
                     </a:solidFill>
@@ -10014,7 +10015,7 @@
               </a:ln>
               <a:extLst>
                 <a:ext uri="{91240B29-F687-4f45-9708-019B960494DF}">
-                  <a14:hiddenLine xmlns="" xmlns:a14="http://schemas.microsoft.com/office/drawing/2010/main" w="9525">
+                  <a14:hiddenLine xmlns:a14="http://schemas.microsoft.com/office/drawing/2010/main" xmlns="" w="9525">
                     <a:solidFill>
                       <a:srgbClr val="000000"/>
                     </a:solidFill>
@@ -10076,7 +10077,7 @@
               </a:ln>
               <a:extLst>
                 <a:ext uri="{91240B29-F687-4f45-9708-019B960494DF}">
-                  <a14:hiddenLine xmlns="" xmlns:a14="http://schemas.microsoft.com/office/drawing/2010/main" w="9525">
+                  <a14:hiddenLine xmlns:a14="http://schemas.microsoft.com/office/drawing/2010/main" xmlns="" w="9525">
                     <a:solidFill>
                       <a:srgbClr val="000000"/>
                     </a:solidFill>
@@ -10166,7 +10167,7 @@
               </a:ln>
               <a:extLst>
                 <a:ext uri="{91240B29-F687-4f45-9708-019B960494DF}">
-                  <a14:hiddenLine xmlns="" xmlns:a14="http://schemas.microsoft.com/office/drawing/2010/main" w="9525">
+                  <a14:hiddenLine xmlns:a14="http://schemas.microsoft.com/office/drawing/2010/main" xmlns="" w="9525">
                     <a:solidFill>
                       <a:srgbClr val="000000"/>
                     </a:solidFill>
@@ -10200,7 +10201,7 @@
               </a:ln>
               <a:extLst>
                 <a:ext uri="{91240B29-F687-4f45-9708-019B960494DF}">
-                  <a14:hiddenLine xmlns="" xmlns:a14="http://schemas.microsoft.com/office/drawing/2010/main" w="9525">
+                  <a14:hiddenLine xmlns:a14="http://schemas.microsoft.com/office/drawing/2010/main" xmlns="" w="9525">
                     <a:solidFill>
                       <a:srgbClr val="000000"/>
                     </a:solidFill>
@@ -10265,7 +10266,7 @@
               </a:ln>
               <a:extLst>
                 <a:ext uri="{91240B29-F687-4f45-9708-019B960494DF}">
-                  <a14:hiddenLine xmlns="" xmlns:a14="http://schemas.microsoft.com/office/drawing/2010/main" w="9525">
+                  <a14:hiddenLine xmlns:a14="http://schemas.microsoft.com/office/drawing/2010/main" xmlns="" w="9525">
                     <a:solidFill>
                       <a:srgbClr val="000000"/>
                     </a:solidFill>
@@ -10355,7 +10356,7 @@
               </a:ln>
               <a:extLst>
                 <a:ext uri="{91240B29-F687-4f45-9708-019B960494DF}">
-                  <a14:hiddenLine xmlns="" xmlns:a14="http://schemas.microsoft.com/office/drawing/2010/main" w="9525">
+                  <a14:hiddenLine xmlns:a14="http://schemas.microsoft.com/office/drawing/2010/main" xmlns="" w="9525">
                     <a:solidFill>
                       <a:srgbClr val="000000"/>
                     </a:solidFill>
@@ -10417,7 +10418,7 @@
               </a:ln>
               <a:extLst>
                 <a:ext uri="{91240B29-F687-4f45-9708-019B960494DF}">
-                  <a14:hiddenLine xmlns="" xmlns:a14="http://schemas.microsoft.com/office/drawing/2010/main" w="9525">
+                  <a14:hiddenLine xmlns:a14="http://schemas.microsoft.com/office/drawing/2010/main" xmlns="" w="9525">
                     <a:solidFill>
                       <a:srgbClr val="000000"/>
                     </a:solidFill>
@@ -10507,7 +10508,7 @@
               </a:ln>
               <a:extLst>
                 <a:ext uri="{91240B29-F687-4f45-9708-019B960494DF}">
-                  <a14:hiddenLine xmlns="" xmlns:a14="http://schemas.microsoft.com/office/drawing/2010/main" w="9525">
+                  <a14:hiddenLine xmlns:a14="http://schemas.microsoft.com/office/drawing/2010/main" xmlns="" w="9525">
                     <a:solidFill>
                       <a:srgbClr val="000000"/>
                     </a:solidFill>
@@ -10572,7 +10573,7 @@
               </a:ln>
               <a:extLst>
                 <a:ext uri="{91240B29-F687-4f45-9708-019B960494DF}">
-                  <a14:hiddenLine xmlns="" xmlns:a14="http://schemas.microsoft.com/office/drawing/2010/main" w="9525">
+                  <a14:hiddenLine xmlns:a14="http://schemas.microsoft.com/office/drawing/2010/main" xmlns="" w="9525">
                     <a:solidFill>
                       <a:srgbClr val="000000"/>
                     </a:solidFill>
@@ -10634,7 +10635,7 @@
               </a:ln>
               <a:extLst>
                 <a:ext uri="{91240B29-F687-4f45-9708-019B960494DF}">
-                  <a14:hiddenLine xmlns="" xmlns:a14="http://schemas.microsoft.com/office/drawing/2010/main" w="9525">
+                  <a14:hiddenLine xmlns:a14="http://schemas.microsoft.com/office/drawing/2010/main" xmlns="" w="9525">
                     <a:solidFill>
                       <a:srgbClr val="000000"/>
                     </a:solidFill>
@@ -10724,7 +10725,7 @@
               </a:ln>
               <a:extLst>
                 <a:ext uri="{91240B29-F687-4f45-9708-019B960494DF}">
-                  <a14:hiddenLine xmlns="" xmlns:a14="http://schemas.microsoft.com/office/drawing/2010/main" w="9525">
+                  <a14:hiddenLine xmlns:a14="http://schemas.microsoft.com/office/drawing/2010/main" xmlns="" w="9525">
                     <a:solidFill>
                       <a:srgbClr val="000000"/>
                     </a:solidFill>
@@ -10814,7 +10815,7 @@
               </a:ln>
               <a:extLst>
                 <a:ext uri="{91240B29-F687-4f45-9708-019B960494DF}">
-                  <a14:hiddenLine xmlns="" xmlns:a14="http://schemas.microsoft.com/office/drawing/2010/main" w="9525">
+                  <a14:hiddenLine xmlns:a14="http://schemas.microsoft.com/office/drawing/2010/main" xmlns="" w="9525">
                     <a:solidFill>
                       <a:srgbClr val="000000"/>
                     </a:solidFill>
@@ -10879,7 +10880,7 @@
               </a:ln>
               <a:extLst>
                 <a:ext uri="{91240B29-F687-4f45-9708-019B960494DF}">
-                  <a14:hiddenLine xmlns="" xmlns:a14="http://schemas.microsoft.com/office/drawing/2010/main" w="9525">
+                  <a14:hiddenLine xmlns:a14="http://schemas.microsoft.com/office/drawing/2010/main" xmlns="" w="9525">
                     <a:solidFill>
                       <a:srgbClr val="000000"/>
                     </a:solidFill>
@@ -10999,7 +11000,7 @@
               </a:ln>
               <a:extLst>
                 <a:ext uri="{91240B29-F687-4f45-9708-019B960494DF}">
-                  <a14:hiddenLine xmlns="" xmlns:a14="http://schemas.microsoft.com/office/drawing/2010/main" w="9525">
+                  <a14:hiddenLine xmlns:a14="http://schemas.microsoft.com/office/drawing/2010/main" xmlns="" w="9525">
                     <a:solidFill>
                       <a:srgbClr val="000000"/>
                     </a:solidFill>
@@ -11080,7 +11081,7 @@
               </a:ln>
               <a:extLst>
                 <a:ext uri="{91240B29-F687-4f45-9708-019B960494DF}">
-                  <a14:hiddenLine xmlns="" xmlns:a14="http://schemas.microsoft.com/office/drawing/2010/main" w="9525">
+                  <a14:hiddenLine xmlns:a14="http://schemas.microsoft.com/office/drawing/2010/main" xmlns="" w="9525">
                     <a:solidFill>
                       <a:srgbClr val="000000"/>
                     </a:solidFill>
@@ -11195,7 +11196,7 @@
               </a:ln>
               <a:extLst>
                 <a:ext uri="{91240B29-F687-4f45-9708-019B960494DF}">
-                  <a14:hiddenLine xmlns="" xmlns:a14="http://schemas.microsoft.com/office/drawing/2010/main" w="9525">
+                  <a14:hiddenLine xmlns:a14="http://schemas.microsoft.com/office/drawing/2010/main" xmlns="" w="9525">
                     <a:solidFill>
                       <a:srgbClr val="000000"/>
                     </a:solidFill>
@@ -11285,7 +11286,7 @@
               </a:ln>
               <a:extLst>
                 <a:ext uri="{91240B29-F687-4f45-9708-019B960494DF}">
-                  <a14:hiddenLine xmlns="" xmlns:a14="http://schemas.microsoft.com/office/drawing/2010/main" w="9525">
+                  <a14:hiddenLine xmlns:a14="http://schemas.microsoft.com/office/drawing/2010/main" xmlns="" w="9525">
                     <a:solidFill>
                       <a:srgbClr val="000000"/>
                     </a:solidFill>
@@ -11350,7 +11351,7 @@
               </a:ln>
               <a:extLst>
                 <a:ext uri="{91240B29-F687-4f45-9708-019B960494DF}">
-                  <a14:hiddenLine xmlns="" xmlns:a14="http://schemas.microsoft.com/office/drawing/2010/main" w="9525">
+                  <a14:hiddenLine xmlns:a14="http://schemas.microsoft.com/office/drawing/2010/main" xmlns="" w="9525">
                     <a:solidFill>
                       <a:srgbClr val="000000"/>
                     </a:solidFill>
@@ -11440,7 +11441,7 @@
               </a:ln>
               <a:extLst>
                 <a:ext uri="{91240B29-F687-4f45-9708-019B960494DF}">
-                  <a14:hiddenLine xmlns="" xmlns:a14="http://schemas.microsoft.com/office/drawing/2010/main" w="9525">
+                  <a14:hiddenLine xmlns:a14="http://schemas.microsoft.com/office/drawing/2010/main" xmlns="" w="9525">
                     <a:solidFill>
                       <a:srgbClr val="000000"/>
                     </a:solidFill>
@@ -11508,7 +11509,7 @@
               </a:ln>
               <a:extLst>
                 <a:ext uri="{91240B29-F687-4f45-9708-019B960494DF}">
-                  <a14:hiddenLine xmlns="" xmlns:a14="http://schemas.microsoft.com/office/drawing/2010/main" w="9525">
+                  <a14:hiddenLine xmlns:a14="http://schemas.microsoft.com/office/drawing/2010/main" xmlns="" w="9525">
                     <a:solidFill>
                       <a:srgbClr val="000000"/>
                     </a:solidFill>
@@ -11598,7 +11599,7 @@
               </a:ln>
               <a:extLst>
                 <a:ext uri="{91240B29-F687-4f45-9708-019B960494DF}">
-                  <a14:hiddenLine xmlns="" xmlns:a14="http://schemas.microsoft.com/office/drawing/2010/main" w="9525">
+                  <a14:hiddenLine xmlns:a14="http://schemas.microsoft.com/office/drawing/2010/main" xmlns="" w="9525">
                     <a:solidFill>
                       <a:srgbClr val="000000"/>
                     </a:solidFill>
@@ -11666,7 +11667,7 @@
               </a:ln>
               <a:extLst>
                 <a:ext uri="{91240B29-F687-4f45-9708-019B960494DF}">
-                  <a14:hiddenLine xmlns="" xmlns:a14="http://schemas.microsoft.com/office/drawing/2010/main" w="9525">
+                  <a14:hiddenLine xmlns:a14="http://schemas.microsoft.com/office/drawing/2010/main" xmlns="" w="9525">
                     <a:solidFill>
                       <a:srgbClr val="000000"/>
                     </a:solidFill>
@@ -11756,7 +11757,7 @@
               </a:ln>
               <a:extLst>
                 <a:ext uri="{91240B29-F687-4f45-9708-019B960494DF}">
-                  <a14:hiddenLine xmlns="" xmlns:a14="http://schemas.microsoft.com/office/drawing/2010/main" w="9525">
+                  <a14:hiddenLine xmlns:a14="http://schemas.microsoft.com/office/drawing/2010/main" xmlns="" w="9525">
                     <a:solidFill>
                       <a:srgbClr val="000000"/>
                     </a:solidFill>
@@ -11790,7 +11791,7 @@
               </a:ln>
               <a:extLst>
                 <a:ext uri="{91240B29-F687-4f45-9708-019B960494DF}">
-                  <a14:hiddenLine xmlns="" xmlns:a14="http://schemas.microsoft.com/office/drawing/2010/main" w="9525">
+                  <a14:hiddenLine xmlns:a14="http://schemas.microsoft.com/office/drawing/2010/main" xmlns="" w="9525">
                     <a:solidFill>
                       <a:srgbClr val="000000"/>
                     </a:solidFill>
@@ -11931,7 +11932,7 @@
             <a:fld id="{48A87A34-81AB-432B-8DAE-1953F412C126}" type="datetimeFigureOut">
               <a:rPr lang="en-US" dirty="0"/>
               <a:pPr/>
-              <a:t>9/6/2018</a:t>
+              <a:t>9/7/2018</a:t>
             </a:fld>
             <a:endParaRPr lang="en-US" dirty="0"/>
           </a:p>
@@ -12493,12 +12494,16 @@
         </p:nvSpPr>
         <p:spPr/>
         <p:txBody>
-          <a:bodyPr/>
+          <a:bodyPr>
+            <a:normAutofit/>
+          </a:bodyPr>
           <a:lstStyle/>
           <a:p>
             <a:pPr algn="ctr"/>
             <a:r>
-              <a:rPr lang="en-US" dirty="0"/>
+              <a:rPr lang="en-US" sz="3200" dirty="0">
+                <a:latin typeface="Elephant" panose="02020904090505020303" pitchFamily="18" charset="0"/>
+              </a:rPr>
               <a:t>Helpful But not Required</a:t>
             </a:r>
           </a:p>
@@ -12529,28 +12534,40 @@
               <a:buNone/>
             </a:pPr>
             <a:r>
-              <a:rPr lang="en-US" dirty="0"/>
+              <a:rPr lang="en-US" dirty="0">
+                <a:latin typeface="Segoe UI Emoji" panose="020B0502040204020203" pitchFamily="34" charset="0"/>
+                <a:ea typeface="Segoe UI Emoji" panose="020B0502040204020203" pitchFamily="34" charset="0"/>
+              </a:rPr>
               <a:t>Prior Knowledge of:</a:t>
             </a:r>
           </a:p>
           <a:p>
             <a:pPr algn="ctr"/>
             <a:r>
-              <a:rPr lang="en-US" dirty="0"/>
+              <a:rPr lang="en-US" dirty="0">
+                <a:latin typeface="Segoe UI Emoji" panose="020B0502040204020203" pitchFamily="34" charset="0"/>
+                <a:ea typeface="Segoe UI Emoji" panose="020B0502040204020203" pitchFamily="34" charset="0"/>
+              </a:rPr>
               <a:t>HTML</a:t>
             </a:r>
           </a:p>
           <a:p>
             <a:pPr algn="ctr"/>
             <a:r>
-              <a:rPr lang="en-US" dirty="0"/>
+              <a:rPr lang="en-US" dirty="0">
+                <a:latin typeface="Segoe UI Emoji" panose="020B0502040204020203" pitchFamily="34" charset="0"/>
+                <a:ea typeface="Segoe UI Emoji" panose="020B0502040204020203" pitchFamily="34" charset="0"/>
+              </a:rPr>
               <a:t>JavaScript</a:t>
             </a:r>
           </a:p>
           <a:p>
             <a:pPr algn="ctr"/>
             <a:r>
-              <a:rPr lang="en-US" dirty="0"/>
+              <a:rPr lang="en-US" dirty="0">
+                <a:latin typeface="Segoe UI Emoji" panose="020B0502040204020203" pitchFamily="34" charset="0"/>
+                <a:ea typeface="Segoe UI Emoji" panose="020B0502040204020203" pitchFamily="34" charset="0"/>
+              </a:rPr>
               <a:t>ECMAScript 6 or 2015</a:t>
             </a:r>
           </a:p>
@@ -12558,7 +12575,9 @@
             <a:pPr marL="0" indent="0" algn="ctr">
               <a:buNone/>
             </a:pPr>
-            <a:endParaRPr lang="en-US" dirty="0"/>
+            <a:endParaRPr lang="en-US" dirty="0">
+              <a:latin typeface="Arial Black" panose="020B0A04020102020204" pitchFamily="34" charset="0"/>
+            </a:endParaRPr>
           </a:p>
           <a:p>
             <a:pPr algn="ctr"/>
@@ -12616,19 +12635,18 @@
             <p:ph type="title"/>
           </p:nvPr>
         </p:nvSpPr>
-        <p:spPr>
-          <a:xfrm>
-            <a:off x="1141411" y="1419227"/>
-            <a:ext cx="9906000" cy="600074"/>
-          </a:xfrm>
-        </p:spPr>
+        <p:spPr/>
         <p:txBody>
-          <a:bodyPr/>
+          <a:bodyPr>
+            <a:normAutofit/>
+          </a:bodyPr>
           <a:lstStyle/>
           <a:p>
             <a:pPr algn="ctr"/>
             <a:r>
-              <a:rPr lang="en-US" dirty="0"/>
+              <a:rPr lang="en-US" sz="3200" dirty="0">
+                <a:latin typeface="Elephant" panose="02020904090505020303" pitchFamily="18" charset="0"/>
+              </a:rPr>
               <a:t>What is React?</a:t>
             </a:r>
           </a:p>
@@ -12647,15 +12665,10 @@
             <a:spLocks noGrp="1"/>
           </p:cNvSpPr>
           <p:nvPr>
-            <p:ph type="body" idx="1"/>
+            <p:ph idx="1"/>
           </p:nvPr>
         </p:nvSpPr>
-        <p:spPr>
-          <a:xfrm>
-            <a:off x="1141411" y="3136900"/>
-            <a:ext cx="9906000" cy="2662238"/>
-          </a:xfrm>
-        </p:spPr>
+        <p:spPr/>
         <p:txBody>
           <a:bodyPr>
             <a:normAutofit/>
@@ -12667,7 +12680,10 @@
               <a:buChar char="•"/>
             </a:pPr>
             <a:r>
-              <a:rPr lang="en-US" dirty="0"/>
+              <a:rPr lang="en-US" dirty="0">
+                <a:latin typeface="Segoe UI Emoji" panose="020B0502040204020203" pitchFamily="34" charset="0"/>
+                <a:ea typeface="Segoe UI Emoji" panose="020B0502040204020203" pitchFamily="34" charset="0"/>
+              </a:rPr>
               <a:t>It is a JavaScript library for building user interfaces. From simple to complex, just by using isolated pieces called components.</a:t>
             </a:r>
           </a:p>
@@ -12677,7 +12693,10 @@
               <a:buChar char="•"/>
             </a:pPr>
             <a:r>
-              <a:rPr lang="en-US" dirty="0"/>
+              <a:rPr lang="en-US" dirty="0">
+                <a:latin typeface="Segoe UI Emoji" panose="020B0502040204020203" pitchFamily="34" charset="0"/>
+                <a:ea typeface="Segoe UI Emoji" panose="020B0502040204020203" pitchFamily="34" charset="0"/>
+              </a:rPr>
               <a:t>In technical terms such as MVC – Model-View-Controller, React is the View.</a:t>
             </a:r>
           </a:p>
@@ -12687,8 +12706,17 @@
               <a:buChar char="•"/>
             </a:pPr>
             <a:r>
-              <a:rPr lang="en-US" dirty="0"/>
-              <a:t>Analogy – A house, React is the Yard, paint, couches, beds, TVs, decorations, etc.</a:t>
+              <a:rPr lang="en-US" dirty="0">
+                <a:latin typeface="Segoe UI Emoji" panose="020B0502040204020203" pitchFamily="34" charset="0"/>
+                <a:ea typeface="Segoe UI Emoji" panose="020B0502040204020203" pitchFamily="34" charset="0"/>
+              </a:rPr>
+              <a:t>Analogy – A house, React is the Yard, paint, couches, beds, TVs, decorations, etc</a:t>
+            </a:r>
+            <a:r>
+              <a:rPr lang="en-US" dirty="0">
+                <a:latin typeface="Arial Black" panose="020B0A04020102020204" pitchFamily="34" charset="0"/>
+              </a:rPr>
+              <a:t>.</a:t>
             </a:r>
           </a:p>
         </p:txBody>
@@ -12741,12 +12769,16 @@
         </p:nvSpPr>
         <p:spPr/>
         <p:txBody>
-          <a:bodyPr/>
+          <a:bodyPr>
+            <a:normAutofit/>
+          </a:bodyPr>
           <a:lstStyle/>
           <a:p>
             <a:pPr algn="ctr"/>
             <a:r>
-              <a:rPr lang="en-US" dirty="0"/>
+              <a:rPr lang="en-US" sz="3200" dirty="0">
+                <a:latin typeface="Elephant" panose="02020904090505020303" pitchFamily="18" charset="0"/>
+              </a:rPr>
               <a:t>Why use React?</a:t>
             </a:r>
           </a:p>
@@ -12773,31 +12805,42 @@
           <a:bodyPr/>
           <a:lstStyle/>
           <a:p>
+            <a:endParaRPr lang="en-US" dirty="0"/>
+          </a:p>
+          <a:p>
             <a:r>
-              <a:rPr lang="en-US" dirty="0"/>
+              <a:rPr lang="en-US" dirty="0">
+                <a:latin typeface="Segoe UI Emoji" panose="020B0502040204020203" pitchFamily="34" charset="0"/>
+                <a:ea typeface="Segoe UI Emoji" panose="020B0502040204020203" pitchFamily="34" charset="0"/>
+              </a:rPr>
               <a:t>Supported by Facebook.</a:t>
             </a:r>
           </a:p>
           <a:p>
             <a:r>
-              <a:rPr lang="en-US" dirty="0"/>
+              <a:rPr lang="en-US" dirty="0">
+                <a:latin typeface="Segoe UI Emoji" panose="020B0502040204020203" pitchFamily="34" charset="0"/>
+                <a:ea typeface="Segoe UI Emoji" panose="020B0502040204020203" pitchFamily="34" charset="0"/>
+              </a:rPr>
               <a:t>Flexible and SEO-friendly</a:t>
             </a:r>
           </a:p>
           <a:p>
             <a:r>
-              <a:rPr lang="en-US"/>
-              <a:t>It is fast </a:t>
+              <a:rPr lang="en-US" dirty="0">
+                <a:latin typeface="Segoe UI Emoji" panose="020B0502040204020203" pitchFamily="34" charset="0"/>
+                <a:ea typeface="Segoe UI Emoji" panose="020B0502040204020203" pitchFamily="34" charset="0"/>
+              </a:rPr>
+              <a:t>It is fast with use of a Virtual DOM and one-way data binding.</a:t>
             </a:r>
+          </a:p>
+          <a:p>
             <a:r>
-              <a:rPr lang="en-US" dirty="0"/>
-              <a:t>with use of a Virtual DOM and one-way data binding.</a:t>
-            </a:r>
-          </a:p>
-          <a:p>
-            <a:r>
-              <a:rPr lang="en-US" dirty="0"/>
-              <a:t>In skillset is in very high demand by employers.</a:t>
+              <a:rPr lang="en-US" dirty="0">
+                <a:latin typeface="Segoe UI Emoji" panose="020B0502040204020203" pitchFamily="34" charset="0"/>
+                <a:ea typeface="Segoe UI Emoji" panose="020B0502040204020203" pitchFamily="34" charset="0"/>
+              </a:rPr>
+              <a:t>The skillset is in very high demand by employers.</a:t>
             </a:r>
           </a:p>
         </p:txBody>
@@ -12806,6 +12849,90 @@
     <p:extLst>
       <p:ext uri="{BB962C8B-B14F-4D97-AF65-F5344CB8AC3E}">
         <p14:creationId xmlns:p14="http://schemas.microsoft.com/office/powerpoint/2010/main" val="4177524365"/>
+      </p:ext>
+    </p:extLst>
+  </p:cSld>
+  <p:clrMapOvr>
+    <a:masterClrMapping/>
+  </p:clrMapOvr>
+</p:sld>
+</file>
+
+<file path=ppt/slides/slide5.xml><?xml version="1.0" encoding="utf-8"?>
+<p:sld xmlns:a="http://schemas.openxmlformats.org/drawingml/2006/main" xmlns:r="http://schemas.openxmlformats.org/officeDocument/2006/relationships" xmlns:p="http://schemas.openxmlformats.org/presentationml/2006/main">
+  <p:cSld>
+    <p:spTree>
+      <p:nvGrpSpPr>
+        <p:cNvPr id="1" name=""/>
+        <p:cNvGrpSpPr/>
+        <p:nvPr/>
+      </p:nvGrpSpPr>
+      <p:grpSpPr>
+        <a:xfrm>
+          <a:off x="0" y="0"/>
+          <a:ext cx="0" cy="0"/>
+          <a:chOff x="0" y="0"/>
+          <a:chExt cx="0" cy="0"/>
+        </a:xfrm>
+      </p:grpSpPr>
+      <p:sp>
+        <p:nvSpPr>
+          <p:cNvPr id="4" name="Title 3">
+            <a:extLst>
+              <a:ext uri="{FF2B5EF4-FFF2-40B4-BE49-F238E27FC236}">
+                <a16:creationId xmlns:a16="http://schemas.microsoft.com/office/drawing/2014/main" id="{9FAECED5-A760-4AB6-9F0D-41E38E0C5A3D}"/>
+              </a:ext>
+            </a:extLst>
+          </p:cNvPr>
+          <p:cNvSpPr>
+            <a:spLocks noGrp="1"/>
+          </p:cNvSpPr>
+          <p:nvPr>
+            <p:ph type="ctrTitle"/>
+          </p:nvPr>
+        </p:nvSpPr>
+        <p:spPr/>
+        <p:txBody>
+          <a:bodyPr/>
+          <a:lstStyle/>
+          <a:p>
+            <a:pPr algn="ctr"/>
+            <a:r>
+              <a:rPr lang="en-US"/>
+              <a:t>Build Time</a:t>
+            </a:r>
+          </a:p>
+        </p:txBody>
+      </p:sp>
+      <p:sp>
+        <p:nvSpPr>
+          <p:cNvPr id="5" name="Subtitle 4">
+            <a:extLst>
+              <a:ext uri="{FF2B5EF4-FFF2-40B4-BE49-F238E27FC236}">
+                <a16:creationId xmlns:a16="http://schemas.microsoft.com/office/drawing/2014/main" id="{A230511B-2D5F-485C-84F9-37B1BAD561DD}"/>
+              </a:ext>
+            </a:extLst>
+          </p:cNvPr>
+          <p:cNvSpPr>
+            <a:spLocks noGrp="1"/>
+          </p:cNvSpPr>
+          <p:nvPr>
+            <p:ph type="subTitle" idx="1"/>
+          </p:nvPr>
+        </p:nvSpPr>
+        <p:spPr/>
+        <p:txBody>
+          <a:bodyPr/>
+          <a:lstStyle/>
+          <a:p>
+            <a:endParaRPr lang="en-US"/>
+          </a:p>
+        </p:txBody>
+      </p:sp>
+    </p:spTree>
+    <p:extLst>
+      <p:ext uri="{BB962C8B-B14F-4D97-AF65-F5344CB8AC3E}">
+        <p14:creationId xmlns:p14="http://schemas.microsoft.com/office/powerpoint/2010/main" val="71124726"/>
       </p:ext>
     </p:extLst>
   </p:cSld>

--- a/React/slides/react_lessons_slides.pptx
+++ b/React/slides/react_lessons_slides.pptx
@@ -173,7 +173,7 @@
           <a:noFill/>
           <a:extLst>
             <a:ext uri="{909E8E84-426E-40dd-AFC4-6F175D3DCCD1}">
-              <a14:hiddenFill xmlns:a14="http://schemas.microsoft.com/office/drawing/2010/main" xmlns="">
+              <a14:hiddenFill xmlns="" xmlns:a14="http://schemas.microsoft.com/office/drawing/2010/main">
                 <a:solidFill>
                   <a:srgbClr val="FFFFFF"/>
                 </a:solidFill>
@@ -232,7 +232,7 @@
             </a:ln>
             <a:extLst>
               <a:ext uri="{91240B29-F687-4f45-9708-019B960494DF}">
-                <a14:hiddenLine xmlns:a14="http://schemas.microsoft.com/office/drawing/2010/main" xmlns="" w="9525">
+                <a14:hiddenLine xmlns="" xmlns:a14="http://schemas.microsoft.com/office/drawing/2010/main" w="9525">
                   <a:solidFill>
                     <a:srgbClr val="000000"/>
                   </a:solidFill>
@@ -322,7 +322,7 @@
             </a:ln>
             <a:extLst>
               <a:ext uri="{91240B29-F687-4f45-9708-019B960494DF}">
-                <a14:hiddenLine xmlns:a14="http://schemas.microsoft.com/office/drawing/2010/main" xmlns="" w="9525">
+                <a14:hiddenLine xmlns="" xmlns:a14="http://schemas.microsoft.com/office/drawing/2010/main" w="9525">
                   <a:solidFill>
                     <a:srgbClr val="000000"/>
                   </a:solidFill>
@@ -412,7 +412,7 @@
             </a:ln>
             <a:extLst>
               <a:ext uri="{91240B29-F687-4f45-9708-019B960494DF}">
-                <a14:hiddenLine xmlns:a14="http://schemas.microsoft.com/office/drawing/2010/main" xmlns="" w="9525">
+                <a14:hiddenLine xmlns="" xmlns:a14="http://schemas.microsoft.com/office/drawing/2010/main" w="9525">
                   <a:solidFill>
                     <a:srgbClr val="000000"/>
                   </a:solidFill>
@@ -446,7 +446,7 @@
             </a:ln>
             <a:extLst>
               <a:ext uri="{91240B29-F687-4f45-9708-019B960494DF}">
-                <a14:hiddenLine xmlns:a14="http://schemas.microsoft.com/office/drawing/2010/main" xmlns="" w="9525">
+                <a14:hiddenLine xmlns="" xmlns:a14="http://schemas.microsoft.com/office/drawing/2010/main" w="9525">
                   <a:solidFill>
                     <a:srgbClr val="000000"/>
                   </a:solidFill>
@@ -536,7 +536,7 @@
             </a:ln>
             <a:extLst>
               <a:ext uri="{91240B29-F687-4f45-9708-019B960494DF}">
-                <a14:hiddenLine xmlns:a14="http://schemas.microsoft.com/office/drawing/2010/main" xmlns="" w="9525">
+                <a14:hiddenLine xmlns="" xmlns:a14="http://schemas.microsoft.com/office/drawing/2010/main" w="9525">
                   <a:solidFill>
                     <a:srgbClr val="000000"/>
                   </a:solidFill>
@@ -598,7 +598,7 @@
             </a:ln>
             <a:extLst>
               <a:ext uri="{91240B29-F687-4f45-9708-019B960494DF}">
-                <a14:hiddenLine xmlns:a14="http://schemas.microsoft.com/office/drawing/2010/main" xmlns="" w="9525">
+                <a14:hiddenLine xmlns="" xmlns:a14="http://schemas.microsoft.com/office/drawing/2010/main" w="9525">
                   <a:solidFill>
                     <a:srgbClr val="000000"/>
                   </a:solidFill>
@@ -660,7 +660,7 @@
             </a:ln>
             <a:extLst>
               <a:ext uri="{91240B29-F687-4f45-9708-019B960494DF}">
-                <a14:hiddenLine xmlns:a14="http://schemas.microsoft.com/office/drawing/2010/main" xmlns="" w="9525">
+                <a14:hiddenLine xmlns="" xmlns:a14="http://schemas.microsoft.com/office/drawing/2010/main" w="9525">
                   <a:solidFill>
                     <a:srgbClr val="000000"/>
                   </a:solidFill>
@@ -750,7 +750,7 @@
             </a:ln>
             <a:extLst>
               <a:ext uri="{91240B29-F687-4f45-9708-019B960494DF}">
-                <a14:hiddenLine xmlns:a14="http://schemas.microsoft.com/office/drawing/2010/main" xmlns="" w="9525">
+                <a14:hiddenLine xmlns="" xmlns:a14="http://schemas.microsoft.com/office/drawing/2010/main" w="9525">
                   <a:solidFill>
                     <a:srgbClr val="000000"/>
                   </a:solidFill>
@@ -812,7 +812,7 @@
             </a:ln>
             <a:extLst>
               <a:ext uri="{91240B29-F687-4f45-9708-019B960494DF}">
-                <a14:hiddenLine xmlns:a14="http://schemas.microsoft.com/office/drawing/2010/main" xmlns="" w="9525">
+                <a14:hiddenLine xmlns="" xmlns:a14="http://schemas.microsoft.com/office/drawing/2010/main" w="9525">
                   <a:solidFill>
                     <a:srgbClr val="000000"/>
                   </a:solidFill>
@@ -874,7 +874,7 @@
             </a:ln>
             <a:extLst>
               <a:ext uri="{91240B29-F687-4f45-9708-019B960494DF}">
-                <a14:hiddenLine xmlns:a14="http://schemas.microsoft.com/office/drawing/2010/main" xmlns="" w="9525">
+                <a14:hiddenLine xmlns="" xmlns:a14="http://schemas.microsoft.com/office/drawing/2010/main" w="9525">
                   <a:solidFill>
                     <a:srgbClr val="000000"/>
                   </a:solidFill>
@@ -964,7 +964,7 @@
             </a:ln>
             <a:extLst>
               <a:ext uri="{91240B29-F687-4f45-9708-019B960494DF}">
-                <a14:hiddenLine xmlns:a14="http://schemas.microsoft.com/office/drawing/2010/main" xmlns="" w="9525">
+                <a14:hiddenLine xmlns="" xmlns:a14="http://schemas.microsoft.com/office/drawing/2010/main" w="9525">
                   <a:solidFill>
                     <a:srgbClr val="000000"/>
                   </a:solidFill>
@@ -1054,7 +1054,7 @@
             </a:ln>
             <a:extLst>
               <a:ext uri="{91240B29-F687-4f45-9708-019B960494DF}">
-                <a14:hiddenLine xmlns:a14="http://schemas.microsoft.com/office/drawing/2010/main" xmlns="" w="9525">
+                <a14:hiddenLine xmlns="" xmlns:a14="http://schemas.microsoft.com/office/drawing/2010/main" w="9525">
                   <a:solidFill>
                     <a:srgbClr val="000000"/>
                   </a:solidFill>
@@ -1116,7 +1116,7 @@
             </a:ln>
             <a:extLst>
               <a:ext uri="{91240B29-F687-4f45-9708-019B960494DF}">
-                <a14:hiddenLine xmlns:a14="http://schemas.microsoft.com/office/drawing/2010/main" xmlns="" w="9525">
+                <a14:hiddenLine xmlns="" xmlns:a14="http://schemas.microsoft.com/office/drawing/2010/main" w="9525">
                   <a:solidFill>
                     <a:srgbClr val="000000"/>
                   </a:solidFill>
@@ -1226,7 +1226,7 @@
             </a:ln>
             <a:extLst>
               <a:ext uri="{91240B29-F687-4f45-9708-019B960494DF}">
-                <a14:hiddenLine xmlns:a14="http://schemas.microsoft.com/office/drawing/2010/main" xmlns="" w="9525">
+                <a14:hiddenLine xmlns="" xmlns:a14="http://schemas.microsoft.com/office/drawing/2010/main" w="9525">
                   <a:solidFill>
                     <a:srgbClr val="000000"/>
                   </a:solidFill>
@@ -1288,7 +1288,7 @@
             </a:ln>
             <a:extLst>
               <a:ext uri="{91240B29-F687-4f45-9708-019B960494DF}">
-                <a14:hiddenLine xmlns:a14="http://schemas.microsoft.com/office/drawing/2010/main" xmlns="" w="9525">
+                <a14:hiddenLine xmlns="" xmlns:a14="http://schemas.microsoft.com/office/drawing/2010/main" w="9525">
                   <a:solidFill>
                     <a:srgbClr val="000000"/>
                   </a:solidFill>
@@ -1378,7 +1378,7 @@
             </a:ln>
             <a:extLst>
               <a:ext uri="{91240B29-F687-4f45-9708-019B960494DF}">
-                <a14:hiddenLine xmlns:a14="http://schemas.microsoft.com/office/drawing/2010/main" xmlns="" w="9525">
+                <a14:hiddenLine xmlns="" xmlns:a14="http://schemas.microsoft.com/office/drawing/2010/main" w="9525">
                   <a:solidFill>
                     <a:srgbClr val="000000"/>
                   </a:solidFill>
@@ -1468,7 +1468,7 @@
             </a:ln>
             <a:extLst>
               <a:ext uri="{91240B29-F687-4f45-9708-019B960494DF}">
-                <a14:hiddenLine xmlns:a14="http://schemas.microsoft.com/office/drawing/2010/main" xmlns="" w="9525">
+                <a14:hiddenLine xmlns="" xmlns:a14="http://schemas.microsoft.com/office/drawing/2010/main" w="9525">
                   <a:solidFill>
                     <a:srgbClr val="000000"/>
                   </a:solidFill>
@@ -1530,7 +1530,7 @@
             </a:ln>
             <a:extLst>
               <a:ext uri="{91240B29-F687-4f45-9708-019B960494DF}">
-                <a14:hiddenLine xmlns:a14="http://schemas.microsoft.com/office/drawing/2010/main" xmlns="" w="9525">
+                <a14:hiddenLine xmlns="" xmlns:a14="http://schemas.microsoft.com/office/drawing/2010/main" w="9525">
                   <a:solidFill>
                     <a:srgbClr val="000000"/>
                   </a:solidFill>
@@ -1620,7 +1620,7 @@
             </a:ln>
             <a:extLst>
               <a:ext uri="{91240B29-F687-4f45-9708-019B960494DF}">
-                <a14:hiddenLine xmlns:a14="http://schemas.microsoft.com/office/drawing/2010/main" xmlns="" w="9525">
+                <a14:hiddenLine xmlns="" xmlns:a14="http://schemas.microsoft.com/office/drawing/2010/main" w="9525">
                   <a:solidFill>
                     <a:srgbClr val="000000"/>
                   </a:solidFill>
@@ -1710,7 +1710,7 @@
             </a:ln>
             <a:extLst>
               <a:ext uri="{91240B29-F687-4f45-9708-019B960494DF}">
-                <a14:hiddenLine xmlns:a14="http://schemas.microsoft.com/office/drawing/2010/main" xmlns="" w="9525">
+                <a14:hiddenLine xmlns="" xmlns:a14="http://schemas.microsoft.com/office/drawing/2010/main" w="9525">
                   <a:solidFill>
                     <a:srgbClr val="000000"/>
                   </a:solidFill>
@@ -1766,7 +1766,7 @@
             </a:ln>
             <a:extLst>
               <a:ext uri="{91240B29-F687-4f45-9708-019B960494DF}">
-                <a14:hiddenLine xmlns:a14="http://schemas.microsoft.com/office/drawing/2010/main" xmlns="" w="9525">
+                <a14:hiddenLine xmlns="" xmlns:a14="http://schemas.microsoft.com/office/drawing/2010/main" w="9525">
                   <a:solidFill>
                     <a:srgbClr val="000000"/>
                   </a:solidFill>
@@ -1856,7 +1856,7 @@
             </a:ln>
             <a:extLst>
               <a:ext uri="{91240B29-F687-4f45-9708-019B960494DF}">
-                <a14:hiddenLine xmlns:a14="http://schemas.microsoft.com/office/drawing/2010/main" xmlns="" w="9525">
+                <a14:hiddenLine xmlns="" xmlns:a14="http://schemas.microsoft.com/office/drawing/2010/main" w="9525">
                   <a:solidFill>
                     <a:srgbClr val="000000"/>
                   </a:solidFill>
@@ -1912,7 +1912,7 @@
             </a:ln>
             <a:extLst>
               <a:ext uri="{91240B29-F687-4f45-9708-019B960494DF}">
-                <a14:hiddenLine xmlns:a14="http://schemas.microsoft.com/office/drawing/2010/main" xmlns="" w="9525">
+                <a14:hiddenLine xmlns="" xmlns:a14="http://schemas.microsoft.com/office/drawing/2010/main" w="9525">
                   <a:solidFill>
                     <a:srgbClr val="000000"/>
                   </a:solidFill>
@@ -2002,7 +2002,7 @@
             </a:ln>
             <a:extLst>
               <a:ext uri="{91240B29-F687-4f45-9708-019B960494DF}">
-                <a14:hiddenLine xmlns:a14="http://schemas.microsoft.com/office/drawing/2010/main" xmlns="" w="9525">
+                <a14:hiddenLine xmlns="" xmlns:a14="http://schemas.microsoft.com/office/drawing/2010/main" w="9525">
                   <a:solidFill>
                     <a:srgbClr val="000000"/>
                   </a:solidFill>
@@ -2070,7 +2070,7 @@
             </a:ln>
             <a:extLst>
               <a:ext uri="{91240B29-F687-4f45-9708-019B960494DF}">
-                <a14:hiddenLine xmlns:a14="http://schemas.microsoft.com/office/drawing/2010/main" xmlns="" w="9525">
+                <a14:hiddenLine xmlns="" xmlns:a14="http://schemas.microsoft.com/office/drawing/2010/main" w="9525">
                   <a:solidFill>
                     <a:srgbClr val="000000"/>
                   </a:solidFill>
@@ -2160,7 +2160,7 @@
             </a:ln>
             <a:extLst>
               <a:ext uri="{91240B29-F687-4f45-9708-019B960494DF}">
-                <a14:hiddenLine xmlns:a14="http://schemas.microsoft.com/office/drawing/2010/main" xmlns="" w="9525">
+                <a14:hiddenLine xmlns="" xmlns:a14="http://schemas.microsoft.com/office/drawing/2010/main" w="9525">
                   <a:solidFill>
                     <a:srgbClr val="000000"/>
                   </a:solidFill>
@@ -2228,7 +2228,7 @@
             </a:ln>
             <a:extLst>
               <a:ext uri="{91240B29-F687-4f45-9708-019B960494DF}">
-                <a14:hiddenLine xmlns:a14="http://schemas.microsoft.com/office/drawing/2010/main" xmlns="" w="9525">
+                <a14:hiddenLine xmlns="" xmlns:a14="http://schemas.microsoft.com/office/drawing/2010/main" w="9525">
                   <a:solidFill>
                     <a:srgbClr val="000000"/>
                   </a:solidFill>
@@ -2318,7 +2318,7 @@
             </a:ln>
             <a:extLst>
               <a:ext uri="{91240B29-F687-4f45-9708-019B960494DF}">
-                <a14:hiddenLine xmlns:a14="http://schemas.microsoft.com/office/drawing/2010/main" xmlns="" w="9525">
+                <a14:hiddenLine xmlns="" xmlns:a14="http://schemas.microsoft.com/office/drawing/2010/main" w="9525">
                   <a:solidFill>
                     <a:srgbClr val="000000"/>
                   </a:solidFill>
@@ -2352,7 +2352,7 @@
             </a:ln>
             <a:extLst>
               <a:ext uri="{91240B29-F687-4f45-9708-019B960494DF}">
-                <a14:hiddenLine xmlns:a14="http://schemas.microsoft.com/office/drawing/2010/main" xmlns="" w="9525">
+                <a14:hiddenLine xmlns="" xmlns:a14="http://schemas.microsoft.com/office/drawing/2010/main" w="9525">
                   <a:solidFill>
                     <a:srgbClr val="000000"/>
                   </a:solidFill>
@@ -2442,7 +2442,7 @@
             </a:ln>
             <a:extLst>
               <a:ext uri="{91240B29-F687-4f45-9708-019B960494DF}">
-                <a14:hiddenLine xmlns:a14="http://schemas.microsoft.com/office/drawing/2010/main" xmlns="" w="9525">
+                <a14:hiddenLine xmlns="" xmlns:a14="http://schemas.microsoft.com/office/drawing/2010/main" w="9525">
                   <a:solidFill>
                     <a:srgbClr val="000000"/>
                   </a:solidFill>
@@ -2504,7 +2504,7 @@
             </a:ln>
             <a:extLst>
               <a:ext uri="{91240B29-F687-4f45-9708-019B960494DF}">
-                <a14:hiddenLine xmlns:a14="http://schemas.microsoft.com/office/drawing/2010/main" xmlns="" w="9525">
+                <a14:hiddenLine xmlns="" xmlns:a14="http://schemas.microsoft.com/office/drawing/2010/main" w="9525">
                   <a:solidFill>
                     <a:srgbClr val="000000"/>
                   </a:solidFill>
@@ -2566,7 +2566,7 @@
             </a:ln>
             <a:extLst>
               <a:ext uri="{91240B29-F687-4f45-9708-019B960494DF}">
-                <a14:hiddenLine xmlns:a14="http://schemas.microsoft.com/office/drawing/2010/main" xmlns="" w="9525">
+                <a14:hiddenLine xmlns="" xmlns:a14="http://schemas.microsoft.com/office/drawing/2010/main" w="9525">
                   <a:solidFill>
                     <a:srgbClr val="000000"/>
                   </a:solidFill>
@@ -2656,7 +2656,7 @@
             </a:ln>
             <a:extLst>
               <a:ext uri="{91240B29-F687-4f45-9708-019B960494DF}">
-                <a14:hiddenLine xmlns:a14="http://schemas.microsoft.com/office/drawing/2010/main" xmlns="" w="9525">
+                <a14:hiddenLine xmlns="" xmlns:a14="http://schemas.microsoft.com/office/drawing/2010/main" w="9525">
                   <a:solidFill>
                     <a:srgbClr val="000000"/>
                   </a:solidFill>
@@ -2724,7 +2724,7 @@
             </a:ln>
             <a:extLst>
               <a:ext uri="{91240B29-F687-4f45-9708-019B960494DF}">
-                <a14:hiddenLine xmlns:a14="http://schemas.microsoft.com/office/drawing/2010/main" xmlns="" w="9525">
+                <a14:hiddenLine xmlns="" xmlns:a14="http://schemas.microsoft.com/office/drawing/2010/main" w="9525">
                   <a:solidFill>
                     <a:srgbClr val="000000"/>
                   </a:solidFill>
@@ -2786,7 +2786,7 @@
             </a:ln>
             <a:extLst>
               <a:ext uri="{91240B29-F687-4f45-9708-019B960494DF}">
-                <a14:hiddenLine xmlns:a14="http://schemas.microsoft.com/office/drawing/2010/main" xmlns="" w="9525">
+                <a14:hiddenLine xmlns="" xmlns:a14="http://schemas.microsoft.com/office/drawing/2010/main" w="9525">
                   <a:solidFill>
                     <a:srgbClr val="000000"/>
                   </a:solidFill>
@@ -2876,7 +2876,7 @@
             </a:ln>
             <a:extLst>
               <a:ext uri="{91240B29-F687-4f45-9708-019B960494DF}">
-                <a14:hiddenLine xmlns:a14="http://schemas.microsoft.com/office/drawing/2010/main" xmlns="" w="9525">
+                <a14:hiddenLine xmlns="" xmlns:a14="http://schemas.microsoft.com/office/drawing/2010/main" w="9525">
                   <a:solidFill>
                     <a:srgbClr val="000000"/>
                   </a:solidFill>
@@ -2938,7 +2938,7 @@
             </a:ln>
             <a:extLst>
               <a:ext uri="{91240B29-F687-4f45-9708-019B960494DF}">
-                <a14:hiddenLine xmlns:a14="http://schemas.microsoft.com/office/drawing/2010/main" xmlns="" w="9525">
+                <a14:hiddenLine xmlns="" xmlns:a14="http://schemas.microsoft.com/office/drawing/2010/main" w="9525">
                   <a:solidFill>
                     <a:srgbClr val="000000"/>
                   </a:solidFill>
@@ -3028,7 +3028,7 @@
             </a:ln>
             <a:extLst>
               <a:ext uri="{91240B29-F687-4f45-9708-019B960494DF}">
-                <a14:hiddenLine xmlns:a14="http://schemas.microsoft.com/office/drawing/2010/main" xmlns="" w="9525">
+                <a14:hiddenLine xmlns="" xmlns:a14="http://schemas.microsoft.com/office/drawing/2010/main" w="9525">
                   <a:solidFill>
                     <a:srgbClr val="000000"/>
                   </a:solidFill>
@@ -3090,7 +3090,7 @@
             </a:ln>
             <a:extLst>
               <a:ext uri="{91240B29-F687-4f45-9708-019B960494DF}">
-                <a14:hiddenLine xmlns:a14="http://schemas.microsoft.com/office/drawing/2010/main" xmlns="" w="9525">
+                <a14:hiddenLine xmlns="" xmlns:a14="http://schemas.microsoft.com/office/drawing/2010/main" w="9525">
                   <a:solidFill>
                     <a:srgbClr val="000000"/>
                   </a:solidFill>
@@ -3180,7 +3180,7 @@
             </a:ln>
             <a:extLst>
               <a:ext uri="{91240B29-F687-4f45-9708-019B960494DF}">
-                <a14:hiddenLine xmlns:a14="http://schemas.microsoft.com/office/drawing/2010/main" xmlns="" w="9525">
+                <a14:hiddenLine xmlns="" xmlns:a14="http://schemas.microsoft.com/office/drawing/2010/main" w="9525">
                   <a:solidFill>
                     <a:srgbClr val="000000"/>
                   </a:solidFill>
@@ -3214,7 +3214,7 @@
             </a:ln>
             <a:extLst>
               <a:ext uri="{91240B29-F687-4f45-9708-019B960494DF}">
-                <a14:hiddenLine xmlns:a14="http://schemas.microsoft.com/office/drawing/2010/main" xmlns="" w="9525">
+                <a14:hiddenLine xmlns="" xmlns:a14="http://schemas.microsoft.com/office/drawing/2010/main" w="9525">
                   <a:solidFill>
                     <a:srgbClr val="000000"/>
                   </a:solidFill>
@@ -3279,7 +3279,7 @@
             </a:ln>
             <a:extLst>
               <a:ext uri="{91240B29-F687-4f45-9708-019B960494DF}">
-                <a14:hiddenLine xmlns:a14="http://schemas.microsoft.com/office/drawing/2010/main" xmlns="" w="9525">
+                <a14:hiddenLine xmlns="" xmlns:a14="http://schemas.microsoft.com/office/drawing/2010/main" w="9525">
                   <a:solidFill>
                     <a:srgbClr val="000000"/>
                   </a:solidFill>
@@ -3369,7 +3369,7 @@
             </a:ln>
             <a:extLst>
               <a:ext uri="{91240B29-F687-4f45-9708-019B960494DF}">
-                <a14:hiddenLine xmlns:a14="http://schemas.microsoft.com/office/drawing/2010/main" xmlns="" w="9525">
+                <a14:hiddenLine xmlns="" xmlns:a14="http://schemas.microsoft.com/office/drawing/2010/main" w="9525">
                   <a:solidFill>
                     <a:srgbClr val="000000"/>
                   </a:solidFill>
@@ -3431,7 +3431,7 @@
             </a:ln>
             <a:extLst>
               <a:ext uri="{91240B29-F687-4f45-9708-019B960494DF}">
-                <a14:hiddenLine xmlns:a14="http://schemas.microsoft.com/office/drawing/2010/main" xmlns="" w="9525">
+                <a14:hiddenLine xmlns="" xmlns:a14="http://schemas.microsoft.com/office/drawing/2010/main" w="9525">
                   <a:solidFill>
                     <a:srgbClr val="000000"/>
                   </a:solidFill>
@@ -3521,7 +3521,7 @@
             </a:ln>
             <a:extLst>
               <a:ext uri="{91240B29-F687-4f45-9708-019B960494DF}">
-                <a14:hiddenLine xmlns:a14="http://schemas.microsoft.com/office/drawing/2010/main" xmlns="" w="9525">
+                <a14:hiddenLine xmlns="" xmlns:a14="http://schemas.microsoft.com/office/drawing/2010/main" w="9525">
                   <a:solidFill>
                     <a:srgbClr val="000000"/>
                   </a:solidFill>
@@ -3611,7 +3611,7 @@
             </a:ln>
             <a:extLst>
               <a:ext uri="{91240B29-F687-4f45-9708-019B960494DF}">
-                <a14:hiddenLine xmlns:a14="http://schemas.microsoft.com/office/drawing/2010/main" xmlns="" w="9525">
+                <a14:hiddenLine xmlns="" xmlns:a14="http://schemas.microsoft.com/office/drawing/2010/main" w="9525">
                   <a:solidFill>
                     <a:srgbClr val="000000"/>
                   </a:solidFill>
@@ -3676,7 +3676,7 @@
             </a:ln>
             <a:extLst>
               <a:ext uri="{91240B29-F687-4f45-9708-019B960494DF}">
-                <a14:hiddenLine xmlns:a14="http://schemas.microsoft.com/office/drawing/2010/main" xmlns="" w="9525">
+                <a14:hiddenLine xmlns="" xmlns:a14="http://schemas.microsoft.com/office/drawing/2010/main" w="9525">
                   <a:solidFill>
                     <a:srgbClr val="000000"/>
                   </a:solidFill>
@@ -3738,7 +3738,7 @@
             </a:ln>
             <a:extLst>
               <a:ext uri="{91240B29-F687-4f45-9708-019B960494DF}">
-                <a14:hiddenLine xmlns:a14="http://schemas.microsoft.com/office/drawing/2010/main" xmlns="" w="9525">
+                <a14:hiddenLine xmlns="" xmlns:a14="http://schemas.microsoft.com/office/drawing/2010/main" w="9525">
                   <a:solidFill>
                     <a:srgbClr val="000000"/>
                   </a:solidFill>
@@ -3828,7 +3828,7 @@
             </a:ln>
             <a:extLst>
               <a:ext uri="{91240B29-F687-4f45-9708-019B960494DF}">
-                <a14:hiddenLine xmlns:a14="http://schemas.microsoft.com/office/drawing/2010/main" xmlns="" w="9525">
+                <a14:hiddenLine xmlns="" xmlns:a14="http://schemas.microsoft.com/office/drawing/2010/main" w="9525">
                   <a:solidFill>
                     <a:srgbClr val="000000"/>
                   </a:solidFill>
@@ -3918,7 +3918,7 @@
             </a:ln>
             <a:extLst>
               <a:ext uri="{91240B29-F687-4f45-9708-019B960494DF}">
-                <a14:hiddenLine xmlns:a14="http://schemas.microsoft.com/office/drawing/2010/main" xmlns="" w="9525">
+                <a14:hiddenLine xmlns="" xmlns:a14="http://schemas.microsoft.com/office/drawing/2010/main" w="9525">
                   <a:solidFill>
                     <a:srgbClr val="000000"/>
                   </a:solidFill>
@@ -3980,7 +3980,7 @@
             </a:ln>
             <a:extLst>
               <a:ext uri="{91240B29-F687-4f45-9708-019B960494DF}">
-                <a14:hiddenLine xmlns:a14="http://schemas.microsoft.com/office/drawing/2010/main" xmlns="" w="9525">
+                <a14:hiddenLine xmlns="" xmlns:a14="http://schemas.microsoft.com/office/drawing/2010/main" w="9525">
                   <a:solidFill>
                     <a:srgbClr val="000000"/>
                   </a:solidFill>
@@ -4100,7 +4100,7 @@
             </a:ln>
             <a:extLst>
               <a:ext uri="{91240B29-F687-4f45-9708-019B960494DF}">
-                <a14:hiddenLine xmlns:a14="http://schemas.microsoft.com/office/drawing/2010/main" xmlns="" w="9525">
+                <a14:hiddenLine xmlns="" xmlns:a14="http://schemas.microsoft.com/office/drawing/2010/main" w="9525">
                   <a:solidFill>
                     <a:srgbClr val="000000"/>
                   </a:solidFill>
@@ -4168,7 +4168,7 @@
             </a:ln>
             <a:extLst>
               <a:ext uri="{91240B29-F687-4f45-9708-019B960494DF}">
-                <a14:hiddenLine xmlns:a14="http://schemas.microsoft.com/office/drawing/2010/main" xmlns="" w="9525">
+                <a14:hiddenLine xmlns="" xmlns:a14="http://schemas.microsoft.com/office/drawing/2010/main" w="9525">
                   <a:solidFill>
                     <a:srgbClr val="000000"/>
                   </a:solidFill>
@@ -4258,7 +4258,7 @@
             </a:ln>
             <a:extLst>
               <a:ext uri="{91240B29-F687-4f45-9708-019B960494DF}">
-                <a14:hiddenLine xmlns:a14="http://schemas.microsoft.com/office/drawing/2010/main" xmlns="" w="9525">
+                <a14:hiddenLine xmlns="" xmlns:a14="http://schemas.microsoft.com/office/drawing/2010/main" w="9525">
                   <a:solidFill>
                     <a:srgbClr val="000000"/>
                   </a:solidFill>
@@ -4398,7 +4398,7 @@
           <a:p>
             <a:fld id="{48A87A34-81AB-432B-8DAE-1953F412C126}" type="datetimeFigureOut">
               <a:rPr lang="en-US" dirty="0"/>
-              <a:t>9/7/2018</a:t>
+              <a:t>9/9/2018</a:t>
             </a:fld>
             <a:endParaRPr lang="en-US" dirty="0"/>
           </a:p>
@@ -4660,7 +4660,7 @@
           <a:p>
             <a:fld id="{48A87A34-81AB-432B-8DAE-1953F412C126}" type="datetimeFigureOut">
               <a:rPr lang="en-US" dirty="0"/>
-              <a:t>9/7/2018</a:t>
+              <a:t>9/9/2018</a:t>
             </a:fld>
             <a:endParaRPr lang="en-US" dirty="0"/>
           </a:p>
@@ -4851,7 +4851,7 @@
           <a:p>
             <a:fld id="{48A87A34-81AB-432B-8DAE-1953F412C126}" type="datetimeFigureOut">
               <a:rPr lang="en-US" dirty="0"/>
-              <a:t>9/7/2018</a:t>
+              <a:t>9/9/2018</a:t>
             </a:fld>
             <a:endParaRPr lang="en-US" dirty="0"/>
           </a:p>
@@ -5109,7 +5109,7 @@
           <a:p>
             <a:fld id="{48A87A34-81AB-432B-8DAE-1953F412C126}" type="datetimeFigureOut">
               <a:rPr lang="en-US" dirty="0"/>
-              <a:t>9/7/2018</a:t>
+              <a:t>9/9/2018</a:t>
             </a:fld>
             <a:endParaRPr lang="en-US" dirty="0"/>
           </a:p>
@@ -5538,7 +5538,7 @@
           <a:p>
             <a:fld id="{48A87A34-81AB-432B-8DAE-1953F412C126}" type="datetimeFigureOut">
               <a:rPr lang="en-US" dirty="0"/>
-              <a:t>9/7/2018</a:t>
+              <a:t>9/9/2018</a:t>
             </a:fld>
             <a:endParaRPr lang="en-US" dirty="0"/>
           </a:p>
@@ -6079,7 +6079,7 @@
           <a:p>
             <a:fld id="{48A87A34-81AB-432B-8DAE-1953F412C126}" type="datetimeFigureOut">
               <a:rPr lang="en-US" dirty="0"/>
-              <a:t>9/7/2018</a:t>
+              <a:t>9/9/2018</a:t>
             </a:fld>
             <a:endParaRPr lang="en-US" dirty="0"/>
           </a:p>
@@ -6794,7 +6794,7 @@
           <a:p>
             <a:fld id="{48A87A34-81AB-432B-8DAE-1953F412C126}" type="datetimeFigureOut">
               <a:rPr lang="en-US" dirty="0"/>
-              <a:t>9/7/2018</a:t>
+              <a:t>9/9/2018</a:t>
             </a:fld>
             <a:endParaRPr lang="en-US" dirty="0"/>
           </a:p>
@@ -6959,7 +6959,7 @@
           <a:p>
             <a:fld id="{48A87A34-81AB-432B-8DAE-1953F412C126}" type="datetimeFigureOut">
               <a:rPr lang="en-US" dirty="0"/>
-              <a:t>9/7/2018</a:t>
+              <a:t>9/9/2018</a:t>
             </a:fld>
             <a:endParaRPr lang="en-US" dirty="0"/>
           </a:p>
@@ -7134,7 +7134,7 @@
           <a:p>
             <a:fld id="{48A87A34-81AB-432B-8DAE-1953F412C126}" type="datetimeFigureOut">
               <a:rPr lang="en-US" dirty="0"/>
-              <a:t>9/7/2018</a:t>
+              <a:t>9/9/2018</a:t>
             </a:fld>
             <a:endParaRPr lang="en-US" dirty="0"/>
           </a:p>
@@ -7299,7 +7299,7 @@
           <a:p>
             <a:fld id="{48A87A34-81AB-432B-8DAE-1953F412C126}" type="datetimeFigureOut">
               <a:rPr lang="en-US" dirty="0"/>
-              <a:t>9/7/2018</a:t>
+              <a:t>9/9/2018</a:t>
             </a:fld>
             <a:endParaRPr lang="en-US" dirty="0"/>
           </a:p>
@@ -7544,7 +7544,7 @@
           <a:p>
             <a:fld id="{48A87A34-81AB-432B-8DAE-1953F412C126}" type="datetimeFigureOut">
               <a:rPr lang="en-US" dirty="0"/>
-              <a:t>9/7/2018</a:t>
+              <a:t>9/9/2018</a:t>
             </a:fld>
             <a:endParaRPr lang="en-US" dirty="0"/>
           </a:p>
@@ -7771,7 +7771,7 @@
           <a:p>
             <a:fld id="{48A87A34-81AB-432B-8DAE-1953F412C126}" type="datetimeFigureOut">
               <a:rPr lang="en-US" dirty="0"/>
-              <a:t>9/7/2018</a:t>
+              <a:t>9/9/2018</a:t>
             </a:fld>
             <a:endParaRPr lang="en-US" dirty="0"/>
           </a:p>
@@ -8147,7 +8147,7 @@
           <a:p>
             <a:fld id="{48A87A34-81AB-432B-8DAE-1953F412C126}" type="datetimeFigureOut">
               <a:rPr lang="en-US" dirty="0"/>
-              <a:t>9/7/2018</a:t>
+              <a:t>9/9/2018</a:t>
             </a:fld>
             <a:endParaRPr lang="en-US" dirty="0"/>
           </a:p>
@@ -8260,7 +8260,7 @@
           <a:p>
             <a:fld id="{48A87A34-81AB-432B-8DAE-1953F412C126}" type="datetimeFigureOut">
               <a:rPr lang="en-US" dirty="0"/>
-              <a:t>9/7/2018</a:t>
+              <a:t>9/9/2018</a:t>
             </a:fld>
             <a:endParaRPr lang="en-US" dirty="0"/>
           </a:p>
@@ -8350,7 +8350,7 @@
           <a:p>
             <a:fld id="{48A87A34-81AB-432B-8DAE-1953F412C126}" type="datetimeFigureOut">
               <a:rPr lang="en-US" dirty="0"/>
-              <a:t>9/7/2018</a:t>
+              <a:t>9/9/2018</a:t>
             </a:fld>
             <a:endParaRPr lang="en-US" dirty="0"/>
           </a:p>
@@ -8594,7 +8594,7 @@
           <a:p>
             <a:fld id="{48A87A34-81AB-432B-8DAE-1953F412C126}" type="datetimeFigureOut">
               <a:rPr lang="en-US" dirty="0"/>
-              <a:t>9/7/2018</a:t>
+              <a:t>9/9/2018</a:t>
             </a:fld>
             <a:endParaRPr lang="en-US" dirty="0"/>
           </a:p>
@@ -8869,7 +8869,7 @@
           <a:p>
             <a:fld id="{48A87A34-81AB-432B-8DAE-1953F412C126}" type="datetimeFigureOut">
               <a:rPr lang="en-US" dirty="0"/>
-              <a:t>9/7/2018</a:t>
+              <a:t>9/9/2018</a:t>
             </a:fld>
             <a:endParaRPr lang="en-US" dirty="0"/>
           </a:p>
@@ -8987,7 +8987,7 @@
           <a:noFill/>
           <a:extLst>
             <a:ext uri="{909E8E84-426E-40dd-AFC4-6F175D3DCCD1}">
-              <a14:hiddenFill xmlns:a14="http://schemas.microsoft.com/office/drawing/2010/main" xmlns="">
+              <a14:hiddenFill xmlns="" xmlns:a14="http://schemas.microsoft.com/office/drawing/2010/main">
                 <a:solidFill>
                   <a:srgbClr val="FFFFFF"/>
                 </a:solidFill>
@@ -9061,7 +9061,7 @@
               </a:ln>
               <a:extLst>
                 <a:ext uri="{91240B29-F687-4f45-9708-019B960494DF}">
-                  <a14:hiddenLine xmlns:a14="http://schemas.microsoft.com/office/drawing/2010/main" xmlns="" w="9525">
+                  <a14:hiddenLine xmlns="" xmlns:a14="http://schemas.microsoft.com/office/drawing/2010/main" w="9525">
                     <a:solidFill>
                       <a:srgbClr val="000000"/>
                     </a:solidFill>
@@ -9151,7 +9151,7 @@
               </a:ln>
               <a:extLst>
                 <a:ext uri="{91240B29-F687-4f45-9708-019B960494DF}">
-                  <a14:hiddenLine xmlns:a14="http://schemas.microsoft.com/office/drawing/2010/main" xmlns="" w="9525">
+                  <a14:hiddenLine xmlns="" xmlns:a14="http://schemas.microsoft.com/office/drawing/2010/main" w="9525">
                     <a:solidFill>
                       <a:srgbClr val="000000"/>
                     </a:solidFill>
@@ -9241,7 +9241,7 @@
               </a:ln>
               <a:extLst>
                 <a:ext uri="{91240B29-F687-4f45-9708-019B960494DF}">
-                  <a14:hiddenLine xmlns:a14="http://schemas.microsoft.com/office/drawing/2010/main" xmlns="" w="9525">
+                  <a14:hiddenLine xmlns="" xmlns:a14="http://schemas.microsoft.com/office/drawing/2010/main" w="9525">
                     <a:solidFill>
                       <a:srgbClr val="000000"/>
                     </a:solidFill>
@@ -9303,7 +9303,7 @@
               </a:ln>
               <a:extLst>
                 <a:ext uri="{91240B29-F687-4f45-9708-019B960494DF}">
-                  <a14:hiddenLine xmlns:a14="http://schemas.microsoft.com/office/drawing/2010/main" xmlns="" w="9525">
+                  <a14:hiddenLine xmlns="" xmlns:a14="http://schemas.microsoft.com/office/drawing/2010/main" w="9525">
                     <a:solidFill>
                       <a:srgbClr val="000000"/>
                     </a:solidFill>
@@ -9393,7 +9393,7 @@
               </a:ln>
               <a:extLst>
                 <a:ext uri="{91240B29-F687-4f45-9708-019B960494DF}">
-                  <a14:hiddenLine xmlns:a14="http://schemas.microsoft.com/office/drawing/2010/main" xmlns="" w="9525">
+                  <a14:hiddenLine xmlns="" xmlns:a14="http://schemas.microsoft.com/office/drawing/2010/main" w="9525">
                     <a:solidFill>
                       <a:srgbClr val="000000"/>
                     </a:solidFill>
@@ -9455,7 +9455,7 @@
               </a:ln>
               <a:extLst>
                 <a:ext uri="{91240B29-F687-4f45-9708-019B960494DF}">
-                  <a14:hiddenLine xmlns:a14="http://schemas.microsoft.com/office/drawing/2010/main" xmlns="" w="9525">
+                  <a14:hiddenLine xmlns="" xmlns:a14="http://schemas.microsoft.com/office/drawing/2010/main" w="9525">
                     <a:solidFill>
                       <a:srgbClr val="000000"/>
                     </a:solidFill>
@@ -9517,7 +9517,7 @@
               </a:ln>
               <a:extLst>
                 <a:ext uri="{91240B29-F687-4f45-9708-019B960494DF}">
-                  <a14:hiddenLine xmlns:a14="http://schemas.microsoft.com/office/drawing/2010/main" xmlns="" w="9525">
+                  <a14:hiddenLine xmlns="" xmlns:a14="http://schemas.microsoft.com/office/drawing/2010/main" w="9525">
                     <a:solidFill>
                       <a:srgbClr val="000000"/>
                     </a:solidFill>
@@ -9607,7 +9607,7 @@
               </a:ln>
               <a:extLst>
                 <a:ext uri="{91240B29-F687-4f45-9708-019B960494DF}">
-                  <a14:hiddenLine xmlns:a14="http://schemas.microsoft.com/office/drawing/2010/main" xmlns="" w="9525">
+                  <a14:hiddenLine xmlns="" xmlns:a14="http://schemas.microsoft.com/office/drawing/2010/main" w="9525">
                     <a:solidFill>
                       <a:srgbClr val="000000"/>
                     </a:solidFill>
@@ -9697,7 +9697,7 @@
               </a:ln>
               <a:extLst>
                 <a:ext uri="{91240B29-F687-4f45-9708-019B960494DF}">
-                  <a14:hiddenLine xmlns:a14="http://schemas.microsoft.com/office/drawing/2010/main" xmlns="" w="9525">
+                  <a14:hiddenLine xmlns="" xmlns:a14="http://schemas.microsoft.com/office/drawing/2010/main" w="9525">
                     <a:solidFill>
                       <a:srgbClr val="000000"/>
                     </a:solidFill>
@@ -9759,7 +9759,7 @@
               </a:ln>
               <a:extLst>
                 <a:ext uri="{91240B29-F687-4f45-9708-019B960494DF}">
-                  <a14:hiddenLine xmlns:a14="http://schemas.microsoft.com/office/drawing/2010/main" xmlns="" w="9525">
+                  <a14:hiddenLine xmlns="" xmlns:a14="http://schemas.microsoft.com/office/drawing/2010/main" w="9525">
                     <a:solidFill>
                       <a:srgbClr val="000000"/>
                     </a:solidFill>
@@ -9869,7 +9869,7 @@
               </a:ln>
               <a:extLst>
                 <a:ext uri="{91240B29-F687-4f45-9708-019B960494DF}">
-                  <a14:hiddenLine xmlns:a14="http://schemas.microsoft.com/office/drawing/2010/main" xmlns="" w="9525">
+                  <a14:hiddenLine xmlns="" xmlns:a14="http://schemas.microsoft.com/office/drawing/2010/main" w="9525">
                     <a:solidFill>
                       <a:srgbClr val="000000"/>
                     </a:solidFill>
@@ -9953,7 +9953,7 @@
               </a:ln>
               <a:extLst>
                 <a:ext uri="{91240B29-F687-4f45-9708-019B960494DF}">
-                  <a14:hiddenLine xmlns:a14="http://schemas.microsoft.com/office/drawing/2010/main" xmlns="" w="9525">
+                  <a14:hiddenLine xmlns="" xmlns:a14="http://schemas.microsoft.com/office/drawing/2010/main" w="9525">
                     <a:solidFill>
                       <a:srgbClr val="000000"/>
                     </a:solidFill>
@@ -10015,7 +10015,7 @@
               </a:ln>
               <a:extLst>
                 <a:ext uri="{91240B29-F687-4f45-9708-019B960494DF}">
-                  <a14:hiddenLine xmlns:a14="http://schemas.microsoft.com/office/drawing/2010/main" xmlns="" w="9525">
+                  <a14:hiddenLine xmlns="" xmlns:a14="http://schemas.microsoft.com/office/drawing/2010/main" w="9525">
                     <a:solidFill>
                       <a:srgbClr val="000000"/>
                     </a:solidFill>
@@ -10077,7 +10077,7 @@
               </a:ln>
               <a:extLst>
                 <a:ext uri="{91240B29-F687-4f45-9708-019B960494DF}">
-                  <a14:hiddenLine xmlns:a14="http://schemas.microsoft.com/office/drawing/2010/main" xmlns="" w="9525">
+                  <a14:hiddenLine xmlns="" xmlns:a14="http://schemas.microsoft.com/office/drawing/2010/main" w="9525">
                     <a:solidFill>
                       <a:srgbClr val="000000"/>
                     </a:solidFill>
@@ -10167,7 +10167,7 @@
               </a:ln>
               <a:extLst>
                 <a:ext uri="{91240B29-F687-4f45-9708-019B960494DF}">
-                  <a14:hiddenLine xmlns:a14="http://schemas.microsoft.com/office/drawing/2010/main" xmlns="" w="9525">
+                  <a14:hiddenLine xmlns="" xmlns:a14="http://schemas.microsoft.com/office/drawing/2010/main" w="9525">
                     <a:solidFill>
                       <a:srgbClr val="000000"/>
                     </a:solidFill>
@@ -10201,7 +10201,7 @@
               </a:ln>
               <a:extLst>
                 <a:ext uri="{91240B29-F687-4f45-9708-019B960494DF}">
-                  <a14:hiddenLine xmlns:a14="http://schemas.microsoft.com/office/drawing/2010/main" xmlns="" w="9525">
+                  <a14:hiddenLine xmlns="" xmlns:a14="http://schemas.microsoft.com/office/drawing/2010/main" w="9525">
                     <a:solidFill>
                       <a:srgbClr val="000000"/>
                     </a:solidFill>
@@ -10266,7 +10266,7 @@
               </a:ln>
               <a:extLst>
                 <a:ext uri="{91240B29-F687-4f45-9708-019B960494DF}">
-                  <a14:hiddenLine xmlns:a14="http://schemas.microsoft.com/office/drawing/2010/main" xmlns="" w="9525">
+                  <a14:hiddenLine xmlns="" xmlns:a14="http://schemas.microsoft.com/office/drawing/2010/main" w="9525">
                     <a:solidFill>
                       <a:srgbClr val="000000"/>
                     </a:solidFill>
@@ -10356,7 +10356,7 @@
               </a:ln>
               <a:extLst>
                 <a:ext uri="{91240B29-F687-4f45-9708-019B960494DF}">
-                  <a14:hiddenLine xmlns:a14="http://schemas.microsoft.com/office/drawing/2010/main" xmlns="" w="9525">
+                  <a14:hiddenLine xmlns="" xmlns:a14="http://schemas.microsoft.com/office/drawing/2010/main" w="9525">
                     <a:solidFill>
                       <a:srgbClr val="000000"/>
                     </a:solidFill>
@@ -10418,7 +10418,7 @@
               </a:ln>
               <a:extLst>
                 <a:ext uri="{91240B29-F687-4f45-9708-019B960494DF}">
-                  <a14:hiddenLine xmlns:a14="http://schemas.microsoft.com/office/drawing/2010/main" xmlns="" w="9525">
+                  <a14:hiddenLine xmlns="" xmlns:a14="http://schemas.microsoft.com/office/drawing/2010/main" w="9525">
                     <a:solidFill>
                       <a:srgbClr val="000000"/>
                     </a:solidFill>
@@ -10508,7 +10508,7 @@
               </a:ln>
               <a:extLst>
                 <a:ext uri="{91240B29-F687-4f45-9708-019B960494DF}">
-                  <a14:hiddenLine xmlns:a14="http://schemas.microsoft.com/office/drawing/2010/main" xmlns="" w="9525">
+                  <a14:hiddenLine xmlns="" xmlns:a14="http://schemas.microsoft.com/office/drawing/2010/main" w="9525">
                     <a:solidFill>
                       <a:srgbClr val="000000"/>
                     </a:solidFill>
@@ -10573,7 +10573,7 @@
               </a:ln>
               <a:extLst>
                 <a:ext uri="{91240B29-F687-4f45-9708-019B960494DF}">
-                  <a14:hiddenLine xmlns:a14="http://schemas.microsoft.com/office/drawing/2010/main" xmlns="" w="9525">
+                  <a14:hiddenLine xmlns="" xmlns:a14="http://schemas.microsoft.com/office/drawing/2010/main" w="9525">
                     <a:solidFill>
                       <a:srgbClr val="000000"/>
                     </a:solidFill>
@@ -10635,7 +10635,7 @@
               </a:ln>
               <a:extLst>
                 <a:ext uri="{91240B29-F687-4f45-9708-019B960494DF}">
-                  <a14:hiddenLine xmlns:a14="http://schemas.microsoft.com/office/drawing/2010/main" xmlns="" w="9525">
+                  <a14:hiddenLine xmlns="" xmlns:a14="http://schemas.microsoft.com/office/drawing/2010/main" w="9525">
                     <a:solidFill>
                       <a:srgbClr val="000000"/>
                     </a:solidFill>
@@ -10725,7 +10725,7 @@
               </a:ln>
               <a:extLst>
                 <a:ext uri="{91240B29-F687-4f45-9708-019B960494DF}">
-                  <a14:hiddenLine xmlns:a14="http://schemas.microsoft.com/office/drawing/2010/main" xmlns="" w="9525">
+                  <a14:hiddenLine xmlns="" xmlns:a14="http://schemas.microsoft.com/office/drawing/2010/main" w="9525">
                     <a:solidFill>
                       <a:srgbClr val="000000"/>
                     </a:solidFill>
@@ -10815,7 +10815,7 @@
               </a:ln>
               <a:extLst>
                 <a:ext uri="{91240B29-F687-4f45-9708-019B960494DF}">
-                  <a14:hiddenLine xmlns:a14="http://schemas.microsoft.com/office/drawing/2010/main" xmlns="" w="9525">
+                  <a14:hiddenLine xmlns="" xmlns:a14="http://schemas.microsoft.com/office/drawing/2010/main" w="9525">
                     <a:solidFill>
                       <a:srgbClr val="000000"/>
                     </a:solidFill>
@@ -10880,7 +10880,7 @@
               </a:ln>
               <a:extLst>
                 <a:ext uri="{91240B29-F687-4f45-9708-019B960494DF}">
-                  <a14:hiddenLine xmlns:a14="http://schemas.microsoft.com/office/drawing/2010/main" xmlns="" w="9525">
+                  <a14:hiddenLine xmlns="" xmlns:a14="http://schemas.microsoft.com/office/drawing/2010/main" w="9525">
                     <a:solidFill>
                       <a:srgbClr val="000000"/>
                     </a:solidFill>
@@ -11000,7 +11000,7 @@
               </a:ln>
               <a:extLst>
                 <a:ext uri="{91240B29-F687-4f45-9708-019B960494DF}">
-                  <a14:hiddenLine xmlns:a14="http://schemas.microsoft.com/office/drawing/2010/main" xmlns="" w="9525">
+                  <a14:hiddenLine xmlns="" xmlns:a14="http://schemas.microsoft.com/office/drawing/2010/main" w="9525">
                     <a:solidFill>
                       <a:srgbClr val="000000"/>
                     </a:solidFill>
@@ -11081,7 +11081,7 @@
               </a:ln>
               <a:extLst>
                 <a:ext uri="{91240B29-F687-4f45-9708-019B960494DF}">
-                  <a14:hiddenLine xmlns:a14="http://schemas.microsoft.com/office/drawing/2010/main" xmlns="" w="9525">
+                  <a14:hiddenLine xmlns="" xmlns:a14="http://schemas.microsoft.com/office/drawing/2010/main" w="9525">
                     <a:solidFill>
                       <a:srgbClr val="000000"/>
                     </a:solidFill>
@@ -11196,7 +11196,7 @@
               </a:ln>
               <a:extLst>
                 <a:ext uri="{91240B29-F687-4f45-9708-019B960494DF}">
-                  <a14:hiddenLine xmlns:a14="http://schemas.microsoft.com/office/drawing/2010/main" xmlns="" w="9525">
+                  <a14:hiddenLine xmlns="" xmlns:a14="http://schemas.microsoft.com/office/drawing/2010/main" w="9525">
                     <a:solidFill>
                       <a:srgbClr val="000000"/>
                     </a:solidFill>
@@ -11286,7 +11286,7 @@
               </a:ln>
               <a:extLst>
                 <a:ext uri="{91240B29-F687-4f45-9708-019B960494DF}">
-                  <a14:hiddenLine xmlns:a14="http://schemas.microsoft.com/office/drawing/2010/main" xmlns="" w="9525">
+                  <a14:hiddenLine xmlns="" xmlns:a14="http://schemas.microsoft.com/office/drawing/2010/main" w="9525">
                     <a:solidFill>
                       <a:srgbClr val="000000"/>
                     </a:solidFill>
@@ -11351,7 +11351,7 @@
               </a:ln>
               <a:extLst>
                 <a:ext uri="{91240B29-F687-4f45-9708-019B960494DF}">
-                  <a14:hiddenLine xmlns:a14="http://schemas.microsoft.com/office/drawing/2010/main" xmlns="" w="9525">
+                  <a14:hiddenLine xmlns="" xmlns:a14="http://schemas.microsoft.com/office/drawing/2010/main" w="9525">
                     <a:solidFill>
                       <a:srgbClr val="000000"/>
                     </a:solidFill>
@@ -11441,7 +11441,7 @@
               </a:ln>
               <a:extLst>
                 <a:ext uri="{91240B29-F687-4f45-9708-019B960494DF}">
-                  <a14:hiddenLine xmlns:a14="http://schemas.microsoft.com/office/drawing/2010/main" xmlns="" w="9525">
+                  <a14:hiddenLine xmlns="" xmlns:a14="http://schemas.microsoft.com/office/drawing/2010/main" w="9525">
                     <a:solidFill>
                       <a:srgbClr val="000000"/>
                     </a:solidFill>
@@ -11509,7 +11509,7 @@
               </a:ln>
               <a:extLst>
                 <a:ext uri="{91240B29-F687-4f45-9708-019B960494DF}">
-                  <a14:hiddenLine xmlns:a14="http://schemas.microsoft.com/office/drawing/2010/main" xmlns="" w="9525">
+                  <a14:hiddenLine xmlns="" xmlns:a14="http://schemas.microsoft.com/office/drawing/2010/main" w="9525">
                     <a:solidFill>
                       <a:srgbClr val="000000"/>
                     </a:solidFill>
@@ -11599,7 +11599,7 @@
               </a:ln>
               <a:extLst>
                 <a:ext uri="{91240B29-F687-4f45-9708-019B960494DF}">
-                  <a14:hiddenLine xmlns:a14="http://schemas.microsoft.com/office/drawing/2010/main" xmlns="" w="9525">
+                  <a14:hiddenLine xmlns="" xmlns:a14="http://schemas.microsoft.com/office/drawing/2010/main" w="9525">
                     <a:solidFill>
                       <a:srgbClr val="000000"/>
                     </a:solidFill>
@@ -11667,7 +11667,7 @@
               </a:ln>
               <a:extLst>
                 <a:ext uri="{91240B29-F687-4f45-9708-019B960494DF}">
-                  <a14:hiddenLine xmlns:a14="http://schemas.microsoft.com/office/drawing/2010/main" xmlns="" w="9525">
+                  <a14:hiddenLine xmlns="" xmlns:a14="http://schemas.microsoft.com/office/drawing/2010/main" w="9525">
                     <a:solidFill>
                       <a:srgbClr val="000000"/>
                     </a:solidFill>
@@ -11757,7 +11757,7 @@
               </a:ln>
               <a:extLst>
                 <a:ext uri="{91240B29-F687-4f45-9708-019B960494DF}">
-                  <a14:hiddenLine xmlns:a14="http://schemas.microsoft.com/office/drawing/2010/main" xmlns="" w="9525">
+                  <a14:hiddenLine xmlns="" xmlns:a14="http://schemas.microsoft.com/office/drawing/2010/main" w="9525">
                     <a:solidFill>
                       <a:srgbClr val="000000"/>
                     </a:solidFill>
@@ -11791,7 +11791,7 @@
               </a:ln>
               <a:extLst>
                 <a:ext uri="{91240B29-F687-4f45-9708-019B960494DF}">
-                  <a14:hiddenLine xmlns:a14="http://schemas.microsoft.com/office/drawing/2010/main" xmlns="" w="9525">
+                  <a14:hiddenLine xmlns="" xmlns:a14="http://schemas.microsoft.com/office/drawing/2010/main" w="9525">
                     <a:solidFill>
                       <a:srgbClr val="000000"/>
                     </a:solidFill>
@@ -11932,7 +11932,7 @@
             <a:fld id="{48A87A34-81AB-432B-8DAE-1953F412C126}" type="datetimeFigureOut">
               <a:rPr lang="en-US" dirty="0"/>
               <a:pPr/>
-              <a:t>9/7/2018</a:t>
+              <a:t>9/9/2018</a:t>
             </a:fld>
             <a:endParaRPr lang="en-US" dirty="0"/>
           </a:p>
@@ -12925,7 +12925,15 @@
           <a:bodyPr/>
           <a:lstStyle/>
           <a:p>
-            <a:endParaRPr lang="en-US"/>
+            <a:pPr algn="ctr"/>
+            <a:r>
+              <a:rPr lang="en-US" dirty="0">
+                <a:latin typeface="Segoe UI Emoji" panose="020B0502040204020203" pitchFamily="34" charset="0"/>
+                <a:ea typeface="Segoe UI Emoji" panose="020B0502040204020203" pitchFamily="34" charset="0"/>
+              </a:rPr>
+              <a:t>Let make an application!</a:t>
+            </a:r>
+            <a:endParaRPr lang="en-US" dirty="0"/>
           </a:p>
         </p:txBody>
       </p:sp>

--- a/React/slides/react_lessons_slides.pptx
+++ b/React/slides/react_lessons_slides.pptx
@@ -173,7 +173,7 @@
           <a:noFill/>
           <a:extLst>
             <a:ext uri="{909E8E84-426E-40dd-AFC4-6F175D3DCCD1}">
-              <a14:hiddenFill xmlns="" xmlns:a14="http://schemas.microsoft.com/office/drawing/2010/main">
+              <a14:hiddenFill xmlns:a14="http://schemas.microsoft.com/office/drawing/2010/main" xmlns="">
                 <a:solidFill>
                   <a:srgbClr val="FFFFFF"/>
                 </a:solidFill>
@@ -232,7 +232,7 @@
             </a:ln>
             <a:extLst>
               <a:ext uri="{91240B29-F687-4f45-9708-019B960494DF}">
-                <a14:hiddenLine xmlns="" xmlns:a14="http://schemas.microsoft.com/office/drawing/2010/main" w="9525">
+                <a14:hiddenLine xmlns:a14="http://schemas.microsoft.com/office/drawing/2010/main" xmlns="" w="9525">
                   <a:solidFill>
                     <a:srgbClr val="000000"/>
                   </a:solidFill>
@@ -322,7 +322,7 @@
             </a:ln>
             <a:extLst>
               <a:ext uri="{91240B29-F687-4f45-9708-019B960494DF}">
-                <a14:hiddenLine xmlns="" xmlns:a14="http://schemas.microsoft.com/office/drawing/2010/main" w="9525">
+                <a14:hiddenLine xmlns:a14="http://schemas.microsoft.com/office/drawing/2010/main" xmlns="" w="9525">
                   <a:solidFill>
                     <a:srgbClr val="000000"/>
                   </a:solidFill>
@@ -412,7 +412,7 @@
             </a:ln>
             <a:extLst>
               <a:ext uri="{91240B29-F687-4f45-9708-019B960494DF}">
-                <a14:hiddenLine xmlns="" xmlns:a14="http://schemas.microsoft.com/office/drawing/2010/main" w="9525">
+                <a14:hiddenLine xmlns:a14="http://schemas.microsoft.com/office/drawing/2010/main" xmlns="" w="9525">
                   <a:solidFill>
                     <a:srgbClr val="000000"/>
                   </a:solidFill>
@@ -446,7 +446,7 @@
             </a:ln>
             <a:extLst>
               <a:ext uri="{91240B29-F687-4f45-9708-019B960494DF}">
-                <a14:hiddenLine xmlns="" xmlns:a14="http://schemas.microsoft.com/office/drawing/2010/main" w="9525">
+                <a14:hiddenLine xmlns:a14="http://schemas.microsoft.com/office/drawing/2010/main" xmlns="" w="9525">
                   <a:solidFill>
                     <a:srgbClr val="000000"/>
                   </a:solidFill>
@@ -536,7 +536,7 @@
             </a:ln>
             <a:extLst>
               <a:ext uri="{91240B29-F687-4f45-9708-019B960494DF}">
-                <a14:hiddenLine xmlns="" xmlns:a14="http://schemas.microsoft.com/office/drawing/2010/main" w="9525">
+                <a14:hiddenLine xmlns:a14="http://schemas.microsoft.com/office/drawing/2010/main" xmlns="" w="9525">
                   <a:solidFill>
                     <a:srgbClr val="000000"/>
                   </a:solidFill>
@@ -598,7 +598,7 @@
             </a:ln>
             <a:extLst>
               <a:ext uri="{91240B29-F687-4f45-9708-019B960494DF}">
-                <a14:hiddenLine xmlns="" xmlns:a14="http://schemas.microsoft.com/office/drawing/2010/main" w="9525">
+                <a14:hiddenLine xmlns:a14="http://schemas.microsoft.com/office/drawing/2010/main" xmlns="" w="9525">
                   <a:solidFill>
                     <a:srgbClr val="000000"/>
                   </a:solidFill>
@@ -660,7 +660,7 @@
             </a:ln>
             <a:extLst>
               <a:ext uri="{91240B29-F687-4f45-9708-019B960494DF}">
-                <a14:hiddenLine xmlns="" xmlns:a14="http://schemas.microsoft.com/office/drawing/2010/main" w="9525">
+                <a14:hiddenLine xmlns:a14="http://schemas.microsoft.com/office/drawing/2010/main" xmlns="" w="9525">
                   <a:solidFill>
                     <a:srgbClr val="000000"/>
                   </a:solidFill>
@@ -750,7 +750,7 @@
             </a:ln>
             <a:extLst>
               <a:ext uri="{91240B29-F687-4f45-9708-019B960494DF}">
-                <a14:hiddenLine xmlns="" xmlns:a14="http://schemas.microsoft.com/office/drawing/2010/main" w="9525">
+                <a14:hiddenLine xmlns:a14="http://schemas.microsoft.com/office/drawing/2010/main" xmlns="" w="9525">
                   <a:solidFill>
                     <a:srgbClr val="000000"/>
                   </a:solidFill>
@@ -812,7 +812,7 @@
             </a:ln>
             <a:extLst>
               <a:ext uri="{91240B29-F687-4f45-9708-019B960494DF}">
-                <a14:hiddenLine xmlns="" xmlns:a14="http://schemas.microsoft.com/office/drawing/2010/main" w="9525">
+                <a14:hiddenLine xmlns:a14="http://schemas.microsoft.com/office/drawing/2010/main" xmlns="" w="9525">
                   <a:solidFill>
                     <a:srgbClr val="000000"/>
                   </a:solidFill>
@@ -874,7 +874,7 @@
             </a:ln>
             <a:extLst>
               <a:ext uri="{91240B29-F687-4f45-9708-019B960494DF}">
-                <a14:hiddenLine xmlns="" xmlns:a14="http://schemas.microsoft.com/office/drawing/2010/main" w="9525">
+                <a14:hiddenLine xmlns:a14="http://schemas.microsoft.com/office/drawing/2010/main" xmlns="" w="9525">
                   <a:solidFill>
                     <a:srgbClr val="000000"/>
                   </a:solidFill>
@@ -964,7 +964,7 @@
             </a:ln>
             <a:extLst>
               <a:ext uri="{91240B29-F687-4f45-9708-019B960494DF}">
-                <a14:hiddenLine xmlns="" xmlns:a14="http://schemas.microsoft.com/office/drawing/2010/main" w="9525">
+                <a14:hiddenLine xmlns:a14="http://schemas.microsoft.com/office/drawing/2010/main" xmlns="" w="9525">
                   <a:solidFill>
                     <a:srgbClr val="000000"/>
                   </a:solidFill>
@@ -1054,7 +1054,7 @@
             </a:ln>
             <a:extLst>
               <a:ext uri="{91240B29-F687-4f45-9708-019B960494DF}">
-                <a14:hiddenLine xmlns="" xmlns:a14="http://schemas.microsoft.com/office/drawing/2010/main" w="9525">
+                <a14:hiddenLine xmlns:a14="http://schemas.microsoft.com/office/drawing/2010/main" xmlns="" w="9525">
                   <a:solidFill>
                     <a:srgbClr val="000000"/>
                   </a:solidFill>
@@ -1116,7 +1116,7 @@
             </a:ln>
             <a:extLst>
               <a:ext uri="{91240B29-F687-4f45-9708-019B960494DF}">
-                <a14:hiddenLine xmlns="" xmlns:a14="http://schemas.microsoft.com/office/drawing/2010/main" w="9525">
+                <a14:hiddenLine xmlns:a14="http://schemas.microsoft.com/office/drawing/2010/main" xmlns="" w="9525">
                   <a:solidFill>
                     <a:srgbClr val="000000"/>
                   </a:solidFill>
@@ -1226,7 +1226,7 @@
             </a:ln>
             <a:extLst>
               <a:ext uri="{91240B29-F687-4f45-9708-019B960494DF}">
-                <a14:hiddenLine xmlns="" xmlns:a14="http://schemas.microsoft.com/office/drawing/2010/main" w="9525">
+                <a14:hiddenLine xmlns:a14="http://schemas.microsoft.com/office/drawing/2010/main" xmlns="" w="9525">
                   <a:solidFill>
                     <a:srgbClr val="000000"/>
                   </a:solidFill>
@@ -1288,7 +1288,7 @@
             </a:ln>
             <a:extLst>
               <a:ext uri="{91240B29-F687-4f45-9708-019B960494DF}">
-                <a14:hiddenLine xmlns="" xmlns:a14="http://schemas.microsoft.com/office/drawing/2010/main" w="9525">
+                <a14:hiddenLine xmlns:a14="http://schemas.microsoft.com/office/drawing/2010/main" xmlns="" w="9525">
                   <a:solidFill>
                     <a:srgbClr val="000000"/>
                   </a:solidFill>
@@ -1378,7 +1378,7 @@
             </a:ln>
             <a:extLst>
               <a:ext uri="{91240B29-F687-4f45-9708-019B960494DF}">
-                <a14:hiddenLine xmlns="" xmlns:a14="http://schemas.microsoft.com/office/drawing/2010/main" w="9525">
+                <a14:hiddenLine xmlns:a14="http://schemas.microsoft.com/office/drawing/2010/main" xmlns="" w="9525">
                   <a:solidFill>
                     <a:srgbClr val="000000"/>
                   </a:solidFill>
@@ -1468,7 +1468,7 @@
             </a:ln>
             <a:extLst>
               <a:ext uri="{91240B29-F687-4f45-9708-019B960494DF}">
-                <a14:hiddenLine xmlns="" xmlns:a14="http://schemas.microsoft.com/office/drawing/2010/main" w="9525">
+                <a14:hiddenLine xmlns:a14="http://schemas.microsoft.com/office/drawing/2010/main" xmlns="" w="9525">
                   <a:solidFill>
                     <a:srgbClr val="000000"/>
                   </a:solidFill>
@@ -1530,7 +1530,7 @@
             </a:ln>
             <a:extLst>
               <a:ext uri="{91240B29-F687-4f45-9708-019B960494DF}">
-                <a14:hiddenLine xmlns="" xmlns:a14="http://schemas.microsoft.com/office/drawing/2010/main" w="9525">
+                <a14:hiddenLine xmlns:a14="http://schemas.microsoft.com/office/drawing/2010/main" xmlns="" w="9525">
                   <a:solidFill>
                     <a:srgbClr val="000000"/>
                   </a:solidFill>
@@ -1620,7 +1620,7 @@
             </a:ln>
             <a:extLst>
               <a:ext uri="{91240B29-F687-4f45-9708-019B960494DF}">
-                <a14:hiddenLine xmlns="" xmlns:a14="http://schemas.microsoft.com/office/drawing/2010/main" w="9525">
+                <a14:hiddenLine xmlns:a14="http://schemas.microsoft.com/office/drawing/2010/main" xmlns="" w="9525">
                   <a:solidFill>
                     <a:srgbClr val="000000"/>
                   </a:solidFill>
@@ -1710,7 +1710,7 @@
             </a:ln>
             <a:extLst>
               <a:ext uri="{91240B29-F687-4f45-9708-019B960494DF}">
-                <a14:hiddenLine xmlns="" xmlns:a14="http://schemas.microsoft.com/office/drawing/2010/main" w="9525">
+                <a14:hiddenLine xmlns:a14="http://schemas.microsoft.com/office/drawing/2010/main" xmlns="" w="9525">
                   <a:solidFill>
                     <a:srgbClr val="000000"/>
                   </a:solidFill>
@@ -1766,7 +1766,7 @@
             </a:ln>
             <a:extLst>
               <a:ext uri="{91240B29-F687-4f45-9708-019B960494DF}">
-                <a14:hiddenLine xmlns="" xmlns:a14="http://schemas.microsoft.com/office/drawing/2010/main" w="9525">
+                <a14:hiddenLine xmlns:a14="http://schemas.microsoft.com/office/drawing/2010/main" xmlns="" w="9525">
                   <a:solidFill>
                     <a:srgbClr val="000000"/>
                   </a:solidFill>
@@ -1856,7 +1856,7 @@
             </a:ln>
             <a:extLst>
               <a:ext uri="{91240B29-F687-4f45-9708-019B960494DF}">
-                <a14:hiddenLine xmlns="" xmlns:a14="http://schemas.microsoft.com/office/drawing/2010/main" w="9525">
+                <a14:hiddenLine xmlns:a14="http://schemas.microsoft.com/office/drawing/2010/main" xmlns="" w="9525">
                   <a:solidFill>
                     <a:srgbClr val="000000"/>
                   </a:solidFill>
@@ -1912,7 +1912,7 @@
             </a:ln>
             <a:extLst>
               <a:ext uri="{91240B29-F687-4f45-9708-019B960494DF}">
-                <a14:hiddenLine xmlns="" xmlns:a14="http://schemas.microsoft.com/office/drawing/2010/main" w="9525">
+                <a14:hiddenLine xmlns:a14="http://schemas.microsoft.com/office/drawing/2010/main" xmlns="" w="9525">
                   <a:solidFill>
                     <a:srgbClr val="000000"/>
                   </a:solidFill>
@@ -2002,7 +2002,7 @@
             </a:ln>
             <a:extLst>
               <a:ext uri="{91240B29-F687-4f45-9708-019B960494DF}">
-                <a14:hiddenLine xmlns="" xmlns:a14="http://schemas.microsoft.com/office/drawing/2010/main" w="9525">
+                <a14:hiddenLine xmlns:a14="http://schemas.microsoft.com/office/drawing/2010/main" xmlns="" w="9525">
                   <a:solidFill>
                     <a:srgbClr val="000000"/>
                   </a:solidFill>
@@ -2070,7 +2070,7 @@
             </a:ln>
             <a:extLst>
               <a:ext uri="{91240B29-F687-4f45-9708-019B960494DF}">
-                <a14:hiddenLine xmlns="" xmlns:a14="http://schemas.microsoft.com/office/drawing/2010/main" w="9525">
+                <a14:hiddenLine xmlns:a14="http://schemas.microsoft.com/office/drawing/2010/main" xmlns="" w="9525">
                   <a:solidFill>
                     <a:srgbClr val="000000"/>
                   </a:solidFill>
@@ -2160,7 +2160,7 @@
             </a:ln>
             <a:extLst>
               <a:ext uri="{91240B29-F687-4f45-9708-019B960494DF}">
-                <a14:hiddenLine xmlns="" xmlns:a14="http://schemas.microsoft.com/office/drawing/2010/main" w="9525">
+                <a14:hiddenLine xmlns:a14="http://schemas.microsoft.com/office/drawing/2010/main" xmlns="" w="9525">
                   <a:solidFill>
                     <a:srgbClr val="000000"/>
                   </a:solidFill>
@@ -2228,7 +2228,7 @@
             </a:ln>
             <a:extLst>
               <a:ext uri="{91240B29-F687-4f45-9708-019B960494DF}">
-                <a14:hiddenLine xmlns="" xmlns:a14="http://schemas.microsoft.com/office/drawing/2010/main" w="9525">
+                <a14:hiddenLine xmlns:a14="http://schemas.microsoft.com/office/drawing/2010/main" xmlns="" w="9525">
                   <a:solidFill>
                     <a:srgbClr val="000000"/>
                   </a:solidFill>
@@ -2318,7 +2318,7 @@
             </a:ln>
             <a:extLst>
               <a:ext uri="{91240B29-F687-4f45-9708-019B960494DF}">
-                <a14:hiddenLine xmlns="" xmlns:a14="http://schemas.microsoft.com/office/drawing/2010/main" w="9525">
+                <a14:hiddenLine xmlns:a14="http://schemas.microsoft.com/office/drawing/2010/main" xmlns="" w="9525">
                   <a:solidFill>
                     <a:srgbClr val="000000"/>
                   </a:solidFill>
@@ -2352,7 +2352,7 @@
             </a:ln>
             <a:extLst>
               <a:ext uri="{91240B29-F687-4f45-9708-019B960494DF}">
-                <a14:hiddenLine xmlns="" xmlns:a14="http://schemas.microsoft.com/office/drawing/2010/main" w="9525">
+                <a14:hiddenLine xmlns:a14="http://schemas.microsoft.com/office/drawing/2010/main" xmlns="" w="9525">
                   <a:solidFill>
                     <a:srgbClr val="000000"/>
                   </a:solidFill>
@@ -2442,7 +2442,7 @@
             </a:ln>
             <a:extLst>
               <a:ext uri="{91240B29-F687-4f45-9708-019B960494DF}">
-                <a14:hiddenLine xmlns="" xmlns:a14="http://schemas.microsoft.com/office/drawing/2010/main" w="9525">
+                <a14:hiddenLine xmlns:a14="http://schemas.microsoft.com/office/drawing/2010/main" xmlns="" w="9525">
                   <a:solidFill>
                     <a:srgbClr val="000000"/>
                   </a:solidFill>
@@ -2504,7 +2504,7 @@
             </a:ln>
             <a:extLst>
               <a:ext uri="{91240B29-F687-4f45-9708-019B960494DF}">
-                <a14:hiddenLine xmlns="" xmlns:a14="http://schemas.microsoft.com/office/drawing/2010/main" w="9525">
+                <a14:hiddenLine xmlns:a14="http://schemas.microsoft.com/office/drawing/2010/main" xmlns="" w="9525">
                   <a:solidFill>
                     <a:srgbClr val="000000"/>
                   </a:solidFill>
@@ -2566,7 +2566,7 @@
             </a:ln>
             <a:extLst>
               <a:ext uri="{91240B29-F687-4f45-9708-019B960494DF}">
-                <a14:hiddenLine xmlns="" xmlns:a14="http://schemas.microsoft.com/office/drawing/2010/main" w="9525">
+                <a14:hiddenLine xmlns:a14="http://schemas.microsoft.com/office/drawing/2010/main" xmlns="" w="9525">
                   <a:solidFill>
                     <a:srgbClr val="000000"/>
                   </a:solidFill>
@@ -2656,7 +2656,7 @@
             </a:ln>
             <a:extLst>
               <a:ext uri="{91240B29-F687-4f45-9708-019B960494DF}">
-                <a14:hiddenLine xmlns="" xmlns:a14="http://schemas.microsoft.com/office/drawing/2010/main" w="9525">
+                <a14:hiddenLine xmlns:a14="http://schemas.microsoft.com/office/drawing/2010/main" xmlns="" w="9525">
                   <a:solidFill>
                     <a:srgbClr val="000000"/>
                   </a:solidFill>
@@ -2724,7 +2724,7 @@
             </a:ln>
             <a:extLst>
               <a:ext uri="{91240B29-F687-4f45-9708-019B960494DF}">
-                <a14:hiddenLine xmlns="" xmlns:a14="http://schemas.microsoft.com/office/drawing/2010/main" w="9525">
+                <a14:hiddenLine xmlns:a14="http://schemas.microsoft.com/office/drawing/2010/main" xmlns="" w="9525">
                   <a:solidFill>
                     <a:srgbClr val="000000"/>
                   </a:solidFill>
@@ -2786,7 +2786,7 @@
             </a:ln>
             <a:extLst>
               <a:ext uri="{91240B29-F687-4f45-9708-019B960494DF}">
-                <a14:hiddenLine xmlns="" xmlns:a14="http://schemas.microsoft.com/office/drawing/2010/main" w="9525">
+                <a14:hiddenLine xmlns:a14="http://schemas.microsoft.com/office/drawing/2010/main" xmlns="" w="9525">
                   <a:solidFill>
                     <a:srgbClr val="000000"/>
                   </a:solidFill>
@@ -2876,7 +2876,7 @@
             </a:ln>
             <a:extLst>
               <a:ext uri="{91240B29-F687-4f45-9708-019B960494DF}">
-                <a14:hiddenLine xmlns="" xmlns:a14="http://schemas.microsoft.com/office/drawing/2010/main" w="9525">
+                <a14:hiddenLine xmlns:a14="http://schemas.microsoft.com/office/drawing/2010/main" xmlns="" w="9525">
                   <a:solidFill>
                     <a:srgbClr val="000000"/>
                   </a:solidFill>
@@ -2938,7 +2938,7 @@
             </a:ln>
             <a:extLst>
               <a:ext uri="{91240B29-F687-4f45-9708-019B960494DF}">
-                <a14:hiddenLine xmlns="" xmlns:a14="http://schemas.microsoft.com/office/drawing/2010/main" w="9525">
+                <a14:hiddenLine xmlns:a14="http://schemas.microsoft.com/office/drawing/2010/main" xmlns="" w="9525">
                   <a:solidFill>
                     <a:srgbClr val="000000"/>
                   </a:solidFill>
@@ -3028,7 +3028,7 @@
             </a:ln>
             <a:extLst>
               <a:ext uri="{91240B29-F687-4f45-9708-019B960494DF}">
-                <a14:hiddenLine xmlns="" xmlns:a14="http://schemas.microsoft.com/office/drawing/2010/main" w="9525">
+                <a14:hiddenLine xmlns:a14="http://schemas.microsoft.com/office/drawing/2010/main" xmlns="" w="9525">
                   <a:solidFill>
                     <a:srgbClr val="000000"/>
                   </a:solidFill>
@@ -3090,7 +3090,7 @@
             </a:ln>
             <a:extLst>
               <a:ext uri="{91240B29-F687-4f45-9708-019B960494DF}">
-                <a14:hiddenLine xmlns="" xmlns:a14="http://schemas.microsoft.com/office/drawing/2010/main" w="9525">
+                <a14:hiddenLine xmlns:a14="http://schemas.microsoft.com/office/drawing/2010/main" xmlns="" w="9525">
                   <a:solidFill>
                     <a:srgbClr val="000000"/>
                   </a:solidFill>
@@ -3180,7 +3180,7 @@
             </a:ln>
             <a:extLst>
               <a:ext uri="{91240B29-F687-4f45-9708-019B960494DF}">
-                <a14:hiddenLine xmlns="" xmlns:a14="http://schemas.microsoft.com/office/drawing/2010/main" w="9525">
+                <a14:hiddenLine xmlns:a14="http://schemas.microsoft.com/office/drawing/2010/main" xmlns="" w="9525">
                   <a:solidFill>
                     <a:srgbClr val="000000"/>
                   </a:solidFill>
@@ -3214,7 +3214,7 @@
             </a:ln>
             <a:extLst>
               <a:ext uri="{91240B29-F687-4f45-9708-019B960494DF}">
-                <a14:hiddenLine xmlns="" xmlns:a14="http://schemas.microsoft.com/office/drawing/2010/main" w="9525">
+                <a14:hiddenLine xmlns:a14="http://schemas.microsoft.com/office/drawing/2010/main" xmlns="" w="9525">
                   <a:solidFill>
                     <a:srgbClr val="000000"/>
                   </a:solidFill>
@@ -3279,7 +3279,7 @@
             </a:ln>
             <a:extLst>
               <a:ext uri="{91240B29-F687-4f45-9708-019B960494DF}">
-                <a14:hiddenLine xmlns="" xmlns:a14="http://schemas.microsoft.com/office/drawing/2010/main" w="9525">
+                <a14:hiddenLine xmlns:a14="http://schemas.microsoft.com/office/drawing/2010/main" xmlns="" w="9525">
                   <a:solidFill>
                     <a:srgbClr val="000000"/>
                   </a:solidFill>
@@ -3369,7 +3369,7 @@
             </a:ln>
             <a:extLst>
               <a:ext uri="{91240B29-F687-4f45-9708-019B960494DF}">
-                <a14:hiddenLine xmlns="" xmlns:a14="http://schemas.microsoft.com/office/drawing/2010/main" w="9525">
+                <a14:hiddenLine xmlns:a14="http://schemas.microsoft.com/office/drawing/2010/main" xmlns="" w="9525">
                   <a:solidFill>
                     <a:srgbClr val="000000"/>
                   </a:solidFill>
@@ -3431,7 +3431,7 @@
             </a:ln>
             <a:extLst>
               <a:ext uri="{91240B29-F687-4f45-9708-019B960494DF}">
-                <a14:hiddenLine xmlns="" xmlns:a14="http://schemas.microsoft.com/office/drawing/2010/main" w="9525">
+                <a14:hiddenLine xmlns:a14="http://schemas.microsoft.com/office/drawing/2010/main" xmlns="" w="9525">
                   <a:solidFill>
                     <a:srgbClr val="000000"/>
                   </a:solidFill>
@@ -3521,7 +3521,7 @@
             </a:ln>
             <a:extLst>
               <a:ext uri="{91240B29-F687-4f45-9708-019B960494DF}">
-                <a14:hiddenLine xmlns="" xmlns:a14="http://schemas.microsoft.com/office/drawing/2010/main" w="9525">
+                <a14:hiddenLine xmlns:a14="http://schemas.microsoft.com/office/drawing/2010/main" xmlns="" w="9525">
                   <a:solidFill>
                     <a:srgbClr val="000000"/>
                   </a:solidFill>
@@ -3611,7 +3611,7 @@
             </a:ln>
             <a:extLst>
               <a:ext uri="{91240B29-F687-4f45-9708-019B960494DF}">
-                <a14:hiddenLine xmlns="" xmlns:a14="http://schemas.microsoft.com/office/drawing/2010/main" w="9525">
+                <a14:hiddenLine xmlns:a14="http://schemas.microsoft.com/office/drawing/2010/main" xmlns="" w="9525">
                   <a:solidFill>
                     <a:srgbClr val="000000"/>
                   </a:solidFill>
@@ -3676,7 +3676,7 @@
             </a:ln>
             <a:extLst>
               <a:ext uri="{91240B29-F687-4f45-9708-019B960494DF}">
-                <a14:hiddenLine xmlns="" xmlns:a14="http://schemas.microsoft.com/office/drawing/2010/main" w="9525">
+                <a14:hiddenLine xmlns:a14="http://schemas.microsoft.com/office/drawing/2010/main" xmlns="" w="9525">
                   <a:solidFill>
                     <a:srgbClr val="000000"/>
                   </a:solidFill>
@@ -3738,7 +3738,7 @@
             </a:ln>
             <a:extLst>
               <a:ext uri="{91240B29-F687-4f45-9708-019B960494DF}">
-                <a14:hiddenLine xmlns="" xmlns:a14="http://schemas.microsoft.com/office/drawing/2010/main" w="9525">
+                <a14:hiddenLine xmlns:a14="http://schemas.microsoft.com/office/drawing/2010/main" xmlns="" w="9525">
                   <a:solidFill>
                     <a:srgbClr val="000000"/>
                   </a:solidFill>
@@ -3828,7 +3828,7 @@
             </a:ln>
             <a:extLst>
               <a:ext uri="{91240B29-F687-4f45-9708-019B960494DF}">
-                <a14:hiddenLine xmlns="" xmlns:a14="http://schemas.microsoft.com/office/drawing/2010/main" w="9525">
+                <a14:hiddenLine xmlns:a14="http://schemas.microsoft.com/office/drawing/2010/main" xmlns="" w="9525">
                   <a:solidFill>
                     <a:srgbClr val="000000"/>
                   </a:solidFill>
@@ -3918,7 +3918,7 @@
             </a:ln>
             <a:extLst>
               <a:ext uri="{91240B29-F687-4f45-9708-019B960494DF}">
-                <a14:hiddenLine xmlns="" xmlns:a14="http://schemas.microsoft.com/office/drawing/2010/main" w="9525">
+                <a14:hiddenLine xmlns:a14="http://schemas.microsoft.com/office/drawing/2010/main" xmlns="" w="9525">
                   <a:solidFill>
                     <a:srgbClr val="000000"/>
                   </a:solidFill>
@@ -3980,7 +3980,7 @@
             </a:ln>
             <a:extLst>
               <a:ext uri="{91240B29-F687-4f45-9708-019B960494DF}">
-                <a14:hiddenLine xmlns="" xmlns:a14="http://schemas.microsoft.com/office/drawing/2010/main" w="9525">
+                <a14:hiddenLine xmlns:a14="http://schemas.microsoft.com/office/drawing/2010/main" xmlns="" w="9525">
                   <a:solidFill>
                     <a:srgbClr val="000000"/>
                   </a:solidFill>
@@ -4100,7 +4100,7 @@
             </a:ln>
             <a:extLst>
               <a:ext uri="{91240B29-F687-4f45-9708-019B960494DF}">
-                <a14:hiddenLine xmlns="" xmlns:a14="http://schemas.microsoft.com/office/drawing/2010/main" w="9525">
+                <a14:hiddenLine xmlns:a14="http://schemas.microsoft.com/office/drawing/2010/main" xmlns="" w="9525">
                   <a:solidFill>
                     <a:srgbClr val="000000"/>
                   </a:solidFill>
@@ -4168,7 +4168,7 @@
             </a:ln>
             <a:extLst>
               <a:ext uri="{91240B29-F687-4f45-9708-019B960494DF}">
-                <a14:hiddenLine xmlns="" xmlns:a14="http://schemas.microsoft.com/office/drawing/2010/main" w="9525">
+                <a14:hiddenLine xmlns:a14="http://schemas.microsoft.com/office/drawing/2010/main" xmlns="" w="9525">
                   <a:solidFill>
                     <a:srgbClr val="000000"/>
                   </a:solidFill>
@@ -4258,7 +4258,7 @@
             </a:ln>
             <a:extLst>
               <a:ext uri="{91240B29-F687-4f45-9708-019B960494DF}">
-                <a14:hiddenLine xmlns="" xmlns:a14="http://schemas.microsoft.com/office/drawing/2010/main" w="9525">
+                <a14:hiddenLine xmlns:a14="http://schemas.microsoft.com/office/drawing/2010/main" xmlns="" w="9525">
                   <a:solidFill>
                     <a:srgbClr val="000000"/>
                   </a:solidFill>
@@ -4398,7 +4398,7 @@
           <a:p>
             <a:fld id="{48A87A34-81AB-432B-8DAE-1953F412C126}" type="datetimeFigureOut">
               <a:rPr lang="en-US" dirty="0"/>
-              <a:t>9/9/2018</a:t>
+              <a:t>9/10/2018</a:t>
             </a:fld>
             <a:endParaRPr lang="en-US" dirty="0"/>
           </a:p>
@@ -4660,7 +4660,7 @@
           <a:p>
             <a:fld id="{48A87A34-81AB-432B-8DAE-1953F412C126}" type="datetimeFigureOut">
               <a:rPr lang="en-US" dirty="0"/>
-              <a:t>9/9/2018</a:t>
+              <a:t>9/10/2018</a:t>
             </a:fld>
             <a:endParaRPr lang="en-US" dirty="0"/>
           </a:p>
@@ -4851,7 +4851,7 @@
           <a:p>
             <a:fld id="{48A87A34-81AB-432B-8DAE-1953F412C126}" type="datetimeFigureOut">
               <a:rPr lang="en-US" dirty="0"/>
-              <a:t>9/9/2018</a:t>
+              <a:t>9/10/2018</a:t>
             </a:fld>
             <a:endParaRPr lang="en-US" dirty="0"/>
           </a:p>
@@ -5109,7 +5109,7 @@
           <a:p>
             <a:fld id="{48A87A34-81AB-432B-8DAE-1953F412C126}" type="datetimeFigureOut">
               <a:rPr lang="en-US" dirty="0"/>
-              <a:t>9/9/2018</a:t>
+              <a:t>9/10/2018</a:t>
             </a:fld>
             <a:endParaRPr lang="en-US" dirty="0"/>
           </a:p>
@@ -5538,7 +5538,7 @@
           <a:p>
             <a:fld id="{48A87A34-81AB-432B-8DAE-1953F412C126}" type="datetimeFigureOut">
               <a:rPr lang="en-US" dirty="0"/>
-              <a:t>9/9/2018</a:t>
+              <a:t>9/10/2018</a:t>
             </a:fld>
             <a:endParaRPr lang="en-US" dirty="0"/>
           </a:p>
@@ -6079,7 +6079,7 @@
           <a:p>
             <a:fld id="{48A87A34-81AB-432B-8DAE-1953F412C126}" type="datetimeFigureOut">
               <a:rPr lang="en-US" dirty="0"/>
-              <a:t>9/9/2018</a:t>
+              <a:t>9/10/2018</a:t>
             </a:fld>
             <a:endParaRPr lang="en-US" dirty="0"/>
           </a:p>
@@ -6794,7 +6794,7 @@
           <a:p>
             <a:fld id="{48A87A34-81AB-432B-8DAE-1953F412C126}" type="datetimeFigureOut">
               <a:rPr lang="en-US" dirty="0"/>
-              <a:t>9/9/2018</a:t>
+              <a:t>9/10/2018</a:t>
             </a:fld>
             <a:endParaRPr lang="en-US" dirty="0"/>
           </a:p>
@@ -6959,7 +6959,7 @@
           <a:p>
             <a:fld id="{48A87A34-81AB-432B-8DAE-1953F412C126}" type="datetimeFigureOut">
               <a:rPr lang="en-US" dirty="0"/>
-              <a:t>9/9/2018</a:t>
+              <a:t>9/10/2018</a:t>
             </a:fld>
             <a:endParaRPr lang="en-US" dirty="0"/>
           </a:p>
@@ -7134,7 +7134,7 @@
           <a:p>
             <a:fld id="{48A87A34-81AB-432B-8DAE-1953F412C126}" type="datetimeFigureOut">
               <a:rPr lang="en-US" dirty="0"/>
-              <a:t>9/9/2018</a:t>
+              <a:t>9/10/2018</a:t>
             </a:fld>
             <a:endParaRPr lang="en-US" dirty="0"/>
           </a:p>
@@ -7299,7 +7299,7 @@
           <a:p>
             <a:fld id="{48A87A34-81AB-432B-8DAE-1953F412C126}" type="datetimeFigureOut">
               <a:rPr lang="en-US" dirty="0"/>
-              <a:t>9/9/2018</a:t>
+              <a:t>9/10/2018</a:t>
             </a:fld>
             <a:endParaRPr lang="en-US" dirty="0"/>
           </a:p>
@@ -7544,7 +7544,7 @@
           <a:p>
             <a:fld id="{48A87A34-81AB-432B-8DAE-1953F412C126}" type="datetimeFigureOut">
               <a:rPr lang="en-US" dirty="0"/>
-              <a:t>9/9/2018</a:t>
+              <a:t>9/10/2018</a:t>
             </a:fld>
             <a:endParaRPr lang="en-US" dirty="0"/>
           </a:p>
@@ -7771,7 +7771,7 @@
           <a:p>
             <a:fld id="{48A87A34-81AB-432B-8DAE-1953F412C126}" type="datetimeFigureOut">
               <a:rPr lang="en-US" dirty="0"/>
-              <a:t>9/9/2018</a:t>
+              <a:t>9/10/2018</a:t>
             </a:fld>
             <a:endParaRPr lang="en-US" dirty="0"/>
           </a:p>
@@ -8147,7 +8147,7 @@
           <a:p>
             <a:fld id="{48A87A34-81AB-432B-8DAE-1953F412C126}" type="datetimeFigureOut">
               <a:rPr lang="en-US" dirty="0"/>
-              <a:t>9/9/2018</a:t>
+              <a:t>9/10/2018</a:t>
             </a:fld>
             <a:endParaRPr lang="en-US" dirty="0"/>
           </a:p>
@@ -8260,7 +8260,7 @@
           <a:p>
             <a:fld id="{48A87A34-81AB-432B-8DAE-1953F412C126}" type="datetimeFigureOut">
               <a:rPr lang="en-US" dirty="0"/>
-              <a:t>9/9/2018</a:t>
+              <a:t>9/10/2018</a:t>
             </a:fld>
             <a:endParaRPr lang="en-US" dirty="0"/>
           </a:p>
@@ -8350,7 +8350,7 @@
           <a:p>
             <a:fld id="{48A87A34-81AB-432B-8DAE-1953F412C126}" type="datetimeFigureOut">
               <a:rPr lang="en-US" dirty="0"/>
-              <a:t>9/9/2018</a:t>
+              <a:t>9/10/2018</a:t>
             </a:fld>
             <a:endParaRPr lang="en-US" dirty="0"/>
           </a:p>
@@ -8594,7 +8594,7 @@
           <a:p>
             <a:fld id="{48A87A34-81AB-432B-8DAE-1953F412C126}" type="datetimeFigureOut">
               <a:rPr lang="en-US" dirty="0"/>
-              <a:t>9/9/2018</a:t>
+              <a:t>9/10/2018</a:t>
             </a:fld>
             <a:endParaRPr lang="en-US" dirty="0"/>
           </a:p>
@@ -8869,7 +8869,7 @@
           <a:p>
             <a:fld id="{48A87A34-81AB-432B-8DAE-1953F412C126}" type="datetimeFigureOut">
               <a:rPr lang="en-US" dirty="0"/>
-              <a:t>9/9/2018</a:t>
+              <a:t>9/10/2018</a:t>
             </a:fld>
             <a:endParaRPr lang="en-US" dirty="0"/>
           </a:p>
@@ -8987,7 +8987,7 @@
           <a:noFill/>
           <a:extLst>
             <a:ext uri="{909E8E84-426E-40dd-AFC4-6F175D3DCCD1}">
-              <a14:hiddenFill xmlns="" xmlns:a14="http://schemas.microsoft.com/office/drawing/2010/main">
+              <a14:hiddenFill xmlns:a14="http://schemas.microsoft.com/office/drawing/2010/main" xmlns="">
                 <a:solidFill>
                   <a:srgbClr val="FFFFFF"/>
                 </a:solidFill>
@@ -9061,7 +9061,7 @@
               </a:ln>
               <a:extLst>
                 <a:ext uri="{91240B29-F687-4f45-9708-019B960494DF}">
-                  <a14:hiddenLine xmlns="" xmlns:a14="http://schemas.microsoft.com/office/drawing/2010/main" w="9525">
+                  <a14:hiddenLine xmlns:a14="http://schemas.microsoft.com/office/drawing/2010/main" xmlns="" w="9525">
                     <a:solidFill>
                       <a:srgbClr val="000000"/>
                     </a:solidFill>
@@ -9151,7 +9151,7 @@
               </a:ln>
               <a:extLst>
                 <a:ext uri="{91240B29-F687-4f45-9708-019B960494DF}">
-                  <a14:hiddenLine xmlns="" xmlns:a14="http://schemas.microsoft.com/office/drawing/2010/main" w="9525">
+                  <a14:hiddenLine xmlns:a14="http://schemas.microsoft.com/office/drawing/2010/main" xmlns="" w="9525">
                     <a:solidFill>
                       <a:srgbClr val="000000"/>
                     </a:solidFill>
@@ -9241,7 +9241,7 @@
               </a:ln>
               <a:extLst>
                 <a:ext uri="{91240B29-F687-4f45-9708-019B960494DF}">
-                  <a14:hiddenLine xmlns="" xmlns:a14="http://schemas.microsoft.com/office/drawing/2010/main" w="9525">
+                  <a14:hiddenLine xmlns:a14="http://schemas.microsoft.com/office/drawing/2010/main" xmlns="" w="9525">
                     <a:solidFill>
                       <a:srgbClr val="000000"/>
                     </a:solidFill>
@@ -9303,7 +9303,7 @@
               </a:ln>
               <a:extLst>
                 <a:ext uri="{91240B29-F687-4f45-9708-019B960494DF}">
-                  <a14:hiddenLine xmlns="" xmlns:a14="http://schemas.microsoft.com/office/drawing/2010/main" w="9525">
+                  <a14:hiddenLine xmlns:a14="http://schemas.microsoft.com/office/drawing/2010/main" xmlns="" w="9525">
                     <a:solidFill>
                       <a:srgbClr val="000000"/>
                     </a:solidFill>
@@ -9393,7 +9393,7 @@
               </a:ln>
               <a:extLst>
                 <a:ext uri="{91240B29-F687-4f45-9708-019B960494DF}">
-                  <a14:hiddenLine xmlns="" xmlns:a14="http://schemas.microsoft.com/office/drawing/2010/main" w="9525">
+                  <a14:hiddenLine xmlns:a14="http://schemas.microsoft.com/office/drawing/2010/main" xmlns="" w="9525">
                     <a:solidFill>
                       <a:srgbClr val="000000"/>
                     </a:solidFill>
@@ -9455,7 +9455,7 @@
               </a:ln>
               <a:extLst>
                 <a:ext uri="{91240B29-F687-4f45-9708-019B960494DF}">
-                  <a14:hiddenLine xmlns="" xmlns:a14="http://schemas.microsoft.com/office/drawing/2010/main" w="9525">
+                  <a14:hiddenLine xmlns:a14="http://schemas.microsoft.com/office/drawing/2010/main" xmlns="" w="9525">
                     <a:solidFill>
                       <a:srgbClr val="000000"/>
                     </a:solidFill>
@@ -9517,7 +9517,7 @@
               </a:ln>
               <a:extLst>
                 <a:ext uri="{91240B29-F687-4f45-9708-019B960494DF}">
-                  <a14:hiddenLine xmlns="" xmlns:a14="http://schemas.microsoft.com/office/drawing/2010/main" w="9525">
+                  <a14:hiddenLine xmlns:a14="http://schemas.microsoft.com/office/drawing/2010/main" xmlns="" w="9525">
                     <a:solidFill>
                       <a:srgbClr val="000000"/>
                     </a:solidFill>
@@ -9607,7 +9607,7 @@
               </a:ln>
               <a:extLst>
                 <a:ext uri="{91240B29-F687-4f45-9708-019B960494DF}">
-                  <a14:hiddenLine xmlns="" xmlns:a14="http://schemas.microsoft.com/office/drawing/2010/main" w="9525">
+                  <a14:hiddenLine xmlns:a14="http://schemas.microsoft.com/office/drawing/2010/main" xmlns="" w="9525">
                     <a:solidFill>
                       <a:srgbClr val="000000"/>
                     </a:solidFill>
@@ -9697,7 +9697,7 @@
               </a:ln>
               <a:extLst>
                 <a:ext uri="{91240B29-F687-4f45-9708-019B960494DF}">
-                  <a14:hiddenLine xmlns="" xmlns:a14="http://schemas.microsoft.com/office/drawing/2010/main" w="9525">
+                  <a14:hiddenLine xmlns:a14="http://schemas.microsoft.com/office/drawing/2010/main" xmlns="" w="9525">
                     <a:solidFill>
                       <a:srgbClr val="000000"/>
                     </a:solidFill>
@@ -9759,7 +9759,7 @@
               </a:ln>
               <a:extLst>
                 <a:ext uri="{91240B29-F687-4f45-9708-019B960494DF}">
-                  <a14:hiddenLine xmlns="" xmlns:a14="http://schemas.microsoft.com/office/drawing/2010/main" w="9525">
+                  <a14:hiddenLine xmlns:a14="http://schemas.microsoft.com/office/drawing/2010/main" xmlns="" w="9525">
                     <a:solidFill>
                       <a:srgbClr val="000000"/>
                     </a:solidFill>
@@ -9869,7 +9869,7 @@
               </a:ln>
               <a:extLst>
                 <a:ext uri="{91240B29-F687-4f45-9708-019B960494DF}">
-                  <a14:hiddenLine xmlns="" xmlns:a14="http://schemas.microsoft.com/office/drawing/2010/main" w="9525">
+                  <a14:hiddenLine xmlns:a14="http://schemas.microsoft.com/office/drawing/2010/main" xmlns="" w="9525">
                     <a:solidFill>
                       <a:srgbClr val="000000"/>
                     </a:solidFill>
@@ -9953,7 +9953,7 @@
               </a:ln>
               <a:extLst>
                 <a:ext uri="{91240B29-F687-4f45-9708-019B960494DF}">
-                  <a14:hiddenLine xmlns="" xmlns:a14="http://schemas.microsoft.com/office/drawing/2010/main" w="9525">
+                  <a14:hiddenLine xmlns:a14="http://schemas.microsoft.com/office/drawing/2010/main" xmlns="" w="9525">
                     <a:solidFill>
                       <a:srgbClr val="000000"/>
                     </a:solidFill>
@@ -10015,7 +10015,7 @@
               </a:ln>
               <a:extLst>
                 <a:ext uri="{91240B29-F687-4f45-9708-019B960494DF}">
-                  <a14:hiddenLine xmlns="" xmlns:a14="http://schemas.microsoft.com/office/drawing/2010/main" w="9525">
+                  <a14:hiddenLine xmlns:a14="http://schemas.microsoft.com/office/drawing/2010/main" xmlns="" w="9525">
                     <a:solidFill>
                       <a:srgbClr val="000000"/>
                     </a:solidFill>
@@ -10077,7 +10077,7 @@
               </a:ln>
               <a:extLst>
                 <a:ext uri="{91240B29-F687-4f45-9708-019B960494DF}">
-                  <a14:hiddenLine xmlns="" xmlns:a14="http://schemas.microsoft.com/office/drawing/2010/main" w="9525">
+                  <a14:hiddenLine xmlns:a14="http://schemas.microsoft.com/office/drawing/2010/main" xmlns="" w="9525">
                     <a:solidFill>
                       <a:srgbClr val="000000"/>
                     </a:solidFill>
@@ -10167,7 +10167,7 @@
               </a:ln>
               <a:extLst>
                 <a:ext uri="{91240B29-F687-4f45-9708-019B960494DF}">
-                  <a14:hiddenLine xmlns="" xmlns:a14="http://schemas.microsoft.com/office/drawing/2010/main" w="9525">
+                  <a14:hiddenLine xmlns:a14="http://schemas.microsoft.com/office/drawing/2010/main" xmlns="" w="9525">
                     <a:solidFill>
                       <a:srgbClr val="000000"/>
                     </a:solidFill>
@@ -10201,7 +10201,7 @@
               </a:ln>
               <a:extLst>
                 <a:ext uri="{91240B29-F687-4f45-9708-019B960494DF}">
-                  <a14:hiddenLine xmlns="" xmlns:a14="http://schemas.microsoft.com/office/drawing/2010/main" w="9525">
+                  <a14:hiddenLine xmlns:a14="http://schemas.microsoft.com/office/drawing/2010/main" xmlns="" w="9525">
                     <a:solidFill>
                       <a:srgbClr val="000000"/>
                     </a:solidFill>
@@ -10266,7 +10266,7 @@
               </a:ln>
               <a:extLst>
                 <a:ext uri="{91240B29-F687-4f45-9708-019B960494DF}">
-                  <a14:hiddenLine xmlns="" xmlns:a14="http://schemas.microsoft.com/office/drawing/2010/main" w="9525">
+                  <a14:hiddenLine xmlns:a14="http://schemas.microsoft.com/office/drawing/2010/main" xmlns="" w="9525">
                     <a:solidFill>
                       <a:srgbClr val="000000"/>
                     </a:solidFill>
@@ -10356,7 +10356,7 @@
               </a:ln>
               <a:extLst>
                 <a:ext uri="{91240B29-F687-4f45-9708-019B960494DF}">
-                  <a14:hiddenLine xmlns="" xmlns:a14="http://schemas.microsoft.com/office/drawing/2010/main" w="9525">
+                  <a14:hiddenLine xmlns:a14="http://schemas.microsoft.com/office/drawing/2010/main" xmlns="" w="9525">
                     <a:solidFill>
                       <a:srgbClr val="000000"/>
                     </a:solidFill>
@@ -10418,7 +10418,7 @@
               </a:ln>
               <a:extLst>
                 <a:ext uri="{91240B29-F687-4f45-9708-019B960494DF}">
-                  <a14:hiddenLine xmlns="" xmlns:a14="http://schemas.microsoft.com/office/drawing/2010/main" w="9525">
+                  <a14:hiddenLine xmlns:a14="http://schemas.microsoft.com/office/drawing/2010/main" xmlns="" w="9525">
                     <a:solidFill>
                       <a:srgbClr val="000000"/>
                     </a:solidFill>
@@ -10508,7 +10508,7 @@
               </a:ln>
               <a:extLst>
                 <a:ext uri="{91240B29-F687-4f45-9708-019B960494DF}">
-                  <a14:hiddenLine xmlns="" xmlns:a14="http://schemas.microsoft.com/office/drawing/2010/main" w="9525">
+                  <a14:hiddenLine xmlns:a14="http://schemas.microsoft.com/office/drawing/2010/main" xmlns="" w="9525">
                     <a:solidFill>
                       <a:srgbClr val="000000"/>
                     </a:solidFill>
@@ -10573,7 +10573,7 @@
               </a:ln>
               <a:extLst>
                 <a:ext uri="{91240B29-F687-4f45-9708-019B960494DF}">
-                  <a14:hiddenLine xmlns="" xmlns:a14="http://schemas.microsoft.com/office/drawing/2010/main" w="9525">
+                  <a14:hiddenLine xmlns:a14="http://schemas.microsoft.com/office/drawing/2010/main" xmlns="" w="9525">
                     <a:solidFill>
                       <a:srgbClr val="000000"/>
                     </a:solidFill>
@@ -10635,7 +10635,7 @@
               </a:ln>
               <a:extLst>
                 <a:ext uri="{91240B29-F687-4f45-9708-019B960494DF}">
-                  <a14:hiddenLine xmlns="" xmlns:a14="http://schemas.microsoft.com/office/drawing/2010/main" w="9525">
+                  <a14:hiddenLine xmlns:a14="http://schemas.microsoft.com/office/drawing/2010/main" xmlns="" w="9525">
                     <a:solidFill>
                       <a:srgbClr val="000000"/>
                     </a:solidFill>
@@ -10725,7 +10725,7 @@
               </a:ln>
               <a:extLst>
                 <a:ext uri="{91240B29-F687-4f45-9708-019B960494DF}">
-                  <a14:hiddenLine xmlns="" xmlns:a14="http://schemas.microsoft.com/office/drawing/2010/main" w="9525">
+                  <a14:hiddenLine xmlns:a14="http://schemas.microsoft.com/office/drawing/2010/main" xmlns="" w="9525">
                     <a:solidFill>
                       <a:srgbClr val="000000"/>
                     </a:solidFill>
@@ -10815,7 +10815,7 @@
               </a:ln>
               <a:extLst>
                 <a:ext uri="{91240B29-F687-4f45-9708-019B960494DF}">
-                  <a14:hiddenLine xmlns="" xmlns:a14="http://schemas.microsoft.com/office/drawing/2010/main" w="9525">
+                  <a14:hiddenLine xmlns:a14="http://schemas.microsoft.com/office/drawing/2010/main" xmlns="" w="9525">
                     <a:solidFill>
                       <a:srgbClr val="000000"/>
                     </a:solidFill>
@@ -10880,7 +10880,7 @@
               </a:ln>
               <a:extLst>
                 <a:ext uri="{91240B29-F687-4f45-9708-019B960494DF}">
-                  <a14:hiddenLine xmlns="" xmlns:a14="http://schemas.microsoft.com/office/drawing/2010/main" w="9525">
+                  <a14:hiddenLine xmlns:a14="http://schemas.microsoft.com/office/drawing/2010/main" xmlns="" w="9525">
                     <a:solidFill>
                       <a:srgbClr val="000000"/>
                     </a:solidFill>
@@ -11000,7 +11000,7 @@
               </a:ln>
               <a:extLst>
                 <a:ext uri="{91240B29-F687-4f45-9708-019B960494DF}">
-                  <a14:hiddenLine xmlns="" xmlns:a14="http://schemas.microsoft.com/office/drawing/2010/main" w="9525">
+                  <a14:hiddenLine xmlns:a14="http://schemas.microsoft.com/office/drawing/2010/main" xmlns="" w="9525">
                     <a:solidFill>
                       <a:srgbClr val="000000"/>
                     </a:solidFill>
@@ -11081,7 +11081,7 @@
               </a:ln>
               <a:extLst>
                 <a:ext uri="{91240B29-F687-4f45-9708-019B960494DF}">
-                  <a14:hiddenLine xmlns="" xmlns:a14="http://schemas.microsoft.com/office/drawing/2010/main" w="9525">
+                  <a14:hiddenLine xmlns:a14="http://schemas.microsoft.com/office/drawing/2010/main" xmlns="" w="9525">
                     <a:solidFill>
                       <a:srgbClr val="000000"/>
                     </a:solidFill>
@@ -11196,7 +11196,7 @@
               </a:ln>
               <a:extLst>
                 <a:ext uri="{91240B29-F687-4f45-9708-019B960494DF}">
-                  <a14:hiddenLine xmlns="" xmlns:a14="http://schemas.microsoft.com/office/drawing/2010/main" w="9525">
+                  <a14:hiddenLine xmlns:a14="http://schemas.microsoft.com/office/drawing/2010/main" xmlns="" w="9525">
                     <a:solidFill>
                       <a:srgbClr val="000000"/>
                     </a:solidFill>
@@ -11286,7 +11286,7 @@
               </a:ln>
               <a:extLst>
                 <a:ext uri="{91240B29-F687-4f45-9708-019B960494DF}">
-                  <a14:hiddenLine xmlns="" xmlns:a14="http://schemas.microsoft.com/office/drawing/2010/main" w="9525">
+                  <a14:hiddenLine xmlns:a14="http://schemas.microsoft.com/office/drawing/2010/main" xmlns="" w="9525">
                     <a:solidFill>
                       <a:srgbClr val="000000"/>
                     </a:solidFill>
@@ -11351,7 +11351,7 @@
               </a:ln>
               <a:extLst>
                 <a:ext uri="{91240B29-F687-4f45-9708-019B960494DF}">
-                  <a14:hiddenLine xmlns="" xmlns:a14="http://schemas.microsoft.com/office/drawing/2010/main" w="9525">
+                  <a14:hiddenLine xmlns:a14="http://schemas.microsoft.com/office/drawing/2010/main" xmlns="" w="9525">
                     <a:solidFill>
                       <a:srgbClr val="000000"/>
                     </a:solidFill>
@@ -11441,7 +11441,7 @@
               </a:ln>
               <a:extLst>
                 <a:ext uri="{91240B29-F687-4f45-9708-019B960494DF}">
-                  <a14:hiddenLine xmlns="" xmlns:a14="http://schemas.microsoft.com/office/drawing/2010/main" w="9525">
+                  <a14:hiddenLine xmlns:a14="http://schemas.microsoft.com/office/drawing/2010/main" xmlns="" w="9525">
                     <a:solidFill>
                       <a:srgbClr val="000000"/>
                     </a:solidFill>
@@ -11509,7 +11509,7 @@
               </a:ln>
               <a:extLst>
                 <a:ext uri="{91240B29-F687-4f45-9708-019B960494DF}">
-                  <a14:hiddenLine xmlns="" xmlns:a14="http://schemas.microsoft.com/office/drawing/2010/main" w="9525">
+                  <a14:hiddenLine xmlns:a14="http://schemas.microsoft.com/office/drawing/2010/main" xmlns="" w="9525">
                     <a:solidFill>
                       <a:srgbClr val="000000"/>
                     </a:solidFill>
@@ -11599,7 +11599,7 @@
               </a:ln>
               <a:extLst>
                 <a:ext uri="{91240B29-F687-4f45-9708-019B960494DF}">
-                  <a14:hiddenLine xmlns="" xmlns:a14="http://schemas.microsoft.com/office/drawing/2010/main" w="9525">
+                  <a14:hiddenLine xmlns:a14="http://schemas.microsoft.com/office/drawing/2010/main" xmlns="" w="9525">
                     <a:solidFill>
                       <a:srgbClr val="000000"/>
                     </a:solidFill>
@@ -11667,7 +11667,7 @@
               </a:ln>
               <a:extLst>
                 <a:ext uri="{91240B29-F687-4f45-9708-019B960494DF}">
-                  <a14:hiddenLine xmlns="" xmlns:a14="http://schemas.microsoft.com/office/drawing/2010/main" w="9525">
+                  <a14:hiddenLine xmlns:a14="http://schemas.microsoft.com/office/drawing/2010/main" xmlns="" w="9525">
                     <a:solidFill>
                       <a:srgbClr val="000000"/>
                     </a:solidFill>
@@ -11757,7 +11757,7 @@
               </a:ln>
               <a:extLst>
                 <a:ext uri="{91240B29-F687-4f45-9708-019B960494DF}">
-                  <a14:hiddenLine xmlns="" xmlns:a14="http://schemas.microsoft.com/office/drawing/2010/main" w="9525">
+                  <a14:hiddenLine xmlns:a14="http://schemas.microsoft.com/office/drawing/2010/main" xmlns="" w="9525">
                     <a:solidFill>
                       <a:srgbClr val="000000"/>
                     </a:solidFill>
@@ -11791,7 +11791,7 @@
               </a:ln>
               <a:extLst>
                 <a:ext uri="{91240B29-F687-4f45-9708-019B960494DF}">
-                  <a14:hiddenLine xmlns="" xmlns:a14="http://schemas.microsoft.com/office/drawing/2010/main" w="9525">
+                  <a14:hiddenLine xmlns:a14="http://schemas.microsoft.com/office/drawing/2010/main" xmlns="" w="9525">
                     <a:solidFill>
                       <a:srgbClr val="000000"/>
                     </a:solidFill>
@@ -11932,7 +11932,7 @@
             <a:fld id="{48A87A34-81AB-432B-8DAE-1953F412C126}" type="datetimeFigureOut">
               <a:rPr lang="en-US" dirty="0"/>
               <a:pPr/>
-              <a:t>9/9/2018</a:t>
+              <a:t>9/10/2018</a:t>
             </a:fld>
             <a:endParaRPr lang="en-US" dirty="0"/>
           </a:p>
@@ -12684,7 +12684,7 @@
                 <a:latin typeface="Segoe UI Emoji" panose="020B0502040204020203" pitchFamily="34" charset="0"/>
                 <a:ea typeface="Segoe UI Emoji" panose="020B0502040204020203" pitchFamily="34" charset="0"/>
               </a:rPr>
-              <a:t>It is a JavaScript library for building user interfaces. From simple to complex, just by using isolated pieces called components.</a:t>
+              <a:t>It is a JavaScript library for building user interfaces, from simple to complex, just by using isolated pieces called components.</a:t>
             </a:r>
           </a:p>
           <a:p>
@@ -12813,7 +12813,7 @@
                 <a:latin typeface="Segoe UI Emoji" panose="020B0502040204020203" pitchFamily="34" charset="0"/>
                 <a:ea typeface="Segoe UI Emoji" panose="020B0502040204020203" pitchFamily="34" charset="0"/>
               </a:rPr>
-              <a:t>Supported by Facebook.</a:t>
+              <a:t>Fast and supported by Facebook.</a:t>
             </a:r>
           </a:p>
           <a:p>
@@ -12831,16 +12831,7 @@
                 <a:latin typeface="Segoe UI Emoji" panose="020B0502040204020203" pitchFamily="34" charset="0"/>
                 <a:ea typeface="Segoe UI Emoji" panose="020B0502040204020203" pitchFamily="34" charset="0"/>
               </a:rPr>
-              <a:t>It is fast with use of a Virtual DOM and one-way data binding.</a:t>
-            </a:r>
-          </a:p>
-          <a:p>
-            <a:r>
-              <a:rPr lang="en-US" dirty="0">
-                <a:latin typeface="Segoe UI Emoji" panose="020B0502040204020203" pitchFamily="34" charset="0"/>
-                <a:ea typeface="Segoe UI Emoji" panose="020B0502040204020203" pitchFamily="34" charset="0"/>
-              </a:rPr>
-              <a:t>The skillset is in very high demand by employers.</a:t>
+              <a:t>Reusable components/parts.</a:t>
             </a:r>
           </a:p>
         </p:txBody>

--- a/React/slides/react_lessons_slides.pptx
+++ b/React/slides/react_lessons_slides.pptx
@@ -173,7 +173,7 @@
           <a:noFill/>
           <a:extLst>
             <a:ext uri="{909E8E84-426E-40dd-AFC4-6F175D3DCCD1}">
-              <a14:hiddenFill xmlns:a14="http://schemas.microsoft.com/office/drawing/2010/main" xmlns="">
+              <a14:hiddenFill xmlns="" xmlns:a14="http://schemas.microsoft.com/office/drawing/2010/main">
                 <a:solidFill>
                   <a:srgbClr val="FFFFFF"/>
                 </a:solidFill>
@@ -232,7 +232,7 @@
             </a:ln>
             <a:extLst>
               <a:ext uri="{91240B29-F687-4f45-9708-019B960494DF}">
-                <a14:hiddenLine xmlns:a14="http://schemas.microsoft.com/office/drawing/2010/main" xmlns="" w="9525">
+                <a14:hiddenLine xmlns="" xmlns:a14="http://schemas.microsoft.com/office/drawing/2010/main" w="9525">
                   <a:solidFill>
                     <a:srgbClr val="000000"/>
                   </a:solidFill>
@@ -322,7 +322,7 @@
             </a:ln>
             <a:extLst>
               <a:ext uri="{91240B29-F687-4f45-9708-019B960494DF}">
-                <a14:hiddenLine xmlns:a14="http://schemas.microsoft.com/office/drawing/2010/main" xmlns="" w="9525">
+                <a14:hiddenLine xmlns="" xmlns:a14="http://schemas.microsoft.com/office/drawing/2010/main" w="9525">
                   <a:solidFill>
                     <a:srgbClr val="000000"/>
                   </a:solidFill>
@@ -412,7 +412,7 @@
             </a:ln>
             <a:extLst>
               <a:ext uri="{91240B29-F687-4f45-9708-019B960494DF}">
-                <a14:hiddenLine xmlns:a14="http://schemas.microsoft.com/office/drawing/2010/main" xmlns="" w="9525">
+                <a14:hiddenLine xmlns="" xmlns:a14="http://schemas.microsoft.com/office/drawing/2010/main" w="9525">
                   <a:solidFill>
                     <a:srgbClr val="000000"/>
                   </a:solidFill>
@@ -446,7 +446,7 @@
             </a:ln>
             <a:extLst>
               <a:ext uri="{91240B29-F687-4f45-9708-019B960494DF}">
-                <a14:hiddenLine xmlns:a14="http://schemas.microsoft.com/office/drawing/2010/main" xmlns="" w="9525">
+                <a14:hiddenLine xmlns="" xmlns:a14="http://schemas.microsoft.com/office/drawing/2010/main" w="9525">
                   <a:solidFill>
                     <a:srgbClr val="000000"/>
                   </a:solidFill>
@@ -536,7 +536,7 @@
             </a:ln>
             <a:extLst>
               <a:ext uri="{91240B29-F687-4f45-9708-019B960494DF}">
-                <a14:hiddenLine xmlns:a14="http://schemas.microsoft.com/office/drawing/2010/main" xmlns="" w="9525">
+                <a14:hiddenLine xmlns="" xmlns:a14="http://schemas.microsoft.com/office/drawing/2010/main" w="9525">
                   <a:solidFill>
                     <a:srgbClr val="000000"/>
                   </a:solidFill>
@@ -598,7 +598,7 @@
             </a:ln>
             <a:extLst>
               <a:ext uri="{91240B29-F687-4f45-9708-019B960494DF}">
-                <a14:hiddenLine xmlns:a14="http://schemas.microsoft.com/office/drawing/2010/main" xmlns="" w="9525">
+                <a14:hiddenLine xmlns="" xmlns:a14="http://schemas.microsoft.com/office/drawing/2010/main" w="9525">
                   <a:solidFill>
                     <a:srgbClr val="000000"/>
                   </a:solidFill>
@@ -660,7 +660,7 @@
             </a:ln>
             <a:extLst>
               <a:ext uri="{91240B29-F687-4f45-9708-019B960494DF}">
-                <a14:hiddenLine xmlns:a14="http://schemas.microsoft.com/office/drawing/2010/main" xmlns="" w="9525">
+                <a14:hiddenLine xmlns="" xmlns:a14="http://schemas.microsoft.com/office/drawing/2010/main" w="9525">
                   <a:solidFill>
                     <a:srgbClr val="000000"/>
                   </a:solidFill>
@@ -750,7 +750,7 @@
             </a:ln>
             <a:extLst>
               <a:ext uri="{91240B29-F687-4f45-9708-019B960494DF}">
-                <a14:hiddenLine xmlns:a14="http://schemas.microsoft.com/office/drawing/2010/main" xmlns="" w="9525">
+                <a14:hiddenLine xmlns="" xmlns:a14="http://schemas.microsoft.com/office/drawing/2010/main" w="9525">
                   <a:solidFill>
                     <a:srgbClr val="000000"/>
                   </a:solidFill>
@@ -812,7 +812,7 @@
             </a:ln>
             <a:extLst>
               <a:ext uri="{91240B29-F687-4f45-9708-019B960494DF}">
-                <a14:hiddenLine xmlns:a14="http://schemas.microsoft.com/office/drawing/2010/main" xmlns="" w="9525">
+                <a14:hiddenLine xmlns="" xmlns:a14="http://schemas.microsoft.com/office/drawing/2010/main" w="9525">
                   <a:solidFill>
                     <a:srgbClr val="000000"/>
                   </a:solidFill>
@@ -874,7 +874,7 @@
             </a:ln>
             <a:extLst>
               <a:ext uri="{91240B29-F687-4f45-9708-019B960494DF}">
-                <a14:hiddenLine xmlns:a14="http://schemas.microsoft.com/office/drawing/2010/main" xmlns="" w="9525">
+                <a14:hiddenLine xmlns="" xmlns:a14="http://schemas.microsoft.com/office/drawing/2010/main" w="9525">
                   <a:solidFill>
                     <a:srgbClr val="000000"/>
                   </a:solidFill>
@@ -964,7 +964,7 @@
             </a:ln>
             <a:extLst>
               <a:ext uri="{91240B29-F687-4f45-9708-019B960494DF}">
-                <a14:hiddenLine xmlns:a14="http://schemas.microsoft.com/office/drawing/2010/main" xmlns="" w="9525">
+                <a14:hiddenLine xmlns="" xmlns:a14="http://schemas.microsoft.com/office/drawing/2010/main" w="9525">
                   <a:solidFill>
                     <a:srgbClr val="000000"/>
                   </a:solidFill>
@@ -1054,7 +1054,7 @@
             </a:ln>
             <a:extLst>
               <a:ext uri="{91240B29-F687-4f45-9708-019B960494DF}">
-                <a14:hiddenLine xmlns:a14="http://schemas.microsoft.com/office/drawing/2010/main" xmlns="" w="9525">
+                <a14:hiddenLine xmlns="" xmlns:a14="http://schemas.microsoft.com/office/drawing/2010/main" w="9525">
                   <a:solidFill>
                     <a:srgbClr val="000000"/>
                   </a:solidFill>
@@ -1116,7 +1116,7 @@
             </a:ln>
             <a:extLst>
               <a:ext uri="{91240B29-F687-4f45-9708-019B960494DF}">
-                <a14:hiddenLine xmlns:a14="http://schemas.microsoft.com/office/drawing/2010/main" xmlns="" w="9525">
+                <a14:hiddenLine xmlns="" xmlns:a14="http://schemas.microsoft.com/office/drawing/2010/main" w="9525">
                   <a:solidFill>
                     <a:srgbClr val="000000"/>
                   </a:solidFill>
@@ -1226,7 +1226,7 @@
             </a:ln>
             <a:extLst>
               <a:ext uri="{91240B29-F687-4f45-9708-019B960494DF}">
-                <a14:hiddenLine xmlns:a14="http://schemas.microsoft.com/office/drawing/2010/main" xmlns="" w="9525">
+                <a14:hiddenLine xmlns="" xmlns:a14="http://schemas.microsoft.com/office/drawing/2010/main" w="9525">
                   <a:solidFill>
                     <a:srgbClr val="000000"/>
                   </a:solidFill>
@@ -1288,7 +1288,7 @@
             </a:ln>
             <a:extLst>
               <a:ext uri="{91240B29-F687-4f45-9708-019B960494DF}">
-                <a14:hiddenLine xmlns:a14="http://schemas.microsoft.com/office/drawing/2010/main" xmlns="" w="9525">
+                <a14:hiddenLine xmlns="" xmlns:a14="http://schemas.microsoft.com/office/drawing/2010/main" w="9525">
                   <a:solidFill>
                     <a:srgbClr val="000000"/>
                   </a:solidFill>
@@ -1378,7 +1378,7 @@
             </a:ln>
             <a:extLst>
               <a:ext uri="{91240B29-F687-4f45-9708-019B960494DF}">
-                <a14:hiddenLine xmlns:a14="http://schemas.microsoft.com/office/drawing/2010/main" xmlns="" w="9525">
+                <a14:hiddenLine xmlns="" xmlns:a14="http://schemas.microsoft.com/office/drawing/2010/main" w="9525">
                   <a:solidFill>
                     <a:srgbClr val="000000"/>
                   </a:solidFill>
@@ -1468,7 +1468,7 @@
             </a:ln>
             <a:extLst>
               <a:ext uri="{91240B29-F687-4f45-9708-019B960494DF}">
-                <a14:hiddenLine xmlns:a14="http://schemas.microsoft.com/office/drawing/2010/main" xmlns="" w="9525">
+                <a14:hiddenLine xmlns="" xmlns:a14="http://schemas.microsoft.com/office/drawing/2010/main" w="9525">
                   <a:solidFill>
                     <a:srgbClr val="000000"/>
                   </a:solidFill>
@@ -1530,7 +1530,7 @@
             </a:ln>
             <a:extLst>
               <a:ext uri="{91240B29-F687-4f45-9708-019B960494DF}">
-                <a14:hiddenLine xmlns:a14="http://schemas.microsoft.com/office/drawing/2010/main" xmlns="" w="9525">
+                <a14:hiddenLine xmlns="" xmlns:a14="http://schemas.microsoft.com/office/drawing/2010/main" w="9525">
                   <a:solidFill>
                     <a:srgbClr val="000000"/>
                   </a:solidFill>
@@ -1620,7 +1620,7 @@
             </a:ln>
             <a:extLst>
               <a:ext uri="{91240B29-F687-4f45-9708-019B960494DF}">
-                <a14:hiddenLine xmlns:a14="http://schemas.microsoft.com/office/drawing/2010/main" xmlns="" w="9525">
+                <a14:hiddenLine xmlns="" xmlns:a14="http://schemas.microsoft.com/office/drawing/2010/main" w="9525">
                   <a:solidFill>
                     <a:srgbClr val="000000"/>
                   </a:solidFill>
@@ -1710,7 +1710,7 @@
             </a:ln>
             <a:extLst>
               <a:ext uri="{91240B29-F687-4f45-9708-019B960494DF}">
-                <a14:hiddenLine xmlns:a14="http://schemas.microsoft.com/office/drawing/2010/main" xmlns="" w="9525">
+                <a14:hiddenLine xmlns="" xmlns:a14="http://schemas.microsoft.com/office/drawing/2010/main" w="9525">
                   <a:solidFill>
                     <a:srgbClr val="000000"/>
                   </a:solidFill>
@@ -1766,7 +1766,7 @@
             </a:ln>
             <a:extLst>
               <a:ext uri="{91240B29-F687-4f45-9708-019B960494DF}">
-                <a14:hiddenLine xmlns:a14="http://schemas.microsoft.com/office/drawing/2010/main" xmlns="" w="9525">
+                <a14:hiddenLine xmlns="" xmlns:a14="http://schemas.microsoft.com/office/drawing/2010/main" w="9525">
                   <a:solidFill>
                     <a:srgbClr val="000000"/>
                   </a:solidFill>
@@ -1856,7 +1856,7 @@
             </a:ln>
             <a:extLst>
               <a:ext uri="{91240B29-F687-4f45-9708-019B960494DF}">
-                <a14:hiddenLine xmlns:a14="http://schemas.microsoft.com/office/drawing/2010/main" xmlns="" w="9525">
+                <a14:hiddenLine xmlns="" xmlns:a14="http://schemas.microsoft.com/office/drawing/2010/main" w="9525">
                   <a:solidFill>
                     <a:srgbClr val="000000"/>
                   </a:solidFill>
@@ -1912,7 +1912,7 @@
             </a:ln>
             <a:extLst>
               <a:ext uri="{91240B29-F687-4f45-9708-019B960494DF}">
-                <a14:hiddenLine xmlns:a14="http://schemas.microsoft.com/office/drawing/2010/main" xmlns="" w="9525">
+                <a14:hiddenLine xmlns="" xmlns:a14="http://schemas.microsoft.com/office/drawing/2010/main" w="9525">
                   <a:solidFill>
                     <a:srgbClr val="000000"/>
                   </a:solidFill>
@@ -2002,7 +2002,7 @@
             </a:ln>
             <a:extLst>
               <a:ext uri="{91240B29-F687-4f45-9708-019B960494DF}">
-                <a14:hiddenLine xmlns:a14="http://schemas.microsoft.com/office/drawing/2010/main" xmlns="" w="9525">
+                <a14:hiddenLine xmlns="" xmlns:a14="http://schemas.microsoft.com/office/drawing/2010/main" w="9525">
                   <a:solidFill>
                     <a:srgbClr val="000000"/>
                   </a:solidFill>
@@ -2070,7 +2070,7 @@
             </a:ln>
             <a:extLst>
               <a:ext uri="{91240B29-F687-4f45-9708-019B960494DF}">
-                <a14:hiddenLine xmlns:a14="http://schemas.microsoft.com/office/drawing/2010/main" xmlns="" w="9525">
+                <a14:hiddenLine xmlns="" xmlns:a14="http://schemas.microsoft.com/office/drawing/2010/main" w="9525">
                   <a:solidFill>
                     <a:srgbClr val="000000"/>
                   </a:solidFill>
@@ -2160,7 +2160,7 @@
             </a:ln>
             <a:extLst>
               <a:ext uri="{91240B29-F687-4f45-9708-019B960494DF}">
-                <a14:hiddenLine xmlns:a14="http://schemas.microsoft.com/office/drawing/2010/main" xmlns="" w="9525">
+                <a14:hiddenLine xmlns="" xmlns:a14="http://schemas.microsoft.com/office/drawing/2010/main" w="9525">
                   <a:solidFill>
                     <a:srgbClr val="000000"/>
                   </a:solidFill>
@@ -2228,7 +2228,7 @@
             </a:ln>
             <a:extLst>
               <a:ext uri="{91240B29-F687-4f45-9708-019B960494DF}">
-                <a14:hiddenLine xmlns:a14="http://schemas.microsoft.com/office/drawing/2010/main" xmlns="" w="9525">
+                <a14:hiddenLine xmlns="" xmlns:a14="http://schemas.microsoft.com/office/drawing/2010/main" w="9525">
                   <a:solidFill>
                     <a:srgbClr val="000000"/>
                   </a:solidFill>
@@ -2318,7 +2318,7 @@
             </a:ln>
             <a:extLst>
               <a:ext uri="{91240B29-F687-4f45-9708-019B960494DF}">
-                <a14:hiddenLine xmlns:a14="http://schemas.microsoft.com/office/drawing/2010/main" xmlns="" w="9525">
+                <a14:hiddenLine xmlns="" xmlns:a14="http://schemas.microsoft.com/office/drawing/2010/main" w="9525">
                   <a:solidFill>
                     <a:srgbClr val="000000"/>
                   </a:solidFill>
@@ -2352,7 +2352,7 @@
             </a:ln>
             <a:extLst>
               <a:ext uri="{91240B29-F687-4f45-9708-019B960494DF}">
-                <a14:hiddenLine xmlns:a14="http://schemas.microsoft.com/office/drawing/2010/main" xmlns="" w="9525">
+                <a14:hiddenLine xmlns="" xmlns:a14="http://schemas.microsoft.com/office/drawing/2010/main" w="9525">
                   <a:solidFill>
                     <a:srgbClr val="000000"/>
                   </a:solidFill>
@@ -2442,7 +2442,7 @@
             </a:ln>
             <a:extLst>
               <a:ext uri="{91240B29-F687-4f45-9708-019B960494DF}">
-                <a14:hiddenLine xmlns:a14="http://schemas.microsoft.com/office/drawing/2010/main" xmlns="" w="9525">
+                <a14:hiddenLine xmlns="" xmlns:a14="http://schemas.microsoft.com/office/drawing/2010/main" w="9525">
                   <a:solidFill>
                     <a:srgbClr val="000000"/>
                   </a:solidFill>
@@ -2504,7 +2504,7 @@
             </a:ln>
             <a:extLst>
               <a:ext uri="{91240B29-F687-4f45-9708-019B960494DF}">
-                <a14:hiddenLine xmlns:a14="http://schemas.microsoft.com/office/drawing/2010/main" xmlns="" w="9525">
+                <a14:hiddenLine xmlns="" xmlns:a14="http://schemas.microsoft.com/office/drawing/2010/main" w="9525">
                   <a:solidFill>
                     <a:srgbClr val="000000"/>
                   </a:solidFill>
@@ -2566,7 +2566,7 @@
             </a:ln>
             <a:extLst>
               <a:ext uri="{91240B29-F687-4f45-9708-019B960494DF}">
-                <a14:hiddenLine xmlns:a14="http://schemas.microsoft.com/office/drawing/2010/main" xmlns="" w="9525">
+                <a14:hiddenLine xmlns="" xmlns:a14="http://schemas.microsoft.com/office/drawing/2010/main" w="9525">
                   <a:solidFill>
                     <a:srgbClr val="000000"/>
                   </a:solidFill>
@@ -2656,7 +2656,7 @@
             </a:ln>
             <a:extLst>
               <a:ext uri="{91240B29-F687-4f45-9708-019B960494DF}">
-                <a14:hiddenLine xmlns:a14="http://schemas.microsoft.com/office/drawing/2010/main" xmlns="" w="9525">
+                <a14:hiddenLine xmlns="" xmlns:a14="http://schemas.microsoft.com/office/drawing/2010/main" w="9525">
                   <a:solidFill>
                     <a:srgbClr val="000000"/>
                   </a:solidFill>
@@ -2724,7 +2724,7 @@
             </a:ln>
             <a:extLst>
               <a:ext uri="{91240B29-F687-4f45-9708-019B960494DF}">
-                <a14:hiddenLine xmlns:a14="http://schemas.microsoft.com/office/drawing/2010/main" xmlns="" w="9525">
+                <a14:hiddenLine xmlns="" xmlns:a14="http://schemas.microsoft.com/office/drawing/2010/main" w="9525">
                   <a:solidFill>
                     <a:srgbClr val="000000"/>
                   </a:solidFill>
@@ -2786,7 +2786,7 @@
             </a:ln>
             <a:extLst>
               <a:ext uri="{91240B29-F687-4f45-9708-019B960494DF}">
-                <a14:hiddenLine xmlns:a14="http://schemas.microsoft.com/office/drawing/2010/main" xmlns="" w="9525">
+                <a14:hiddenLine xmlns="" xmlns:a14="http://schemas.microsoft.com/office/drawing/2010/main" w="9525">
                   <a:solidFill>
                     <a:srgbClr val="000000"/>
                   </a:solidFill>
@@ -2876,7 +2876,7 @@
             </a:ln>
             <a:extLst>
               <a:ext uri="{91240B29-F687-4f45-9708-019B960494DF}">
-                <a14:hiddenLine xmlns:a14="http://schemas.microsoft.com/office/drawing/2010/main" xmlns="" w="9525">
+                <a14:hiddenLine xmlns="" xmlns:a14="http://schemas.microsoft.com/office/drawing/2010/main" w="9525">
                   <a:solidFill>
                     <a:srgbClr val="000000"/>
                   </a:solidFill>
@@ -2938,7 +2938,7 @@
             </a:ln>
             <a:extLst>
               <a:ext uri="{91240B29-F687-4f45-9708-019B960494DF}">
-                <a14:hiddenLine xmlns:a14="http://schemas.microsoft.com/office/drawing/2010/main" xmlns="" w="9525">
+                <a14:hiddenLine xmlns="" xmlns:a14="http://schemas.microsoft.com/office/drawing/2010/main" w="9525">
                   <a:solidFill>
                     <a:srgbClr val="000000"/>
                   </a:solidFill>
@@ -3028,7 +3028,7 @@
             </a:ln>
             <a:extLst>
               <a:ext uri="{91240B29-F687-4f45-9708-019B960494DF}">
-                <a14:hiddenLine xmlns:a14="http://schemas.microsoft.com/office/drawing/2010/main" xmlns="" w="9525">
+                <a14:hiddenLine xmlns="" xmlns:a14="http://schemas.microsoft.com/office/drawing/2010/main" w="9525">
                   <a:solidFill>
                     <a:srgbClr val="000000"/>
                   </a:solidFill>
@@ -3090,7 +3090,7 @@
             </a:ln>
             <a:extLst>
               <a:ext uri="{91240B29-F687-4f45-9708-019B960494DF}">
-                <a14:hiddenLine xmlns:a14="http://schemas.microsoft.com/office/drawing/2010/main" xmlns="" w="9525">
+                <a14:hiddenLine xmlns="" xmlns:a14="http://schemas.microsoft.com/office/drawing/2010/main" w="9525">
                   <a:solidFill>
                     <a:srgbClr val="000000"/>
                   </a:solidFill>
@@ -3180,7 +3180,7 @@
             </a:ln>
             <a:extLst>
               <a:ext uri="{91240B29-F687-4f45-9708-019B960494DF}">
-                <a14:hiddenLine xmlns:a14="http://schemas.microsoft.com/office/drawing/2010/main" xmlns="" w="9525">
+                <a14:hiddenLine xmlns="" xmlns:a14="http://schemas.microsoft.com/office/drawing/2010/main" w="9525">
                   <a:solidFill>
                     <a:srgbClr val="000000"/>
                   </a:solidFill>
@@ -3214,7 +3214,7 @@
             </a:ln>
             <a:extLst>
               <a:ext uri="{91240B29-F687-4f45-9708-019B960494DF}">
-                <a14:hiddenLine xmlns:a14="http://schemas.microsoft.com/office/drawing/2010/main" xmlns="" w="9525">
+                <a14:hiddenLine xmlns="" xmlns:a14="http://schemas.microsoft.com/office/drawing/2010/main" w="9525">
                   <a:solidFill>
                     <a:srgbClr val="000000"/>
                   </a:solidFill>
@@ -3279,7 +3279,7 @@
             </a:ln>
             <a:extLst>
               <a:ext uri="{91240B29-F687-4f45-9708-019B960494DF}">
-                <a14:hiddenLine xmlns:a14="http://schemas.microsoft.com/office/drawing/2010/main" xmlns="" w="9525">
+                <a14:hiddenLine xmlns="" xmlns:a14="http://schemas.microsoft.com/office/drawing/2010/main" w="9525">
                   <a:solidFill>
                     <a:srgbClr val="000000"/>
                   </a:solidFill>
@@ -3369,7 +3369,7 @@
             </a:ln>
             <a:extLst>
               <a:ext uri="{91240B29-F687-4f45-9708-019B960494DF}">
-                <a14:hiddenLine xmlns:a14="http://schemas.microsoft.com/office/drawing/2010/main" xmlns="" w="9525">
+                <a14:hiddenLine xmlns="" xmlns:a14="http://schemas.microsoft.com/office/drawing/2010/main" w="9525">
                   <a:solidFill>
                     <a:srgbClr val="000000"/>
                   </a:solidFill>
@@ -3431,7 +3431,7 @@
             </a:ln>
             <a:extLst>
               <a:ext uri="{91240B29-F687-4f45-9708-019B960494DF}">
-                <a14:hiddenLine xmlns:a14="http://schemas.microsoft.com/office/drawing/2010/main" xmlns="" w="9525">
+                <a14:hiddenLine xmlns="" xmlns:a14="http://schemas.microsoft.com/office/drawing/2010/main" w="9525">
                   <a:solidFill>
                     <a:srgbClr val="000000"/>
                   </a:solidFill>
@@ -3521,7 +3521,7 @@
             </a:ln>
             <a:extLst>
               <a:ext uri="{91240B29-F687-4f45-9708-019B960494DF}">
-                <a14:hiddenLine xmlns:a14="http://schemas.microsoft.com/office/drawing/2010/main" xmlns="" w="9525">
+                <a14:hiddenLine xmlns="" xmlns:a14="http://schemas.microsoft.com/office/drawing/2010/main" w="9525">
                   <a:solidFill>
                     <a:srgbClr val="000000"/>
                   </a:solidFill>
@@ -3611,7 +3611,7 @@
             </a:ln>
             <a:extLst>
               <a:ext uri="{91240B29-F687-4f45-9708-019B960494DF}">
-                <a14:hiddenLine xmlns:a14="http://schemas.microsoft.com/office/drawing/2010/main" xmlns="" w="9525">
+                <a14:hiddenLine xmlns="" xmlns:a14="http://schemas.microsoft.com/office/drawing/2010/main" w="9525">
                   <a:solidFill>
                     <a:srgbClr val="000000"/>
                   </a:solidFill>
@@ -3676,7 +3676,7 @@
             </a:ln>
             <a:extLst>
               <a:ext uri="{91240B29-F687-4f45-9708-019B960494DF}">
-                <a14:hiddenLine xmlns:a14="http://schemas.microsoft.com/office/drawing/2010/main" xmlns="" w="9525">
+                <a14:hiddenLine xmlns="" xmlns:a14="http://schemas.microsoft.com/office/drawing/2010/main" w="9525">
                   <a:solidFill>
                     <a:srgbClr val="000000"/>
                   </a:solidFill>
@@ -3738,7 +3738,7 @@
             </a:ln>
             <a:extLst>
               <a:ext uri="{91240B29-F687-4f45-9708-019B960494DF}">
-                <a14:hiddenLine xmlns:a14="http://schemas.microsoft.com/office/drawing/2010/main" xmlns="" w="9525">
+                <a14:hiddenLine xmlns="" xmlns:a14="http://schemas.microsoft.com/office/drawing/2010/main" w="9525">
                   <a:solidFill>
                     <a:srgbClr val="000000"/>
                   </a:solidFill>
@@ -3828,7 +3828,7 @@
             </a:ln>
             <a:extLst>
               <a:ext uri="{91240B29-F687-4f45-9708-019B960494DF}">
-                <a14:hiddenLine xmlns:a14="http://schemas.microsoft.com/office/drawing/2010/main" xmlns="" w="9525">
+                <a14:hiddenLine xmlns="" xmlns:a14="http://schemas.microsoft.com/office/drawing/2010/main" w="9525">
                   <a:solidFill>
                     <a:srgbClr val="000000"/>
                   </a:solidFill>
@@ -3918,7 +3918,7 @@
             </a:ln>
             <a:extLst>
               <a:ext uri="{91240B29-F687-4f45-9708-019B960494DF}">
-                <a14:hiddenLine xmlns:a14="http://schemas.microsoft.com/office/drawing/2010/main" xmlns="" w="9525">
+                <a14:hiddenLine xmlns="" xmlns:a14="http://schemas.microsoft.com/office/drawing/2010/main" w="9525">
                   <a:solidFill>
                     <a:srgbClr val="000000"/>
                   </a:solidFill>
@@ -3980,7 +3980,7 @@
             </a:ln>
             <a:extLst>
               <a:ext uri="{91240B29-F687-4f45-9708-019B960494DF}">
-                <a14:hiddenLine xmlns:a14="http://schemas.microsoft.com/office/drawing/2010/main" xmlns="" w="9525">
+                <a14:hiddenLine xmlns="" xmlns:a14="http://schemas.microsoft.com/office/drawing/2010/main" w="9525">
                   <a:solidFill>
                     <a:srgbClr val="000000"/>
                   </a:solidFill>
@@ -4100,7 +4100,7 @@
             </a:ln>
             <a:extLst>
               <a:ext uri="{91240B29-F687-4f45-9708-019B960494DF}">
-                <a14:hiddenLine xmlns:a14="http://schemas.microsoft.com/office/drawing/2010/main" xmlns="" w="9525">
+                <a14:hiddenLine xmlns="" xmlns:a14="http://schemas.microsoft.com/office/drawing/2010/main" w="9525">
                   <a:solidFill>
                     <a:srgbClr val="000000"/>
                   </a:solidFill>
@@ -4168,7 +4168,7 @@
             </a:ln>
             <a:extLst>
               <a:ext uri="{91240B29-F687-4f45-9708-019B960494DF}">
-                <a14:hiddenLine xmlns:a14="http://schemas.microsoft.com/office/drawing/2010/main" xmlns="" w="9525">
+                <a14:hiddenLine xmlns="" xmlns:a14="http://schemas.microsoft.com/office/drawing/2010/main" w="9525">
                   <a:solidFill>
                     <a:srgbClr val="000000"/>
                   </a:solidFill>
@@ -4258,7 +4258,7 @@
             </a:ln>
             <a:extLst>
               <a:ext uri="{91240B29-F687-4f45-9708-019B960494DF}">
-                <a14:hiddenLine xmlns:a14="http://schemas.microsoft.com/office/drawing/2010/main" xmlns="" w="9525">
+                <a14:hiddenLine xmlns="" xmlns:a14="http://schemas.microsoft.com/office/drawing/2010/main" w="9525">
                   <a:solidFill>
                     <a:srgbClr val="000000"/>
                   </a:solidFill>
@@ -4398,7 +4398,7 @@
           <a:p>
             <a:fld id="{48A87A34-81AB-432B-8DAE-1953F412C126}" type="datetimeFigureOut">
               <a:rPr lang="en-US" dirty="0"/>
-              <a:t>9/10/2018</a:t>
+              <a:t>10/30/2018</a:t>
             </a:fld>
             <a:endParaRPr lang="en-US" dirty="0"/>
           </a:p>
@@ -4660,7 +4660,7 @@
           <a:p>
             <a:fld id="{48A87A34-81AB-432B-8DAE-1953F412C126}" type="datetimeFigureOut">
               <a:rPr lang="en-US" dirty="0"/>
-              <a:t>9/10/2018</a:t>
+              <a:t>10/30/2018</a:t>
             </a:fld>
             <a:endParaRPr lang="en-US" dirty="0"/>
           </a:p>
@@ -4851,7 +4851,7 @@
           <a:p>
             <a:fld id="{48A87A34-81AB-432B-8DAE-1953F412C126}" type="datetimeFigureOut">
               <a:rPr lang="en-US" dirty="0"/>
-              <a:t>9/10/2018</a:t>
+              <a:t>10/30/2018</a:t>
             </a:fld>
             <a:endParaRPr lang="en-US" dirty="0"/>
           </a:p>
@@ -5109,7 +5109,7 @@
           <a:p>
             <a:fld id="{48A87A34-81AB-432B-8DAE-1953F412C126}" type="datetimeFigureOut">
               <a:rPr lang="en-US" dirty="0"/>
-              <a:t>9/10/2018</a:t>
+              <a:t>10/30/2018</a:t>
             </a:fld>
             <a:endParaRPr lang="en-US" dirty="0"/>
           </a:p>
@@ -5538,7 +5538,7 @@
           <a:p>
             <a:fld id="{48A87A34-81AB-432B-8DAE-1953F412C126}" type="datetimeFigureOut">
               <a:rPr lang="en-US" dirty="0"/>
-              <a:t>9/10/2018</a:t>
+              <a:t>10/30/2018</a:t>
             </a:fld>
             <a:endParaRPr lang="en-US" dirty="0"/>
           </a:p>
@@ -6079,7 +6079,7 @@
           <a:p>
             <a:fld id="{48A87A34-81AB-432B-8DAE-1953F412C126}" type="datetimeFigureOut">
               <a:rPr lang="en-US" dirty="0"/>
-              <a:t>9/10/2018</a:t>
+              <a:t>10/30/2018</a:t>
             </a:fld>
             <a:endParaRPr lang="en-US" dirty="0"/>
           </a:p>
@@ -6794,7 +6794,7 @@
           <a:p>
             <a:fld id="{48A87A34-81AB-432B-8DAE-1953F412C126}" type="datetimeFigureOut">
               <a:rPr lang="en-US" dirty="0"/>
-              <a:t>9/10/2018</a:t>
+              <a:t>10/30/2018</a:t>
             </a:fld>
             <a:endParaRPr lang="en-US" dirty="0"/>
           </a:p>
@@ -6959,7 +6959,7 @@
           <a:p>
             <a:fld id="{48A87A34-81AB-432B-8DAE-1953F412C126}" type="datetimeFigureOut">
               <a:rPr lang="en-US" dirty="0"/>
-              <a:t>9/10/2018</a:t>
+              <a:t>10/30/2018</a:t>
             </a:fld>
             <a:endParaRPr lang="en-US" dirty="0"/>
           </a:p>
@@ -7134,7 +7134,7 @@
           <a:p>
             <a:fld id="{48A87A34-81AB-432B-8DAE-1953F412C126}" type="datetimeFigureOut">
               <a:rPr lang="en-US" dirty="0"/>
-              <a:t>9/10/2018</a:t>
+              <a:t>10/30/2018</a:t>
             </a:fld>
             <a:endParaRPr lang="en-US" dirty="0"/>
           </a:p>
@@ -7299,7 +7299,7 @@
           <a:p>
             <a:fld id="{48A87A34-81AB-432B-8DAE-1953F412C126}" type="datetimeFigureOut">
               <a:rPr lang="en-US" dirty="0"/>
-              <a:t>9/10/2018</a:t>
+              <a:t>10/30/2018</a:t>
             </a:fld>
             <a:endParaRPr lang="en-US" dirty="0"/>
           </a:p>
@@ -7544,7 +7544,7 @@
           <a:p>
             <a:fld id="{48A87A34-81AB-432B-8DAE-1953F412C126}" type="datetimeFigureOut">
               <a:rPr lang="en-US" dirty="0"/>
-              <a:t>9/10/2018</a:t>
+              <a:t>10/30/2018</a:t>
             </a:fld>
             <a:endParaRPr lang="en-US" dirty="0"/>
           </a:p>
@@ -7771,7 +7771,7 @@
           <a:p>
             <a:fld id="{48A87A34-81AB-432B-8DAE-1953F412C126}" type="datetimeFigureOut">
               <a:rPr lang="en-US" dirty="0"/>
-              <a:t>9/10/2018</a:t>
+              <a:t>10/30/2018</a:t>
             </a:fld>
             <a:endParaRPr lang="en-US" dirty="0"/>
           </a:p>
@@ -8147,7 +8147,7 @@
           <a:p>
             <a:fld id="{48A87A34-81AB-432B-8DAE-1953F412C126}" type="datetimeFigureOut">
               <a:rPr lang="en-US" dirty="0"/>
-              <a:t>9/10/2018</a:t>
+              <a:t>10/30/2018</a:t>
             </a:fld>
             <a:endParaRPr lang="en-US" dirty="0"/>
           </a:p>
@@ -8260,7 +8260,7 @@
           <a:p>
             <a:fld id="{48A87A34-81AB-432B-8DAE-1953F412C126}" type="datetimeFigureOut">
               <a:rPr lang="en-US" dirty="0"/>
-              <a:t>9/10/2018</a:t>
+              <a:t>10/30/2018</a:t>
             </a:fld>
             <a:endParaRPr lang="en-US" dirty="0"/>
           </a:p>
@@ -8350,7 +8350,7 @@
           <a:p>
             <a:fld id="{48A87A34-81AB-432B-8DAE-1953F412C126}" type="datetimeFigureOut">
               <a:rPr lang="en-US" dirty="0"/>
-              <a:t>9/10/2018</a:t>
+              <a:t>10/30/2018</a:t>
             </a:fld>
             <a:endParaRPr lang="en-US" dirty="0"/>
           </a:p>
@@ -8594,7 +8594,7 @@
           <a:p>
             <a:fld id="{48A87A34-81AB-432B-8DAE-1953F412C126}" type="datetimeFigureOut">
               <a:rPr lang="en-US" dirty="0"/>
-              <a:t>9/10/2018</a:t>
+              <a:t>10/30/2018</a:t>
             </a:fld>
             <a:endParaRPr lang="en-US" dirty="0"/>
           </a:p>
@@ -8869,7 +8869,7 @@
           <a:p>
             <a:fld id="{48A87A34-81AB-432B-8DAE-1953F412C126}" type="datetimeFigureOut">
               <a:rPr lang="en-US" dirty="0"/>
-              <a:t>9/10/2018</a:t>
+              <a:t>10/30/2018</a:t>
             </a:fld>
             <a:endParaRPr lang="en-US" dirty="0"/>
           </a:p>
@@ -8987,7 +8987,7 @@
           <a:noFill/>
           <a:extLst>
             <a:ext uri="{909E8E84-426E-40dd-AFC4-6F175D3DCCD1}">
-              <a14:hiddenFill xmlns:a14="http://schemas.microsoft.com/office/drawing/2010/main" xmlns="">
+              <a14:hiddenFill xmlns="" xmlns:a14="http://schemas.microsoft.com/office/drawing/2010/main">
                 <a:solidFill>
                   <a:srgbClr val="FFFFFF"/>
                 </a:solidFill>
@@ -9061,7 +9061,7 @@
               </a:ln>
               <a:extLst>
                 <a:ext uri="{91240B29-F687-4f45-9708-019B960494DF}">
-                  <a14:hiddenLine xmlns:a14="http://schemas.microsoft.com/office/drawing/2010/main" xmlns="" w="9525">
+                  <a14:hiddenLine xmlns="" xmlns:a14="http://schemas.microsoft.com/office/drawing/2010/main" w="9525">
                     <a:solidFill>
                       <a:srgbClr val="000000"/>
                     </a:solidFill>
@@ -9151,7 +9151,7 @@
               </a:ln>
               <a:extLst>
                 <a:ext uri="{91240B29-F687-4f45-9708-019B960494DF}">
-                  <a14:hiddenLine xmlns:a14="http://schemas.microsoft.com/office/drawing/2010/main" xmlns="" w="9525">
+                  <a14:hiddenLine xmlns="" xmlns:a14="http://schemas.microsoft.com/office/drawing/2010/main" w="9525">
                     <a:solidFill>
                       <a:srgbClr val="000000"/>
                     </a:solidFill>
@@ -9241,7 +9241,7 @@
               </a:ln>
               <a:extLst>
                 <a:ext uri="{91240B29-F687-4f45-9708-019B960494DF}">
-                  <a14:hiddenLine xmlns:a14="http://schemas.microsoft.com/office/drawing/2010/main" xmlns="" w="9525">
+                  <a14:hiddenLine xmlns="" xmlns:a14="http://schemas.microsoft.com/office/drawing/2010/main" w="9525">
                     <a:solidFill>
                       <a:srgbClr val="000000"/>
                     </a:solidFill>
@@ -9303,7 +9303,7 @@
               </a:ln>
               <a:extLst>
                 <a:ext uri="{91240B29-F687-4f45-9708-019B960494DF}">
-                  <a14:hiddenLine xmlns:a14="http://schemas.microsoft.com/office/drawing/2010/main" xmlns="" w="9525">
+                  <a14:hiddenLine xmlns="" xmlns:a14="http://schemas.microsoft.com/office/drawing/2010/main" w="9525">
                     <a:solidFill>
                       <a:srgbClr val="000000"/>
                     </a:solidFill>
@@ -9393,7 +9393,7 @@
               </a:ln>
               <a:extLst>
                 <a:ext uri="{91240B29-F687-4f45-9708-019B960494DF}">
-                  <a14:hiddenLine xmlns:a14="http://schemas.microsoft.com/office/drawing/2010/main" xmlns="" w="9525">
+                  <a14:hiddenLine xmlns="" xmlns:a14="http://schemas.microsoft.com/office/drawing/2010/main" w="9525">
                     <a:solidFill>
                       <a:srgbClr val="000000"/>
                     </a:solidFill>
@@ -9455,7 +9455,7 @@
               </a:ln>
               <a:extLst>
                 <a:ext uri="{91240B29-F687-4f45-9708-019B960494DF}">
-                  <a14:hiddenLine xmlns:a14="http://schemas.microsoft.com/office/drawing/2010/main" xmlns="" w="9525">
+                  <a14:hiddenLine xmlns="" xmlns:a14="http://schemas.microsoft.com/office/drawing/2010/main" w="9525">
                     <a:solidFill>
                       <a:srgbClr val="000000"/>
                     </a:solidFill>
@@ -9517,7 +9517,7 @@
               </a:ln>
               <a:extLst>
                 <a:ext uri="{91240B29-F687-4f45-9708-019B960494DF}">
-                  <a14:hiddenLine xmlns:a14="http://schemas.microsoft.com/office/drawing/2010/main" xmlns="" w="9525">
+                  <a14:hiddenLine xmlns="" xmlns:a14="http://schemas.microsoft.com/office/drawing/2010/main" w="9525">
                     <a:solidFill>
                       <a:srgbClr val="000000"/>
                     </a:solidFill>
@@ -9607,7 +9607,7 @@
               </a:ln>
               <a:extLst>
                 <a:ext uri="{91240B29-F687-4f45-9708-019B960494DF}">
-                  <a14:hiddenLine xmlns:a14="http://schemas.microsoft.com/office/drawing/2010/main" xmlns="" w="9525">
+                  <a14:hiddenLine xmlns="" xmlns:a14="http://schemas.microsoft.com/office/drawing/2010/main" w="9525">
                     <a:solidFill>
                       <a:srgbClr val="000000"/>
                     </a:solidFill>
@@ -9697,7 +9697,7 @@
               </a:ln>
               <a:extLst>
                 <a:ext uri="{91240B29-F687-4f45-9708-019B960494DF}">
-                  <a14:hiddenLine xmlns:a14="http://schemas.microsoft.com/office/drawing/2010/main" xmlns="" w="9525">
+                  <a14:hiddenLine xmlns="" xmlns:a14="http://schemas.microsoft.com/office/drawing/2010/main" w="9525">
                     <a:solidFill>
                       <a:srgbClr val="000000"/>
                     </a:solidFill>
@@ -9759,7 +9759,7 @@
               </a:ln>
               <a:extLst>
                 <a:ext uri="{91240B29-F687-4f45-9708-019B960494DF}">
-                  <a14:hiddenLine xmlns:a14="http://schemas.microsoft.com/office/drawing/2010/main" xmlns="" w="9525">
+                  <a14:hiddenLine xmlns="" xmlns:a14="http://schemas.microsoft.com/office/drawing/2010/main" w="9525">
                     <a:solidFill>
                       <a:srgbClr val="000000"/>
                     </a:solidFill>
@@ -9869,7 +9869,7 @@
               </a:ln>
               <a:extLst>
                 <a:ext uri="{91240B29-F687-4f45-9708-019B960494DF}">
-                  <a14:hiddenLine xmlns:a14="http://schemas.microsoft.com/office/drawing/2010/main" xmlns="" w="9525">
+                  <a14:hiddenLine xmlns="" xmlns:a14="http://schemas.microsoft.com/office/drawing/2010/main" w="9525">
                     <a:solidFill>
                       <a:srgbClr val="000000"/>
                     </a:solidFill>
@@ -9953,7 +9953,7 @@
               </a:ln>
               <a:extLst>
                 <a:ext uri="{91240B29-F687-4f45-9708-019B960494DF}">
-                  <a14:hiddenLine xmlns:a14="http://schemas.microsoft.com/office/drawing/2010/main" xmlns="" w="9525">
+                  <a14:hiddenLine xmlns="" xmlns:a14="http://schemas.microsoft.com/office/drawing/2010/main" w="9525">
                     <a:solidFill>
                       <a:srgbClr val="000000"/>
                     </a:solidFill>
@@ -10015,7 +10015,7 @@
               </a:ln>
               <a:extLst>
                 <a:ext uri="{91240B29-F687-4f45-9708-019B960494DF}">
-                  <a14:hiddenLine xmlns:a14="http://schemas.microsoft.com/office/drawing/2010/main" xmlns="" w="9525">
+                  <a14:hiddenLine xmlns="" xmlns:a14="http://schemas.microsoft.com/office/drawing/2010/main" w="9525">
                     <a:solidFill>
                       <a:srgbClr val="000000"/>
                     </a:solidFill>
@@ -10077,7 +10077,7 @@
               </a:ln>
               <a:extLst>
                 <a:ext uri="{91240B29-F687-4f45-9708-019B960494DF}">
-                  <a14:hiddenLine xmlns:a14="http://schemas.microsoft.com/office/drawing/2010/main" xmlns="" w="9525">
+                  <a14:hiddenLine xmlns="" xmlns:a14="http://schemas.microsoft.com/office/drawing/2010/main" w="9525">
                     <a:solidFill>
                       <a:srgbClr val="000000"/>
                     </a:solidFill>
@@ -10167,7 +10167,7 @@
               </a:ln>
               <a:extLst>
                 <a:ext uri="{91240B29-F687-4f45-9708-019B960494DF}">
-                  <a14:hiddenLine xmlns:a14="http://schemas.microsoft.com/office/drawing/2010/main" xmlns="" w="9525">
+                  <a14:hiddenLine xmlns="" xmlns:a14="http://schemas.microsoft.com/office/drawing/2010/main" w="9525">
                     <a:solidFill>
                       <a:srgbClr val="000000"/>
                     </a:solidFill>
@@ -10201,7 +10201,7 @@
               </a:ln>
               <a:extLst>
                 <a:ext uri="{91240B29-F687-4f45-9708-019B960494DF}">
-                  <a14:hiddenLine xmlns:a14="http://schemas.microsoft.com/office/drawing/2010/main" xmlns="" w="9525">
+                  <a14:hiddenLine xmlns="" xmlns:a14="http://schemas.microsoft.com/office/drawing/2010/main" w="9525">
                     <a:solidFill>
                       <a:srgbClr val="000000"/>
                     </a:solidFill>
@@ -10266,7 +10266,7 @@
               </a:ln>
               <a:extLst>
                 <a:ext uri="{91240B29-F687-4f45-9708-019B960494DF}">
-                  <a14:hiddenLine xmlns:a14="http://schemas.microsoft.com/office/drawing/2010/main" xmlns="" w="9525">
+                  <a14:hiddenLine xmlns="" xmlns:a14="http://schemas.microsoft.com/office/drawing/2010/main" w="9525">
                     <a:solidFill>
                       <a:srgbClr val="000000"/>
                     </a:solidFill>
@@ -10356,7 +10356,7 @@
               </a:ln>
               <a:extLst>
                 <a:ext uri="{91240B29-F687-4f45-9708-019B960494DF}">
-                  <a14:hiddenLine xmlns:a14="http://schemas.microsoft.com/office/drawing/2010/main" xmlns="" w="9525">
+                  <a14:hiddenLine xmlns="" xmlns:a14="http://schemas.microsoft.com/office/drawing/2010/main" w="9525">
                     <a:solidFill>
                       <a:srgbClr val="000000"/>
                     </a:solidFill>
@@ -10418,7 +10418,7 @@
               </a:ln>
               <a:extLst>
                 <a:ext uri="{91240B29-F687-4f45-9708-019B960494DF}">
-                  <a14:hiddenLine xmlns:a14="http://schemas.microsoft.com/office/drawing/2010/main" xmlns="" w="9525">
+                  <a14:hiddenLine xmlns="" xmlns:a14="http://schemas.microsoft.com/office/drawing/2010/main" w="9525">
                     <a:solidFill>
                       <a:srgbClr val="000000"/>
                     </a:solidFill>
@@ -10508,7 +10508,7 @@
               </a:ln>
               <a:extLst>
                 <a:ext uri="{91240B29-F687-4f45-9708-019B960494DF}">
-                  <a14:hiddenLine xmlns:a14="http://schemas.microsoft.com/office/drawing/2010/main" xmlns="" w="9525">
+                  <a14:hiddenLine xmlns="" xmlns:a14="http://schemas.microsoft.com/office/drawing/2010/main" w="9525">
                     <a:solidFill>
                       <a:srgbClr val="000000"/>
                     </a:solidFill>
@@ -10573,7 +10573,7 @@
               </a:ln>
               <a:extLst>
                 <a:ext uri="{91240B29-F687-4f45-9708-019B960494DF}">
-                  <a14:hiddenLine xmlns:a14="http://schemas.microsoft.com/office/drawing/2010/main" xmlns="" w="9525">
+                  <a14:hiddenLine xmlns="" xmlns:a14="http://schemas.microsoft.com/office/drawing/2010/main" w="9525">
                     <a:solidFill>
                       <a:srgbClr val="000000"/>
                     </a:solidFill>
@@ -10635,7 +10635,7 @@
               </a:ln>
               <a:extLst>
                 <a:ext uri="{91240B29-F687-4f45-9708-019B960494DF}">
-                  <a14:hiddenLine xmlns:a14="http://schemas.microsoft.com/office/drawing/2010/main" xmlns="" w="9525">
+                  <a14:hiddenLine xmlns="" xmlns:a14="http://schemas.microsoft.com/office/drawing/2010/main" w="9525">
                     <a:solidFill>
                       <a:srgbClr val="000000"/>
                     </a:solidFill>
@@ -10725,7 +10725,7 @@
               </a:ln>
               <a:extLst>
                 <a:ext uri="{91240B29-F687-4f45-9708-019B960494DF}">
-                  <a14:hiddenLine xmlns:a14="http://schemas.microsoft.com/office/drawing/2010/main" xmlns="" w="9525">
+                  <a14:hiddenLine xmlns="" xmlns:a14="http://schemas.microsoft.com/office/drawing/2010/main" w="9525">
                     <a:solidFill>
                       <a:srgbClr val="000000"/>
                     </a:solidFill>
@@ -10815,7 +10815,7 @@
               </a:ln>
               <a:extLst>
                 <a:ext uri="{91240B29-F687-4f45-9708-019B960494DF}">
-                  <a14:hiddenLine xmlns:a14="http://schemas.microsoft.com/office/drawing/2010/main" xmlns="" w="9525">
+                  <a14:hiddenLine xmlns="" xmlns:a14="http://schemas.microsoft.com/office/drawing/2010/main" w="9525">
                     <a:solidFill>
                       <a:srgbClr val="000000"/>
                     </a:solidFill>
@@ -10880,7 +10880,7 @@
               </a:ln>
               <a:extLst>
                 <a:ext uri="{91240B29-F687-4f45-9708-019B960494DF}">
-                  <a14:hiddenLine xmlns:a14="http://schemas.microsoft.com/office/drawing/2010/main" xmlns="" w="9525">
+                  <a14:hiddenLine xmlns="" xmlns:a14="http://schemas.microsoft.com/office/drawing/2010/main" w="9525">
                     <a:solidFill>
                       <a:srgbClr val="000000"/>
                     </a:solidFill>
@@ -11000,7 +11000,7 @@
               </a:ln>
               <a:extLst>
                 <a:ext uri="{91240B29-F687-4f45-9708-019B960494DF}">
-                  <a14:hiddenLine xmlns:a14="http://schemas.microsoft.com/office/drawing/2010/main" xmlns="" w="9525">
+                  <a14:hiddenLine xmlns="" xmlns:a14="http://schemas.microsoft.com/office/drawing/2010/main" w="9525">
                     <a:solidFill>
                       <a:srgbClr val="000000"/>
                     </a:solidFill>
@@ -11081,7 +11081,7 @@
               </a:ln>
               <a:extLst>
                 <a:ext uri="{91240B29-F687-4f45-9708-019B960494DF}">
-                  <a14:hiddenLine xmlns:a14="http://schemas.microsoft.com/office/drawing/2010/main" xmlns="" w="9525">
+                  <a14:hiddenLine xmlns="" xmlns:a14="http://schemas.microsoft.com/office/drawing/2010/main" w="9525">
                     <a:solidFill>
                       <a:srgbClr val="000000"/>
                     </a:solidFill>
@@ -11196,7 +11196,7 @@
               </a:ln>
               <a:extLst>
                 <a:ext uri="{91240B29-F687-4f45-9708-019B960494DF}">
-                  <a14:hiddenLine xmlns:a14="http://schemas.microsoft.com/office/drawing/2010/main" xmlns="" w="9525">
+                  <a14:hiddenLine xmlns="" xmlns:a14="http://schemas.microsoft.com/office/drawing/2010/main" w="9525">
                     <a:solidFill>
                       <a:srgbClr val="000000"/>
                     </a:solidFill>
@@ -11286,7 +11286,7 @@
               </a:ln>
               <a:extLst>
                 <a:ext uri="{91240B29-F687-4f45-9708-019B960494DF}">
-                  <a14:hiddenLine xmlns:a14="http://schemas.microsoft.com/office/drawing/2010/main" xmlns="" w="9525">
+                  <a14:hiddenLine xmlns="" xmlns:a14="http://schemas.microsoft.com/office/drawing/2010/main" w="9525">
                     <a:solidFill>
                       <a:srgbClr val="000000"/>
                     </a:solidFill>
@@ -11351,7 +11351,7 @@
               </a:ln>
               <a:extLst>
                 <a:ext uri="{91240B29-F687-4f45-9708-019B960494DF}">
-                  <a14:hiddenLine xmlns:a14="http://schemas.microsoft.com/office/drawing/2010/main" xmlns="" w="9525">
+                  <a14:hiddenLine xmlns="" xmlns:a14="http://schemas.microsoft.com/office/drawing/2010/main" w="9525">
                     <a:solidFill>
                       <a:srgbClr val="000000"/>
                     </a:solidFill>
@@ -11441,7 +11441,7 @@
               </a:ln>
               <a:extLst>
                 <a:ext uri="{91240B29-F687-4f45-9708-019B960494DF}">
-                  <a14:hiddenLine xmlns:a14="http://schemas.microsoft.com/office/drawing/2010/main" xmlns="" w="9525">
+                  <a14:hiddenLine xmlns="" xmlns:a14="http://schemas.microsoft.com/office/drawing/2010/main" w="9525">
                     <a:solidFill>
                       <a:srgbClr val="000000"/>
                     </a:solidFill>
@@ -11509,7 +11509,7 @@
               </a:ln>
               <a:extLst>
                 <a:ext uri="{91240B29-F687-4f45-9708-019B960494DF}">
-                  <a14:hiddenLine xmlns:a14="http://schemas.microsoft.com/office/drawing/2010/main" xmlns="" w="9525">
+                  <a14:hiddenLine xmlns="" xmlns:a14="http://schemas.microsoft.com/office/drawing/2010/main" w="9525">
                     <a:solidFill>
                       <a:srgbClr val="000000"/>
                     </a:solidFill>
@@ -11599,7 +11599,7 @@
               </a:ln>
               <a:extLst>
                 <a:ext uri="{91240B29-F687-4f45-9708-019B960494DF}">
-                  <a14:hiddenLine xmlns:a14="http://schemas.microsoft.com/office/drawing/2010/main" xmlns="" w="9525">
+                  <a14:hiddenLine xmlns="" xmlns:a14="http://schemas.microsoft.com/office/drawing/2010/main" w="9525">
                     <a:solidFill>
                       <a:srgbClr val="000000"/>
                     </a:solidFill>
@@ -11667,7 +11667,7 @@
               </a:ln>
               <a:extLst>
                 <a:ext uri="{91240B29-F687-4f45-9708-019B960494DF}">
-                  <a14:hiddenLine xmlns:a14="http://schemas.microsoft.com/office/drawing/2010/main" xmlns="" w="9525">
+                  <a14:hiddenLine xmlns="" xmlns:a14="http://schemas.microsoft.com/office/drawing/2010/main" w="9525">
                     <a:solidFill>
                       <a:srgbClr val="000000"/>
                     </a:solidFill>
@@ -11757,7 +11757,7 @@
               </a:ln>
               <a:extLst>
                 <a:ext uri="{91240B29-F687-4f45-9708-019B960494DF}">
-                  <a14:hiddenLine xmlns:a14="http://schemas.microsoft.com/office/drawing/2010/main" xmlns="" w="9525">
+                  <a14:hiddenLine xmlns="" xmlns:a14="http://schemas.microsoft.com/office/drawing/2010/main" w="9525">
                     <a:solidFill>
                       <a:srgbClr val="000000"/>
                     </a:solidFill>
@@ -11791,7 +11791,7 @@
               </a:ln>
               <a:extLst>
                 <a:ext uri="{91240B29-F687-4f45-9708-019B960494DF}">
-                  <a14:hiddenLine xmlns:a14="http://schemas.microsoft.com/office/drawing/2010/main" xmlns="" w="9525">
+                  <a14:hiddenLine xmlns="" xmlns:a14="http://schemas.microsoft.com/office/drawing/2010/main" w="9525">
                     <a:solidFill>
                       <a:srgbClr val="000000"/>
                     </a:solidFill>
@@ -11932,7 +11932,7 @@
             <a:fld id="{48A87A34-81AB-432B-8DAE-1953F412C126}" type="datetimeFigureOut">
               <a:rPr lang="en-US" dirty="0"/>
               <a:pPr/>
-              <a:t>9/10/2018</a:t>
+              <a:t>10/30/2018</a:t>
             </a:fld>
             <a:endParaRPr lang="en-US" dirty="0"/>
           </a:p>
@@ -12802,7 +12802,9 @@
         </p:nvSpPr>
         <p:spPr/>
         <p:txBody>
-          <a:bodyPr/>
+          <a:bodyPr>
+            <a:normAutofit/>
+          </a:bodyPr>
           <a:lstStyle/>
           <a:p>
             <a:endParaRPr lang="en-US" dirty="0"/>
@@ -12813,7 +12815,7 @@
                 <a:latin typeface="Segoe UI Emoji" panose="020B0502040204020203" pitchFamily="34" charset="0"/>
                 <a:ea typeface="Segoe UI Emoji" panose="020B0502040204020203" pitchFamily="34" charset="0"/>
               </a:rPr>
-              <a:t>Fast and supported by Facebook.</a:t>
+              <a:t>Easier builds with complex user interfaces.</a:t>
             </a:r>
           </a:p>
           <a:p>
@@ -12822,7 +12824,7 @@
                 <a:latin typeface="Segoe UI Emoji" panose="020B0502040204020203" pitchFamily="34" charset="0"/>
                 <a:ea typeface="Segoe UI Emoji" panose="020B0502040204020203" pitchFamily="34" charset="0"/>
               </a:rPr>
-              <a:t>Flexible and SEO-friendly</a:t>
+              <a:t>Uses the fast Virtual DOM (Document Object Model). </a:t>
             </a:r>
           </a:p>
           <a:p>
@@ -12833,6 +12835,35 @@
               </a:rPr>
               <a:t>Reusable components/parts.</a:t>
             </a:r>
+          </a:p>
+          <a:p>
+            <a:r>
+              <a:rPr lang="en-US" dirty="0">
+                <a:latin typeface="Segoe UI Emoji" panose="020B0502040204020203" pitchFamily="34" charset="0"/>
+                <a:ea typeface="Segoe UI Emoji" panose="020B0502040204020203" pitchFamily="34" charset="0"/>
+              </a:rPr>
+              <a:t>Supported by a large community and Facebook.</a:t>
+            </a:r>
+          </a:p>
+          <a:p>
+            <a:r>
+              <a:rPr lang="en-US" dirty="0">
+                <a:latin typeface="Segoe UI Emoji" panose="020B0502040204020203" pitchFamily="34" charset="0"/>
+                <a:ea typeface="Segoe UI Emoji" panose="020B0502040204020203" pitchFamily="34" charset="0"/>
+              </a:rPr>
+              <a:t>Other: JSX, React Native</a:t>
+            </a:r>
+            <a:r>
+              <a:rPr lang="en-US">
+                <a:latin typeface="Segoe UI Emoji" panose="020B0502040204020203" pitchFamily="34" charset="0"/>
+                <a:ea typeface="Segoe UI Emoji" panose="020B0502040204020203" pitchFamily="34" charset="0"/>
+              </a:rPr>
+              <a:t>, Redux.</a:t>
+            </a:r>
+            <a:endParaRPr lang="en-US" dirty="0">
+              <a:latin typeface="Segoe UI Emoji" panose="020B0502040204020203" pitchFamily="34" charset="0"/>
+              <a:ea typeface="Segoe UI Emoji" panose="020B0502040204020203" pitchFamily="34" charset="0"/>
+            </a:endParaRPr>
           </a:p>
         </p:txBody>
       </p:sp>

--- a/React/slides/react_lessons_slides.pptx
+++ b/React/slides/react_lessons_slides.pptx
@@ -10,6 +10,7 @@
     <p:sldId id="258" r:id="rId4"/>
     <p:sldId id="259" r:id="rId5"/>
     <p:sldId id="260" r:id="rId6"/>
+    <p:sldId id="261" r:id="rId7"/>
   </p:sldIdLst>
   <p:sldSz cx="12192000" cy="6858000"/>
   <p:notesSz cx="6858000" cy="9144000"/>
@@ -173,7 +174,7 @@
           <a:noFill/>
           <a:extLst>
             <a:ext uri="{909E8E84-426E-40dd-AFC4-6F175D3DCCD1}">
-              <a14:hiddenFill xmlns="" xmlns:a14="http://schemas.microsoft.com/office/drawing/2010/main">
+              <a14:hiddenFill xmlns:a14="http://schemas.microsoft.com/office/drawing/2010/main" xmlns="">
                 <a:solidFill>
                   <a:srgbClr val="FFFFFF"/>
                 </a:solidFill>
@@ -232,7 +233,7 @@
             </a:ln>
             <a:extLst>
               <a:ext uri="{91240B29-F687-4f45-9708-019B960494DF}">
-                <a14:hiddenLine xmlns="" xmlns:a14="http://schemas.microsoft.com/office/drawing/2010/main" w="9525">
+                <a14:hiddenLine xmlns:a14="http://schemas.microsoft.com/office/drawing/2010/main" xmlns="" w="9525">
                   <a:solidFill>
                     <a:srgbClr val="000000"/>
                   </a:solidFill>
@@ -322,7 +323,7 @@
             </a:ln>
             <a:extLst>
               <a:ext uri="{91240B29-F687-4f45-9708-019B960494DF}">
-                <a14:hiddenLine xmlns="" xmlns:a14="http://schemas.microsoft.com/office/drawing/2010/main" w="9525">
+                <a14:hiddenLine xmlns:a14="http://schemas.microsoft.com/office/drawing/2010/main" xmlns="" w="9525">
                   <a:solidFill>
                     <a:srgbClr val="000000"/>
                   </a:solidFill>
@@ -412,7 +413,7 @@
             </a:ln>
             <a:extLst>
               <a:ext uri="{91240B29-F687-4f45-9708-019B960494DF}">
-                <a14:hiddenLine xmlns="" xmlns:a14="http://schemas.microsoft.com/office/drawing/2010/main" w="9525">
+                <a14:hiddenLine xmlns:a14="http://schemas.microsoft.com/office/drawing/2010/main" xmlns="" w="9525">
                   <a:solidFill>
                     <a:srgbClr val="000000"/>
                   </a:solidFill>
@@ -446,7 +447,7 @@
             </a:ln>
             <a:extLst>
               <a:ext uri="{91240B29-F687-4f45-9708-019B960494DF}">
-                <a14:hiddenLine xmlns="" xmlns:a14="http://schemas.microsoft.com/office/drawing/2010/main" w="9525">
+                <a14:hiddenLine xmlns:a14="http://schemas.microsoft.com/office/drawing/2010/main" xmlns="" w="9525">
                   <a:solidFill>
                     <a:srgbClr val="000000"/>
                   </a:solidFill>
@@ -536,7 +537,7 @@
             </a:ln>
             <a:extLst>
               <a:ext uri="{91240B29-F687-4f45-9708-019B960494DF}">
-                <a14:hiddenLine xmlns="" xmlns:a14="http://schemas.microsoft.com/office/drawing/2010/main" w="9525">
+                <a14:hiddenLine xmlns:a14="http://schemas.microsoft.com/office/drawing/2010/main" xmlns="" w="9525">
                   <a:solidFill>
                     <a:srgbClr val="000000"/>
                   </a:solidFill>
@@ -598,7 +599,7 @@
             </a:ln>
             <a:extLst>
               <a:ext uri="{91240B29-F687-4f45-9708-019B960494DF}">
-                <a14:hiddenLine xmlns="" xmlns:a14="http://schemas.microsoft.com/office/drawing/2010/main" w="9525">
+                <a14:hiddenLine xmlns:a14="http://schemas.microsoft.com/office/drawing/2010/main" xmlns="" w="9525">
                   <a:solidFill>
                     <a:srgbClr val="000000"/>
                   </a:solidFill>
@@ -660,7 +661,7 @@
             </a:ln>
             <a:extLst>
               <a:ext uri="{91240B29-F687-4f45-9708-019B960494DF}">
-                <a14:hiddenLine xmlns="" xmlns:a14="http://schemas.microsoft.com/office/drawing/2010/main" w="9525">
+                <a14:hiddenLine xmlns:a14="http://schemas.microsoft.com/office/drawing/2010/main" xmlns="" w="9525">
                   <a:solidFill>
                     <a:srgbClr val="000000"/>
                   </a:solidFill>
@@ -750,7 +751,7 @@
             </a:ln>
             <a:extLst>
               <a:ext uri="{91240B29-F687-4f45-9708-019B960494DF}">
-                <a14:hiddenLine xmlns="" xmlns:a14="http://schemas.microsoft.com/office/drawing/2010/main" w="9525">
+                <a14:hiddenLine xmlns:a14="http://schemas.microsoft.com/office/drawing/2010/main" xmlns="" w="9525">
                   <a:solidFill>
                     <a:srgbClr val="000000"/>
                   </a:solidFill>
@@ -812,7 +813,7 @@
             </a:ln>
             <a:extLst>
               <a:ext uri="{91240B29-F687-4f45-9708-019B960494DF}">
-                <a14:hiddenLine xmlns="" xmlns:a14="http://schemas.microsoft.com/office/drawing/2010/main" w="9525">
+                <a14:hiddenLine xmlns:a14="http://schemas.microsoft.com/office/drawing/2010/main" xmlns="" w="9525">
                   <a:solidFill>
                     <a:srgbClr val="000000"/>
                   </a:solidFill>
@@ -874,7 +875,7 @@
             </a:ln>
             <a:extLst>
               <a:ext uri="{91240B29-F687-4f45-9708-019B960494DF}">
-                <a14:hiddenLine xmlns="" xmlns:a14="http://schemas.microsoft.com/office/drawing/2010/main" w="9525">
+                <a14:hiddenLine xmlns:a14="http://schemas.microsoft.com/office/drawing/2010/main" xmlns="" w="9525">
                   <a:solidFill>
                     <a:srgbClr val="000000"/>
                   </a:solidFill>
@@ -964,7 +965,7 @@
             </a:ln>
             <a:extLst>
               <a:ext uri="{91240B29-F687-4f45-9708-019B960494DF}">
-                <a14:hiddenLine xmlns="" xmlns:a14="http://schemas.microsoft.com/office/drawing/2010/main" w="9525">
+                <a14:hiddenLine xmlns:a14="http://schemas.microsoft.com/office/drawing/2010/main" xmlns="" w="9525">
                   <a:solidFill>
                     <a:srgbClr val="000000"/>
                   </a:solidFill>
@@ -1054,7 +1055,7 @@
             </a:ln>
             <a:extLst>
               <a:ext uri="{91240B29-F687-4f45-9708-019B960494DF}">
-                <a14:hiddenLine xmlns="" xmlns:a14="http://schemas.microsoft.com/office/drawing/2010/main" w="9525">
+                <a14:hiddenLine xmlns:a14="http://schemas.microsoft.com/office/drawing/2010/main" xmlns="" w="9525">
                   <a:solidFill>
                     <a:srgbClr val="000000"/>
                   </a:solidFill>
@@ -1116,7 +1117,7 @@
             </a:ln>
             <a:extLst>
               <a:ext uri="{91240B29-F687-4f45-9708-019B960494DF}">
-                <a14:hiddenLine xmlns="" xmlns:a14="http://schemas.microsoft.com/office/drawing/2010/main" w="9525">
+                <a14:hiddenLine xmlns:a14="http://schemas.microsoft.com/office/drawing/2010/main" xmlns="" w="9525">
                   <a:solidFill>
                     <a:srgbClr val="000000"/>
                   </a:solidFill>
@@ -1226,7 +1227,7 @@
             </a:ln>
             <a:extLst>
               <a:ext uri="{91240B29-F687-4f45-9708-019B960494DF}">
-                <a14:hiddenLine xmlns="" xmlns:a14="http://schemas.microsoft.com/office/drawing/2010/main" w="9525">
+                <a14:hiddenLine xmlns:a14="http://schemas.microsoft.com/office/drawing/2010/main" xmlns="" w="9525">
                   <a:solidFill>
                     <a:srgbClr val="000000"/>
                   </a:solidFill>
@@ -1288,7 +1289,7 @@
             </a:ln>
             <a:extLst>
               <a:ext uri="{91240B29-F687-4f45-9708-019B960494DF}">
-                <a14:hiddenLine xmlns="" xmlns:a14="http://schemas.microsoft.com/office/drawing/2010/main" w="9525">
+                <a14:hiddenLine xmlns:a14="http://schemas.microsoft.com/office/drawing/2010/main" xmlns="" w="9525">
                   <a:solidFill>
                     <a:srgbClr val="000000"/>
                   </a:solidFill>
@@ -1378,7 +1379,7 @@
             </a:ln>
             <a:extLst>
               <a:ext uri="{91240B29-F687-4f45-9708-019B960494DF}">
-                <a14:hiddenLine xmlns="" xmlns:a14="http://schemas.microsoft.com/office/drawing/2010/main" w="9525">
+                <a14:hiddenLine xmlns:a14="http://schemas.microsoft.com/office/drawing/2010/main" xmlns="" w="9525">
                   <a:solidFill>
                     <a:srgbClr val="000000"/>
                   </a:solidFill>
@@ -1468,7 +1469,7 @@
             </a:ln>
             <a:extLst>
               <a:ext uri="{91240B29-F687-4f45-9708-019B960494DF}">
-                <a14:hiddenLine xmlns="" xmlns:a14="http://schemas.microsoft.com/office/drawing/2010/main" w="9525">
+                <a14:hiddenLine xmlns:a14="http://schemas.microsoft.com/office/drawing/2010/main" xmlns="" w="9525">
                   <a:solidFill>
                     <a:srgbClr val="000000"/>
                   </a:solidFill>
@@ -1530,7 +1531,7 @@
             </a:ln>
             <a:extLst>
               <a:ext uri="{91240B29-F687-4f45-9708-019B960494DF}">
-                <a14:hiddenLine xmlns="" xmlns:a14="http://schemas.microsoft.com/office/drawing/2010/main" w="9525">
+                <a14:hiddenLine xmlns:a14="http://schemas.microsoft.com/office/drawing/2010/main" xmlns="" w="9525">
                   <a:solidFill>
                     <a:srgbClr val="000000"/>
                   </a:solidFill>
@@ -1620,7 +1621,7 @@
             </a:ln>
             <a:extLst>
               <a:ext uri="{91240B29-F687-4f45-9708-019B960494DF}">
-                <a14:hiddenLine xmlns="" xmlns:a14="http://schemas.microsoft.com/office/drawing/2010/main" w="9525">
+                <a14:hiddenLine xmlns:a14="http://schemas.microsoft.com/office/drawing/2010/main" xmlns="" w="9525">
                   <a:solidFill>
                     <a:srgbClr val="000000"/>
                   </a:solidFill>
@@ -1710,7 +1711,7 @@
             </a:ln>
             <a:extLst>
               <a:ext uri="{91240B29-F687-4f45-9708-019B960494DF}">
-                <a14:hiddenLine xmlns="" xmlns:a14="http://schemas.microsoft.com/office/drawing/2010/main" w="9525">
+                <a14:hiddenLine xmlns:a14="http://schemas.microsoft.com/office/drawing/2010/main" xmlns="" w="9525">
                   <a:solidFill>
                     <a:srgbClr val="000000"/>
                   </a:solidFill>
@@ -1766,7 +1767,7 @@
             </a:ln>
             <a:extLst>
               <a:ext uri="{91240B29-F687-4f45-9708-019B960494DF}">
-                <a14:hiddenLine xmlns="" xmlns:a14="http://schemas.microsoft.com/office/drawing/2010/main" w="9525">
+                <a14:hiddenLine xmlns:a14="http://schemas.microsoft.com/office/drawing/2010/main" xmlns="" w="9525">
                   <a:solidFill>
                     <a:srgbClr val="000000"/>
                   </a:solidFill>
@@ -1856,7 +1857,7 @@
             </a:ln>
             <a:extLst>
               <a:ext uri="{91240B29-F687-4f45-9708-019B960494DF}">
-                <a14:hiddenLine xmlns="" xmlns:a14="http://schemas.microsoft.com/office/drawing/2010/main" w="9525">
+                <a14:hiddenLine xmlns:a14="http://schemas.microsoft.com/office/drawing/2010/main" xmlns="" w="9525">
                   <a:solidFill>
                     <a:srgbClr val="000000"/>
                   </a:solidFill>
@@ -1912,7 +1913,7 @@
             </a:ln>
             <a:extLst>
               <a:ext uri="{91240B29-F687-4f45-9708-019B960494DF}">
-                <a14:hiddenLine xmlns="" xmlns:a14="http://schemas.microsoft.com/office/drawing/2010/main" w="9525">
+                <a14:hiddenLine xmlns:a14="http://schemas.microsoft.com/office/drawing/2010/main" xmlns="" w="9525">
                   <a:solidFill>
                     <a:srgbClr val="000000"/>
                   </a:solidFill>
@@ -2002,7 +2003,7 @@
             </a:ln>
             <a:extLst>
               <a:ext uri="{91240B29-F687-4f45-9708-019B960494DF}">
-                <a14:hiddenLine xmlns="" xmlns:a14="http://schemas.microsoft.com/office/drawing/2010/main" w="9525">
+                <a14:hiddenLine xmlns:a14="http://schemas.microsoft.com/office/drawing/2010/main" xmlns="" w="9525">
                   <a:solidFill>
                     <a:srgbClr val="000000"/>
                   </a:solidFill>
@@ -2070,7 +2071,7 @@
             </a:ln>
             <a:extLst>
               <a:ext uri="{91240B29-F687-4f45-9708-019B960494DF}">
-                <a14:hiddenLine xmlns="" xmlns:a14="http://schemas.microsoft.com/office/drawing/2010/main" w="9525">
+                <a14:hiddenLine xmlns:a14="http://schemas.microsoft.com/office/drawing/2010/main" xmlns="" w="9525">
                   <a:solidFill>
                     <a:srgbClr val="000000"/>
                   </a:solidFill>
@@ -2160,7 +2161,7 @@
             </a:ln>
             <a:extLst>
               <a:ext uri="{91240B29-F687-4f45-9708-019B960494DF}">
-                <a14:hiddenLine xmlns="" xmlns:a14="http://schemas.microsoft.com/office/drawing/2010/main" w="9525">
+                <a14:hiddenLine xmlns:a14="http://schemas.microsoft.com/office/drawing/2010/main" xmlns="" w="9525">
                   <a:solidFill>
                     <a:srgbClr val="000000"/>
                   </a:solidFill>
@@ -2228,7 +2229,7 @@
             </a:ln>
             <a:extLst>
               <a:ext uri="{91240B29-F687-4f45-9708-019B960494DF}">
-                <a14:hiddenLine xmlns="" xmlns:a14="http://schemas.microsoft.com/office/drawing/2010/main" w="9525">
+                <a14:hiddenLine xmlns:a14="http://schemas.microsoft.com/office/drawing/2010/main" xmlns="" w="9525">
                   <a:solidFill>
                     <a:srgbClr val="000000"/>
                   </a:solidFill>
@@ -2318,7 +2319,7 @@
             </a:ln>
             <a:extLst>
               <a:ext uri="{91240B29-F687-4f45-9708-019B960494DF}">
-                <a14:hiddenLine xmlns="" xmlns:a14="http://schemas.microsoft.com/office/drawing/2010/main" w="9525">
+                <a14:hiddenLine xmlns:a14="http://schemas.microsoft.com/office/drawing/2010/main" xmlns="" w="9525">
                   <a:solidFill>
                     <a:srgbClr val="000000"/>
                   </a:solidFill>
@@ -2352,7 +2353,7 @@
             </a:ln>
             <a:extLst>
               <a:ext uri="{91240B29-F687-4f45-9708-019B960494DF}">
-                <a14:hiddenLine xmlns="" xmlns:a14="http://schemas.microsoft.com/office/drawing/2010/main" w="9525">
+                <a14:hiddenLine xmlns:a14="http://schemas.microsoft.com/office/drawing/2010/main" xmlns="" w="9525">
                   <a:solidFill>
                     <a:srgbClr val="000000"/>
                   </a:solidFill>
@@ -2442,7 +2443,7 @@
             </a:ln>
             <a:extLst>
               <a:ext uri="{91240B29-F687-4f45-9708-019B960494DF}">
-                <a14:hiddenLine xmlns="" xmlns:a14="http://schemas.microsoft.com/office/drawing/2010/main" w="9525">
+                <a14:hiddenLine xmlns:a14="http://schemas.microsoft.com/office/drawing/2010/main" xmlns="" w="9525">
                   <a:solidFill>
                     <a:srgbClr val="000000"/>
                   </a:solidFill>
@@ -2504,7 +2505,7 @@
             </a:ln>
             <a:extLst>
               <a:ext uri="{91240B29-F687-4f45-9708-019B960494DF}">
-                <a14:hiddenLine xmlns="" xmlns:a14="http://schemas.microsoft.com/office/drawing/2010/main" w="9525">
+                <a14:hiddenLine xmlns:a14="http://schemas.microsoft.com/office/drawing/2010/main" xmlns="" w="9525">
                   <a:solidFill>
                     <a:srgbClr val="000000"/>
                   </a:solidFill>
@@ -2566,7 +2567,7 @@
             </a:ln>
             <a:extLst>
               <a:ext uri="{91240B29-F687-4f45-9708-019B960494DF}">
-                <a14:hiddenLine xmlns="" xmlns:a14="http://schemas.microsoft.com/office/drawing/2010/main" w="9525">
+                <a14:hiddenLine xmlns:a14="http://schemas.microsoft.com/office/drawing/2010/main" xmlns="" w="9525">
                   <a:solidFill>
                     <a:srgbClr val="000000"/>
                   </a:solidFill>
@@ -2656,7 +2657,7 @@
             </a:ln>
             <a:extLst>
               <a:ext uri="{91240B29-F687-4f45-9708-019B960494DF}">
-                <a14:hiddenLine xmlns="" xmlns:a14="http://schemas.microsoft.com/office/drawing/2010/main" w="9525">
+                <a14:hiddenLine xmlns:a14="http://schemas.microsoft.com/office/drawing/2010/main" xmlns="" w="9525">
                   <a:solidFill>
                     <a:srgbClr val="000000"/>
                   </a:solidFill>
@@ -2724,7 +2725,7 @@
             </a:ln>
             <a:extLst>
               <a:ext uri="{91240B29-F687-4f45-9708-019B960494DF}">
-                <a14:hiddenLine xmlns="" xmlns:a14="http://schemas.microsoft.com/office/drawing/2010/main" w="9525">
+                <a14:hiddenLine xmlns:a14="http://schemas.microsoft.com/office/drawing/2010/main" xmlns="" w="9525">
                   <a:solidFill>
                     <a:srgbClr val="000000"/>
                   </a:solidFill>
@@ -2786,7 +2787,7 @@
             </a:ln>
             <a:extLst>
               <a:ext uri="{91240B29-F687-4f45-9708-019B960494DF}">
-                <a14:hiddenLine xmlns="" xmlns:a14="http://schemas.microsoft.com/office/drawing/2010/main" w="9525">
+                <a14:hiddenLine xmlns:a14="http://schemas.microsoft.com/office/drawing/2010/main" xmlns="" w="9525">
                   <a:solidFill>
                     <a:srgbClr val="000000"/>
                   </a:solidFill>
@@ -2876,7 +2877,7 @@
             </a:ln>
             <a:extLst>
               <a:ext uri="{91240B29-F687-4f45-9708-019B960494DF}">
-                <a14:hiddenLine xmlns="" xmlns:a14="http://schemas.microsoft.com/office/drawing/2010/main" w="9525">
+                <a14:hiddenLine xmlns:a14="http://schemas.microsoft.com/office/drawing/2010/main" xmlns="" w="9525">
                   <a:solidFill>
                     <a:srgbClr val="000000"/>
                   </a:solidFill>
@@ -2938,7 +2939,7 @@
             </a:ln>
             <a:extLst>
               <a:ext uri="{91240B29-F687-4f45-9708-019B960494DF}">
-                <a14:hiddenLine xmlns="" xmlns:a14="http://schemas.microsoft.com/office/drawing/2010/main" w="9525">
+                <a14:hiddenLine xmlns:a14="http://schemas.microsoft.com/office/drawing/2010/main" xmlns="" w="9525">
                   <a:solidFill>
                     <a:srgbClr val="000000"/>
                   </a:solidFill>
@@ -3028,7 +3029,7 @@
             </a:ln>
             <a:extLst>
               <a:ext uri="{91240B29-F687-4f45-9708-019B960494DF}">
-                <a14:hiddenLine xmlns="" xmlns:a14="http://schemas.microsoft.com/office/drawing/2010/main" w="9525">
+                <a14:hiddenLine xmlns:a14="http://schemas.microsoft.com/office/drawing/2010/main" xmlns="" w="9525">
                   <a:solidFill>
                     <a:srgbClr val="000000"/>
                   </a:solidFill>
@@ -3090,7 +3091,7 @@
             </a:ln>
             <a:extLst>
               <a:ext uri="{91240B29-F687-4f45-9708-019B960494DF}">
-                <a14:hiddenLine xmlns="" xmlns:a14="http://schemas.microsoft.com/office/drawing/2010/main" w="9525">
+                <a14:hiddenLine xmlns:a14="http://schemas.microsoft.com/office/drawing/2010/main" xmlns="" w="9525">
                   <a:solidFill>
                     <a:srgbClr val="000000"/>
                   </a:solidFill>
@@ -3180,7 +3181,7 @@
             </a:ln>
             <a:extLst>
               <a:ext uri="{91240B29-F687-4f45-9708-019B960494DF}">
-                <a14:hiddenLine xmlns="" xmlns:a14="http://schemas.microsoft.com/office/drawing/2010/main" w="9525">
+                <a14:hiddenLine xmlns:a14="http://schemas.microsoft.com/office/drawing/2010/main" xmlns="" w="9525">
                   <a:solidFill>
                     <a:srgbClr val="000000"/>
                   </a:solidFill>
@@ -3214,7 +3215,7 @@
             </a:ln>
             <a:extLst>
               <a:ext uri="{91240B29-F687-4f45-9708-019B960494DF}">
-                <a14:hiddenLine xmlns="" xmlns:a14="http://schemas.microsoft.com/office/drawing/2010/main" w="9525">
+                <a14:hiddenLine xmlns:a14="http://schemas.microsoft.com/office/drawing/2010/main" xmlns="" w="9525">
                   <a:solidFill>
                     <a:srgbClr val="000000"/>
                   </a:solidFill>
@@ -3279,7 +3280,7 @@
             </a:ln>
             <a:extLst>
               <a:ext uri="{91240B29-F687-4f45-9708-019B960494DF}">
-                <a14:hiddenLine xmlns="" xmlns:a14="http://schemas.microsoft.com/office/drawing/2010/main" w="9525">
+                <a14:hiddenLine xmlns:a14="http://schemas.microsoft.com/office/drawing/2010/main" xmlns="" w="9525">
                   <a:solidFill>
                     <a:srgbClr val="000000"/>
                   </a:solidFill>
@@ -3369,7 +3370,7 @@
             </a:ln>
             <a:extLst>
               <a:ext uri="{91240B29-F687-4f45-9708-019B960494DF}">
-                <a14:hiddenLine xmlns="" xmlns:a14="http://schemas.microsoft.com/office/drawing/2010/main" w="9525">
+                <a14:hiddenLine xmlns:a14="http://schemas.microsoft.com/office/drawing/2010/main" xmlns="" w="9525">
                   <a:solidFill>
                     <a:srgbClr val="000000"/>
                   </a:solidFill>
@@ -3431,7 +3432,7 @@
             </a:ln>
             <a:extLst>
               <a:ext uri="{91240B29-F687-4f45-9708-019B960494DF}">
-                <a14:hiddenLine xmlns="" xmlns:a14="http://schemas.microsoft.com/office/drawing/2010/main" w="9525">
+                <a14:hiddenLine xmlns:a14="http://schemas.microsoft.com/office/drawing/2010/main" xmlns="" w="9525">
                   <a:solidFill>
                     <a:srgbClr val="000000"/>
                   </a:solidFill>
@@ -3521,7 +3522,7 @@
             </a:ln>
             <a:extLst>
               <a:ext uri="{91240B29-F687-4f45-9708-019B960494DF}">
-                <a14:hiddenLine xmlns="" xmlns:a14="http://schemas.microsoft.com/office/drawing/2010/main" w="9525">
+                <a14:hiddenLine xmlns:a14="http://schemas.microsoft.com/office/drawing/2010/main" xmlns="" w="9525">
                   <a:solidFill>
                     <a:srgbClr val="000000"/>
                   </a:solidFill>
@@ -3611,7 +3612,7 @@
             </a:ln>
             <a:extLst>
               <a:ext uri="{91240B29-F687-4f45-9708-019B960494DF}">
-                <a14:hiddenLine xmlns="" xmlns:a14="http://schemas.microsoft.com/office/drawing/2010/main" w="9525">
+                <a14:hiddenLine xmlns:a14="http://schemas.microsoft.com/office/drawing/2010/main" xmlns="" w="9525">
                   <a:solidFill>
                     <a:srgbClr val="000000"/>
                   </a:solidFill>
@@ -3676,7 +3677,7 @@
             </a:ln>
             <a:extLst>
               <a:ext uri="{91240B29-F687-4f45-9708-019B960494DF}">
-                <a14:hiddenLine xmlns="" xmlns:a14="http://schemas.microsoft.com/office/drawing/2010/main" w="9525">
+                <a14:hiddenLine xmlns:a14="http://schemas.microsoft.com/office/drawing/2010/main" xmlns="" w="9525">
                   <a:solidFill>
                     <a:srgbClr val="000000"/>
                   </a:solidFill>
@@ -3738,7 +3739,7 @@
             </a:ln>
             <a:extLst>
               <a:ext uri="{91240B29-F687-4f45-9708-019B960494DF}">
-                <a14:hiddenLine xmlns="" xmlns:a14="http://schemas.microsoft.com/office/drawing/2010/main" w="9525">
+                <a14:hiddenLine xmlns:a14="http://schemas.microsoft.com/office/drawing/2010/main" xmlns="" w="9525">
                   <a:solidFill>
                     <a:srgbClr val="000000"/>
                   </a:solidFill>
@@ -3828,7 +3829,7 @@
             </a:ln>
             <a:extLst>
               <a:ext uri="{91240B29-F687-4f45-9708-019B960494DF}">
-                <a14:hiddenLine xmlns="" xmlns:a14="http://schemas.microsoft.com/office/drawing/2010/main" w="9525">
+                <a14:hiddenLine xmlns:a14="http://schemas.microsoft.com/office/drawing/2010/main" xmlns="" w="9525">
                   <a:solidFill>
                     <a:srgbClr val="000000"/>
                   </a:solidFill>
@@ -3918,7 +3919,7 @@
             </a:ln>
             <a:extLst>
               <a:ext uri="{91240B29-F687-4f45-9708-019B960494DF}">
-                <a14:hiddenLine xmlns="" xmlns:a14="http://schemas.microsoft.com/office/drawing/2010/main" w="9525">
+                <a14:hiddenLine xmlns:a14="http://schemas.microsoft.com/office/drawing/2010/main" xmlns="" w="9525">
                   <a:solidFill>
                     <a:srgbClr val="000000"/>
                   </a:solidFill>
@@ -3980,7 +3981,7 @@
             </a:ln>
             <a:extLst>
               <a:ext uri="{91240B29-F687-4f45-9708-019B960494DF}">
-                <a14:hiddenLine xmlns="" xmlns:a14="http://schemas.microsoft.com/office/drawing/2010/main" w="9525">
+                <a14:hiddenLine xmlns:a14="http://schemas.microsoft.com/office/drawing/2010/main" xmlns="" w="9525">
                   <a:solidFill>
                     <a:srgbClr val="000000"/>
                   </a:solidFill>
@@ -4100,7 +4101,7 @@
             </a:ln>
             <a:extLst>
               <a:ext uri="{91240B29-F687-4f45-9708-019B960494DF}">
-                <a14:hiddenLine xmlns="" xmlns:a14="http://schemas.microsoft.com/office/drawing/2010/main" w="9525">
+                <a14:hiddenLine xmlns:a14="http://schemas.microsoft.com/office/drawing/2010/main" xmlns="" w="9525">
                   <a:solidFill>
                     <a:srgbClr val="000000"/>
                   </a:solidFill>
@@ -4168,7 +4169,7 @@
             </a:ln>
             <a:extLst>
               <a:ext uri="{91240B29-F687-4f45-9708-019B960494DF}">
-                <a14:hiddenLine xmlns="" xmlns:a14="http://schemas.microsoft.com/office/drawing/2010/main" w="9525">
+                <a14:hiddenLine xmlns:a14="http://schemas.microsoft.com/office/drawing/2010/main" xmlns="" w="9525">
                   <a:solidFill>
                     <a:srgbClr val="000000"/>
                   </a:solidFill>
@@ -4258,7 +4259,7 @@
             </a:ln>
             <a:extLst>
               <a:ext uri="{91240B29-F687-4f45-9708-019B960494DF}">
-                <a14:hiddenLine xmlns="" xmlns:a14="http://schemas.microsoft.com/office/drawing/2010/main" w="9525">
+                <a14:hiddenLine xmlns:a14="http://schemas.microsoft.com/office/drawing/2010/main" xmlns="" w="9525">
                   <a:solidFill>
                     <a:srgbClr val="000000"/>
                   </a:solidFill>
@@ -4398,7 +4399,7 @@
           <a:p>
             <a:fld id="{48A87A34-81AB-432B-8DAE-1953F412C126}" type="datetimeFigureOut">
               <a:rPr lang="en-US" dirty="0"/>
-              <a:t>10/30/2018</a:t>
+              <a:t>11/9/2018</a:t>
             </a:fld>
             <a:endParaRPr lang="en-US" dirty="0"/>
           </a:p>
@@ -4660,7 +4661,7 @@
           <a:p>
             <a:fld id="{48A87A34-81AB-432B-8DAE-1953F412C126}" type="datetimeFigureOut">
               <a:rPr lang="en-US" dirty="0"/>
-              <a:t>10/30/2018</a:t>
+              <a:t>11/9/2018</a:t>
             </a:fld>
             <a:endParaRPr lang="en-US" dirty="0"/>
           </a:p>
@@ -4851,7 +4852,7 @@
           <a:p>
             <a:fld id="{48A87A34-81AB-432B-8DAE-1953F412C126}" type="datetimeFigureOut">
               <a:rPr lang="en-US" dirty="0"/>
-              <a:t>10/30/2018</a:t>
+              <a:t>11/9/2018</a:t>
             </a:fld>
             <a:endParaRPr lang="en-US" dirty="0"/>
           </a:p>
@@ -5109,7 +5110,7 @@
           <a:p>
             <a:fld id="{48A87A34-81AB-432B-8DAE-1953F412C126}" type="datetimeFigureOut">
               <a:rPr lang="en-US" dirty="0"/>
-              <a:t>10/30/2018</a:t>
+              <a:t>11/9/2018</a:t>
             </a:fld>
             <a:endParaRPr lang="en-US" dirty="0"/>
           </a:p>
@@ -5538,7 +5539,7 @@
           <a:p>
             <a:fld id="{48A87A34-81AB-432B-8DAE-1953F412C126}" type="datetimeFigureOut">
               <a:rPr lang="en-US" dirty="0"/>
-              <a:t>10/30/2018</a:t>
+              <a:t>11/9/2018</a:t>
             </a:fld>
             <a:endParaRPr lang="en-US" dirty="0"/>
           </a:p>
@@ -6079,7 +6080,7 @@
           <a:p>
             <a:fld id="{48A87A34-81AB-432B-8DAE-1953F412C126}" type="datetimeFigureOut">
               <a:rPr lang="en-US" dirty="0"/>
-              <a:t>10/30/2018</a:t>
+              <a:t>11/9/2018</a:t>
             </a:fld>
             <a:endParaRPr lang="en-US" dirty="0"/>
           </a:p>
@@ -6794,7 +6795,7 @@
           <a:p>
             <a:fld id="{48A87A34-81AB-432B-8DAE-1953F412C126}" type="datetimeFigureOut">
               <a:rPr lang="en-US" dirty="0"/>
-              <a:t>10/30/2018</a:t>
+              <a:t>11/9/2018</a:t>
             </a:fld>
             <a:endParaRPr lang="en-US" dirty="0"/>
           </a:p>
@@ -6959,7 +6960,7 @@
           <a:p>
             <a:fld id="{48A87A34-81AB-432B-8DAE-1953F412C126}" type="datetimeFigureOut">
               <a:rPr lang="en-US" dirty="0"/>
-              <a:t>10/30/2018</a:t>
+              <a:t>11/9/2018</a:t>
             </a:fld>
             <a:endParaRPr lang="en-US" dirty="0"/>
           </a:p>
@@ -7134,7 +7135,7 @@
           <a:p>
             <a:fld id="{48A87A34-81AB-432B-8DAE-1953F412C126}" type="datetimeFigureOut">
               <a:rPr lang="en-US" dirty="0"/>
-              <a:t>10/30/2018</a:t>
+              <a:t>11/9/2018</a:t>
             </a:fld>
             <a:endParaRPr lang="en-US" dirty="0"/>
           </a:p>
@@ -7299,7 +7300,7 @@
           <a:p>
             <a:fld id="{48A87A34-81AB-432B-8DAE-1953F412C126}" type="datetimeFigureOut">
               <a:rPr lang="en-US" dirty="0"/>
-              <a:t>10/30/2018</a:t>
+              <a:t>11/9/2018</a:t>
             </a:fld>
             <a:endParaRPr lang="en-US" dirty="0"/>
           </a:p>
@@ -7544,7 +7545,7 @@
           <a:p>
             <a:fld id="{48A87A34-81AB-432B-8DAE-1953F412C126}" type="datetimeFigureOut">
               <a:rPr lang="en-US" dirty="0"/>
-              <a:t>10/30/2018</a:t>
+              <a:t>11/9/2018</a:t>
             </a:fld>
             <a:endParaRPr lang="en-US" dirty="0"/>
           </a:p>
@@ -7771,7 +7772,7 @@
           <a:p>
             <a:fld id="{48A87A34-81AB-432B-8DAE-1953F412C126}" type="datetimeFigureOut">
               <a:rPr lang="en-US" dirty="0"/>
-              <a:t>10/30/2018</a:t>
+              <a:t>11/9/2018</a:t>
             </a:fld>
             <a:endParaRPr lang="en-US" dirty="0"/>
           </a:p>
@@ -8147,7 +8148,7 @@
           <a:p>
             <a:fld id="{48A87A34-81AB-432B-8DAE-1953F412C126}" type="datetimeFigureOut">
               <a:rPr lang="en-US" dirty="0"/>
-              <a:t>10/30/2018</a:t>
+              <a:t>11/9/2018</a:t>
             </a:fld>
             <a:endParaRPr lang="en-US" dirty="0"/>
           </a:p>
@@ -8260,7 +8261,7 @@
           <a:p>
             <a:fld id="{48A87A34-81AB-432B-8DAE-1953F412C126}" type="datetimeFigureOut">
               <a:rPr lang="en-US" dirty="0"/>
-              <a:t>10/30/2018</a:t>
+              <a:t>11/9/2018</a:t>
             </a:fld>
             <a:endParaRPr lang="en-US" dirty="0"/>
           </a:p>
@@ -8350,7 +8351,7 @@
           <a:p>
             <a:fld id="{48A87A34-81AB-432B-8DAE-1953F412C126}" type="datetimeFigureOut">
               <a:rPr lang="en-US" dirty="0"/>
-              <a:t>10/30/2018</a:t>
+              <a:t>11/9/2018</a:t>
             </a:fld>
             <a:endParaRPr lang="en-US" dirty="0"/>
           </a:p>
@@ -8594,7 +8595,7 @@
           <a:p>
             <a:fld id="{48A87A34-81AB-432B-8DAE-1953F412C126}" type="datetimeFigureOut">
               <a:rPr lang="en-US" dirty="0"/>
-              <a:t>10/30/2018</a:t>
+              <a:t>11/9/2018</a:t>
             </a:fld>
             <a:endParaRPr lang="en-US" dirty="0"/>
           </a:p>
@@ -8869,7 +8870,7 @@
           <a:p>
             <a:fld id="{48A87A34-81AB-432B-8DAE-1953F412C126}" type="datetimeFigureOut">
               <a:rPr lang="en-US" dirty="0"/>
-              <a:t>10/30/2018</a:t>
+              <a:t>11/9/2018</a:t>
             </a:fld>
             <a:endParaRPr lang="en-US" dirty="0"/>
           </a:p>
@@ -8987,7 +8988,7 @@
           <a:noFill/>
           <a:extLst>
             <a:ext uri="{909E8E84-426E-40dd-AFC4-6F175D3DCCD1}">
-              <a14:hiddenFill xmlns="" xmlns:a14="http://schemas.microsoft.com/office/drawing/2010/main">
+              <a14:hiddenFill xmlns:a14="http://schemas.microsoft.com/office/drawing/2010/main" xmlns="">
                 <a:solidFill>
                   <a:srgbClr val="FFFFFF"/>
                 </a:solidFill>
@@ -9061,7 +9062,7 @@
               </a:ln>
               <a:extLst>
                 <a:ext uri="{91240B29-F687-4f45-9708-019B960494DF}">
-                  <a14:hiddenLine xmlns="" xmlns:a14="http://schemas.microsoft.com/office/drawing/2010/main" w="9525">
+                  <a14:hiddenLine xmlns:a14="http://schemas.microsoft.com/office/drawing/2010/main" xmlns="" w="9525">
                     <a:solidFill>
                       <a:srgbClr val="000000"/>
                     </a:solidFill>
@@ -9151,7 +9152,7 @@
               </a:ln>
               <a:extLst>
                 <a:ext uri="{91240B29-F687-4f45-9708-019B960494DF}">
-                  <a14:hiddenLine xmlns="" xmlns:a14="http://schemas.microsoft.com/office/drawing/2010/main" w="9525">
+                  <a14:hiddenLine xmlns:a14="http://schemas.microsoft.com/office/drawing/2010/main" xmlns="" w="9525">
                     <a:solidFill>
                       <a:srgbClr val="000000"/>
                     </a:solidFill>
@@ -9241,7 +9242,7 @@
               </a:ln>
               <a:extLst>
                 <a:ext uri="{91240B29-F687-4f45-9708-019B960494DF}">
-                  <a14:hiddenLine xmlns="" xmlns:a14="http://schemas.microsoft.com/office/drawing/2010/main" w="9525">
+                  <a14:hiddenLine xmlns:a14="http://schemas.microsoft.com/office/drawing/2010/main" xmlns="" w="9525">
                     <a:solidFill>
                       <a:srgbClr val="000000"/>
                     </a:solidFill>
@@ -9303,7 +9304,7 @@
               </a:ln>
               <a:extLst>
                 <a:ext uri="{91240B29-F687-4f45-9708-019B960494DF}">
-                  <a14:hiddenLine xmlns="" xmlns:a14="http://schemas.microsoft.com/office/drawing/2010/main" w="9525">
+                  <a14:hiddenLine xmlns:a14="http://schemas.microsoft.com/office/drawing/2010/main" xmlns="" w="9525">
                     <a:solidFill>
                       <a:srgbClr val="000000"/>
                     </a:solidFill>
@@ -9393,7 +9394,7 @@
               </a:ln>
               <a:extLst>
                 <a:ext uri="{91240B29-F687-4f45-9708-019B960494DF}">
-                  <a14:hiddenLine xmlns="" xmlns:a14="http://schemas.microsoft.com/office/drawing/2010/main" w="9525">
+                  <a14:hiddenLine xmlns:a14="http://schemas.microsoft.com/office/drawing/2010/main" xmlns="" w="9525">
                     <a:solidFill>
                       <a:srgbClr val="000000"/>
                     </a:solidFill>
@@ -9455,7 +9456,7 @@
               </a:ln>
               <a:extLst>
                 <a:ext uri="{91240B29-F687-4f45-9708-019B960494DF}">
-                  <a14:hiddenLine xmlns="" xmlns:a14="http://schemas.microsoft.com/office/drawing/2010/main" w="9525">
+                  <a14:hiddenLine xmlns:a14="http://schemas.microsoft.com/office/drawing/2010/main" xmlns="" w="9525">
                     <a:solidFill>
                       <a:srgbClr val="000000"/>
                     </a:solidFill>
@@ -9517,7 +9518,7 @@
               </a:ln>
               <a:extLst>
                 <a:ext uri="{91240B29-F687-4f45-9708-019B960494DF}">
-                  <a14:hiddenLine xmlns="" xmlns:a14="http://schemas.microsoft.com/office/drawing/2010/main" w="9525">
+                  <a14:hiddenLine xmlns:a14="http://schemas.microsoft.com/office/drawing/2010/main" xmlns="" w="9525">
                     <a:solidFill>
                       <a:srgbClr val="000000"/>
                     </a:solidFill>
@@ -9607,7 +9608,7 @@
               </a:ln>
               <a:extLst>
                 <a:ext uri="{91240B29-F687-4f45-9708-019B960494DF}">
-                  <a14:hiddenLine xmlns="" xmlns:a14="http://schemas.microsoft.com/office/drawing/2010/main" w="9525">
+                  <a14:hiddenLine xmlns:a14="http://schemas.microsoft.com/office/drawing/2010/main" xmlns="" w="9525">
                     <a:solidFill>
                       <a:srgbClr val="000000"/>
                     </a:solidFill>
@@ -9697,7 +9698,7 @@
               </a:ln>
               <a:extLst>
                 <a:ext uri="{91240B29-F687-4f45-9708-019B960494DF}">
-                  <a14:hiddenLine xmlns="" xmlns:a14="http://schemas.microsoft.com/office/drawing/2010/main" w="9525">
+                  <a14:hiddenLine xmlns:a14="http://schemas.microsoft.com/office/drawing/2010/main" xmlns="" w="9525">
                     <a:solidFill>
                       <a:srgbClr val="000000"/>
                     </a:solidFill>
@@ -9759,7 +9760,7 @@
               </a:ln>
               <a:extLst>
                 <a:ext uri="{91240B29-F687-4f45-9708-019B960494DF}">
-                  <a14:hiddenLine xmlns="" xmlns:a14="http://schemas.microsoft.com/office/drawing/2010/main" w="9525">
+                  <a14:hiddenLine xmlns:a14="http://schemas.microsoft.com/office/drawing/2010/main" xmlns="" w="9525">
                     <a:solidFill>
                       <a:srgbClr val="000000"/>
                     </a:solidFill>
@@ -9869,7 +9870,7 @@
               </a:ln>
               <a:extLst>
                 <a:ext uri="{91240B29-F687-4f45-9708-019B960494DF}">
-                  <a14:hiddenLine xmlns="" xmlns:a14="http://schemas.microsoft.com/office/drawing/2010/main" w="9525">
+                  <a14:hiddenLine xmlns:a14="http://schemas.microsoft.com/office/drawing/2010/main" xmlns="" w="9525">
                     <a:solidFill>
                       <a:srgbClr val="000000"/>
                     </a:solidFill>
@@ -9953,7 +9954,7 @@
               </a:ln>
               <a:extLst>
                 <a:ext uri="{91240B29-F687-4f45-9708-019B960494DF}">
-                  <a14:hiddenLine xmlns="" xmlns:a14="http://schemas.microsoft.com/office/drawing/2010/main" w="9525">
+                  <a14:hiddenLine xmlns:a14="http://schemas.microsoft.com/office/drawing/2010/main" xmlns="" w="9525">
                     <a:solidFill>
                       <a:srgbClr val="000000"/>
                     </a:solidFill>
@@ -10015,7 +10016,7 @@
               </a:ln>
               <a:extLst>
                 <a:ext uri="{91240B29-F687-4f45-9708-019B960494DF}">
-                  <a14:hiddenLine xmlns="" xmlns:a14="http://schemas.microsoft.com/office/drawing/2010/main" w="9525">
+                  <a14:hiddenLine xmlns:a14="http://schemas.microsoft.com/office/drawing/2010/main" xmlns="" w="9525">
                     <a:solidFill>
                       <a:srgbClr val="000000"/>
                     </a:solidFill>
@@ -10077,7 +10078,7 @@
               </a:ln>
               <a:extLst>
                 <a:ext uri="{91240B29-F687-4f45-9708-019B960494DF}">
-                  <a14:hiddenLine xmlns="" xmlns:a14="http://schemas.microsoft.com/office/drawing/2010/main" w="9525">
+                  <a14:hiddenLine xmlns:a14="http://schemas.microsoft.com/office/drawing/2010/main" xmlns="" w="9525">
                     <a:solidFill>
                       <a:srgbClr val="000000"/>
                     </a:solidFill>
@@ -10167,7 +10168,7 @@
               </a:ln>
               <a:extLst>
                 <a:ext uri="{91240B29-F687-4f45-9708-019B960494DF}">
-                  <a14:hiddenLine xmlns="" xmlns:a14="http://schemas.microsoft.com/office/drawing/2010/main" w="9525">
+                  <a14:hiddenLine xmlns:a14="http://schemas.microsoft.com/office/drawing/2010/main" xmlns="" w="9525">
                     <a:solidFill>
                       <a:srgbClr val="000000"/>
                     </a:solidFill>
@@ -10201,7 +10202,7 @@
               </a:ln>
               <a:extLst>
                 <a:ext uri="{91240B29-F687-4f45-9708-019B960494DF}">
-                  <a14:hiddenLine xmlns="" xmlns:a14="http://schemas.microsoft.com/office/drawing/2010/main" w="9525">
+                  <a14:hiddenLine xmlns:a14="http://schemas.microsoft.com/office/drawing/2010/main" xmlns="" w="9525">
                     <a:solidFill>
                       <a:srgbClr val="000000"/>
                     </a:solidFill>
@@ -10266,7 +10267,7 @@
               </a:ln>
               <a:extLst>
                 <a:ext uri="{91240B29-F687-4f45-9708-019B960494DF}">
-                  <a14:hiddenLine xmlns="" xmlns:a14="http://schemas.microsoft.com/office/drawing/2010/main" w="9525">
+                  <a14:hiddenLine xmlns:a14="http://schemas.microsoft.com/office/drawing/2010/main" xmlns="" w="9525">
                     <a:solidFill>
                       <a:srgbClr val="000000"/>
                     </a:solidFill>
@@ -10356,7 +10357,7 @@
               </a:ln>
               <a:extLst>
                 <a:ext uri="{91240B29-F687-4f45-9708-019B960494DF}">
-                  <a14:hiddenLine xmlns="" xmlns:a14="http://schemas.microsoft.com/office/drawing/2010/main" w="9525">
+                  <a14:hiddenLine xmlns:a14="http://schemas.microsoft.com/office/drawing/2010/main" xmlns="" w="9525">
                     <a:solidFill>
                       <a:srgbClr val="000000"/>
                     </a:solidFill>
@@ -10418,7 +10419,7 @@
               </a:ln>
               <a:extLst>
                 <a:ext uri="{91240B29-F687-4f45-9708-019B960494DF}">
-                  <a14:hiddenLine xmlns="" xmlns:a14="http://schemas.microsoft.com/office/drawing/2010/main" w="9525">
+                  <a14:hiddenLine xmlns:a14="http://schemas.microsoft.com/office/drawing/2010/main" xmlns="" w="9525">
                     <a:solidFill>
                       <a:srgbClr val="000000"/>
                     </a:solidFill>
@@ -10508,7 +10509,7 @@
               </a:ln>
               <a:extLst>
                 <a:ext uri="{91240B29-F687-4f45-9708-019B960494DF}">
-                  <a14:hiddenLine xmlns="" xmlns:a14="http://schemas.microsoft.com/office/drawing/2010/main" w="9525">
+                  <a14:hiddenLine xmlns:a14="http://schemas.microsoft.com/office/drawing/2010/main" xmlns="" w="9525">
                     <a:solidFill>
                       <a:srgbClr val="000000"/>
                     </a:solidFill>
@@ -10573,7 +10574,7 @@
               </a:ln>
               <a:extLst>
                 <a:ext uri="{91240B29-F687-4f45-9708-019B960494DF}">
-                  <a14:hiddenLine xmlns="" xmlns:a14="http://schemas.microsoft.com/office/drawing/2010/main" w="9525">
+                  <a14:hiddenLine xmlns:a14="http://schemas.microsoft.com/office/drawing/2010/main" xmlns="" w="9525">
                     <a:solidFill>
                       <a:srgbClr val="000000"/>
                     </a:solidFill>
@@ -10635,7 +10636,7 @@
               </a:ln>
               <a:extLst>
                 <a:ext uri="{91240B29-F687-4f45-9708-019B960494DF}">
-                  <a14:hiddenLine xmlns="" xmlns:a14="http://schemas.microsoft.com/office/drawing/2010/main" w="9525">
+                  <a14:hiddenLine xmlns:a14="http://schemas.microsoft.com/office/drawing/2010/main" xmlns="" w="9525">
                     <a:solidFill>
                       <a:srgbClr val="000000"/>
                     </a:solidFill>
@@ -10725,7 +10726,7 @@
               </a:ln>
               <a:extLst>
                 <a:ext uri="{91240B29-F687-4f45-9708-019B960494DF}">
-                  <a14:hiddenLine xmlns="" xmlns:a14="http://schemas.microsoft.com/office/drawing/2010/main" w="9525">
+                  <a14:hiddenLine xmlns:a14="http://schemas.microsoft.com/office/drawing/2010/main" xmlns="" w="9525">
                     <a:solidFill>
                       <a:srgbClr val="000000"/>
                     </a:solidFill>
@@ -10815,7 +10816,7 @@
               </a:ln>
               <a:extLst>
                 <a:ext uri="{91240B29-F687-4f45-9708-019B960494DF}">
-                  <a14:hiddenLine xmlns="" xmlns:a14="http://schemas.microsoft.com/office/drawing/2010/main" w="9525">
+                  <a14:hiddenLine xmlns:a14="http://schemas.microsoft.com/office/drawing/2010/main" xmlns="" w="9525">
                     <a:solidFill>
                       <a:srgbClr val="000000"/>
                     </a:solidFill>
@@ -10880,7 +10881,7 @@
               </a:ln>
               <a:extLst>
                 <a:ext uri="{91240B29-F687-4f45-9708-019B960494DF}">
-                  <a14:hiddenLine xmlns="" xmlns:a14="http://schemas.microsoft.com/office/drawing/2010/main" w="9525">
+                  <a14:hiddenLine xmlns:a14="http://schemas.microsoft.com/office/drawing/2010/main" xmlns="" w="9525">
                     <a:solidFill>
                       <a:srgbClr val="000000"/>
                     </a:solidFill>
@@ -11000,7 +11001,7 @@
               </a:ln>
               <a:extLst>
                 <a:ext uri="{91240B29-F687-4f45-9708-019B960494DF}">
-                  <a14:hiddenLine xmlns="" xmlns:a14="http://schemas.microsoft.com/office/drawing/2010/main" w="9525">
+                  <a14:hiddenLine xmlns:a14="http://schemas.microsoft.com/office/drawing/2010/main" xmlns="" w="9525">
                     <a:solidFill>
                       <a:srgbClr val="000000"/>
                     </a:solidFill>
@@ -11081,7 +11082,7 @@
               </a:ln>
               <a:extLst>
                 <a:ext uri="{91240B29-F687-4f45-9708-019B960494DF}">
-                  <a14:hiddenLine xmlns="" xmlns:a14="http://schemas.microsoft.com/office/drawing/2010/main" w="9525">
+                  <a14:hiddenLine xmlns:a14="http://schemas.microsoft.com/office/drawing/2010/main" xmlns="" w="9525">
                     <a:solidFill>
                       <a:srgbClr val="000000"/>
                     </a:solidFill>
@@ -11196,7 +11197,7 @@
               </a:ln>
               <a:extLst>
                 <a:ext uri="{91240B29-F687-4f45-9708-019B960494DF}">
-                  <a14:hiddenLine xmlns="" xmlns:a14="http://schemas.microsoft.com/office/drawing/2010/main" w="9525">
+                  <a14:hiddenLine xmlns:a14="http://schemas.microsoft.com/office/drawing/2010/main" xmlns="" w="9525">
                     <a:solidFill>
                       <a:srgbClr val="000000"/>
                     </a:solidFill>
@@ -11286,7 +11287,7 @@
               </a:ln>
               <a:extLst>
                 <a:ext uri="{91240B29-F687-4f45-9708-019B960494DF}">
-                  <a14:hiddenLine xmlns="" xmlns:a14="http://schemas.microsoft.com/office/drawing/2010/main" w="9525">
+                  <a14:hiddenLine xmlns:a14="http://schemas.microsoft.com/office/drawing/2010/main" xmlns="" w="9525">
                     <a:solidFill>
                       <a:srgbClr val="000000"/>
                     </a:solidFill>
@@ -11351,7 +11352,7 @@
               </a:ln>
               <a:extLst>
                 <a:ext uri="{91240B29-F687-4f45-9708-019B960494DF}">
-                  <a14:hiddenLine xmlns="" xmlns:a14="http://schemas.microsoft.com/office/drawing/2010/main" w="9525">
+                  <a14:hiddenLine xmlns:a14="http://schemas.microsoft.com/office/drawing/2010/main" xmlns="" w="9525">
                     <a:solidFill>
                       <a:srgbClr val="000000"/>
                     </a:solidFill>
@@ -11441,7 +11442,7 @@
               </a:ln>
               <a:extLst>
                 <a:ext uri="{91240B29-F687-4f45-9708-019B960494DF}">
-                  <a14:hiddenLine xmlns="" xmlns:a14="http://schemas.microsoft.com/office/drawing/2010/main" w="9525">
+                  <a14:hiddenLine xmlns:a14="http://schemas.microsoft.com/office/drawing/2010/main" xmlns="" w="9525">
                     <a:solidFill>
                       <a:srgbClr val="000000"/>
                     </a:solidFill>
@@ -11509,7 +11510,7 @@
               </a:ln>
               <a:extLst>
                 <a:ext uri="{91240B29-F687-4f45-9708-019B960494DF}">
-                  <a14:hiddenLine xmlns="" xmlns:a14="http://schemas.microsoft.com/office/drawing/2010/main" w="9525">
+                  <a14:hiddenLine xmlns:a14="http://schemas.microsoft.com/office/drawing/2010/main" xmlns="" w="9525">
                     <a:solidFill>
                       <a:srgbClr val="000000"/>
                     </a:solidFill>
@@ -11599,7 +11600,7 @@
               </a:ln>
               <a:extLst>
                 <a:ext uri="{91240B29-F687-4f45-9708-019B960494DF}">
-                  <a14:hiddenLine xmlns="" xmlns:a14="http://schemas.microsoft.com/office/drawing/2010/main" w="9525">
+                  <a14:hiddenLine xmlns:a14="http://schemas.microsoft.com/office/drawing/2010/main" xmlns="" w="9525">
                     <a:solidFill>
                       <a:srgbClr val="000000"/>
                     </a:solidFill>
@@ -11667,7 +11668,7 @@
               </a:ln>
               <a:extLst>
                 <a:ext uri="{91240B29-F687-4f45-9708-019B960494DF}">
-                  <a14:hiddenLine xmlns="" xmlns:a14="http://schemas.microsoft.com/office/drawing/2010/main" w="9525">
+                  <a14:hiddenLine xmlns:a14="http://schemas.microsoft.com/office/drawing/2010/main" xmlns="" w="9525">
                     <a:solidFill>
                       <a:srgbClr val="000000"/>
                     </a:solidFill>
@@ -11757,7 +11758,7 @@
               </a:ln>
               <a:extLst>
                 <a:ext uri="{91240B29-F687-4f45-9708-019B960494DF}">
-                  <a14:hiddenLine xmlns="" xmlns:a14="http://schemas.microsoft.com/office/drawing/2010/main" w="9525">
+                  <a14:hiddenLine xmlns:a14="http://schemas.microsoft.com/office/drawing/2010/main" xmlns="" w="9525">
                     <a:solidFill>
                       <a:srgbClr val="000000"/>
                     </a:solidFill>
@@ -11791,7 +11792,7 @@
               </a:ln>
               <a:extLst>
                 <a:ext uri="{91240B29-F687-4f45-9708-019B960494DF}">
-                  <a14:hiddenLine xmlns="" xmlns:a14="http://schemas.microsoft.com/office/drawing/2010/main" w="9525">
+                  <a14:hiddenLine xmlns:a14="http://schemas.microsoft.com/office/drawing/2010/main" xmlns="" w="9525">
                     <a:solidFill>
                       <a:srgbClr val="000000"/>
                     </a:solidFill>
@@ -11932,7 +11933,7 @@
             <a:fld id="{48A87A34-81AB-432B-8DAE-1953F412C126}" type="datetimeFigureOut">
               <a:rPr lang="en-US" dirty="0"/>
               <a:pPr/>
-              <a:t>10/30/2018</a:t>
+              <a:t>11/9/2018</a:t>
             </a:fld>
             <a:endParaRPr lang="en-US" dirty="0"/>
           </a:p>
@@ -12972,6 +12973,146 @@
 </p:sld>
 </file>
 
+<file path=ppt/slides/slide6.xml><?xml version="1.0" encoding="utf-8"?>
+<p:sld xmlns:a="http://schemas.openxmlformats.org/drawingml/2006/main" xmlns:r="http://schemas.openxmlformats.org/officeDocument/2006/relationships" xmlns:p="http://schemas.openxmlformats.org/presentationml/2006/main">
+  <p:cSld>
+    <p:spTree>
+      <p:nvGrpSpPr>
+        <p:cNvPr id="1" name=""/>
+        <p:cNvGrpSpPr/>
+        <p:nvPr/>
+      </p:nvGrpSpPr>
+      <p:grpSpPr>
+        <a:xfrm>
+          <a:off x="0" y="0"/>
+          <a:ext cx="0" cy="0"/>
+          <a:chOff x="0" y="0"/>
+          <a:chExt cx="0" cy="0"/>
+        </a:xfrm>
+      </p:grpSpPr>
+      <p:sp>
+        <p:nvSpPr>
+          <p:cNvPr id="2" name="Title 1">
+            <a:extLst>
+              <a:ext uri="{FF2B5EF4-FFF2-40B4-BE49-F238E27FC236}">
+                <a16:creationId xmlns:a16="http://schemas.microsoft.com/office/drawing/2014/main" id="{ED11CFB9-50CF-4AC5-8A40-0DFEB1ADF840}"/>
+              </a:ext>
+            </a:extLst>
+          </p:cNvPr>
+          <p:cNvSpPr>
+            <a:spLocks noGrp="1"/>
+          </p:cNvSpPr>
+          <p:nvPr>
+            <p:ph type="title"/>
+          </p:nvPr>
+        </p:nvSpPr>
+        <p:spPr/>
+        <p:txBody>
+          <a:bodyPr/>
+          <a:lstStyle/>
+          <a:p>
+            <a:pPr algn="ctr"/>
+            <a:r>
+              <a:rPr lang="en-US" dirty="0"/>
+              <a:t>Set Up Environment</a:t>
+            </a:r>
+          </a:p>
+        </p:txBody>
+      </p:sp>
+      <p:sp>
+        <p:nvSpPr>
+          <p:cNvPr id="3" name="Content Placeholder 2">
+            <a:extLst>
+              <a:ext uri="{FF2B5EF4-FFF2-40B4-BE49-F238E27FC236}">
+                <a16:creationId xmlns:a16="http://schemas.microsoft.com/office/drawing/2014/main" id="{4F16C9AE-9CEC-4C41-95B1-3261215FF165}"/>
+              </a:ext>
+            </a:extLst>
+          </p:cNvPr>
+          <p:cNvSpPr>
+            <a:spLocks noGrp="1"/>
+          </p:cNvSpPr>
+          <p:nvPr>
+            <p:ph idx="1"/>
+          </p:nvPr>
+        </p:nvSpPr>
+        <p:spPr/>
+        <p:txBody>
+          <a:bodyPr/>
+          <a:lstStyle/>
+          <a:p>
+            <a:r>
+              <a:rPr lang="en-US" dirty="0"/>
+              <a:t>Go into command line or CLI.</a:t>
+            </a:r>
+          </a:p>
+          <a:p>
+            <a:r>
+              <a:rPr lang="en-US" dirty="0"/>
+              <a:t>Check for which version of NodeJS, type: node --version</a:t>
+            </a:r>
+          </a:p>
+          <a:p>
+            <a:r>
+              <a:rPr lang="en-US" dirty="0"/>
+              <a:t>Type: </a:t>
+            </a:r>
+            <a:r>
+              <a:rPr lang="en-US" dirty="0" err="1"/>
+              <a:t>npm</a:t>
+            </a:r>
+            <a:r>
+              <a:rPr lang="en-US" dirty="0"/>
+              <a:t> install -g update-node or download: </a:t>
+            </a:r>
+            <a:r>
+              <a:rPr lang="en-US" dirty="0">
+                <a:hlinkClick r:id="rId2"/>
+              </a:rPr>
+              <a:t>https://nodejs.org/en/</a:t>
+            </a:r>
+            <a:endParaRPr lang="en-US" dirty="0"/>
+          </a:p>
+          <a:p>
+            <a:r>
+              <a:rPr lang="en-US" dirty="0"/>
+              <a:t>Now to add React, type: </a:t>
+            </a:r>
+            <a:r>
+              <a:rPr lang="en-US" dirty="0" err="1"/>
+              <a:t>npm</a:t>
+            </a:r>
+            <a:r>
+              <a:rPr lang="en-US" dirty="0"/>
+              <a:t> install –g create-react-app</a:t>
+            </a:r>
+          </a:p>
+          <a:p>
+            <a:r>
+              <a:rPr lang="en-US" dirty="0"/>
+              <a:t>Next, type: create-react-app my-app</a:t>
+            </a:r>
+          </a:p>
+          <a:p>
+            <a:r>
+              <a:rPr lang="en-US" dirty="0"/>
+              <a:t>Finally, type: react start my-app</a:t>
+            </a:r>
+          </a:p>
+        </p:txBody>
+      </p:sp>
+    </p:spTree>
+    <p:extLst>
+      <p:ext uri="{BB962C8B-B14F-4D97-AF65-F5344CB8AC3E}">
+        <p14:creationId xmlns:p14="http://schemas.microsoft.com/office/powerpoint/2010/main" val="1463012774"/>
+      </p:ext>
+    </p:extLst>
+  </p:cSld>
+  <p:clrMapOvr>
+    <a:masterClrMapping/>
+  </p:clrMapOvr>
+</p:sld>
+</file>
+
 <file path=ppt/theme/theme1.xml><?xml version="1.0" encoding="utf-8"?>
 <a:theme xmlns:a="http://schemas.openxmlformats.org/drawingml/2006/main" name="Circuit">
   <a:themeElements>

--- a/React/slides/react_lessons_slides.pptx
+++ b/React/slides/react_lessons_slides.pptx
@@ -174,7 +174,7 @@
           <a:noFill/>
           <a:extLst>
             <a:ext uri="{909E8E84-426E-40dd-AFC4-6F175D3DCCD1}">
-              <a14:hiddenFill xmlns:a14="http://schemas.microsoft.com/office/drawing/2010/main" xmlns="">
+              <a14:hiddenFill xmlns="" xmlns:a14="http://schemas.microsoft.com/office/drawing/2010/main">
                 <a:solidFill>
                   <a:srgbClr val="FFFFFF"/>
                 </a:solidFill>
@@ -233,7 +233,7 @@
             </a:ln>
             <a:extLst>
               <a:ext uri="{91240B29-F687-4f45-9708-019B960494DF}">
-                <a14:hiddenLine xmlns:a14="http://schemas.microsoft.com/office/drawing/2010/main" xmlns="" w="9525">
+                <a14:hiddenLine xmlns="" xmlns:a14="http://schemas.microsoft.com/office/drawing/2010/main" w="9525">
                   <a:solidFill>
                     <a:srgbClr val="000000"/>
                   </a:solidFill>
@@ -323,7 +323,7 @@
             </a:ln>
             <a:extLst>
               <a:ext uri="{91240B29-F687-4f45-9708-019B960494DF}">
-                <a14:hiddenLine xmlns:a14="http://schemas.microsoft.com/office/drawing/2010/main" xmlns="" w="9525">
+                <a14:hiddenLine xmlns="" xmlns:a14="http://schemas.microsoft.com/office/drawing/2010/main" w="9525">
                   <a:solidFill>
                     <a:srgbClr val="000000"/>
                   </a:solidFill>
@@ -413,7 +413,7 @@
             </a:ln>
             <a:extLst>
               <a:ext uri="{91240B29-F687-4f45-9708-019B960494DF}">
-                <a14:hiddenLine xmlns:a14="http://schemas.microsoft.com/office/drawing/2010/main" xmlns="" w="9525">
+                <a14:hiddenLine xmlns="" xmlns:a14="http://schemas.microsoft.com/office/drawing/2010/main" w="9525">
                   <a:solidFill>
                     <a:srgbClr val="000000"/>
                   </a:solidFill>
@@ -447,7 +447,7 @@
             </a:ln>
             <a:extLst>
               <a:ext uri="{91240B29-F687-4f45-9708-019B960494DF}">
-                <a14:hiddenLine xmlns:a14="http://schemas.microsoft.com/office/drawing/2010/main" xmlns="" w="9525">
+                <a14:hiddenLine xmlns="" xmlns:a14="http://schemas.microsoft.com/office/drawing/2010/main" w="9525">
                   <a:solidFill>
                     <a:srgbClr val="000000"/>
                   </a:solidFill>
@@ -537,7 +537,7 @@
             </a:ln>
             <a:extLst>
               <a:ext uri="{91240B29-F687-4f45-9708-019B960494DF}">
-                <a14:hiddenLine xmlns:a14="http://schemas.microsoft.com/office/drawing/2010/main" xmlns="" w="9525">
+                <a14:hiddenLine xmlns="" xmlns:a14="http://schemas.microsoft.com/office/drawing/2010/main" w="9525">
                   <a:solidFill>
                     <a:srgbClr val="000000"/>
                   </a:solidFill>
@@ -599,7 +599,7 @@
             </a:ln>
             <a:extLst>
               <a:ext uri="{91240B29-F687-4f45-9708-019B960494DF}">
-                <a14:hiddenLine xmlns:a14="http://schemas.microsoft.com/office/drawing/2010/main" xmlns="" w="9525">
+                <a14:hiddenLine xmlns="" xmlns:a14="http://schemas.microsoft.com/office/drawing/2010/main" w="9525">
                   <a:solidFill>
                     <a:srgbClr val="000000"/>
                   </a:solidFill>
@@ -661,7 +661,7 @@
             </a:ln>
             <a:extLst>
               <a:ext uri="{91240B29-F687-4f45-9708-019B960494DF}">
-                <a14:hiddenLine xmlns:a14="http://schemas.microsoft.com/office/drawing/2010/main" xmlns="" w="9525">
+                <a14:hiddenLine xmlns="" xmlns:a14="http://schemas.microsoft.com/office/drawing/2010/main" w="9525">
                   <a:solidFill>
                     <a:srgbClr val="000000"/>
                   </a:solidFill>
@@ -751,7 +751,7 @@
             </a:ln>
             <a:extLst>
               <a:ext uri="{91240B29-F687-4f45-9708-019B960494DF}">
-                <a14:hiddenLine xmlns:a14="http://schemas.microsoft.com/office/drawing/2010/main" xmlns="" w="9525">
+                <a14:hiddenLine xmlns="" xmlns:a14="http://schemas.microsoft.com/office/drawing/2010/main" w="9525">
                   <a:solidFill>
                     <a:srgbClr val="000000"/>
                   </a:solidFill>
@@ -813,7 +813,7 @@
             </a:ln>
             <a:extLst>
               <a:ext uri="{91240B29-F687-4f45-9708-019B960494DF}">
-                <a14:hiddenLine xmlns:a14="http://schemas.microsoft.com/office/drawing/2010/main" xmlns="" w="9525">
+                <a14:hiddenLine xmlns="" xmlns:a14="http://schemas.microsoft.com/office/drawing/2010/main" w="9525">
                   <a:solidFill>
                     <a:srgbClr val="000000"/>
                   </a:solidFill>
@@ -875,7 +875,7 @@
             </a:ln>
             <a:extLst>
               <a:ext uri="{91240B29-F687-4f45-9708-019B960494DF}">
-                <a14:hiddenLine xmlns:a14="http://schemas.microsoft.com/office/drawing/2010/main" xmlns="" w="9525">
+                <a14:hiddenLine xmlns="" xmlns:a14="http://schemas.microsoft.com/office/drawing/2010/main" w="9525">
                   <a:solidFill>
                     <a:srgbClr val="000000"/>
                   </a:solidFill>
@@ -965,7 +965,7 @@
             </a:ln>
             <a:extLst>
               <a:ext uri="{91240B29-F687-4f45-9708-019B960494DF}">
-                <a14:hiddenLine xmlns:a14="http://schemas.microsoft.com/office/drawing/2010/main" xmlns="" w="9525">
+                <a14:hiddenLine xmlns="" xmlns:a14="http://schemas.microsoft.com/office/drawing/2010/main" w="9525">
                   <a:solidFill>
                     <a:srgbClr val="000000"/>
                   </a:solidFill>
@@ -1055,7 +1055,7 @@
             </a:ln>
             <a:extLst>
               <a:ext uri="{91240B29-F687-4f45-9708-019B960494DF}">
-                <a14:hiddenLine xmlns:a14="http://schemas.microsoft.com/office/drawing/2010/main" xmlns="" w="9525">
+                <a14:hiddenLine xmlns="" xmlns:a14="http://schemas.microsoft.com/office/drawing/2010/main" w="9525">
                   <a:solidFill>
                     <a:srgbClr val="000000"/>
                   </a:solidFill>
@@ -1117,7 +1117,7 @@
             </a:ln>
             <a:extLst>
               <a:ext uri="{91240B29-F687-4f45-9708-019B960494DF}">
-                <a14:hiddenLine xmlns:a14="http://schemas.microsoft.com/office/drawing/2010/main" xmlns="" w="9525">
+                <a14:hiddenLine xmlns="" xmlns:a14="http://schemas.microsoft.com/office/drawing/2010/main" w="9525">
                   <a:solidFill>
                     <a:srgbClr val="000000"/>
                   </a:solidFill>
@@ -1227,7 +1227,7 @@
             </a:ln>
             <a:extLst>
               <a:ext uri="{91240B29-F687-4f45-9708-019B960494DF}">
-                <a14:hiddenLine xmlns:a14="http://schemas.microsoft.com/office/drawing/2010/main" xmlns="" w="9525">
+                <a14:hiddenLine xmlns="" xmlns:a14="http://schemas.microsoft.com/office/drawing/2010/main" w="9525">
                   <a:solidFill>
                     <a:srgbClr val="000000"/>
                   </a:solidFill>
@@ -1289,7 +1289,7 @@
             </a:ln>
             <a:extLst>
               <a:ext uri="{91240B29-F687-4f45-9708-019B960494DF}">
-                <a14:hiddenLine xmlns:a14="http://schemas.microsoft.com/office/drawing/2010/main" xmlns="" w="9525">
+                <a14:hiddenLine xmlns="" xmlns:a14="http://schemas.microsoft.com/office/drawing/2010/main" w="9525">
                   <a:solidFill>
                     <a:srgbClr val="000000"/>
                   </a:solidFill>
@@ -1379,7 +1379,7 @@
             </a:ln>
             <a:extLst>
               <a:ext uri="{91240B29-F687-4f45-9708-019B960494DF}">
-                <a14:hiddenLine xmlns:a14="http://schemas.microsoft.com/office/drawing/2010/main" xmlns="" w="9525">
+                <a14:hiddenLine xmlns="" xmlns:a14="http://schemas.microsoft.com/office/drawing/2010/main" w="9525">
                   <a:solidFill>
                     <a:srgbClr val="000000"/>
                   </a:solidFill>
@@ -1469,7 +1469,7 @@
             </a:ln>
             <a:extLst>
               <a:ext uri="{91240B29-F687-4f45-9708-019B960494DF}">
-                <a14:hiddenLine xmlns:a14="http://schemas.microsoft.com/office/drawing/2010/main" xmlns="" w="9525">
+                <a14:hiddenLine xmlns="" xmlns:a14="http://schemas.microsoft.com/office/drawing/2010/main" w="9525">
                   <a:solidFill>
                     <a:srgbClr val="000000"/>
                   </a:solidFill>
@@ -1531,7 +1531,7 @@
             </a:ln>
             <a:extLst>
               <a:ext uri="{91240B29-F687-4f45-9708-019B960494DF}">
-                <a14:hiddenLine xmlns:a14="http://schemas.microsoft.com/office/drawing/2010/main" xmlns="" w="9525">
+                <a14:hiddenLine xmlns="" xmlns:a14="http://schemas.microsoft.com/office/drawing/2010/main" w="9525">
                   <a:solidFill>
                     <a:srgbClr val="000000"/>
                   </a:solidFill>
@@ -1621,7 +1621,7 @@
             </a:ln>
             <a:extLst>
               <a:ext uri="{91240B29-F687-4f45-9708-019B960494DF}">
-                <a14:hiddenLine xmlns:a14="http://schemas.microsoft.com/office/drawing/2010/main" xmlns="" w="9525">
+                <a14:hiddenLine xmlns="" xmlns:a14="http://schemas.microsoft.com/office/drawing/2010/main" w="9525">
                   <a:solidFill>
                     <a:srgbClr val="000000"/>
                   </a:solidFill>
@@ -1711,7 +1711,7 @@
             </a:ln>
             <a:extLst>
               <a:ext uri="{91240B29-F687-4f45-9708-019B960494DF}">
-                <a14:hiddenLine xmlns:a14="http://schemas.microsoft.com/office/drawing/2010/main" xmlns="" w="9525">
+                <a14:hiddenLine xmlns="" xmlns:a14="http://schemas.microsoft.com/office/drawing/2010/main" w="9525">
                   <a:solidFill>
                     <a:srgbClr val="000000"/>
                   </a:solidFill>
@@ -1767,7 +1767,7 @@
             </a:ln>
             <a:extLst>
               <a:ext uri="{91240B29-F687-4f45-9708-019B960494DF}">
-                <a14:hiddenLine xmlns:a14="http://schemas.microsoft.com/office/drawing/2010/main" xmlns="" w="9525">
+                <a14:hiddenLine xmlns="" xmlns:a14="http://schemas.microsoft.com/office/drawing/2010/main" w="9525">
                   <a:solidFill>
                     <a:srgbClr val="000000"/>
                   </a:solidFill>
@@ -1857,7 +1857,7 @@
             </a:ln>
             <a:extLst>
               <a:ext uri="{91240B29-F687-4f45-9708-019B960494DF}">
-                <a14:hiddenLine xmlns:a14="http://schemas.microsoft.com/office/drawing/2010/main" xmlns="" w="9525">
+                <a14:hiddenLine xmlns="" xmlns:a14="http://schemas.microsoft.com/office/drawing/2010/main" w="9525">
                   <a:solidFill>
                     <a:srgbClr val="000000"/>
                   </a:solidFill>
@@ -1913,7 +1913,7 @@
             </a:ln>
             <a:extLst>
               <a:ext uri="{91240B29-F687-4f45-9708-019B960494DF}">
-                <a14:hiddenLine xmlns:a14="http://schemas.microsoft.com/office/drawing/2010/main" xmlns="" w="9525">
+                <a14:hiddenLine xmlns="" xmlns:a14="http://schemas.microsoft.com/office/drawing/2010/main" w="9525">
                   <a:solidFill>
                     <a:srgbClr val="000000"/>
                   </a:solidFill>
@@ -2003,7 +2003,7 @@
             </a:ln>
             <a:extLst>
               <a:ext uri="{91240B29-F687-4f45-9708-019B960494DF}">
-                <a14:hiddenLine xmlns:a14="http://schemas.microsoft.com/office/drawing/2010/main" xmlns="" w="9525">
+                <a14:hiddenLine xmlns="" xmlns:a14="http://schemas.microsoft.com/office/drawing/2010/main" w="9525">
                   <a:solidFill>
                     <a:srgbClr val="000000"/>
                   </a:solidFill>
@@ -2071,7 +2071,7 @@
             </a:ln>
             <a:extLst>
               <a:ext uri="{91240B29-F687-4f45-9708-019B960494DF}">
-                <a14:hiddenLine xmlns:a14="http://schemas.microsoft.com/office/drawing/2010/main" xmlns="" w="9525">
+                <a14:hiddenLine xmlns="" xmlns:a14="http://schemas.microsoft.com/office/drawing/2010/main" w="9525">
                   <a:solidFill>
                     <a:srgbClr val="000000"/>
                   </a:solidFill>
@@ -2161,7 +2161,7 @@
             </a:ln>
             <a:extLst>
               <a:ext uri="{91240B29-F687-4f45-9708-019B960494DF}">
-                <a14:hiddenLine xmlns:a14="http://schemas.microsoft.com/office/drawing/2010/main" xmlns="" w="9525">
+                <a14:hiddenLine xmlns="" xmlns:a14="http://schemas.microsoft.com/office/drawing/2010/main" w="9525">
                   <a:solidFill>
                     <a:srgbClr val="000000"/>
                   </a:solidFill>
@@ -2229,7 +2229,7 @@
             </a:ln>
             <a:extLst>
               <a:ext uri="{91240B29-F687-4f45-9708-019B960494DF}">
-                <a14:hiddenLine xmlns:a14="http://schemas.microsoft.com/office/drawing/2010/main" xmlns="" w="9525">
+                <a14:hiddenLine xmlns="" xmlns:a14="http://schemas.microsoft.com/office/drawing/2010/main" w="9525">
                   <a:solidFill>
                     <a:srgbClr val="000000"/>
                   </a:solidFill>
@@ -2319,7 +2319,7 @@
             </a:ln>
             <a:extLst>
               <a:ext uri="{91240B29-F687-4f45-9708-019B960494DF}">
-                <a14:hiddenLine xmlns:a14="http://schemas.microsoft.com/office/drawing/2010/main" xmlns="" w="9525">
+                <a14:hiddenLine xmlns="" xmlns:a14="http://schemas.microsoft.com/office/drawing/2010/main" w="9525">
                   <a:solidFill>
                     <a:srgbClr val="000000"/>
                   </a:solidFill>
@@ -2353,7 +2353,7 @@
             </a:ln>
             <a:extLst>
               <a:ext uri="{91240B29-F687-4f45-9708-019B960494DF}">
-                <a14:hiddenLine xmlns:a14="http://schemas.microsoft.com/office/drawing/2010/main" xmlns="" w="9525">
+                <a14:hiddenLine xmlns="" xmlns:a14="http://schemas.microsoft.com/office/drawing/2010/main" w="9525">
                   <a:solidFill>
                     <a:srgbClr val="000000"/>
                   </a:solidFill>
@@ -2443,7 +2443,7 @@
             </a:ln>
             <a:extLst>
               <a:ext uri="{91240B29-F687-4f45-9708-019B960494DF}">
-                <a14:hiddenLine xmlns:a14="http://schemas.microsoft.com/office/drawing/2010/main" xmlns="" w="9525">
+                <a14:hiddenLine xmlns="" xmlns:a14="http://schemas.microsoft.com/office/drawing/2010/main" w="9525">
                   <a:solidFill>
                     <a:srgbClr val="000000"/>
                   </a:solidFill>
@@ -2505,7 +2505,7 @@
             </a:ln>
             <a:extLst>
               <a:ext uri="{91240B29-F687-4f45-9708-019B960494DF}">
-                <a14:hiddenLine xmlns:a14="http://schemas.microsoft.com/office/drawing/2010/main" xmlns="" w="9525">
+                <a14:hiddenLine xmlns="" xmlns:a14="http://schemas.microsoft.com/office/drawing/2010/main" w="9525">
                   <a:solidFill>
                     <a:srgbClr val="000000"/>
                   </a:solidFill>
@@ -2567,7 +2567,7 @@
             </a:ln>
             <a:extLst>
               <a:ext uri="{91240B29-F687-4f45-9708-019B960494DF}">
-                <a14:hiddenLine xmlns:a14="http://schemas.microsoft.com/office/drawing/2010/main" xmlns="" w="9525">
+                <a14:hiddenLine xmlns="" xmlns:a14="http://schemas.microsoft.com/office/drawing/2010/main" w="9525">
                   <a:solidFill>
                     <a:srgbClr val="000000"/>
                   </a:solidFill>
@@ -2657,7 +2657,7 @@
             </a:ln>
             <a:extLst>
               <a:ext uri="{91240B29-F687-4f45-9708-019B960494DF}">
-                <a14:hiddenLine xmlns:a14="http://schemas.microsoft.com/office/drawing/2010/main" xmlns="" w="9525">
+                <a14:hiddenLine xmlns="" xmlns:a14="http://schemas.microsoft.com/office/drawing/2010/main" w="9525">
                   <a:solidFill>
                     <a:srgbClr val="000000"/>
                   </a:solidFill>
@@ -2725,7 +2725,7 @@
             </a:ln>
             <a:extLst>
               <a:ext uri="{91240B29-F687-4f45-9708-019B960494DF}">
-                <a14:hiddenLine xmlns:a14="http://schemas.microsoft.com/office/drawing/2010/main" xmlns="" w="9525">
+                <a14:hiddenLine xmlns="" xmlns:a14="http://schemas.microsoft.com/office/drawing/2010/main" w="9525">
                   <a:solidFill>
                     <a:srgbClr val="000000"/>
                   </a:solidFill>
@@ -2787,7 +2787,7 @@
             </a:ln>
             <a:extLst>
               <a:ext uri="{91240B29-F687-4f45-9708-019B960494DF}">
-                <a14:hiddenLine xmlns:a14="http://schemas.microsoft.com/office/drawing/2010/main" xmlns="" w="9525">
+                <a14:hiddenLine xmlns="" xmlns:a14="http://schemas.microsoft.com/office/drawing/2010/main" w="9525">
                   <a:solidFill>
                     <a:srgbClr val="000000"/>
                   </a:solidFill>
@@ -2877,7 +2877,7 @@
             </a:ln>
             <a:extLst>
               <a:ext uri="{91240B29-F687-4f45-9708-019B960494DF}">
-                <a14:hiddenLine xmlns:a14="http://schemas.microsoft.com/office/drawing/2010/main" xmlns="" w="9525">
+                <a14:hiddenLine xmlns="" xmlns:a14="http://schemas.microsoft.com/office/drawing/2010/main" w="9525">
                   <a:solidFill>
                     <a:srgbClr val="000000"/>
                   </a:solidFill>
@@ -2939,7 +2939,7 @@
             </a:ln>
             <a:extLst>
               <a:ext uri="{91240B29-F687-4f45-9708-019B960494DF}">
-                <a14:hiddenLine xmlns:a14="http://schemas.microsoft.com/office/drawing/2010/main" xmlns="" w="9525">
+                <a14:hiddenLine xmlns="" xmlns:a14="http://schemas.microsoft.com/office/drawing/2010/main" w="9525">
                   <a:solidFill>
                     <a:srgbClr val="000000"/>
                   </a:solidFill>
@@ -3029,7 +3029,7 @@
             </a:ln>
             <a:extLst>
               <a:ext uri="{91240B29-F687-4f45-9708-019B960494DF}">
-                <a14:hiddenLine xmlns:a14="http://schemas.microsoft.com/office/drawing/2010/main" xmlns="" w="9525">
+                <a14:hiddenLine xmlns="" xmlns:a14="http://schemas.microsoft.com/office/drawing/2010/main" w="9525">
                   <a:solidFill>
                     <a:srgbClr val="000000"/>
                   </a:solidFill>
@@ -3091,7 +3091,7 @@
             </a:ln>
             <a:extLst>
               <a:ext uri="{91240B29-F687-4f45-9708-019B960494DF}">
-                <a14:hiddenLine xmlns:a14="http://schemas.microsoft.com/office/drawing/2010/main" xmlns="" w="9525">
+                <a14:hiddenLine xmlns="" xmlns:a14="http://schemas.microsoft.com/office/drawing/2010/main" w="9525">
                   <a:solidFill>
                     <a:srgbClr val="000000"/>
                   </a:solidFill>
@@ -3181,7 +3181,7 @@
             </a:ln>
             <a:extLst>
               <a:ext uri="{91240B29-F687-4f45-9708-019B960494DF}">
-                <a14:hiddenLine xmlns:a14="http://schemas.microsoft.com/office/drawing/2010/main" xmlns="" w="9525">
+                <a14:hiddenLine xmlns="" xmlns:a14="http://schemas.microsoft.com/office/drawing/2010/main" w="9525">
                   <a:solidFill>
                     <a:srgbClr val="000000"/>
                   </a:solidFill>
@@ -3215,7 +3215,7 @@
             </a:ln>
             <a:extLst>
               <a:ext uri="{91240B29-F687-4f45-9708-019B960494DF}">
-                <a14:hiddenLine xmlns:a14="http://schemas.microsoft.com/office/drawing/2010/main" xmlns="" w="9525">
+                <a14:hiddenLine xmlns="" xmlns:a14="http://schemas.microsoft.com/office/drawing/2010/main" w="9525">
                   <a:solidFill>
                     <a:srgbClr val="000000"/>
                   </a:solidFill>
@@ -3280,7 +3280,7 @@
             </a:ln>
             <a:extLst>
               <a:ext uri="{91240B29-F687-4f45-9708-019B960494DF}">
-                <a14:hiddenLine xmlns:a14="http://schemas.microsoft.com/office/drawing/2010/main" xmlns="" w="9525">
+                <a14:hiddenLine xmlns="" xmlns:a14="http://schemas.microsoft.com/office/drawing/2010/main" w="9525">
                   <a:solidFill>
                     <a:srgbClr val="000000"/>
                   </a:solidFill>
@@ -3370,7 +3370,7 @@
             </a:ln>
             <a:extLst>
               <a:ext uri="{91240B29-F687-4f45-9708-019B960494DF}">
-                <a14:hiddenLine xmlns:a14="http://schemas.microsoft.com/office/drawing/2010/main" xmlns="" w="9525">
+                <a14:hiddenLine xmlns="" xmlns:a14="http://schemas.microsoft.com/office/drawing/2010/main" w="9525">
                   <a:solidFill>
                     <a:srgbClr val="000000"/>
                   </a:solidFill>
@@ -3432,7 +3432,7 @@
             </a:ln>
             <a:extLst>
               <a:ext uri="{91240B29-F687-4f45-9708-019B960494DF}">
-                <a14:hiddenLine xmlns:a14="http://schemas.microsoft.com/office/drawing/2010/main" xmlns="" w="9525">
+                <a14:hiddenLine xmlns="" xmlns:a14="http://schemas.microsoft.com/office/drawing/2010/main" w="9525">
                   <a:solidFill>
                     <a:srgbClr val="000000"/>
                   </a:solidFill>
@@ -3522,7 +3522,7 @@
             </a:ln>
             <a:extLst>
               <a:ext uri="{91240B29-F687-4f45-9708-019B960494DF}">
-                <a14:hiddenLine xmlns:a14="http://schemas.microsoft.com/office/drawing/2010/main" xmlns="" w="9525">
+                <a14:hiddenLine xmlns="" xmlns:a14="http://schemas.microsoft.com/office/drawing/2010/main" w="9525">
                   <a:solidFill>
                     <a:srgbClr val="000000"/>
                   </a:solidFill>
@@ -3612,7 +3612,7 @@
             </a:ln>
             <a:extLst>
               <a:ext uri="{91240B29-F687-4f45-9708-019B960494DF}">
-                <a14:hiddenLine xmlns:a14="http://schemas.microsoft.com/office/drawing/2010/main" xmlns="" w="9525">
+                <a14:hiddenLine xmlns="" xmlns:a14="http://schemas.microsoft.com/office/drawing/2010/main" w="9525">
                   <a:solidFill>
                     <a:srgbClr val="000000"/>
                   </a:solidFill>
@@ -3677,7 +3677,7 @@
             </a:ln>
             <a:extLst>
               <a:ext uri="{91240B29-F687-4f45-9708-019B960494DF}">
-                <a14:hiddenLine xmlns:a14="http://schemas.microsoft.com/office/drawing/2010/main" xmlns="" w="9525">
+                <a14:hiddenLine xmlns="" xmlns:a14="http://schemas.microsoft.com/office/drawing/2010/main" w="9525">
                   <a:solidFill>
                     <a:srgbClr val="000000"/>
                   </a:solidFill>
@@ -3739,7 +3739,7 @@
             </a:ln>
             <a:extLst>
               <a:ext uri="{91240B29-F687-4f45-9708-019B960494DF}">
-                <a14:hiddenLine xmlns:a14="http://schemas.microsoft.com/office/drawing/2010/main" xmlns="" w="9525">
+                <a14:hiddenLine xmlns="" xmlns:a14="http://schemas.microsoft.com/office/drawing/2010/main" w="9525">
                   <a:solidFill>
                     <a:srgbClr val="000000"/>
                   </a:solidFill>
@@ -3829,7 +3829,7 @@
             </a:ln>
             <a:extLst>
               <a:ext uri="{91240B29-F687-4f45-9708-019B960494DF}">
-                <a14:hiddenLine xmlns:a14="http://schemas.microsoft.com/office/drawing/2010/main" xmlns="" w="9525">
+                <a14:hiddenLine xmlns="" xmlns:a14="http://schemas.microsoft.com/office/drawing/2010/main" w="9525">
                   <a:solidFill>
                     <a:srgbClr val="000000"/>
                   </a:solidFill>
@@ -3919,7 +3919,7 @@
             </a:ln>
             <a:extLst>
               <a:ext uri="{91240B29-F687-4f45-9708-019B960494DF}">
-                <a14:hiddenLine xmlns:a14="http://schemas.microsoft.com/office/drawing/2010/main" xmlns="" w="9525">
+                <a14:hiddenLine xmlns="" xmlns:a14="http://schemas.microsoft.com/office/drawing/2010/main" w="9525">
                   <a:solidFill>
                     <a:srgbClr val="000000"/>
                   </a:solidFill>
@@ -3981,7 +3981,7 @@
             </a:ln>
             <a:extLst>
               <a:ext uri="{91240B29-F687-4f45-9708-019B960494DF}">
-                <a14:hiddenLine xmlns:a14="http://schemas.microsoft.com/office/drawing/2010/main" xmlns="" w="9525">
+                <a14:hiddenLine xmlns="" xmlns:a14="http://schemas.microsoft.com/office/drawing/2010/main" w="9525">
                   <a:solidFill>
                     <a:srgbClr val="000000"/>
                   </a:solidFill>
@@ -4101,7 +4101,7 @@
             </a:ln>
             <a:extLst>
               <a:ext uri="{91240B29-F687-4f45-9708-019B960494DF}">
-                <a14:hiddenLine xmlns:a14="http://schemas.microsoft.com/office/drawing/2010/main" xmlns="" w="9525">
+                <a14:hiddenLine xmlns="" xmlns:a14="http://schemas.microsoft.com/office/drawing/2010/main" w="9525">
                   <a:solidFill>
                     <a:srgbClr val="000000"/>
                   </a:solidFill>
@@ -4169,7 +4169,7 @@
             </a:ln>
             <a:extLst>
               <a:ext uri="{91240B29-F687-4f45-9708-019B960494DF}">
-                <a14:hiddenLine xmlns:a14="http://schemas.microsoft.com/office/drawing/2010/main" xmlns="" w="9525">
+                <a14:hiddenLine xmlns="" xmlns:a14="http://schemas.microsoft.com/office/drawing/2010/main" w="9525">
                   <a:solidFill>
                     <a:srgbClr val="000000"/>
                   </a:solidFill>
@@ -4259,7 +4259,7 @@
             </a:ln>
             <a:extLst>
               <a:ext uri="{91240B29-F687-4f45-9708-019B960494DF}">
-                <a14:hiddenLine xmlns:a14="http://schemas.microsoft.com/office/drawing/2010/main" xmlns="" w="9525">
+                <a14:hiddenLine xmlns="" xmlns:a14="http://schemas.microsoft.com/office/drawing/2010/main" w="9525">
                   <a:solidFill>
                     <a:srgbClr val="000000"/>
                   </a:solidFill>
@@ -4399,7 +4399,7 @@
           <a:p>
             <a:fld id="{48A87A34-81AB-432B-8DAE-1953F412C126}" type="datetimeFigureOut">
               <a:rPr lang="en-US" dirty="0"/>
-              <a:t>11/9/2018</a:t>
+              <a:t>11/10/2018</a:t>
             </a:fld>
             <a:endParaRPr lang="en-US" dirty="0"/>
           </a:p>
@@ -4661,7 +4661,7 @@
           <a:p>
             <a:fld id="{48A87A34-81AB-432B-8DAE-1953F412C126}" type="datetimeFigureOut">
               <a:rPr lang="en-US" dirty="0"/>
-              <a:t>11/9/2018</a:t>
+              <a:t>11/10/2018</a:t>
             </a:fld>
             <a:endParaRPr lang="en-US" dirty="0"/>
           </a:p>
@@ -4852,7 +4852,7 @@
           <a:p>
             <a:fld id="{48A87A34-81AB-432B-8DAE-1953F412C126}" type="datetimeFigureOut">
               <a:rPr lang="en-US" dirty="0"/>
-              <a:t>11/9/2018</a:t>
+              <a:t>11/10/2018</a:t>
             </a:fld>
             <a:endParaRPr lang="en-US" dirty="0"/>
           </a:p>
@@ -5110,7 +5110,7 @@
           <a:p>
             <a:fld id="{48A87A34-81AB-432B-8DAE-1953F412C126}" type="datetimeFigureOut">
               <a:rPr lang="en-US" dirty="0"/>
-              <a:t>11/9/2018</a:t>
+              <a:t>11/10/2018</a:t>
             </a:fld>
             <a:endParaRPr lang="en-US" dirty="0"/>
           </a:p>
@@ -5539,7 +5539,7 @@
           <a:p>
             <a:fld id="{48A87A34-81AB-432B-8DAE-1953F412C126}" type="datetimeFigureOut">
               <a:rPr lang="en-US" dirty="0"/>
-              <a:t>11/9/2018</a:t>
+              <a:t>11/10/2018</a:t>
             </a:fld>
             <a:endParaRPr lang="en-US" dirty="0"/>
           </a:p>
@@ -6080,7 +6080,7 @@
           <a:p>
             <a:fld id="{48A87A34-81AB-432B-8DAE-1953F412C126}" type="datetimeFigureOut">
               <a:rPr lang="en-US" dirty="0"/>
-              <a:t>11/9/2018</a:t>
+              <a:t>11/10/2018</a:t>
             </a:fld>
             <a:endParaRPr lang="en-US" dirty="0"/>
           </a:p>
@@ -6795,7 +6795,7 @@
           <a:p>
             <a:fld id="{48A87A34-81AB-432B-8DAE-1953F412C126}" type="datetimeFigureOut">
               <a:rPr lang="en-US" dirty="0"/>
-              <a:t>11/9/2018</a:t>
+              <a:t>11/10/2018</a:t>
             </a:fld>
             <a:endParaRPr lang="en-US" dirty="0"/>
           </a:p>
@@ -6960,7 +6960,7 @@
           <a:p>
             <a:fld id="{48A87A34-81AB-432B-8DAE-1953F412C126}" type="datetimeFigureOut">
               <a:rPr lang="en-US" dirty="0"/>
-              <a:t>11/9/2018</a:t>
+              <a:t>11/10/2018</a:t>
             </a:fld>
             <a:endParaRPr lang="en-US" dirty="0"/>
           </a:p>
@@ -7135,7 +7135,7 @@
           <a:p>
             <a:fld id="{48A87A34-81AB-432B-8DAE-1953F412C126}" type="datetimeFigureOut">
               <a:rPr lang="en-US" dirty="0"/>
-              <a:t>11/9/2018</a:t>
+              <a:t>11/10/2018</a:t>
             </a:fld>
             <a:endParaRPr lang="en-US" dirty="0"/>
           </a:p>
@@ -7300,7 +7300,7 @@
           <a:p>
             <a:fld id="{48A87A34-81AB-432B-8DAE-1953F412C126}" type="datetimeFigureOut">
               <a:rPr lang="en-US" dirty="0"/>
-              <a:t>11/9/2018</a:t>
+              <a:t>11/10/2018</a:t>
             </a:fld>
             <a:endParaRPr lang="en-US" dirty="0"/>
           </a:p>
@@ -7545,7 +7545,7 @@
           <a:p>
             <a:fld id="{48A87A34-81AB-432B-8DAE-1953F412C126}" type="datetimeFigureOut">
               <a:rPr lang="en-US" dirty="0"/>
-              <a:t>11/9/2018</a:t>
+              <a:t>11/10/2018</a:t>
             </a:fld>
             <a:endParaRPr lang="en-US" dirty="0"/>
           </a:p>
@@ -7772,7 +7772,7 @@
           <a:p>
             <a:fld id="{48A87A34-81AB-432B-8DAE-1953F412C126}" type="datetimeFigureOut">
               <a:rPr lang="en-US" dirty="0"/>
-              <a:t>11/9/2018</a:t>
+              <a:t>11/10/2018</a:t>
             </a:fld>
             <a:endParaRPr lang="en-US" dirty="0"/>
           </a:p>
@@ -8148,7 +8148,7 @@
           <a:p>
             <a:fld id="{48A87A34-81AB-432B-8DAE-1953F412C126}" type="datetimeFigureOut">
               <a:rPr lang="en-US" dirty="0"/>
-              <a:t>11/9/2018</a:t>
+              <a:t>11/10/2018</a:t>
             </a:fld>
             <a:endParaRPr lang="en-US" dirty="0"/>
           </a:p>
@@ -8261,7 +8261,7 @@
           <a:p>
             <a:fld id="{48A87A34-81AB-432B-8DAE-1953F412C126}" type="datetimeFigureOut">
               <a:rPr lang="en-US" dirty="0"/>
-              <a:t>11/9/2018</a:t>
+              <a:t>11/10/2018</a:t>
             </a:fld>
             <a:endParaRPr lang="en-US" dirty="0"/>
           </a:p>
@@ -8351,7 +8351,7 @@
           <a:p>
             <a:fld id="{48A87A34-81AB-432B-8DAE-1953F412C126}" type="datetimeFigureOut">
               <a:rPr lang="en-US" dirty="0"/>
-              <a:t>11/9/2018</a:t>
+              <a:t>11/10/2018</a:t>
             </a:fld>
             <a:endParaRPr lang="en-US" dirty="0"/>
           </a:p>
@@ -8595,7 +8595,7 @@
           <a:p>
             <a:fld id="{48A87A34-81AB-432B-8DAE-1953F412C126}" type="datetimeFigureOut">
               <a:rPr lang="en-US" dirty="0"/>
-              <a:t>11/9/2018</a:t>
+              <a:t>11/10/2018</a:t>
             </a:fld>
             <a:endParaRPr lang="en-US" dirty="0"/>
           </a:p>
@@ -8870,7 +8870,7 @@
           <a:p>
             <a:fld id="{48A87A34-81AB-432B-8DAE-1953F412C126}" type="datetimeFigureOut">
               <a:rPr lang="en-US" dirty="0"/>
-              <a:t>11/9/2018</a:t>
+              <a:t>11/10/2018</a:t>
             </a:fld>
             <a:endParaRPr lang="en-US" dirty="0"/>
           </a:p>
@@ -8988,7 +8988,7 @@
           <a:noFill/>
           <a:extLst>
             <a:ext uri="{909E8E84-426E-40dd-AFC4-6F175D3DCCD1}">
-              <a14:hiddenFill xmlns:a14="http://schemas.microsoft.com/office/drawing/2010/main" xmlns="">
+              <a14:hiddenFill xmlns="" xmlns:a14="http://schemas.microsoft.com/office/drawing/2010/main">
                 <a:solidFill>
                   <a:srgbClr val="FFFFFF"/>
                 </a:solidFill>
@@ -9062,7 +9062,7 @@
               </a:ln>
               <a:extLst>
                 <a:ext uri="{91240B29-F687-4f45-9708-019B960494DF}">
-                  <a14:hiddenLine xmlns:a14="http://schemas.microsoft.com/office/drawing/2010/main" xmlns="" w="9525">
+                  <a14:hiddenLine xmlns="" xmlns:a14="http://schemas.microsoft.com/office/drawing/2010/main" w="9525">
                     <a:solidFill>
                       <a:srgbClr val="000000"/>
                     </a:solidFill>
@@ -9152,7 +9152,7 @@
               </a:ln>
               <a:extLst>
                 <a:ext uri="{91240B29-F687-4f45-9708-019B960494DF}">
-                  <a14:hiddenLine xmlns:a14="http://schemas.microsoft.com/office/drawing/2010/main" xmlns="" w="9525">
+                  <a14:hiddenLine xmlns="" xmlns:a14="http://schemas.microsoft.com/office/drawing/2010/main" w="9525">
                     <a:solidFill>
                       <a:srgbClr val="000000"/>
                     </a:solidFill>
@@ -9242,7 +9242,7 @@
               </a:ln>
               <a:extLst>
                 <a:ext uri="{91240B29-F687-4f45-9708-019B960494DF}">
-                  <a14:hiddenLine xmlns:a14="http://schemas.microsoft.com/office/drawing/2010/main" xmlns="" w="9525">
+                  <a14:hiddenLine xmlns="" xmlns:a14="http://schemas.microsoft.com/office/drawing/2010/main" w="9525">
                     <a:solidFill>
                       <a:srgbClr val="000000"/>
                     </a:solidFill>
@@ -9304,7 +9304,7 @@
               </a:ln>
               <a:extLst>
                 <a:ext uri="{91240B29-F687-4f45-9708-019B960494DF}">
-                  <a14:hiddenLine xmlns:a14="http://schemas.microsoft.com/office/drawing/2010/main" xmlns="" w="9525">
+                  <a14:hiddenLine xmlns="" xmlns:a14="http://schemas.microsoft.com/office/drawing/2010/main" w="9525">
                     <a:solidFill>
                       <a:srgbClr val="000000"/>
                     </a:solidFill>
@@ -9394,7 +9394,7 @@
               </a:ln>
               <a:extLst>
                 <a:ext uri="{91240B29-F687-4f45-9708-019B960494DF}">
-                  <a14:hiddenLine xmlns:a14="http://schemas.microsoft.com/office/drawing/2010/main" xmlns="" w="9525">
+                  <a14:hiddenLine xmlns="" xmlns:a14="http://schemas.microsoft.com/office/drawing/2010/main" w="9525">
                     <a:solidFill>
                       <a:srgbClr val="000000"/>
                     </a:solidFill>
@@ -9456,7 +9456,7 @@
               </a:ln>
               <a:extLst>
                 <a:ext uri="{91240B29-F687-4f45-9708-019B960494DF}">
-                  <a14:hiddenLine xmlns:a14="http://schemas.microsoft.com/office/drawing/2010/main" xmlns="" w="9525">
+                  <a14:hiddenLine xmlns="" xmlns:a14="http://schemas.microsoft.com/office/drawing/2010/main" w="9525">
                     <a:solidFill>
                       <a:srgbClr val="000000"/>
                     </a:solidFill>
@@ -9518,7 +9518,7 @@
               </a:ln>
               <a:extLst>
                 <a:ext uri="{91240B29-F687-4f45-9708-019B960494DF}">
-                  <a14:hiddenLine xmlns:a14="http://schemas.microsoft.com/office/drawing/2010/main" xmlns="" w="9525">
+                  <a14:hiddenLine xmlns="" xmlns:a14="http://schemas.microsoft.com/office/drawing/2010/main" w="9525">
                     <a:solidFill>
                       <a:srgbClr val="000000"/>
                     </a:solidFill>
@@ -9608,7 +9608,7 @@
               </a:ln>
               <a:extLst>
                 <a:ext uri="{91240B29-F687-4f45-9708-019B960494DF}">
-                  <a14:hiddenLine xmlns:a14="http://schemas.microsoft.com/office/drawing/2010/main" xmlns="" w="9525">
+                  <a14:hiddenLine xmlns="" xmlns:a14="http://schemas.microsoft.com/office/drawing/2010/main" w="9525">
                     <a:solidFill>
                       <a:srgbClr val="000000"/>
                     </a:solidFill>
@@ -9698,7 +9698,7 @@
               </a:ln>
               <a:extLst>
                 <a:ext uri="{91240B29-F687-4f45-9708-019B960494DF}">
-                  <a14:hiddenLine xmlns:a14="http://schemas.microsoft.com/office/drawing/2010/main" xmlns="" w="9525">
+                  <a14:hiddenLine xmlns="" xmlns:a14="http://schemas.microsoft.com/office/drawing/2010/main" w="9525">
                     <a:solidFill>
                       <a:srgbClr val="000000"/>
                     </a:solidFill>
@@ -9760,7 +9760,7 @@
               </a:ln>
               <a:extLst>
                 <a:ext uri="{91240B29-F687-4f45-9708-019B960494DF}">
-                  <a14:hiddenLine xmlns:a14="http://schemas.microsoft.com/office/drawing/2010/main" xmlns="" w="9525">
+                  <a14:hiddenLine xmlns="" xmlns:a14="http://schemas.microsoft.com/office/drawing/2010/main" w="9525">
                     <a:solidFill>
                       <a:srgbClr val="000000"/>
                     </a:solidFill>
@@ -9870,7 +9870,7 @@
               </a:ln>
               <a:extLst>
                 <a:ext uri="{91240B29-F687-4f45-9708-019B960494DF}">
-                  <a14:hiddenLine xmlns:a14="http://schemas.microsoft.com/office/drawing/2010/main" xmlns="" w="9525">
+                  <a14:hiddenLine xmlns="" xmlns:a14="http://schemas.microsoft.com/office/drawing/2010/main" w="9525">
                     <a:solidFill>
                       <a:srgbClr val="000000"/>
                     </a:solidFill>
@@ -9954,7 +9954,7 @@
               </a:ln>
               <a:extLst>
                 <a:ext uri="{91240B29-F687-4f45-9708-019B960494DF}">
-                  <a14:hiddenLine xmlns:a14="http://schemas.microsoft.com/office/drawing/2010/main" xmlns="" w="9525">
+                  <a14:hiddenLine xmlns="" xmlns:a14="http://schemas.microsoft.com/office/drawing/2010/main" w="9525">
                     <a:solidFill>
                       <a:srgbClr val="000000"/>
                     </a:solidFill>
@@ -10016,7 +10016,7 @@
               </a:ln>
               <a:extLst>
                 <a:ext uri="{91240B29-F687-4f45-9708-019B960494DF}">
-                  <a14:hiddenLine xmlns:a14="http://schemas.microsoft.com/office/drawing/2010/main" xmlns="" w="9525">
+                  <a14:hiddenLine xmlns="" xmlns:a14="http://schemas.microsoft.com/office/drawing/2010/main" w="9525">
                     <a:solidFill>
                       <a:srgbClr val="000000"/>
                     </a:solidFill>
@@ -10078,7 +10078,7 @@
               </a:ln>
               <a:extLst>
                 <a:ext uri="{91240B29-F687-4f45-9708-019B960494DF}">
-                  <a14:hiddenLine xmlns:a14="http://schemas.microsoft.com/office/drawing/2010/main" xmlns="" w="9525">
+                  <a14:hiddenLine xmlns="" xmlns:a14="http://schemas.microsoft.com/office/drawing/2010/main" w="9525">
                     <a:solidFill>
                       <a:srgbClr val="000000"/>
                     </a:solidFill>
@@ -10168,7 +10168,7 @@
               </a:ln>
               <a:extLst>
                 <a:ext uri="{91240B29-F687-4f45-9708-019B960494DF}">
-                  <a14:hiddenLine xmlns:a14="http://schemas.microsoft.com/office/drawing/2010/main" xmlns="" w="9525">
+                  <a14:hiddenLine xmlns="" xmlns:a14="http://schemas.microsoft.com/office/drawing/2010/main" w="9525">
                     <a:solidFill>
                       <a:srgbClr val="000000"/>
                     </a:solidFill>
@@ -10202,7 +10202,7 @@
               </a:ln>
               <a:extLst>
                 <a:ext uri="{91240B29-F687-4f45-9708-019B960494DF}">
-                  <a14:hiddenLine xmlns:a14="http://schemas.microsoft.com/office/drawing/2010/main" xmlns="" w="9525">
+                  <a14:hiddenLine xmlns="" xmlns:a14="http://schemas.microsoft.com/office/drawing/2010/main" w="9525">
                     <a:solidFill>
                       <a:srgbClr val="000000"/>
                     </a:solidFill>
@@ -10267,7 +10267,7 @@
               </a:ln>
               <a:extLst>
                 <a:ext uri="{91240B29-F687-4f45-9708-019B960494DF}">
-                  <a14:hiddenLine xmlns:a14="http://schemas.microsoft.com/office/drawing/2010/main" xmlns="" w="9525">
+                  <a14:hiddenLine xmlns="" xmlns:a14="http://schemas.microsoft.com/office/drawing/2010/main" w="9525">
                     <a:solidFill>
                       <a:srgbClr val="000000"/>
                     </a:solidFill>
@@ -10357,7 +10357,7 @@
               </a:ln>
               <a:extLst>
                 <a:ext uri="{91240B29-F687-4f45-9708-019B960494DF}">
-                  <a14:hiddenLine xmlns:a14="http://schemas.microsoft.com/office/drawing/2010/main" xmlns="" w="9525">
+                  <a14:hiddenLine xmlns="" xmlns:a14="http://schemas.microsoft.com/office/drawing/2010/main" w="9525">
                     <a:solidFill>
                       <a:srgbClr val="000000"/>
                     </a:solidFill>
@@ -10419,7 +10419,7 @@
               </a:ln>
               <a:extLst>
                 <a:ext uri="{91240B29-F687-4f45-9708-019B960494DF}">
-                  <a14:hiddenLine xmlns:a14="http://schemas.microsoft.com/office/drawing/2010/main" xmlns="" w="9525">
+                  <a14:hiddenLine xmlns="" xmlns:a14="http://schemas.microsoft.com/office/drawing/2010/main" w="9525">
                     <a:solidFill>
                       <a:srgbClr val="000000"/>
                     </a:solidFill>
@@ -10509,7 +10509,7 @@
               </a:ln>
               <a:extLst>
                 <a:ext uri="{91240B29-F687-4f45-9708-019B960494DF}">
-                  <a14:hiddenLine xmlns:a14="http://schemas.microsoft.com/office/drawing/2010/main" xmlns="" w="9525">
+                  <a14:hiddenLine xmlns="" xmlns:a14="http://schemas.microsoft.com/office/drawing/2010/main" w="9525">
                     <a:solidFill>
                       <a:srgbClr val="000000"/>
                     </a:solidFill>
@@ -10574,7 +10574,7 @@
               </a:ln>
               <a:extLst>
                 <a:ext uri="{91240B29-F687-4f45-9708-019B960494DF}">
-                  <a14:hiddenLine xmlns:a14="http://schemas.microsoft.com/office/drawing/2010/main" xmlns="" w="9525">
+                  <a14:hiddenLine xmlns="" xmlns:a14="http://schemas.microsoft.com/office/drawing/2010/main" w="9525">
                     <a:solidFill>
                       <a:srgbClr val="000000"/>
                     </a:solidFill>
@@ -10636,7 +10636,7 @@
               </a:ln>
               <a:extLst>
                 <a:ext uri="{91240B29-F687-4f45-9708-019B960494DF}">
-                  <a14:hiddenLine xmlns:a14="http://schemas.microsoft.com/office/drawing/2010/main" xmlns="" w="9525">
+                  <a14:hiddenLine xmlns="" xmlns:a14="http://schemas.microsoft.com/office/drawing/2010/main" w="9525">
                     <a:solidFill>
                       <a:srgbClr val="000000"/>
                     </a:solidFill>
@@ -10726,7 +10726,7 @@
               </a:ln>
               <a:extLst>
                 <a:ext uri="{91240B29-F687-4f45-9708-019B960494DF}">
-                  <a14:hiddenLine xmlns:a14="http://schemas.microsoft.com/office/drawing/2010/main" xmlns="" w="9525">
+                  <a14:hiddenLine xmlns="" xmlns:a14="http://schemas.microsoft.com/office/drawing/2010/main" w="9525">
                     <a:solidFill>
                       <a:srgbClr val="000000"/>
                     </a:solidFill>
@@ -10816,7 +10816,7 @@
               </a:ln>
               <a:extLst>
                 <a:ext uri="{91240B29-F687-4f45-9708-019B960494DF}">
-                  <a14:hiddenLine xmlns:a14="http://schemas.microsoft.com/office/drawing/2010/main" xmlns="" w="9525">
+                  <a14:hiddenLine xmlns="" xmlns:a14="http://schemas.microsoft.com/office/drawing/2010/main" w="9525">
                     <a:solidFill>
                       <a:srgbClr val="000000"/>
                     </a:solidFill>
@@ -10881,7 +10881,7 @@
               </a:ln>
               <a:extLst>
                 <a:ext uri="{91240B29-F687-4f45-9708-019B960494DF}">
-                  <a14:hiddenLine xmlns:a14="http://schemas.microsoft.com/office/drawing/2010/main" xmlns="" w="9525">
+                  <a14:hiddenLine xmlns="" xmlns:a14="http://schemas.microsoft.com/office/drawing/2010/main" w="9525">
                     <a:solidFill>
                       <a:srgbClr val="000000"/>
                     </a:solidFill>
@@ -11001,7 +11001,7 @@
               </a:ln>
               <a:extLst>
                 <a:ext uri="{91240B29-F687-4f45-9708-019B960494DF}">
-                  <a14:hiddenLine xmlns:a14="http://schemas.microsoft.com/office/drawing/2010/main" xmlns="" w="9525">
+                  <a14:hiddenLine xmlns="" xmlns:a14="http://schemas.microsoft.com/office/drawing/2010/main" w="9525">
                     <a:solidFill>
                       <a:srgbClr val="000000"/>
                     </a:solidFill>
@@ -11082,7 +11082,7 @@
               </a:ln>
               <a:extLst>
                 <a:ext uri="{91240B29-F687-4f45-9708-019B960494DF}">
-                  <a14:hiddenLine xmlns:a14="http://schemas.microsoft.com/office/drawing/2010/main" xmlns="" w="9525">
+                  <a14:hiddenLine xmlns="" xmlns:a14="http://schemas.microsoft.com/office/drawing/2010/main" w="9525">
                     <a:solidFill>
                       <a:srgbClr val="000000"/>
                     </a:solidFill>
@@ -11197,7 +11197,7 @@
               </a:ln>
               <a:extLst>
                 <a:ext uri="{91240B29-F687-4f45-9708-019B960494DF}">
-                  <a14:hiddenLine xmlns:a14="http://schemas.microsoft.com/office/drawing/2010/main" xmlns="" w="9525">
+                  <a14:hiddenLine xmlns="" xmlns:a14="http://schemas.microsoft.com/office/drawing/2010/main" w="9525">
                     <a:solidFill>
                       <a:srgbClr val="000000"/>
                     </a:solidFill>
@@ -11287,7 +11287,7 @@
               </a:ln>
               <a:extLst>
                 <a:ext uri="{91240B29-F687-4f45-9708-019B960494DF}">
-                  <a14:hiddenLine xmlns:a14="http://schemas.microsoft.com/office/drawing/2010/main" xmlns="" w="9525">
+                  <a14:hiddenLine xmlns="" xmlns:a14="http://schemas.microsoft.com/office/drawing/2010/main" w="9525">
                     <a:solidFill>
                       <a:srgbClr val="000000"/>
                     </a:solidFill>
@@ -11352,7 +11352,7 @@
               </a:ln>
               <a:extLst>
                 <a:ext uri="{91240B29-F687-4f45-9708-019B960494DF}">
-                  <a14:hiddenLine xmlns:a14="http://schemas.microsoft.com/office/drawing/2010/main" xmlns="" w="9525">
+                  <a14:hiddenLine xmlns="" xmlns:a14="http://schemas.microsoft.com/office/drawing/2010/main" w="9525">
                     <a:solidFill>
                       <a:srgbClr val="000000"/>
                     </a:solidFill>
@@ -11442,7 +11442,7 @@
               </a:ln>
               <a:extLst>
                 <a:ext uri="{91240B29-F687-4f45-9708-019B960494DF}">
-                  <a14:hiddenLine xmlns:a14="http://schemas.microsoft.com/office/drawing/2010/main" xmlns="" w="9525">
+                  <a14:hiddenLine xmlns="" xmlns:a14="http://schemas.microsoft.com/office/drawing/2010/main" w="9525">
                     <a:solidFill>
                       <a:srgbClr val="000000"/>
                     </a:solidFill>
@@ -11510,7 +11510,7 @@
               </a:ln>
               <a:extLst>
                 <a:ext uri="{91240B29-F687-4f45-9708-019B960494DF}">
-                  <a14:hiddenLine xmlns:a14="http://schemas.microsoft.com/office/drawing/2010/main" xmlns="" w="9525">
+                  <a14:hiddenLine xmlns="" xmlns:a14="http://schemas.microsoft.com/office/drawing/2010/main" w="9525">
                     <a:solidFill>
                       <a:srgbClr val="000000"/>
                     </a:solidFill>
@@ -11600,7 +11600,7 @@
               </a:ln>
               <a:extLst>
                 <a:ext uri="{91240B29-F687-4f45-9708-019B960494DF}">
-                  <a14:hiddenLine xmlns:a14="http://schemas.microsoft.com/office/drawing/2010/main" xmlns="" w="9525">
+                  <a14:hiddenLine xmlns="" xmlns:a14="http://schemas.microsoft.com/office/drawing/2010/main" w="9525">
                     <a:solidFill>
                       <a:srgbClr val="000000"/>
                     </a:solidFill>
@@ -11668,7 +11668,7 @@
               </a:ln>
               <a:extLst>
                 <a:ext uri="{91240B29-F687-4f45-9708-019B960494DF}">
-                  <a14:hiddenLine xmlns:a14="http://schemas.microsoft.com/office/drawing/2010/main" xmlns="" w="9525">
+                  <a14:hiddenLine xmlns="" xmlns:a14="http://schemas.microsoft.com/office/drawing/2010/main" w="9525">
                     <a:solidFill>
                       <a:srgbClr val="000000"/>
                     </a:solidFill>
@@ -11758,7 +11758,7 @@
               </a:ln>
               <a:extLst>
                 <a:ext uri="{91240B29-F687-4f45-9708-019B960494DF}">
-                  <a14:hiddenLine xmlns:a14="http://schemas.microsoft.com/office/drawing/2010/main" xmlns="" w="9525">
+                  <a14:hiddenLine xmlns="" xmlns:a14="http://schemas.microsoft.com/office/drawing/2010/main" w="9525">
                     <a:solidFill>
                       <a:srgbClr val="000000"/>
                     </a:solidFill>
@@ -11792,7 +11792,7 @@
               </a:ln>
               <a:extLst>
                 <a:ext uri="{91240B29-F687-4f45-9708-019B960494DF}">
-                  <a14:hiddenLine xmlns:a14="http://schemas.microsoft.com/office/drawing/2010/main" xmlns="" w="9525">
+                  <a14:hiddenLine xmlns="" xmlns:a14="http://schemas.microsoft.com/office/drawing/2010/main" w="9525">
                     <a:solidFill>
                       <a:srgbClr val="000000"/>
                     </a:solidFill>
@@ -11933,7 +11933,7 @@
             <a:fld id="{48A87A34-81AB-432B-8DAE-1953F412C126}" type="datetimeFigureOut">
               <a:rPr lang="en-US" dirty="0"/>
               <a:pPr/>
-              <a:t>11/9/2018</a:t>
+              <a:t>11/10/2018</a:t>
             </a:fld>
             <a:endParaRPr lang="en-US" dirty="0"/>
           </a:p>
@@ -12711,7 +12711,7 @@
                 <a:latin typeface="Segoe UI Emoji" panose="020B0502040204020203" pitchFamily="34" charset="0"/>
                 <a:ea typeface="Segoe UI Emoji" panose="020B0502040204020203" pitchFamily="34" charset="0"/>
               </a:rPr>
-              <a:t>Analogy – A house, React is the Yard, paint, couches, beds, TVs, decorations, etc</a:t>
+              <a:t>Analogy – A house, React is the yard, paint, couches, beds, TVs, decorations, etc</a:t>
             </a:r>
             <a:r>
               <a:rPr lang="en-US" dirty="0">

--- a/React/slides/react_lessons_slides.pptx
+++ b/React/slides/react_lessons_slides.pptx
@@ -174,7 +174,7 @@
           <a:noFill/>
           <a:extLst>
             <a:ext uri="{909E8E84-426E-40dd-AFC4-6F175D3DCCD1}">
-              <a14:hiddenFill xmlns="" xmlns:a14="http://schemas.microsoft.com/office/drawing/2010/main">
+              <a14:hiddenFill xmlns:a14="http://schemas.microsoft.com/office/drawing/2010/main" xmlns="">
                 <a:solidFill>
                   <a:srgbClr val="FFFFFF"/>
                 </a:solidFill>
@@ -233,7 +233,7 @@
             </a:ln>
             <a:extLst>
               <a:ext uri="{91240B29-F687-4f45-9708-019B960494DF}">
-                <a14:hiddenLine xmlns="" xmlns:a14="http://schemas.microsoft.com/office/drawing/2010/main" w="9525">
+                <a14:hiddenLine xmlns:a14="http://schemas.microsoft.com/office/drawing/2010/main" xmlns="" w="9525">
                   <a:solidFill>
                     <a:srgbClr val="000000"/>
                   </a:solidFill>
@@ -323,7 +323,7 @@
             </a:ln>
             <a:extLst>
               <a:ext uri="{91240B29-F687-4f45-9708-019B960494DF}">
-                <a14:hiddenLine xmlns="" xmlns:a14="http://schemas.microsoft.com/office/drawing/2010/main" w="9525">
+                <a14:hiddenLine xmlns:a14="http://schemas.microsoft.com/office/drawing/2010/main" xmlns="" w="9525">
                   <a:solidFill>
                     <a:srgbClr val="000000"/>
                   </a:solidFill>
@@ -413,7 +413,7 @@
             </a:ln>
             <a:extLst>
               <a:ext uri="{91240B29-F687-4f45-9708-019B960494DF}">
-                <a14:hiddenLine xmlns="" xmlns:a14="http://schemas.microsoft.com/office/drawing/2010/main" w="9525">
+                <a14:hiddenLine xmlns:a14="http://schemas.microsoft.com/office/drawing/2010/main" xmlns="" w="9525">
                   <a:solidFill>
                     <a:srgbClr val="000000"/>
                   </a:solidFill>
@@ -447,7 +447,7 @@
             </a:ln>
             <a:extLst>
               <a:ext uri="{91240B29-F687-4f45-9708-019B960494DF}">
-                <a14:hiddenLine xmlns="" xmlns:a14="http://schemas.microsoft.com/office/drawing/2010/main" w="9525">
+                <a14:hiddenLine xmlns:a14="http://schemas.microsoft.com/office/drawing/2010/main" xmlns="" w="9525">
                   <a:solidFill>
                     <a:srgbClr val="000000"/>
                   </a:solidFill>
@@ -537,7 +537,7 @@
             </a:ln>
             <a:extLst>
               <a:ext uri="{91240B29-F687-4f45-9708-019B960494DF}">
-                <a14:hiddenLine xmlns="" xmlns:a14="http://schemas.microsoft.com/office/drawing/2010/main" w="9525">
+                <a14:hiddenLine xmlns:a14="http://schemas.microsoft.com/office/drawing/2010/main" xmlns="" w="9525">
                   <a:solidFill>
                     <a:srgbClr val="000000"/>
                   </a:solidFill>
@@ -599,7 +599,7 @@
             </a:ln>
             <a:extLst>
               <a:ext uri="{91240B29-F687-4f45-9708-019B960494DF}">
-                <a14:hiddenLine xmlns="" xmlns:a14="http://schemas.microsoft.com/office/drawing/2010/main" w="9525">
+                <a14:hiddenLine xmlns:a14="http://schemas.microsoft.com/office/drawing/2010/main" xmlns="" w="9525">
                   <a:solidFill>
                     <a:srgbClr val="000000"/>
                   </a:solidFill>
@@ -661,7 +661,7 @@
             </a:ln>
             <a:extLst>
               <a:ext uri="{91240B29-F687-4f45-9708-019B960494DF}">
-                <a14:hiddenLine xmlns="" xmlns:a14="http://schemas.microsoft.com/office/drawing/2010/main" w="9525">
+                <a14:hiddenLine xmlns:a14="http://schemas.microsoft.com/office/drawing/2010/main" xmlns="" w="9525">
                   <a:solidFill>
                     <a:srgbClr val="000000"/>
                   </a:solidFill>
@@ -751,7 +751,7 @@
             </a:ln>
             <a:extLst>
               <a:ext uri="{91240B29-F687-4f45-9708-019B960494DF}">
-                <a14:hiddenLine xmlns="" xmlns:a14="http://schemas.microsoft.com/office/drawing/2010/main" w="9525">
+                <a14:hiddenLine xmlns:a14="http://schemas.microsoft.com/office/drawing/2010/main" xmlns="" w="9525">
                   <a:solidFill>
                     <a:srgbClr val="000000"/>
                   </a:solidFill>
@@ -813,7 +813,7 @@
             </a:ln>
             <a:extLst>
               <a:ext uri="{91240B29-F687-4f45-9708-019B960494DF}">
-                <a14:hiddenLine xmlns="" xmlns:a14="http://schemas.microsoft.com/office/drawing/2010/main" w="9525">
+                <a14:hiddenLine xmlns:a14="http://schemas.microsoft.com/office/drawing/2010/main" xmlns="" w="9525">
                   <a:solidFill>
                     <a:srgbClr val="000000"/>
                   </a:solidFill>
@@ -875,7 +875,7 @@
             </a:ln>
             <a:extLst>
               <a:ext uri="{91240B29-F687-4f45-9708-019B960494DF}">
-                <a14:hiddenLine xmlns="" xmlns:a14="http://schemas.microsoft.com/office/drawing/2010/main" w="9525">
+                <a14:hiddenLine xmlns:a14="http://schemas.microsoft.com/office/drawing/2010/main" xmlns="" w="9525">
                   <a:solidFill>
                     <a:srgbClr val="000000"/>
                   </a:solidFill>
@@ -965,7 +965,7 @@
             </a:ln>
             <a:extLst>
               <a:ext uri="{91240B29-F687-4f45-9708-019B960494DF}">
-                <a14:hiddenLine xmlns="" xmlns:a14="http://schemas.microsoft.com/office/drawing/2010/main" w="9525">
+                <a14:hiddenLine xmlns:a14="http://schemas.microsoft.com/office/drawing/2010/main" xmlns="" w="9525">
                   <a:solidFill>
                     <a:srgbClr val="000000"/>
                   </a:solidFill>
@@ -1055,7 +1055,7 @@
             </a:ln>
             <a:extLst>
               <a:ext uri="{91240B29-F687-4f45-9708-019B960494DF}">
-                <a14:hiddenLine xmlns="" xmlns:a14="http://schemas.microsoft.com/office/drawing/2010/main" w="9525">
+                <a14:hiddenLine xmlns:a14="http://schemas.microsoft.com/office/drawing/2010/main" xmlns="" w="9525">
                   <a:solidFill>
                     <a:srgbClr val="000000"/>
                   </a:solidFill>
@@ -1117,7 +1117,7 @@
             </a:ln>
             <a:extLst>
               <a:ext uri="{91240B29-F687-4f45-9708-019B960494DF}">
-                <a14:hiddenLine xmlns="" xmlns:a14="http://schemas.microsoft.com/office/drawing/2010/main" w="9525">
+                <a14:hiddenLine xmlns:a14="http://schemas.microsoft.com/office/drawing/2010/main" xmlns="" w="9525">
                   <a:solidFill>
                     <a:srgbClr val="000000"/>
                   </a:solidFill>
@@ -1227,7 +1227,7 @@
             </a:ln>
             <a:extLst>
               <a:ext uri="{91240B29-F687-4f45-9708-019B960494DF}">
-                <a14:hiddenLine xmlns="" xmlns:a14="http://schemas.microsoft.com/office/drawing/2010/main" w="9525">
+                <a14:hiddenLine xmlns:a14="http://schemas.microsoft.com/office/drawing/2010/main" xmlns="" w="9525">
                   <a:solidFill>
                     <a:srgbClr val="000000"/>
                   </a:solidFill>
@@ -1289,7 +1289,7 @@
             </a:ln>
             <a:extLst>
               <a:ext uri="{91240B29-F687-4f45-9708-019B960494DF}">
-                <a14:hiddenLine xmlns="" xmlns:a14="http://schemas.microsoft.com/office/drawing/2010/main" w="9525">
+                <a14:hiddenLine xmlns:a14="http://schemas.microsoft.com/office/drawing/2010/main" xmlns="" w="9525">
                   <a:solidFill>
                     <a:srgbClr val="000000"/>
                   </a:solidFill>
@@ -1379,7 +1379,7 @@
             </a:ln>
             <a:extLst>
               <a:ext uri="{91240B29-F687-4f45-9708-019B960494DF}">
-                <a14:hiddenLine xmlns="" xmlns:a14="http://schemas.microsoft.com/office/drawing/2010/main" w="9525">
+                <a14:hiddenLine xmlns:a14="http://schemas.microsoft.com/office/drawing/2010/main" xmlns="" w="9525">
                   <a:solidFill>
                     <a:srgbClr val="000000"/>
                   </a:solidFill>
@@ -1469,7 +1469,7 @@
             </a:ln>
             <a:extLst>
               <a:ext uri="{91240B29-F687-4f45-9708-019B960494DF}">
-                <a14:hiddenLine xmlns="" xmlns:a14="http://schemas.microsoft.com/office/drawing/2010/main" w="9525">
+                <a14:hiddenLine xmlns:a14="http://schemas.microsoft.com/office/drawing/2010/main" xmlns="" w="9525">
                   <a:solidFill>
                     <a:srgbClr val="000000"/>
                   </a:solidFill>
@@ -1531,7 +1531,7 @@
             </a:ln>
             <a:extLst>
               <a:ext uri="{91240B29-F687-4f45-9708-019B960494DF}">
-                <a14:hiddenLine xmlns="" xmlns:a14="http://schemas.microsoft.com/office/drawing/2010/main" w="9525">
+                <a14:hiddenLine xmlns:a14="http://schemas.microsoft.com/office/drawing/2010/main" xmlns="" w="9525">
                   <a:solidFill>
                     <a:srgbClr val="000000"/>
                   </a:solidFill>
@@ -1621,7 +1621,7 @@
             </a:ln>
             <a:extLst>
               <a:ext uri="{91240B29-F687-4f45-9708-019B960494DF}">
-                <a14:hiddenLine xmlns="" xmlns:a14="http://schemas.microsoft.com/office/drawing/2010/main" w="9525">
+                <a14:hiddenLine xmlns:a14="http://schemas.microsoft.com/office/drawing/2010/main" xmlns="" w="9525">
                   <a:solidFill>
                     <a:srgbClr val="000000"/>
                   </a:solidFill>
@@ -1711,7 +1711,7 @@
             </a:ln>
             <a:extLst>
               <a:ext uri="{91240B29-F687-4f45-9708-019B960494DF}">
-                <a14:hiddenLine xmlns="" xmlns:a14="http://schemas.microsoft.com/office/drawing/2010/main" w="9525">
+                <a14:hiddenLine xmlns:a14="http://schemas.microsoft.com/office/drawing/2010/main" xmlns="" w="9525">
                   <a:solidFill>
                     <a:srgbClr val="000000"/>
                   </a:solidFill>
@@ -1767,7 +1767,7 @@
             </a:ln>
             <a:extLst>
               <a:ext uri="{91240B29-F687-4f45-9708-019B960494DF}">
-                <a14:hiddenLine xmlns="" xmlns:a14="http://schemas.microsoft.com/office/drawing/2010/main" w="9525">
+                <a14:hiddenLine xmlns:a14="http://schemas.microsoft.com/office/drawing/2010/main" xmlns="" w="9525">
                   <a:solidFill>
                     <a:srgbClr val="000000"/>
                   </a:solidFill>
@@ -1857,7 +1857,7 @@
             </a:ln>
             <a:extLst>
               <a:ext uri="{91240B29-F687-4f45-9708-019B960494DF}">
-                <a14:hiddenLine xmlns="" xmlns:a14="http://schemas.microsoft.com/office/drawing/2010/main" w="9525">
+                <a14:hiddenLine xmlns:a14="http://schemas.microsoft.com/office/drawing/2010/main" xmlns="" w="9525">
                   <a:solidFill>
                     <a:srgbClr val="000000"/>
                   </a:solidFill>
@@ -1913,7 +1913,7 @@
             </a:ln>
             <a:extLst>
               <a:ext uri="{91240B29-F687-4f45-9708-019B960494DF}">
-                <a14:hiddenLine xmlns="" xmlns:a14="http://schemas.microsoft.com/office/drawing/2010/main" w="9525">
+                <a14:hiddenLine xmlns:a14="http://schemas.microsoft.com/office/drawing/2010/main" xmlns="" w="9525">
                   <a:solidFill>
                     <a:srgbClr val="000000"/>
                   </a:solidFill>
@@ -2003,7 +2003,7 @@
             </a:ln>
             <a:extLst>
               <a:ext uri="{91240B29-F687-4f45-9708-019B960494DF}">
-                <a14:hiddenLine xmlns="" xmlns:a14="http://schemas.microsoft.com/office/drawing/2010/main" w="9525">
+                <a14:hiddenLine xmlns:a14="http://schemas.microsoft.com/office/drawing/2010/main" xmlns="" w="9525">
                   <a:solidFill>
                     <a:srgbClr val="000000"/>
                   </a:solidFill>
@@ -2071,7 +2071,7 @@
             </a:ln>
             <a:extLst>
               <a:ext uri="{91240B29-F687-4f45-9708-019B960494DF}">
-                <a14:hiddenLine xmlns="" xmlns:a14="http://schemas.microsoft.com/office/drawing/2010/main" w="9525">
+                <a14:hiddenLine xmlns:a14="http://schemas.microsoft.com/office/drawing/2010/main" xmlns="" w="9525">
                   <a:solidFill>
                     <a:srgbClr val="000000"/>
                   </a:solidFill>
@@ -2161,7 +2161,7 @@
             </a:ln>
             <a:extLst>
               <a:ext uri="{91240B29-F687-4f45-9708-019B960494DF}">
-                <a14:hiddenLine xmlns="" xmlns:a14="http://schemas.microsoft.com/office/drawing/2010/main" w="9525">
+                <a14:hiddenLine xmlns:a14="http://schemas.microsoft.com/office/drawing/2010/main" xmlns="" w="9525">
                   <a:solidFill>
                     <a:srgbClr val="000000"/>
                   </a:solidFill>
@@ -2229,7 +2229,7 @@
             </a:ln>
             <a:extLst>
               <a:ext uri="{91240B29-F687-4f45-9708-019B960494DF}">
-                <a14:hiddenLine xmlns="" xmlns:a14="http://schemas.microsoft.com/office/drawing/2010/main" w="9525">
+                <a14:hiddenLine xmlns:a14="http://schemas.microsoft.com/office/drawing/2010/main" xmlns="" w="9525">
                   <a:solidFill>
                     <a:srgbClr val="000000"/>
                   </a:solidFill>
@@ -2319,7 +2319,7 @@
             </a:ln>
             <a:extLst>
               <a:ext uri="{91240B29-F687-4f45-9708-019B960494DF}">
-                <a14:hiddenLine xmlns="" xmlns:a14="http://schemas.microsoft.com/office/drawing/2010/main" w="9525">
+                <a14:hiddenLine xmlns:a14="http://schemas.microsoft.com/office/drawing/2010/main" xmlns="" w="9525">
                   <a:solidFill>
                     <a:srgbClr val="000000"/>
                   </a:solidFill>
@@ -2353,7 +2353,7 @@
             </a:ln>
             <a:extLst>
               <a:ext uri="{91240B29-F687-4f45-9708-019B960494DF}">
-                <a14:hiddenLine xmlns="" xmlns:a14="http://schemas.microsoft.com/office/drawing/2010/main" w="9525">
+                <a14:hiddenLine xmlns:a14="http://schemas.microsoft.com/office/drawing/2010/main" xmlns="" w="9525">
                   <a:solidFill>
                     <a:srgbClr val="000000"/>
                   </a:solidFill>
@@ -2443,7 +2443,7 @@
             </a:ln>
             <a:extLst>
               <a:ext uri="{91240B29-F687-4f45-9708-019B960494DF}">
-                <a14:hiddenLine xmlns="" xmlns:a14="http://schemas.microsoft.com/office/drawing/2010/main" w="9525">
+                <a14:hiddenLine xmlns:a14="http://schemas.microsoft.com/office/drawing/2010/main" xmlns="" w="9525">
                   <a:solidFill>
                     <a:srgbClr val="000000"/>
                   </a:solidFill>
@@ -2505,7 +2505,7 @@
             </a:ln>
             <a:extLst>
               <a:ext uri="{91240B29-F687-4f45-9708-019B960494DF}">
-                <a14:hiddenLine xmlns="" xmlns:a14="http://schemas.microsoft.com/office/drawing/2010/main" w="9525">
+                <a14:hiddenLine xmlns:a14="http://schemas.microsoft.com/office/drawing/2010/main" xmlns="" w="9525">
                   <a:solidFill>
                     <a:srgbClr val="000000"/>
                   </a:solidFill>
@@ -2567,7 +2567,7 @@
             </a:ln>
             <a:extLst>
               <a:ext uri="{91240B29-F687-4f45-9708-019B960494DF}">
-                <a14:hiddenLine xmlns="" xmlns:a14="http://schemas.microsoft.com/office/drawing/2010/main" w="9525">
+                <a14:hiddenLine xmlns:a14="http://schemas.microsoft.com/office/drawing/2010/main" xmlns="" w="9525">
                   <a:solidFill>
                     <a:srgbClr val="000000"/>
                   </a:solidFill>
@@ -2657,7 +2657,7 @@
             </a:ln>
             <a:extLst>
               <a:ext uri="{91240B29-F687-4f45-9708-019B960494DF}">
-                <a14:hiddenLine xmlns="" xmlns:a14="http://schemas.microsoft.com/office/drawing/2010/main" w="9525">
+                <a14:hiddenLine xmlns:a14="http://schemas.microsoft.com/office/drawing/2010/main" xmlns="" w="9525">
                   <a:solidFill>
                     <a:srgbClr val="000000"/>
                   </a:solidFill>
@@ -2725,7 +2725,7 @@
             </a:ln>
             <a:extLst>
               <a:ext uri="{91240B29-F687-4f45-9708-019B960494DF}">
-                <a14:hiddenLine xmlns="" xmlns:a14="http://schemas.microsoft.com/office/drawing/2010/main" w="9525">
+                <a14:hiddenLine xmlns:a14="http://schemas.microsoft.com/office/drawing/2010/main" xmlns="" w="9525">
                   <a:solidFill>
                     <a:srgbClr val="000000"/>
                   </a:solidFill>
@@ -2787,7 +2787,7 @@
             </a:ln>
             <a:extLst>
               <a:ext uri="{91240B29-F687-4f45-9708-019B960494DF}">
-                <a14:hiddenLine xmlns="" xmlns:a14="http://schemas.microsoft.com/office/drawing/2010/main" w="9525">
+                <a14:hiddenLine xmlns:a14="http://schemas.microsoft.com/office/drawing/2010/main" xmlns="" w="9525">
                   <a:solidFill>
                     <a:srgbClr val="000000"/>
                   </a:solidFill>
@@ -2877,7 +2877,7 @@
             </a:ln>
             <a:extLst>
               <a:ext uri="{91240B29-F687-4f45-9708-019B960494DF}">
-                <a14:hiddenLine xmlns="" xmlns:a14="http://schemas.microsoft.com/office/drawing/2010/main" w="9525">
+                <a14:hiddenLine xmlns:a14="http://schemas.microsoft.com/office/drawing/2010/main" xmlns="" w="9525">
                   <a:solidFill>
                     <a:srgbClr val="000000"/>
                   </a:solidFill>
@@ -2939,7 +2939,7 @@
             </a:ln>
             <a:extLst>
               <a:ext uri="{91240B29-F687-4f45-9708-019B960494DF}">
-                <a14:hiddenLine xmlns="" xmlns:a14="http://schemas.microsoft.com/office/drawing/2010/main" w="9525">
+                <a14:hiddenLine xmlns:a14="http://schemas.microsoft.com/office/drawing/2010/main" xmlns="" w="9525">
                   <a:solidFill>
                     <a:srgbClr val="000000"/>
                   </a:solidFill>
@@ -3029,7 +3029,7 @@
             </a:ln>
             <a:extLst>
               <a:ext uri="{91240B29-F687-4f45-9708-019B960494DF}">
-                <a14:hiddenLine xmlns="" xmlns:a14="http://schemas.microsoft.com/office/drawing/2010/main" w="9525">
+                <a14:hiddenLine xmlns:a14="http://schemas.microsoft.com/office/drawing/2010/main" xmlns="" w="9525">
                   <a:solidFill>
                     <a:srgbClr val="000000"/>
                   </a:solidFill>
@@ -3091,7 +3091,7 @@
             </a:ln>
             <a:extLst>
               <a:ext uri="{91240B29-F687-4f45-9708-019B960494DF}">
-                <a14:hiddenLine xmlns="" xmlns:a14="http://schemas.microsoft.com/office/drawing/2010/main" w="9525">
+                <a14:hiddenLine xmlns:a14="http://schemas.microsoft.com/office/drawing/2010/main" xmlns="" w="9525">
                   <a:solidFill>
                     <a:srgbClr val="000000"/>
                   </a:solidFill>
@@ -3181,7 +3181,7 @@
             </a:ln>
             <a:extLst>
               <a:ext uri="{91240B29-F687-4f45-9708-019B960494DF}">
-                <a14:hiddenLine xmlns="" xmlns:a14="http://schemas.microsoft.com/office/drawing/2010/main" w="9525">
+                <a14:hiddenLine xmlns:a14="http://schemas.microsoft.com/office/drawing/2010/main" xmlns="" w="9525">
                   <a:solidFill>
                     <a:srgbClr val="000000"/>
                   </a:solidFill>
@@ -3215,7 +3215,7 @@
             </a:ln>
             <a:extLst>
               <a:ext uri="{91240B29-F687-4f45-9708-019B960494DF}">
-                <a14:hiddenLine xmlns="" xmlns:a14="http://schemas.microsoft.com/office/drawing/2010/main" w="9525">
+                <a14:hiddenLine xmlns:a14="http://schemas.microsoft.com/office/drawing/2010/main" xmlns="" w="9525">
                   <a:solidFill>
                     <a:srgbClr val="000000"/>
                   </a:solidFill>
@@ -3280,7 +3280,7 @@
             </a:ln>
             <a:extLst>
               <a:ext uri="{91240B29-F687-4f45-9708-019B960494DF}">
-                <a14:hiddenLine xmlns="" xmlns:a14="http://schemas.microsoft.com/office/drawing/2010/main" w="9525">
+                <a14:hiddenLine xmlns:a14="http://schemas.microsoft.com/office/drawing/2010/main" xmlns="" w="9525">
                   <a:solidFill>
                     <a:srgbClr val="000000"/>
                   </a:solidFill>
@@ -3370,7 +3370,7 @@
             </a:ln>
             <a:extLst>
               <a:ext uri="{91240B29-F687-4f45-9708-019B960494DF}">
-                <a14:hiddenLine xmlns="" xmlns:a14="http://schemas.microsoft.com/office/drawing/2010/main" w="9525">
+                <a14:hiddenLine xmlns:a14="http://schemas.microsoft.com/office/drawing/2010/main" xmlns="" w="9525">
                   <a:solidFill>
                     <a:srgbClr val="000000"/>
                   </a:solidFill>
@@ -3432,7 +3432,7 @@
             </a:ln>
             <a:extLst>
               <a:ext uri="{91240B29-F687-4f45-9708-019B960494DF}">
-                <a14:hiddenLine xmlns="" xmlns:a14="http://schemas.microsoft.com/office/drawing/2010/main" w="9525">
+                <a14:hiddenLine xmlns:a14="http://schemas.microsoft.com/office/drawing/2010/main" xmlns="" w="9525">
                   <a:solidFill>
                     <a:srgbClr val="000000"/>
                   </a:solidFill>
@@ -3522,7 +3522,7 @@
             </a:ln>
             <a:extLst>
               <a:ext uri="{91240B29-F687-4f45-9708-019B960494DF}">
-                <a14:hiddenLine xmlns="" xmlns:a14="http://schemas.microsoft.com/office/drawing/2010/main" w="9525">
+                <a14:hiddenLine xmlns:a14="http://schemas.microsoft.com/office/drawing/2010/main" xmlns="" w="9525">
                   <a:solidFill>
                     <a:srgbClr val="000000"/>
                   </a:solidFill>
@@ -3612,7 +3612,7 @@
             </a:ln>
             <a:extLst>
               <a:ext uri="{91240B29-F687-4f45-9708-019B960494DF}">
-                <a14:hiddenLine xmlns="" xmlns:a14="http://schemas.microsoft.com/office/drawing/2010/main" w="9525">
+                <a14:hiddenLine xmlns:a14="http://schemas.microsoft.com/office/drawing/2010/main" xmlns="" w="9525">
                   <a:solidFill>
                     <a:srgbClr val="000000"/>
                   </a:solidFill>
@@ -3677,7 +3677,7 @@
             </a:ln>
             <a:extLst>
               <a:ext uri="{91240B29-F687-4f45-9708-019B960494DF}">
-                <a14:hiddenLine xmlns="" xmlns:a14="http://schemas.microsoft.com/office/drawing/2010/main" w="9525">
+                <a14:hiddenLine xmlns:a14="http://schemas.microsoft.com/office/drawing/2010/main" xmlns="" w="9525">
                   <a:solidFill>
                     <a:srgbClr val="000000"/>
                   </a:solidFill>
@@ -3739,7 +3739,7 @@
             </a:ln>
             <a:extLst>
               <a:ext uri="{91240B29-F687-4f45-9708-019B960494DF}">
-                <a14:hiddenLine xmlns="" xmlns:a14="http://schemas.microsoft.com/office/drawing/2010/main" w="9525">
+                <a14:hiddenLine xmlns:a14="http://schemas.microsoft.com/office/drawing/2010/main" xmlns="" w="9525">
                   <a:solidFill>
                     <a:srgbClr val="000000"/>
                   </a:solidFill>
@@ -3829,7 +3829,7 @@
             </a:ln>
             <a:extLst>
               <a:ext uri="{91240B29-F687-4f45-9708-019B960494DF}">
-                <a14:hiddenLine xmlns="" xmlns:a14="http://schemas.microsoft.com/office/drawing/2010/main" w="9525">
+                <a14:hiddenLine xmlns:a14="http://schemas.microsoft.com/office/drawing/2010/main" xmlns="" w="9525">
                   <a:solidFill>
                     <a:srgbClr val="000000"/>
                   </a:solidFill>
@@ -3919,7 +3919,7 @@
             </a:ln>
             <a:extLst>
               <a:ext uri="{91240B29-F687-4f45-9708-019B960494DF}">
-                <a14:hiddenLine xmlns="" xmlns:a14="http://schemas.microsoft.com/office/drawing/2010/main" w="9525">
+                <a14:hiddenLine xmlns:a14="http://schemas.microsoft.com/office/drawing/2010/main" xmlns="" w="9525">
                   <a:solidFill>
                     <a:srgbClr val="000000"/>
                   </a:solidFill>
@@ -3981,7 +3981,7 @@
             </a:ln>
             <a:extLst>
               <a:ext uri="{91240B29-F687-4f45-9708-019B960494DF}">
-                <a14:hiddenLine xmlns="" xmlns:a14="http://schemas.microsoft.com/office/drawing/2010/main" w="9525">
+                <a14:hiddenLine xmlns:a14="http://schemas.microsoft.com/office/drawing/2010/main" xmlns="" w="9525">
                   <a:solidFill>
                     <a:srgbClr val="000000"/>
                   </a:solidFill>
@@ -4101,7 +4101,7 @@
             </a:ln>
             <a:extLst>
               <a:ext uri="{91240B29-F687-4f45-9708-019B960494DF}">
-                <a14:hiddenLine xmlns="" xmlns:a14="http://schemas.microsoft.com/office/drawing/2010/main" w="9525">
+                <a14:hiddenLine xmlns:a14="http://schemas.microsoft.com/office/drawing/2010/main" xmlns="" w="9525">
                   <a:solidFill>
                     <a:srgbClr val="000000"/>
                   </a:solidFill>
@@ -4169,7 +4169,7 @@
             </a:ln>
             <a:extLst>
               <a:ext uri="{91240B29-F687-4f45-9708-019B960494DF}">
-                <a14:hiddenLine xmlns="" xmlns:a14="http://schemas.microsoft.com/office/drawing/2010/main" w="9525">
+                <a14:hiddenLine xmlns:a14="http://schemas.microsoft.com/office/drawing/2010/main" xmlns="" w="9525">
                   <a:solidFill>
                     <a:srgbClr val="000000"/>
                   </a:solidFill>
@@ -4259,7 +4259,7 @@
             </a:ln>
             <a:extLst>
               <a:ext uri="{91240B29-F687-4f45-9708-019B960494DF}">
-                <a14:hiddenLine xmlns="" xmlns:a14="http://schemas.microsoft.com/office/drawing/2010/main" w="9525">
+                <a14:hiddenLine xmlns:a14="http://schemas.microsoft.com/office/drawing/2010/main" xmlns="" w="9525">
                   <a:solidFill>
                     <a:srgbClr val="000000"/>
                   </a:solidFill>
@@ -8988,7 +8988,7 @@
           <a:noFill/>
           <a:extLst>
             <a:ext uri="{909E8E84-426E-40dd-AFC4-6F175D3DCCD1}">
-              <a14:hiddenFill xmlns="" xmlns:a14="http://schemas.microsoft.com/office/drawing/2010/main">
+              <a14:hiddenFill xmlns:a14="http://schemas.microsoft.com/office/drawing/2010/main" xmlns="">
                 <a:solidFill>
                   <a:srgbClr val="FFFFFF"/>
                 </a:solidFill>
@@ -9062,7 +9062,7 @@
               </a:ln>
               <a:extLst>
                 <a:ext uri="{91240B29-F687-4f45-9708-019B960494DF}">
-                  <a14:hiddenLine xmlns="" xmlns:a14="http://schemas.microsoft.com/office/drawing/2010/main" w="9525">
+                  <a14:hiddenLine xmlns:a14="http://schemas.microsoft.com/office/drawing/2010/main" xmlns="" w="9525">
                     <a:solidFill>
                       <a:srgbClr val="000000"/>
                     </a:solidFill>
@@ -9152,7 +9152,7 @@
               </a:ln>
               <a:extLst>
                 <a:ext uri="{91240B29-F687-4f45-9708-019B960494DF}">
-                  <a14:hiddenLine xmlns="" xmlns:a14="http://schemas.microsoft.com/office/drawing/2010/main" w="9525">
+                  <a14:hiddenLine xmlns:a14="http://schemas.microsoft.com/office/drawing/2010/main" xmlns="" w="9525">
                     <a:solidFill>
                       <a:srgbClr val="000000"/>
                     </a:solidFill>
@@ -9242,7 +9242,7 @@
               </a:ln>
               <a:extLst>
                 <a:ext uri="{91240B29-F687-4f45-9708-019B960494DF}">
-                  <a14:hiddenLine xmlns="" xmlns:a14="http://schemas.microsoft.com/office/drawing/2010/main" w="9525">
+                  <a14:hiddenLine xmlns:a14="http://schemas.microsoft.com/office/drawing/2010/main" xmlns="" w="9525">
                     <a:solidFill>
                       <a:srgbClr val="000000"/>
                     </a:solidFill>
@@ -9304,7 +9304,7 @@
               </a:ln>
               <a:extLst>
                 <a:ext uri="{91240B29-F687-4f45-9708-019B960494DF}">
-                  <a14:hiddenLine xmlns="" xmlns:a14="http://schemas.microsoft.com/office/drawing/2010/main" w="9525">
+                  <a14:hiddenLine xmlns:a14="http://schemas.microsoft.com/office/drawing/2010/main" xmlns="" w="9525">
                     <a:solidFill>
                       <a:srgbClr val="000000"/>
                     </a:solidFill>
@@ -9394,7 +9394,7 @@
               </a:ln>
               <a:extLst>
                 <a:ext uri="{91240B29-F687-4f45-9708-019B960494DF}">
-                  <a14:hiddenLine xmlns="" xmlns:a14="http://schemas.microsoft.com/office/drawing/2010/main" w="9525">
+                  <a14:hiddenLine xmlns:a14="http://schemas.microsoft.com/office/drawing/2010/main" xmlns="" w="9525">
                     <a:solidFill>
                       <a:srgbClr val="000000"/>
                     </a:solidFill>
@@ -9456,7 +9456,7 @@
               </a:ln>
               <a:extLst>
                 <a:ext uri="{91240B29-F687-4f45-9708-019B960494DF}">
-                  <a14:hiddenLine xmlns="" xmlns:a14="http://schemas.microsoft.com/office/drawing/2010/main" w="9525">
+                  <a14:hiddenLine xmlns:a14="http://schemas.microsoft.com/office/drawing/2010/main" xmlns="" w="9525">
                     <a:solidFill>
                       <a:srgbClr val="000000"/>
                     </a:solidFill>
@@ -9518,7 +9518,7 @@
               </a:ln>
               <a:extLst>
                 <a:ext uri="{91240B29-F687-4f45-9708-019B960494DF}">
-                  <a14:hiddenLine xmlns="" xmlns:a14="http://schemas.microsoft.com/office/drawing/2010/main" w="9525">
+                  <a14:hiddenLine xmlns:a14="http://schemas.microsoft.com/office/drawing/2010/main" xmlns="" w="9525">
                     <a:solidFill>
                       <a:srgbClr val="000000"/>
                     </a:solidFill>
@@ -9608,7 +9608,7 @@
               </a:ln>
               <a:extLst>
                 <a:ext uri="{91240B29-F687-4f45-9708-019B960494DF}">
-                  <a14:hiddenLine xmlns="" xmlns:a14="http://schemas.microsoft.com/office/drawing/2010/main" w="9525">
+                  <a14:hiddenLine xmlns:a14="http://schemas.microsoft.com/office/drawing/2010/main" xmlns="" w="9525">
                     <a:solidFill>
                       <a:srgbClr val="000000"/>
                     </a:solidFill>
@@ -9698,7 +9698,7 @@
               </a:ln>
               <a:extLst>
                 <a:ext uri="{91240B29-F687-4f45-9708-019B960494DF}">
-                  <a14:hiddenLine xmlns="" xmlns:a14="http://schemas.microsoft.com/office/drawing/2010/main" w="9525">
+                  <a14:hiddenLine xmlns:a14="http://schemas.microsoft.com/office/drawing/2010/main" xmlns="" w="9525">
                     <a:solidFill>
                       <a:srgbClr val="000000"/>
                     </a:solidFill>
@@ -9760,7 +9760,7 @@
               </a:ln>
               <a:extLst>
                 <a:ext uri="{91240B29-F687-4f45-9708-019B960494DF}">
-                  <a14:hiddenLine xmlns="" xmlns:a14="http://schemas.microsoft.com/office/drawing/2010/main" w="9525">
+                  <a14:hiddenLine xmlns:a14="http://schemas.microsoft.com/office/drawing/2010/main" xmlns="" w="9525">
                     <a:solidFill>
                       <a:srgbClr val="000000"/>
                     </a:solidFill>
@@ -9870,7 +9870,7 @@
               </a:ln>
               <a:extLst>
                 <a:ext uri="{91240B29-F687-4f45-9708-019B960494DF}">
-                  <a14:hiddenLine xmlns="" xmlns:a14="http://schemas.microsoft.com/office/drawing/2010/main" w="9525">
+                  <a14:hiddenLine xmlns:a14="http://schemas.microsoft.com/office/drawing/2010/main" xmlns="" w="9525">
                     <a:solidFill>
                       <a:srgbClr val="000000"/>
                     </a:solidFill>
@@ -9954,7 +9954,7 @@
               </a:ln>
               <a:extLst>
                 <a:ext uri="{91240B29-F687-4f45-9708-019B960494DF}">
-                  <a14:hiddenLine xmlns="" xmlns:a14="http://schemas.microsoft.com/office/drawing/2010/main" w="9525">
+                  <a14:hiddenLine xmlns:a14="http://schemas.microsoft.com/office/drawing/2010/main" xmlns="" w="9525">
                     <a:solidFill>
                       <a:srgbClr val="000000"/>
                     </a:solidFill>
@@ -10016,7 +10016,7 @@
               </a:ln>
               <a:extLst>
                 <a:ext uri="{91240B29-F687-4f45-9708-019B960494DF}">
-                  <a14:hiddenLine xmlns="" xmlns:a14="http://schemas.microsoft.com/office/drawing/2010/main" w="9525">
+                  <a14:hiddenLine xmlns:a14="http://schemas.microsoft.com/office/drawing/2010/main" xmlns="" w="9525">
                     <a:solidFill>
                       <a:srgbClr val="000000"/>
                     </a:solidFill>
@@ -10078,7 +10078,7 @@
               </a:ln>
               <a:extLst>
                 <a:ext uri="{91240B29-F687-4f45-9708-019B960494DF}">
-                  <a14:hiddenLine xmlns="" xmlns:a14="http://schemas.microsoft.com/office/drawing/2010/main" w="9525">
+                  <a14:hiddenLine xmlns:a14="http://schemas.microsoft.com/office/drawing/2010/main" xmlns="" w="9525">
                     <a:solidFill>
                       <a:srgbClr val="000000"/>
                     </a:solidFill>
@@ -10168,7 +10168,7 @@
               </a:ln>
               <a:extLst>
                 <a:ext uri="{91240B29-F687-4f45-9708-019B960494DF}">
-                  <a14:hiddenLine xmlns="" xmlns:a14="http://schemas.microsoft.com/office/drawing/2010/main" w="9525">
+                  <a14:hiddenLine xmlns:a14="http://schemas.microsoft.com/office/drawing/2010/main" xmlns="" w="9525">
                     <a:solidFill>
                       <a:srgbClr val="000000"/>
                     </a:solidFill>
@@ -10202,7 +10202,7 @@
               </a:ln>
               <a:extLst>
                 <a:ext uri="{91240B29-F687-4f45-9708-019B960494DF}">
-                  <a14:hiddenLine xmlns="" xmlns:a14="http://schemas.microsoft.com/office/drawing/2010/main" w="9525">
+                  <a14:hiddenLine xmlns:a14="http://schemas.microsoft.com/office/drawing/2010/main" xmlns="" w="9525">
                     <a:solidFill>
                       <a:srgbClr val="000000"/>
                     </a:solidFill>
@@ -10267,7 +10267,7 @@
               </a:ln>
               <a:extLst>
                 <a:ext uri="{91240B29-F687-4f45-9708-019B960494DF}">
-                  <a14:hiddenLine xmlns="" xmlns:a14="http://schemas.microsoft.com/office/drawing/2010/main" w="9525">
+                  <a14:hiddenLine xmlns:a14="http://schemas.microsoft.com/office/drawing/2010/main" xmlns="" w="9525">
                     <a:solidFill>
                       <a:srgbClr val="000000"/>
                     </a:solidFill>
@@ -10357,7 +10357,7 @@
               </a:ln>
               <a:extLst>
                 <a:ext uri="{91240B29-F687-4f45-9708-019B960494DF}">
-                  <a14:hiddenLine xmlns="" xmlns:a14="http://schemas.microsoft.com/office/drawing/2010/main" w="9525">
+                  <a14:hiddenLine xmlns:a14="http://schemas.microsoft.com/office/drawing/2010/main" xmlns="" w="9525">
                     <a:solidFill>
                       <a:srgbClr val="000000"/>
                     </a:solidFill>
@@ -10419,7 +10419,7 @@
               </a:ln>
               <a:extLst>
                 <a:ext uri="{91240B29-F687-4f45-9708-019B960494DF}">
-                  <a14:hiddenLine xmlns="" xmlns:a14="http://schemas.microsoft.com/office/drawing/2010/main" w="9525">
+                  <a14:hiddenLine xmlns:a14="http://schemas.microsoft.com/office/drawing/2010/main" xmlns="" w="9525">
                     <a:solidFill>
                       <a:srgbClr val="000000"/>
                     </a:solidFill>
@@ -10509,7 +10509,7 @@
               </a:ln>
               <a:extLst>
                 <a:ext uri="{91240B29-F687-4f45-9708-019B960494DF}">
-                  <a14:hiddenLine xmlns="" xmlns:a14="http://schemas.microsoft.com/office/drawing/2010/main" w="9525">
+                  <a14:hiddenLine xmlns:a14="http://schemas.microsoft.com/office/drawing/2010/main" xmlns="" w="9525">
                     <a:solidFill>
                       <a:srgbClr val="000000"/>
                     </a:solidFill>
@@ -10574,7 +10574,7 @@
               </a:ln>
               <a:extLst>
                 <a:ext uri="{91240B29-F687-4f45-9708-019B960494DF}">
-                  <a14:hiddenLine xmlns="" xmlns:a14="http://schemas.microsoft.com/office/drawing/2010/main" w="9525">
+                  <a14:hiddenLine xmlns:a14="http://schemas.microsoft.com/office/drawing/2010/main" xmlns="" w="9525">
                     <a:solidFill>
                       <a:srgbClr val="000000"/>
                     </a:solidFill>
@@ -10636,7 +10636,7 @@
               </a:ln>
               <a:extLst>
                 <a:ext uri="{91240B29-F687-4f45-9708-019B960494DF}">
-                  <a14:hiddenLine xmlns="" xmlns:a14="http://schemas.microsoft.com/office/drawing/2010/main" w="9525">
+                  <a14:hiddenLine xmlns:a14="http://schemas.microsoft.com/office/drawing/2010/main" xmlns="" w="9525">
                     <a:solidFill>
                       <a:srgbClr val="000000"/>
                     </a:solidFill>
@@ -10726,7 +10726,7 @@
               </a:ln>
               <a:extLst>
                 <a:ext uri="{91240B29-F687-4f45-9708-019B960494DF}">
-                  <a14:hiddenLine xmlns="" xmlns:a14="http://schemas.microsoft.com/office/drawing/2010/main" w="9525">
+                  <a14:hiddenLine xmlns:a14="http://schemas.microsoft.com/office/drawing/2010/main" xmlns="" w="9525">
                     <a:solidFill>
                       <a:srgbClr val="000000"/>
                     </a:solidFill>
@@ -10816,7 +10816,7 @@
               </a:ln>
               <a:extLst>
                 <a:ext uri="{91240B29-F687-4f45-9708-019B960494DF}">
-                  <a14:hiddenLine xmlns="" xmlns:a14="http://schemas.microsoft.com/office/drawing/2010/main" w="9525">
+                  <a14:hiddenLine xmlns:a14="http://schemas.microsoft.com/office/drawing/2010/main" xmlns="" w="9525">
                     <a:solidFill>
                       <a:srgbClr val="000000"/>
                     </a:solidFill>
@@ -10881,7 +10881,7 @@
               </a:ln>
               <a:extLst>
                 <a:ext uri="{91240B29-F687-4f45-9708-019B960494DF}">
-                  <a14:hiddenLine xmlns="" xmlns:a14="http://schemas.microsoft.com/office/drawing/2010/main" w="9525">
+                  <a14:hiddenLine xmlns:a14="http://schemas.microsoft.com/office/drawing/2010/main" xmlns="" w="9525">
                     <a:solidFill>
                       <a:srgbClr val="000000"/>
                     </a:solidFill>
@@ -11001,7 +11001,7 @@
               </a:ln>
               <a:extLst>
                 <a:ext uri="{91240B29-F687-4f45-9708-019B960494DF}">
-                  <a14:hiddenLine xmlns="" xmlns:a14="http://schemas.microsoft.com/office/drawing/2010/main" w="9525">
+                  <a14:hiddenLine xmlns:a14="http://schemas.microsoft.com/office/drawing/2010/main" xmlns="" w="9525">
                     <a:solidFill>
                       <a:srgbClr val="000000"/>
                     </a:solidFill>
@@ -11082,7 +11082,7 @@
               </a:ln>
               <a:extLst>
                 <a:ext uri="{91240B29-F687-4f45-9708-019B960494DF}">
-                  <a14:hiddenLine xmlns="" xmlns:a14="http://schemas.microsoft.com/office/drawing/2010/main" w="9525">
+                  <a14:hiddenLine xmlns:a14="http://schemas.microsoft.com/office/drawing/2010/main" xmlns="" w="9525">
                     <a:solidFill>
                       <a:srgbClr val="000000"/>
                     </a:solidFill>
@@ -11197,7 +11197,7 @@
               </a:ln>
               <a:extLst>
                 <a:ext uri="{91240B29-F687-4f45-9708-019B960494DF}">
-                  <a14:hiddenLine xmlns="" xmlns:a14="http://schemas.microsoft.com/office/drawing/2010/main" w="9525">
+                  <a14:hiddenLine xmlns:a14="http://schemas.microsoft.com/office/drawing/2010/main" xmlns="" w="9525">
                     <a:solidFill>
                       <a:srgbClr val="000000"/>
                     </a:solidFill>
@@ -11287,7 +11287,7 @@
               </a:ln>
               <a:extLst>
                 <a:ext uri="{91240B29-F687-4f45-9708-019B960494DF}">
-                  <a14:hiddenLine xmlns="" xmlns:a14="http://schemas.microsoft.com/office/drawing/2010/main" w="9525">
+                  <a14:hiddenLine xmlns:a14="http://schemas.microsoft.com/office/drawing/2010/main" xmlns="" w="9525">
                     <a:solidFill>
                       <a:srgbClr val="000000"/>
                     </a:solidFill>
@@ -11352,7 +11352,7 @@
               </a:ln>
               <a:extLst>
                 <a:ext uri="{91240B29-F687-4f45-9708-019B960494DF}">
-                  <a14:hiddenLine xmlns="" xmlns:a14="http://schemas.microsoft.com/office/drawing/2010/main" w="9525">
+                  <a14:hiddenLine xmlns:a14="http://schemas.microsoft.com/office/drawing/2010/main" xmlns="" w="9525">
                     <a:solidFill>
                       <a:srgbClr val="000000"/>
                     </a:solidFill>
@@ -11442,7 +11442,7 @@
               </a:ln>
               <a:extLst>
                 <a:ext uri="{91240B29-F687-4f45-9708-019B960494DF}">
-                  <a14:hiddenLine xmlns="" xmlns:a14="http://schemas.microsoft.com/office/drawing/2010/main" w="9525">
+                  <a14:hiddenLine xmlns:a14="http://schemas.microsoft.com/office/drawing/2010/main" xmlns="" w="9525">
                     <a:solidFill>
                       <a:srgbClr val="000000"/>
                     </a:solidFill>
@@ -11510,7 +11510,7 @@
               </a:ln>
               <a:extLst>
                 <a:ext uri="{91240B29-F687-4f45-9708-019B960494DF}">
-                  <a14:hiddenLine xmlns="" xmlns:a14="http://schemas.microsoft.com/office/drawing/2010/main" w="9525">
+                  <a14:hiddenLine xmlns:a14="http://schemas.microsoft.com/office/drawing/2010/main" xmlns="" w="9525">
                     <a:solidFill>
                       <a:srgbClr val="000000"/>
                     </a:solidFill>
@@ -11600,7 +11600,7 @@
               </a:ln>
               <a:extLst>
                 <a:ext uri="{91240B29-F687-4f45-9708-019B960494DF}">
-                  <a14:hiddenLine xmlns="" xmlns:a14="http://schemas.microsoft.com/office/drawing/2010/main" w="9525">
+                  <a14:hiddenLine xmlns:a14="http://schemas.microsoft.com/office/drawing/2010/main" xmlns="" w="9525">
                     <a:solidFill>
                       <a:srgbClr val="000000"/>
                     </a:solidFill>
@@ -11668,7 +11668,7 @@
               </a:ln>
               <a:extLst>
                 <a:ext uri="{91240B29-F687-4f45-9708-019B960494DF}">
-                  <a14:hiddenLine xmlns="" xmlns:a14="http://schemas.microsoft.com/office/drawing/2010/main" w="9525">
+                  <a14:hiddenLine xmlns:a14="http://schemas.microsoft.com/office/drawing/2010/main" xmlns="" w="9525">
                     <a:solidFill>
                       <a:srgbClr val="000000"/>
                     </a:solidFill>
@@ -11758,7 +11758,7 @@
               </a:ln>
               <a:extLst>
                 <a:ext uri="{91240B29-F687-4f45-9708-019B960494DF}">
-                  <a14:hiddenLine xmlns="" xmlns:a14="http://schemas.microsoft.com/office/drawing/2010/main" w="9525">
+                  <a14:hiddenLine xmlns:a14="http://schemas.microsoft.com/office/drawing/2010/main" xmlns="" w="9525">
                     <a:solidFill>
                       <a:srgbClr val="000000"/>
                     </a:solidFill>
@@ -11792,7 +11792,7 @@
               </a:ln>
               <a:extLst>
                 <a:ext uri="{91240B29-F687-4f45-9708-019B960494DF}">
-                  <a14:hiddenLine xmlns="" xmlns:a14="http://schemas.microsoft.com/office/drawing/2010/main" w="9525">
+                  <a14:hiddenLine xmlns:a14="http://schemas.microsoft.com/office/drawing/2010/main" xmlns="" w="9525">
                     <a:solidFill>
                       <a:srgbClr val="000000"/>
                     </a:solidFill>
@@ -13037,7 +13037,9 @@
         </p:nvSpPr>
         <p:spPr/>
         <p:txBody>
-          <a:bodyPr/>
+          <a:bodyPr>
+            <a:normAutofit/>
+          </a:bodyPr>
           <a:lstStyle/>
           <a:p>
             <a:r>
@@ -13054,7 +13056,7 @@
           <a:p>
             <a:r>
               <a:rPr lang="en-US" dirty="0"/>
-              <a:t>Type: </a:t>
+              <a:t>Type: “</a:t>
             </a:r>
             <a:r>
               <a:rPr lang="en-US" dirty="0" err="1"/>
@@ -13062,7 +13064,7 @@
             </a:r>
             <a:r>
               <a:rPr lang="en-US" dirty="0"/>
-              <a:t> install -g update-node or download: </a:t>
+              <a:t> install -g update node” or download: </a:t>
             </a:r>
             <a:r>
               <a:rPr lang="en-US" dirty="0">
@@ -13075,7 +13077,7 @@
           <a:p>
             <a:r>
               <a:rPr lang="en-US" dirty="0"/>
-              <a:t>Now to add React, type: </a:t>
+              <a:t>Now to add React, type: “</a:t>
             </a:r>
             <a:r>
               <a:rPr lang="en-US" dirty="0" err="1"/>
@@ -13083,8 +13085,13 @@
             </a:r>
             <a:r>
               <a:rPr lang="en-US" dirty="0"/>
-              <a:t> install –g create-react-app</a:t>
+              <a:t> install –</a:t>
             </a:r>
+            <a:r>
+              <a:rPr lang="en-US"/>
+              <a:t>g create-react-app”</a:t>
+            </a:r>
+            <a:endParaRPr lang="en-US" dirty="0"/>
           </a:p>
           <a:p>
             <a:r>

--- a/React/slides/react_lessons_slides.pptx
+++ b/React/slides/react_lessons_slides.pptx
@@ -9,8 +9,10 @@
     <p:sldId id="257" r:id="rId3"/>
     <p:sldId id="258" r:id="rId4"/>
     <p:sldId id="259" r:id="rId5"/>
-    <p:sldId id="260" r:id="rId6"/>
-    <p:sldId id="261" r:id="rId7"/>
+    <p:sldId id="263" r:id="rId6"/>
+    <p:sldId id="262" r:id="rId7"/>
+    <p:sldId id="260" r:id="rId8"/>
+    <p:sldId id="261" r:id="rId9"/>
   </p:sldIdLst>
   <p:sldSz cx="12192000" cy="6858000"/>
   <p:notesSz cx="6858000" cy="9144000"/>
@@ -174,7 +176,7 @@
           <a:noFill/>
           <a:extLst>
             <a:ext uri="{909E8E84-426E-40dd-AFC4-6F175D3DCCD1}">
-              <a14:hiddenFill xmlns:a14="http://schemas.microsoft.com/office/drawing/2010/main" xmlns="">
+              <a14:hiddenFill xmlns="" xmlns:a14="http://schemas.microsoft.com/office/drawing/2010/main">
                 <a:solidFill>
                   <a:srgbClr val="FFFFFF"/>
                 </a:solidFill>
@@ -233,7 +235,7 @@
             </a:ln>
             <a:extLst>
               <a:ext uri="{91240B29-F687-4f45-9708-019B960494DF}">
-                <a14:hiddenLine xmlns:a14="http://schemas.microsoft.com/office/drawing/2010/main" xmlns="" w="9525">
+                <a14:hiddenLine xmlns="" xmlns:a14="http://schemas.microsoft.com/office/drawing/2010/main" w="9525">
                   <a:solidFill>
                     <a:srgbClr val="000000"/>
                   </a:solidFill>
@@ -323,7 +325,7 @@
             </a:ln>
             <a:extLst>
               <a:ext uri="{91240B29-F687-4f45-9708-019B960494DF}">
-                <a14:hiddenLine xmlns:a14="http://schemas.microsoft.com/office/drawing/2010/main" xmlns="" w="9525">
+                <a14:hiddenLine xmlns="" xmlns:a14="http://schemas.microsoft.com/office/drawing/2010/main" w="9525">
                   <a:solidFill>
                     <a:srgbClr val="000000"/>
                   </a:solidFill>
@@ -413,7 +415,7 @@
             </a:ln>
             <a:extLst>
               <a:ext uri="{91240B29-F687-4f45-9708-019B960494DF}">
-                <a14:hiddenLine xmlns:a14="http://schemas.microsoft.com/office/drawing/2010/main" xmlns="" w="9525">
+                <a14:hiddenLine xmlns="" xmlns:a14="http://schemas.microsoft.com/office/drawing/2010/main" w="9525">
                   <a:solidFill>
                     <a:srgbClr val="000000"/>
                   </a:solidFill>
@@ -447,7 +449,7 @@
             </a:ln>
             <a:extLst>
               <a:ext uri="{91240B29-F687-4f45-9708-019B960494DF}">
-                <a14:hiddenLine xmlns:a14="http://schemas.microsoft.com/office/drawing/2010/main" xmlns="" w="9525">
+                <a14:hiddenLine xmlns="" xmlns:a14="http://schemas.microsoft.com/office/drawing/2010/main" w="9525">
                   <a:solidFill>
                     <a:srgbClr val="000000"/>
                   </a:solidFill>
@@ -537,7 +539,7 @@
             </a:ln>
             <a:extLst>
               <a:ext uri="{91240B29-F687-4f45-9708-019B960494DF}">
-                <a14:hiddenLine xmlns:a14="http://schemas.microsoft.com/office/drawing/2010/main" xmlns="" w="9525">
+                <a14:hiddenLine xmlns="" xmlns:a14="http://schemas.microsoft.com/office/drawing/2010/main" w="9525">
                   <a:solidFill>
                     <a:srgbClr val="000000"/>
                   </a:solidFill>
@@ -599,7 +601,7 @@
             </a:ln>
             <a:extLst>
               <a:ext uri="{91240B29-F687-4f45-9708-019B960494DF}">
-                <a14:hiddenLine xmlns:a14="http://schemas.microsoft.com/office/drawing/2010/main" xmlns="" w="9525">
+                <a14:hiddenLine xmlns="" xmlns:a14="http://schemas.microsoft.com/office/drawing/2010/main" w="9525">
                   <a:solidFill>
                     <a:srgbClr val="000000"/>
                   </a:solidFill>
@@ -661,7 +663,7 @@
             </a:ln>
             <a:extLst>
               <a:ext uri="{91240B29-F687-4f45-9708-019B960494DF}">
-                <a14:hiddenLine xmlns:a14="http://schemas.microsoft.com/office/drawing/2010/main" xmlns="" w="9525">
+                <a14:hiddenLine xmlns="" xmlns:a14="http://schemas.microsoft.com/office/drawing/2010/main" w="9525">
                   <a:solidFill>
                     <a:srgbClr val="000000"/>
                   </a:solidFill>
@@ -751,7 +753,7 @@
             </a:ln>
             <a:extLst>
               <a:ext uri="{91240B29-F687-4f45-9708-019B960494DF}">
-                <a14:hiddenLine xmlns:a14="http://schemas.microsoft.com/office/drawing/2010/main" xmlns="" w="9525">
+                <a14:hiddenLine xmlns="" xmlns:a14="http://schemas.microsoft.com/office/drawing/2010/main" w="9525">
                   <a:solidFill>
                     <a:srgbClr val="000000"/>
                   </a:solidFill>
@@ -813,7 +815,7 @@
             </a:ln>
             <a:extLst>
               <a:ext uri="{91240B29-F687-4f45-9708-019B960494DF}">
-                <a14:hiddenLine xmlns:a14="http://schemas.microsoft.com/office/drawing/2010/main" xmlns="" w="9525">
+                <a14:hiddenLine xmlns="" xmlns:a14="http://schemas.microsoft.com/office/drawing/2010/main" w="9525">
                   <a:solidFill>
                     <a:srgbClr val="000000"/>
                   </a:solidFill>
@@ -875,7 +877,7 @@
             </a:ln>
             <a:extLst>
               <a:ext uri="{91240B29-F687-4f45-9708-019B960494DF}">
-                <a14:hiddenLine xmlns:a14="http://schemas.microsoft.com/office/drawing/2010/main" xmlns="" w="9525">
+                <a14:hiddenLine xmlns="" xmlns:a14="http://schemas.microsoft.com/office/drawing/2010/main" w="9525">
                   <a:solidFill>
                     <a:srgbClr val="000000"/>
                   </a:solidFill>
@@ -965,7 +967,7 @@
             </a:ln>
             <a:extLst>
               <a:ext uri="{91240B29-F687-4f45-9708-019B960494DF}">
-                <a14:hiddenLine xmlns:a14="http://schemas.microsoft.com/office/drawing/2010/main" xmlns="" w="9525">
+                <a14:hiddenLine xmlns="" xmlns:a14="http://schemas.microsoft.com/office/drawing/2010/main" w="9525">
                   <a:solidFill>
                     <a:srgbClr val="000000"/>
                   </a:solidFill>
@@ -1055,7 +1057,7 @@
             </a:ln>
             <a:extLst>
               <a:ext uri="{91240B29-F687-4f45-9708-019B960494DF}">
-                <a14:hiddenLine xmlns:a14="http://schemas.microsoft.com/office/drawing/2010/main" xmlns="" w="9525">
+                <a14:hiddenLine xmlns="" xmlns:a14="http://schemas.microsoft.com/office/drawing/2010/main" w="9525">
                   <a:solidFill>
                     <a:srgbClr val="000000"/>
                   </a:solidFill>
@@ -1117,7 +1119,7 @@
             </a:ln>
             <a:extLst>
               <a:ext uri="{91240B29-F687-4f45-9708-019B960494DF}">
-                <a14:hiddenLine xmlns:a14="http://schemas.microsoft.com/office/drawing/2010/main" xmlns="" w="9525">
+                <a14:hiddenLine xmlns="" xmlns:a14="http://schemas.microsoft.com/office/drawing/2010/main" w="9525">
                   <a:solidFill>
                     <a:srgbClr val="000000"/>
                   </a:solidFill>
@@ -1227,7 +1229,7 @@
             </a:ln>
             <a:extLst>
               <a:ext uri="{91240B29-F687-4f45-9708-019B960494DF}">
-                <a14:hiddenLine xmlns:a14="http://schemas.microsoft.com/office/drawing/2010/main" xmlns="" w="9525">
+                <a14:hiddenLine xmlns="" xmlns:a14="http://schemas.microsoft.com/office/drawing/2010/main" w="9525">
                   <a:solidFill>
                     <a:srgbClr val="000000"/>
                   </a:solidFill>
@@ -1289,7 +1291,7 @@
             </a:ln>
             <a:extLst>
               <a:ext uri="{91240B29-F687-4f45-9708-019B960494DF}">
-                <a14:hiddenLine xmlns:a14="http://schemas.microsoft.com/office/drawing/2010/main" xmlns="" w="9525">
+                <a14:hiddenLine xmlns="" xmlns:a14="http://schemas.microsoft.com/office/drawing/2010/main" w="9525">
                   <a:solidFill>
                     <a:srgbClr val="000000"/>
                   </a:solidFill>
@@ -1379,7 +1381,7 @@
             </a:ln>
             <a:extLst>
               <a:ext uri="{91240B29-F687-4f45-9708-019B960494DF}">
-                <a14:hiddenLine xmlns:a14="http://schemas.microsoft.com/office/drawing/2010/main" xmlns="" w="9525">
+                <a14:hiddenLine xmlns="" xmlns:a14="http://schemas.microsoft.com/office/drawing/2010/main" w="9525">
                   <a:solidFill>
                     <a:srgbClr val="000000"/>
                   </a:solidFill>
@@ -1469,7 +1471,7 @@
             </a:ln>
             <a:extLst>
               <a:ext uri="{91240B29-F687-4f45-9708-019B960494DF}">
-                <a14:hiddenLine xmlns:a14="http://schemas.microsoft.com/office/drawing/2010/main" xmlns="" w="9525">
+                <a14:hiddenLine xmlns="" xmlns:a14="http://schemas.microsoft.com/office/drawing/2010/main" w="9525">
                   <a:solidFill>
                     <a:srgbClr val="000000"/>
                   </a:solidFill>
@@ -1531,7 +1533,7 @@
             </a:ln>
             <a:extLst>
               <a:ext uri="{91240B29-F687-4f45-9708-019B960494DF}">
-                <a14:hiddenLine xmlns:a14="http://schemas.microsoft.com/office/drawing/2010/main" xmlns="" w="9525">
+                <a14:hiddenLine xmlns="" xmlns:a14="http://schemas.microsoft.com/office/drawing/2010/main" w="9525">
                   <a:solidFill>
                     <a:srgbClr val="000000"/>
                   </a:solidFill>
@@ -1621,7 +1623,7 @@
             </a:ln>
             <a:extLst>
               <a:ext uri="{91240B29-F687-4f45-9708-019B960494DF}">
-                <a14:hiddenLine xmlns:a14="http://schemas.microsoft.com/office/drawing/2010/main" xmlns="" w="9525">
+                <a14:hiddenLine xmlns="" xmlns:a14="http://schemas.microsoft.com/office/drawing/2010/main" w="9525">
                   <a:solidFill>
                     <a:srgbClr val="000000"/>
                   </a:solidFill>
@@ -1711,7 +1713,7 @@
             </a:ln>
             <a:extLst>
               <a:ext uri="{91240B29-F687-4f45-9708-019B960494DF}">
-                <a14:hiddenLine xmlns:a14="http://schemas.microsoft.com/office/drawing/2010/main" xmlns="" w="9525">
+                <a14:hiddenLine xmlns="" xmlns:a14="http://schemas.microsoft.com/office/drawing/2010/main" w="9525">
                   <a:solidFill>
                     <a:srgbClr val="000000"/>
                   </a:solidFill>
@@ -1767,7 +1769,7 @@
             </a:ln>
             <a:extLst>
               <a:ext uri="{91240B29-F687-4f45-9708-019B960494DF}">
-                <a14:hiddenLine xmlns:a14="http://schemas.microsoft.com/office/drawing/2010/main" xmlns="" w="9525">
+                <a14:hiddenLine xmlns="" xmlns:a14="http://schemas.microsoft.com/office/drawing/2010/main" w="9525">
                   <a:solidFill>
                     <a:srgbClr val="000000"/>
                   </a:solidFill>
@@ -1857,7 +1859,7 @@
             </a:ln>
             <a:extLst>
               <a:ext uri="{91240B29-F687-4f45-9708-019B960494DF}">
-                <a14:hiddenLine xmlns:a14="http://schemas.microsoft.com/office/drawing/2010/main" xmlns="" w="9525">
+                <a14:hiddenLine xmlns="" xmlns:a14="http://schemas.microsoft.com/office/drawing/2010/main" w="9525">
                   <a:solidFill>
                     <a:srgbClr val="000000"/>
                   </a:solidFill>
@@ -1913,7 +1915,7 @@
             </a:ln>
             <a:extLst>
               <a:ext uri="{91240B29-F687-4f45-9708-019B960494DF}">
-                <a14:hiddenLine xmlns:a14="http://schemas.microsoft.com/office/drawing/2010/main" xmlns="" w="9525">
+                <a14:hiddenLine xmlns="" xmlns:a14="http://schemas.microsoft.com/office/drawing/2010/main" w="9525">
                   <a:solidFill>
                     <a:srgbClr val="000000"/>
                   </a:solidFill>
@@ -2003,7 +2005,7 @@
             </a:ln>
             <a:extLst>
               <a:ext uri="{91240B29-F687-4f45-9708-019B960494DF}">
-                <a14:hiddenLine xmlns:a14="http://schemas.microsoft.com/office/drawing/2010/main" xmlns="" w="9525">
+                <a14:hiddenLine xmlns="" xmlns:a14="http://schemas.microsoft.com/office/drawing/2010/main" w="9525">
                   <a:solidFill>
                     <a:srgbClr val="000000"/>
                   </a:solidFill>
@@ -2071,7 +2073,7 @@
             </a:ln>
             <a:extLst>
               <a:ext uri="{91240B29-F687-4f45-9708-019B960494DF}">
-                <a14:hiddenLine xmlns:a14="http://schemas.microsoft.com/office/drawing/2010/main" xmlns="" w="9525">
+                <a14:hiddenLine xmlns="" xmlns:a14="http://schemas.microsoft.com/office/drawing/2010/main" w="9525">
                   <a:solidFill>
                     <a:srgbClr val="000000"/>
                   </a:solidFill>
@@ -2161,7 +2163,7 @@
             </a:ln>
             <a:extLst>
               <a:ext uri="{91240B29-F687-4f45-9708-019B960494DF}">
-                <a14:hiddenLine xmlns:a14="http://schemas.microsoft.com/office/drawing/2010/main" xmlns="" w="9525">
+                <a14:hiddenLine xmlns="" xmlns:a14="http://schemas.microsoft.com/office/drawing/2010/main" w="9525">
                   <a:solidFill>
                     <a:srgbClr val="000000"/>
                   </a:solidFill>
@@ -2229,7 +2231,7 @@
             </a:ln>
             <a:extLst>
               <a:ext uri="{91240B29-F687-4f45-9708-019B960494DF}">
-                <a14:hiddenLine xmlns:a14="http://schemas.microsoft.com/office/drawing/2010/main" xmlns="" w="9525">
+                <a14:hiddenLine xmlns="" xmlns:a14="http://schemas.microsoft.com/office/drawing/2010/main" w="9525">
                   <a:solidFill>
                     <a:srgbClr val="000000"/>
                   </a:solidFill>
@@ -2319,7 +2321,7 @@
             </a:ln>
             <a:extLst>
               <a:ext uri="{91240B29-F687-4f45-9708-019B960494DF}">
-                <a14:hiddenLine xmlns:a14="http://schemas.microsoft.com/office/drawing/2010/main" xmlns="" w="9525">
+                <a14:hiddenLine xmlns="" xmlns:a14="http://schemas.microsoft.com/office/drawing/2010/main" w="9525">
                   <a:solidFill>
                     <a:srgbClr val="000000"/>
                   </a:solidFill>
@@ -2353,7 +2355,7 @@
             </a:ln>
             <a:extLst>
               <a:ext uri="{91240B29-F687-4f45-9708-019B960494DF}">
-                <a14:hiddenLine xmlns:a14="http://schemas.microsoft.com/office/drawing/2010/main" xmlns="" w="9525">
+                <a14:hiddenLine xmlns="" xmlns:a14="http://schemas.microsoft.com/office/drawing/2010/main" w="9525">
                   <a:solidFill>
                     <a:srgbClr val="000000"/>
                   </a:solidFill>
@@ -2443,7 +2445,7 @@
             </a:ln>
             <a:extLst>
               <a:ext uri="{91240B29-F687-4f45-9708-019B960494DF}">
-                <a14:hiddenLine xmlns:a14="http://schemas.microsoft.com/office/drawing/2010/main" xmlns="" w="9525">
+                <a14:hiddenLine xmlns="" xmlns:a14="http://schemas.microsoft.com/office/drawing/2010/main" w="9525">
                   <a:solidFill>
                     <a:srgbClr val="000000"/>
                   </a:solidFill>
@@ -2505,7 +2507,7 @@
             </a:ln>
             <a:extLst>
               <a:ext uri="{91240B29-F687-4f45-9708-019B960494DF}">
-                <a14:hiddenLine xmlns:a14="http://schemas.microsoft.com/office/drawing/2010/main" xmlns="" w="9525">
+                <a14:hiddenLine xmlns="" xmlns:a14="http://schemas.microsoft.com/office/drawing/2010/main" w="9525">
                   <a:solidFill>
                     <a:srgbClr val="000000"/>
                   </a:solidFill>
@@ -2567,7 +2569,7 @@
             </a:ln>
             <a:extLst>
               <a:ext uri="{91240B29-F687-4f45-9708-019B960494DF}">
-                <a14:hiddenLine xmlns:a14="http://schemas.microsoft.com/office/drawing/2010/main" xmlns="" w="9525">
+                <a14:hiddenLine xmlns="" xmlns:a14="http://schemas.microsoft.com/office/drawing/2010/main" w="9525">
                   <a:solidFill>
                     <a:srgbClr val="000000"/>
                   </a:solidFill>
@@ -2657,7 +2659,7 @@
             </a:ln>
             <a:extLst>
               <a:ext uri="{91240B29-F687-4f45-9708-019B960494DF}">
-                <a14:hiddenLine xmlns:a14="http://schemas.microsoft.com/office/drawing/2010/main" xmlns="" w="9525">
+                <a14:hiddenLine xmlns="" xmlns:a14="http://schemas.microsoft.com/office/drawing/2010/main" w="9525">
                   <a:solidFill>
                     <a:srgbClr val="000000"/>
                   </a:solidFill>
@@ -2725,7 +2727,7 @@
             </a:ln>
             <a:extLst>
               <a:ext uri="{91240B29-F687-4f45-9708-019B960494DF}">
-                <a14:hiddenLine xmlns:a14="http://schemas.microsoft.com/office/drawing/2010/main" xmlns="" w="9525">
+                <a14:hiddenLine xmlns="" xmlns:a14="http://schemas.microsoft.com/office/drawing/2010/main" w="9525">
                   <a:solidFill>
                     <a:srgbClr val="000000"/>
                   </a:solidFill>
@@ -2787,7 +2789,7 @@
             </a:ln>
             <a:extLst>
               <a:ext uri="{91240B29-F687-4f45-9708-019B960494DF}">
-                <a14:hiddenLine xmlns:a14="http://schemas.microsoft.com/office/drawing/2010/main" xmlns="" w="9525">
+                <a14:hiddenLine xmlns="" xmlns:a14="http://schemas.microsoft.com/office/drawing/2010/main" w="9525">
                   <a:solidFill>
                     <a:srgbClr val="000000"/>
                   </a:solidFill>
@@ -2877,7 +2879,7 @@
             </a:ln>
             <a:extLst>
               <a:ext uri="{91240B29-F687-4f45-9708-019B960494DF}">
-                <a14:hiddenLine xmlns:a14="http://schemas.microsoft.com/office/drawing/2010/main" xmlns="" w="9525">
+                <a14:hiddenLine xmlns="" xmlns:a14="http://schemas.microsoft.com/office/drawing/2010/main" w="9525">
                   <a:solidFill>
                     <a:srgbClr val="000000"/>
                   </a:solidFill>
@@ -2939,7 +2941,7 @@
             </a:ln>
             <a:extLst>
               <a:ext uri="{91240B29-F687-4f45-9708-019B960494DF}">
-                <a14:hiddenLine xmlns:a14="http://schemas.microsoft.com/office/drawing/2010/main" xmlns="" w="9525">
+                <a14:hiddenLine xmlns="" xmlns:a14="http://schemas.microsoft.com/office/drawing/2010/main" w="9525">
                   <a:solidFill>
                     <a:srgbClr val="000000"/>
                   </a:solidFill>
@@ -3029,7 +3031,7 @@
             </a:ln>
             <a:extLst>
               <a:ext uri="{91240B29-F687-4f45-9708-019B960494DF}">
-                <a14:hiddenLine xmlns:a14="http://schemas.microsoft.com/office/drawing/2010/main" xmlns="" w="9525">
+                <a14:hiddenLine xmlns="" xmlns:a14="http://schemas.microsoft.com/office/drawing/2010/main" w="9525">
                   <a:solidFill>
                     <a:srgbClr val="000000"/>
                   </a:solidFill>
@@ -3091,7 +3093,7 @@
             </a:ln>
             <a:extLst>
               <a:ext uri="{91240B29-F687-4f45-9708-019B960494DF}">
-                <a14:hiddenLine xmlns:a14="http://schemas.microsoft.com/office/drawing/2010/main" xmlns="" w="9525">
+                <a14:hiddenLine xmlns="" xmlns:a14="http://schemas.microsoft.com/office/drawing/2010/main" w="9525">
                   <a:solidFill>
                     <a:srgbClr val="000000"/>
                   </a:solidFill>
@@ -3181,7 +3183,7 @@
             </a:ln>
             <a:extLst>
               <a:ext uri="{91240B29-F687-4f45-9708-019B960494DF}">
-                <a14:hiddenLine xmlns:a14="http://schemas.microsoft.com/office/drawing/2010/main" xmlns="" w="9525">
+                <a14:hiddenLine xmlns="" xmlns:a14="http://schemas.microsoft.com/office/drawing/2010/main" w="9525">
                   <a:solidFill>
                     <a:srgbClr val="000000"/>
                   </a:solidFill>
@@ -3215,7 +3217,7 @@
             </a:ln>
             <a:extLst>
               <a:ext uri="{91240B29-F687-4f45-9708-019B960494DF}">
-                <a14:hiddenLine xmlns:a14="http://schemas.microsoft.com/office/drawing/2010/main" xmlns="" w="9525">
+                <a14:hiddenLine xmlns="" xmlns:a14="http://schemas.microsoft.com/office/drawing/2010/main" w="9525">
                   <a:solidFill>
                     <a:srgbClr val="000000"/>
                   </a:solidFill>
@@ -3280,7 +3282,7 @@
             </a:ln>
             <a:extLst>
               <a:ext uri="{91240B29-F687-4f45-9708-019B960494DF}">
-                <a14:hiddenLine xmlns:a14="http://schemas.microsoft.com/office/drawing/2010/main" xmlns="" w="9525">
+                <a14:hiddenLine xmlns="" xmlns:a14="http://schemas.microsoft.com/office/drawing/2010/main" w="9525">
                   <a:solidFill>
                     <a:srgbClr val="000000"/>
                   </a:solidFill>
@@ -3370,7 +3372,7 @@
             </a:ln>
             <a:extLst>
               <a:ext uri="{91240B29-F687-4f45-9708-019B960494DF}">
-                <a14:hiddenLine xmlns:a14="http://schemas.microsoft.com/office/drawing/2010/main" xmlns="" w="9525">
+                <a14:hiddenLine xmlns="" xmlns:a14="http://schemas.microsoft.com/office/drawing/2010/main" w="9525">
                   <a:solidFill>
                     <a:srgbClr val="000000"/>
                   </a:solidFill>
@@ -3432,7 +3434,7 @@
             </a:ln>
             <a:extLst>
               <a:ext uri="{91240B29-F687-4f45-9708-019B960494DF}">
-                <a14:hiddenLine xmlns:a14="http://schemas.microsoft.com/office/drawing/2010/main" xmlns="" w="9525">
+                <a14:hiddenLine xmlns="" xmlns:a14="http://schemas.microsoft.com/office/drawing/2010/main" w="9525">
                   <a:solidFill>
                     <a:srgbClr val="000000"/>
                   </a:solidFill>
@@ -3522,7 +3524,7 @@
             </a:ln>
             <a:extLst>
               <a:ext uri="{91240B29-F687-4f45-9708-019B960494DF}">
-                <a14:hiddenLine xmlns:a14="http://schemas.microsoft.com/office/drawing/2010/main" xmlns="" w="9525">
+                <a14:hiddenLine xmlns="" xmlns:a14="http://schemas.microsoft.com/office/drawing/2010/main" w="9525">
                   <a:solidFill>
                     <a:srgbClr val="000000"/>
                   </a:solidFill>
@@ -3612,7 +3614,7 @@
             </a:ln>
             <a:extLst>
               <a:ext uri="{91240B29-F687-4f45-9708-019B960494DF}">
-                <a14:hiddenLine xmlns:a14="http://schemas.microsoft.com/office/drawing/2010/main" xmlns="" w="9525">
+                <a14:hiddenLine xmlns="" xmlns:a14="http://schemas.microsoft.com/office/drawing/2010/main" w="9525">
                   <a:solidFill>
                     <a:srgbClr val="000000"/>
                   </a:solidFill>
@@ -3677,7 +3679,7 @@
             </a:ln>
             <a:extLst>
               <a:ext uri="{91240B29-F687-4f45-9708-019B960494DF}">
-                <a14:hiddenLine xmlns:a14="http://schemas.microsoft.com/office/drawing/2010/main" xmlns="" w="9525">
+                <a14:hiddenLine xmlns="" xmlns:a14="http://schemas.microsoft.com/office/drawing/2010/main" w="9525">
                   <a:solidFill>
                     <a:srgbClr val="000000"/>
                   </a:solidFill>
@@ -3739,7 +3741,7 @@
             </a:ln>
             <a:extLst>
               <a:ext uri="{91240B29-F687-4f45-9708-019B960494DF}">
-                <a14:hiddenLine xmlns:a14="http://schemas.microsoft.com/office/drawing/2010/main" xmlns="" w="9525">
+                <a14:hiddenLine xmlns="" xmlns:a14="http://schemas.microsoft.com/office/drawing/2010/main" w="9525">
                   <a:solidFill>
                     <a:srgbClr val="000000"/>
                   </a:solidFill>
@@ -3829,7 +3831,7 @@
             </a:ln>
             <a:extLst>
               <a:ext uri="{91240B29-F687-4f45-9708-019B960494DF}">
-                <a14:hiddenLine xmlns:a14="http://schemas.microsoft.com/office/drawing/2010/main" xmlns="" w="9525">
+                <a14:hiddenLine xmlns="" xmlns:a14="http://schemas.microsoft.com/office/drawing/2010/main" w="9525">
                   <a:solidFill>
                     <a:srgbClr val="000000"/>
                   </a:solidFill>
@@ -3919,7 +3921,7 @@
             </a:ln>
             <a:extLst>
               <a:ext uri="{91240B29-F687-4f45-9708-019B960494DF}">
-                <a14:hiddenLine xmlns:a14="http://schemas.microsoft.com/office/drawing/2010/main" xmlns="" w="9525">
+                <a14:hiddenLine xmlns="" xmlns:a14="http://schemas.microsoft.com/office/drawing/2010/main" w="9525">
                   <a:solidFill>
                     <a:srgbClr val="000000"/>
                   </a:solidFill>
@@ -3981,7 +3983,7 @@
             </a:ln>
             <a:extLst>
               <a:ext uri="{91240B29-F687-4f45-9708-019B960494DF}">
-                <a14:hiddenLine xmlns:a14="http://schemas.microsoft.com/office/drawing/2010/main" xmlns="" w="9525">
+                <a14:hiddenLine xmlns="" xmlns:a14="http://schemas.microsoft.com/office/drawing/2010/main" w="9525">
                   <a:solidFill>
                     <a:srgbClr val="000000"/>
                   </a:solidFill>
@@ -4101,7 +4103,7 @@
             </a:ln>
             <a:extLst>
               <a:ext uri="{91240B29-F687-4f45-9708-019B960494DF}">
-                <a14:hiddenLine xmlns:a14="http://schemas.microsoft.com/office/drawing/2010/main" xmlns="" w="9525">
+                <a14:hiddenLine xmlns="" xmlns:a14="http://schemas.microsoft.com/office/drawing/2010/main" w="9525">
                   <a:solidFill>
                     <a:srgbClr val="000000"/>
                   </a:solidFill>
@@ -4169,7 +4171,7 @@
             </a:ln>
             <a:extLst>
               <a:ext uri="{91240B29-F687-4f45-9708-019B960494DF}">
-                <a14:hiddenLine xmlns:a14="http://schemas.microsoft.com/office/drawing/2010/main" xmlns="" w="9525">
+                <a14:hiddenLine xmlns="" xmlns:a14="http://schemas.microsoft.com/office/drawing/2010/main" w="9525">
                   <a:solidFill>
                     <a:srgbClr val="000000"/>
                   </a:solidFill>
@@ -4259,7 +4261,7 @@
             </a:ln>
             <a:extLst>
               <a:ext uri="{91240B29-F687-4f45-9708-019B960494DF}">
-                <a14:hiddenLine xmlns:a14="http://schemas.microsoft.com/office/drawing/2010/main" xmlns="" w="9525">
+                <a14:hiddenLine xmlns="" xmlns:a14="http://schemas.microsoft.com/office/drawing/2010/main" w="9525">
                   <a:solidFill>
                     <a:srgbClr val="000000"/>
                   </a:solidFill>
@@ -4399,7 +4401,7 @@
           <a:p>
             <a:fld id="{48A87A34-81AB-432B-8DAE-1953F412C126}" type="datetimeFigureOut">
               <a:rPr lang="en-US" dirty="0"/>
-              <a:t>11/10/2018</a:t>
+              <a:t>11/11/2018</a:t>
             </a:fld>
             <a:endParaRPr lang="en-US" dirty="0"/>
           </a:p>
@@ -4661,7 +4663,7 @@
           <a:p>
             <a:fld id="{48A87A34-81AB-432B-8DAE-1953F412C126}" type="datetimeFigureOut">
               <a:rPr lang="en-US" dirty="0"/>
-              <a:t>11/10/2018</a:t>
+              <a:t>11/11/2018</a:t>
             </a:fld>
             <a:endParaRPr lang="en-US" dirty="0"/>
           </a:p>
@@ -4852,7 +4854,7 @@
           <a:p>
             <a:fld id="{48A87A34-81AB-432B-8DAE-1953F412C126}" type="datetimeFigureOut">
               <a:rPr lang="en-US" dirty="0"/>
-              <a:t>11/10/2018</a:t>
+              <a:t>11/11/2018</a:t>
             </a:fld>
             <a:endParaRPr lang="en-US" dirty="0"/>
           </a:p>
@@ -5110,7 +5112,7 @@
           <a:p>
             <a:fld id="{48A87A34-81AB-432B-8DAE-1953F412C126}" type="datetimeFigureOut">
               <a:rPr lang="en-US" dirty="0"/>
-              <a:t>11/10/2018</a:t>
+              <a:t>11/11/2018</a:t>
             </a:fld>
             <a:endParaRPr lang="en-US" dirty="0"/>
           </a:p>
@@ -5539,7 +5541,7 @@
           <a:p>
             <a:fld id="{48A87A34-81AB-432B-8DAE-1953F412C126}" type="datetimeFigureOut">
               <a:rPr lang="en-US" dirty="0"/>
-              <a:t>11/10/2018</a:t>
+              <a:t>11/11/2018</a:t>
             </a:fld>
             <a:endParaRPr lang="en-US" dirty="0"/>
           </a:p>
@@ -6080,7 +6082,7 @@
           <a:p>
             <a:fld id="{48A87A34-81AB-432B-8DAE-1953F412C126}" type="datetimeFigureOut">
               <a:rPr lang="en-US" dirty="0"/>
-              <a:t>11/10/2018</a:t>
+              <a:t>11/11/2018</a:t>
             </a:fld>
             <a:endParaRPr lang="en-US" dirty="0"/>
           </a:p>
@@ -6795,7 +6797,7 @@
           <a:p>
             <a:fld id="{48A87A34-81AB-432B-8DAE-1953F412C126}" type="datetimeFigureOut">
               <a:rPr lang="en-US" dirty="0"/>
-              <a:t>11/10/2018</a:t>
+              <a:t>11/11/2018</a:t>
             </a:fld>
             <a:endParaRPr lang="en-US" dirty="0"/>
           </a:p>
@@ -6960,7 +6962,7 @@
           <a:p>
             <a:fld id="{48A87A34-81AB-432B-8DAE-1953F412C126}" type="datetimeFigureOut">
               <a:rPr lang="en-US" dirty="0"/>
-              <a:t>11/10/2018</a:t>
+              <a:t>11/11/2018</a:t>
             </a:fld>
             <a:endParaRPr lang="en-US" dirty="0"/>
           </a:p>
@@ -7135,7 +7137,7 @@
           <a:p>
             <a:fld id="{48A87A34-81AB-432B-8DAE-1953F412C126}" type="datetimeFigureOut">
               <a:rPr lang="en-US" dirty="0"/>
-              <a:t>11/10/2018</a:t>
+              <a:t>11/11/2018</a:t>
             </a:fld>
             <a:endParaRPr lang="en-US" dirty="0"/>
           </a:p>
@@ -7300,7 +7302,7 @@
           <a:p>
             <a:fld id="{48A87A34-81AB-432B-8DAE-1953F412C126}" type="datetimeFigureOut">
               <a:rPr lang="en-US" dirty="0"/>
-              <a:t>11/10/2018</a:t>
+              <a:t>11/11/2018</a:t>
             </a:fld>
             <a:endParaRPr lang="en-US" dirty="0"/>
           </a:p>
@@ -7545,7 +7547,7 @@
           <a:p>
             <a:fld id="{48A87A34-81AB-432B-8DAE-1953F412C126}" type="datetimeFigureOut">
               <a:rPr lang="en-US" dirty="0"/>
-              <a:t>11/10/2018</a:t>
+              <a:t>11/11/2018</a:t>
             </a:fld>
             <a:endParaRPr lang="en-US" dirty="0"/>
           </a:p>
@@ -7772,7 +7774,7 @@
           <a:p>
             <a:fld id="{48A87A34-81AB-432B-8DAE-1953F412C126}" type="datetimeFigureOut">
               <a:rPr lang="en-US" dirty="0"/>
-              <a:t>11/10/2018</a:t>
+              <a:t>11/11/2018</a:t>
             </a:fld>
             <a:endParaRPr lang="en-US" dirty="0"/>
           </a:p>
@@ -8148,7 +8150,7 @@
           <a:p>
             <a:fld id="{48A87A34-81AB-432B-8DAE-1953F412C126}" type="datetimeFigureOut">
               <a:rPr lang="en-US" dirty="0"/>
-              <a:t>11/10/2018</a:t>
+              <a:t>11/11/2018</a:t>
             </a:fld>
             <a:endParaRPr lang="en-US" dirty="0"/>
           </a:p>
@@ -8261,7 +8263,7 @@
           <a:p>
             <a:fld id="{48A87A34-81AB-432B-8DAE-1953F412C126}" type="datetimeFigureOut">
               <a:rPr lang="en-US" dirty="0"/>
-              <a:t>11/10/2018</a:t>
+              <a:t>11/11/2018</a:t>
             </a:fld>
             <a:endParaRPr lang="en-US" dirty="0"/>
           </a:p>
@@ -8351,7 +8353,7 @@
           <a:p>
             <a:fld id="{48A87A34-81AB-432B-8DAE-1953F412C126}" type="datetimeFigureOut">
               <a:rPr lang="en-US" dirty="0"/>
-              <a:t>11/10/2018</a:t>
+              <a:t>11/11/2018</a:t>
             </a:fld>
             <a:endParaRPr lang="en-US" dirty="0"/>
           </a:p>
@@ -8595,7 +8597,7 @@
           <a:p>
             <a:fld id="{48A87A34-81AB-432B-8DAE-1953F412C126}" type="datetimeFigureOut">
               <a:rPr lang="en-US" dirty="0"/>
-              <a:t>11/10/2018</a:t>
+              <a:t>11/11/2018</a:t>
             </a:fld>
             <a:endParaRPr lang="en-US" dirty="0"/>
           </a:p>
@@ -8870,7 +8872,7 @@
           <a:p>
             <a:fld id="{48A87A34-81AB-432B-8DAE-1953F412C126}" type="datetimeFigureOut">
               <a:rPr lang="en-US" dirty="0"/>
-              <a:t>11/10/2018</a:t>
+              <a:t>11/11/2018</a:t>
             </a:fld>
             <a:endParaRPr lang="en-US" dirty="0"/>
           </a:p>
@@ -8988,7 +8990,7 @@
           <a:noFill/>
           <a:extLst>
             <a:ext uri="{909E8E84-426E-40dd-AFC4-6F175D3DCCD1}">
-              <a14:hiddenFill xmlns:a14="http://schemas.microsoft.com/office/drawing/2010/main" xmlns="">
+              <a14:hiddenFill xmlns="" xmlns:a14="http://schemas.microsoft.com/office/drawing/2010/main">
                 <a:solidFill>
                   <a:srgbClr val="FFFFFF"/>
                 </a:solidFill>
@@ -9062,7 +9064,7 @@
               </a:ln>
               <a:extLst>
                 <a:ext uri="{91240B29-F687-4f45-9708-019B960494DF}">
-                  <a14:hiddenLine xmlns:a14="http://schemas.microsoft.com/office/drawing/2010/main" xmlns="" w="9525">
+                  <a14:hiddenLine xmlns="" xmlns:a14="http://schemas.microsoft.com/office/drawing/2010/main" w="9525">
                     <a:solidFill>
                       <a:srgbClr val="000000"/>
                     </a:solidFill>
@@ -9152,7 +9154,7 @@
               </a:ln>
               <a:extLst>
                 <a:ext uri="{91240B29-F687-4f45-9708-019B960494DF}">
-                  <a14:hiddenLine xmlns:a14="http://schemas.microsoft.com/office/drawing/2010/main" xmlns="" w="9525">
+                  <a14:hiddenLine xmlns="" xmlns:a14="http://schemas.microsoft.com/office/drawing/2010/main" w="9525">
                     <a:solidFill>
                       <a:srgbClr val="000000"/>
                     </a:solidFill>
@@ -9242,7 +9244,7 @@
               </a:ln>
               <a:extLst>
                 <a:ext uri="{91240B29-F687-4f45-9708-019B960494DF}">
-                  <a14:hiddenLine xmlns:a14="http://schemas.microsoft.com/office/drawing/2010/main" xmlns="" w="9525">
+                  <a14:hiddenLine xmlns="" xmlns:a14="http://schemas.microsoft.com/office/drawing/2010/main" w="9525">
                     <a:solidFill>
                       <a:srgbClr val="000000"/>
                     </a:solidFill>
@@ -9304,7 +9306,7 @@
               </a:ln>
               <a:extLst>
                 <a:ext uri="{91240B29-F687-4f45-9708-019B960494DF}">
-                  <a14:hiddenLine xmlns:a14="http://schemas.microsoft.com/office/drawing/2010/main" xmlns="" w="9525">
+                  <a14:hiddenLine xmlns="" xmlns:a14="http://schemas.microsoft.com/office/drawing/2010/main" w="9525">
                     <a:solidFill>
                       <a:srgbClr val="000000"/>
                     </a:solidFill>
@@ -9394,7 +9396,7 @@
               </a:ln>
               <a:extLst>
                 <a:ext uri="{91240B29-F687-4f45-9708-019B960494DF}">
-                  <a14:hiddenLine xmlns:a14="http://schemas.microsoft.com/office/drawing/2010/main" xmlns="" w="9525">
+                  <a14:hiddenLine xmlns="" xmlns:a14="http://schemas.microsoft.com/office/drawing/2010/main" w="9525">
                     <a:solidFill>
                       <a:srgbClr val="000000"/>
                     </a:solidFill>
@@ -9456,7 +9458,7 @@
               </a:ln>
               <a:extLst>
                 <a:ext uri="{91240B29-F687-4f45-9708-019B960494DF}">
-                  <a14:hiddenLine xmlns:a14="http://schemas.microsoft.com/office/drawing/2010/main" xmlns="" w="9525">
+                  <a14:hiddenLine xmlns="" xmlns:a14="http://schemas.microsoft.com/office/drawing/2010/main" w="9525">
                     <a:solidFill>
                       <a:srgbClr val="000000"/>
                     </a:solidFill>
@@ -9518,7 +9520,7 @@
               </a:ln>
               <a:extLst>
                 <a:ext uri="{91240B29-F687-4f45-9708-019B960494DF}">
-                  <a14:hiddenLine xmlns:a14="http://schemas.microsoft.com/office/drawing/2010/main" xmlns="" w="9525">
+                  <a14:hiddenLine xmlns="" xmlns:a14="http://schemas.microsoft.com/office/drawing/2010/main" w="9525">
                     <a:solidFill>
                       <a:srgbClr val="000000"/>
                     </a:solidFill>
@@ -9608,7 +9610,7 @@
               </a:ln>
               <a:extLst>
                 <a:ext uri="{91240B29-F687-4f45-9708-019B960494DF}">
-                  <a14:hiddenLine xmlns:a14="http://schemas.microsoft.com/office/drawing/2010/main" xmlns="" w="9525">
+                  <a14:hiddenLine xmlns="" xmlns:a14="http://schemas.microsoft.com/office/drawing/2010/main" w="9525">
                     <a:solidFill>
                       <a:srgbClr val="000000"/>
                     </a:solidFill>
@@ -9698,7 +9700,7 @@
               </a:ln>
               <a:extLst>
                 <a:ext uri="{91240B29-F687-4f45-9708-019B960494DF}">
-                  <a14:hiddenLine xmlns:a14="http://schemas.microsoft.com/office/drawing/2010/main" xmlns="" w="9525">
+                  <a14:hiddenLine xmlns="" xmlns:a14="http://schemas.microsoft.com/office/drawing/2010/main" w="9525">
                     <a:solidFill>
                       <a:srgbClr val="000000"/>
                     </a:solidFill>
@@ -9760,7 +9762,7 @@
               </a:ln>
               <a:extLst>
                 <a:ext uri="{91240B29-F687-4f45-9708-019B960494DF}">
-                  <a14:hiddenLine xmlns:a14="http://schemas.microsoft.com/office/drawing/2010/main" xmlns="" w="9525">
+                  <a14:hiddenLine xmlns="" xmlns:a14="http://schemas.microsoft.com/office/drawing/2010/main" w="9525">
                     <a:solidFill>
                       <a:srgbClr val="000000"/>
                     </a:solidFill>
@@ -9870,7 +9872,7 @@
               </a:ln>
               <a:extLst>
                 <a:ext uri="{91240B29-F687-4f45-9708-019B960494DF}">
-                  <a14:hiddenLine xmlns:a14="http://schemas.microsoft.com/office/drawing/2010/main" xmlns="" w="9525">
+                  <a14:hiddenLine xmlns="" xmlns:a14="http://schemas.microsoft.com/office/drawing/2010/main" w="9525">
                     <a:solidFill>
                       <a:srgbClr val="000000"/>
                     </a:solidFill>
@@ -9954,7 +9956,7 @@
               </a:ln>
               <a:extLst>
                 <a:ext uri="{91240B29-F687-4f45-9708-019B960494DF}">
-                  <a14:hiddenLine xmlns:a14="http://schemas.microsoft.com/office/drawing/2010/main" xmlns="" w="9525">
+                  <a14:hiddenLine xmlns="" xmlns:a14="http://schemas.microsoft.com/office/drawing/2010/main" w="9525">
                     <a:solidFill>
                       <a:srgbClr val="000000"/>
                     </a:solidFill>
@@ -10016,7 +10018,7 @@
               </a:ln>
               <a:extLst>
                 <a:ext uri="{91240B29-F687-4f45-9708-019B960494DF}">
-                  <a14:hiddenLine xmlns:a14="http://schemas.microsoft.com/office/drawing/2010/main" xmlns="" w="9525">
+                  <a14:hiddenLine xmlns="" xmlns:a14="http://schemas.microsoft.com/office/drawing/2010/main" w="9525">
                     <a:solidFill>
                       <a:srgbClr val="000000"/>
                     </a:solidFill>
@@ -10078,7 +10080,7 @@
               </a:ln>
               <a:extLst>
                 <a:ext uri="{91240B29-F687-4f45-9708-019B960494DF}">
-                  <a14:hiddenLine xmlns:a14="http://schemas.microsoft.com/office/drawing/2010/main" xmlns="" w="9525">
+                  <a14:hiddenLine xmlns="" xmlns:a14="http://schemas.microsoft.com/office/drawing/2010/main" w="9525">
                     <a:solidFill>
                       <a:srgbClr val="000000"/>
                     </a:solidFill>
@@ -10168,7 +10170,7 @@
               </a:ln>
               <a:extLst>
                 <a:ext uri="{91240B29-F687-4f45-9708-019B960494DF}">
-                  <a14:hiddenLine xmlns:a14="http://schemas.microsoft.com/office/drawing/2010/main" xmlns="" w="9525">
+                  <a14:hiddenLine xmlns="" xmlns:a14="http://schemas.microsoft.com/office/drawing/2010/main" w="9525">
                     <a:solidFill>
                       <a:srgbClr val="000000"/>
                     </a:solidFill>
@@ -10202,7 +10204,7 @@
               </a:ln>
               <a:extLst>
                 <a:ext uri="{91240B29-F687-4f45-9708-019B960494DF}">
-                  <a14:hiddenLine xmlns:a14="http://schemas.microsoft.com/office/drawing/2010/main" xmlns="" w="9525">
+                  <a14:hiddenLine xmlns="" xmlns:a14="http://schemas.microsoft.com/office/drawing/2010/main" w="9525">
                     <a:solidFill>
                       <a:srgbClr val="000000"/>
                     </a:solidFill>
@@ -10267,7 +10269,7 @@
               </a:ln>
               <a:extLst>
                 <a:ext uri="{91240B29-F687-4f45-9708-019B960494DF}">
-                  <a14:hiddenLine xmlns:a14="http://schemas.microsoft.com/office/drawing/2010/main" xmlns="" w="9525">
+                  <a14:hiddenLine xmlns="" xmlns:a14="http://schemas.microsoft.com/office/drawing/2010/main" w="9525">
                     <a:solidFill>
                       <a:srgbClr val="000000"/>
                     </a:solidFill>
@@ -10357,7 +10359,7 @@
               </a:ln>
               <a:extLst>
                 <a:ext uri="{91240B29-F687-4f45-9708-019B960494DF}">
-                  <a14:hiddenLine xmlns:a14="http://schemas.microsoft.com/office/drawing/2010/main" xmlns="" w="9525">
+                  <a14:hiddenLine xmlns="" xmlns:a14="http://schemas.microsoft.com/office/drawing/2010/main" w="9525">
                     <a:solidFill>
                       <a:srgbClr val="000000"/>
                     </a:solidFill>
@@ -10419,7 +10421,7 @@
               </a:ln>
               <a:extLst>
                 <a:ext uri="{91240B29-F687-4f45-9708-019B960494DF}">
-                  <a14:hiddenLine xmlns:a14="http://schemas.microsoft.com/office/drawing/2010/main" xmlns="" w="9525">
+                  <a14:hiddenLine xmlns="" xmlns:a14="http://schemas.microsoft.com/office/drawing/2010/main" w="9525">
                     <a:solidFill>
                       <a:srgbClr val="000000"/>
                     </a:solidFill>
@@ -10509,7 +10511,7 @@
               </a:ln>
               <a:extLst>
                 <a:ext uri="{91240B29-F687-4f45-9708-019B960494DF}">
-                  <a14:hiddenLine xmlns:a14="http://schemas.microsoft.com/office/drawing/2010/main" xmlns="" w="9525">
+                  <a14:hiddenLine xmlns="" xmlns:a14="http://schemas.microsoft.com/office/drawing/2010/main" w="9525">
                     <a:solidFill>
                       <a:srgbClr val="000000"/>
                     </a:solidFill>
@@ -10574,7 +10576,7 @@
               </a:ln>
               <a:extLst>
                 <a:ext uri="{91240B29-F687-4f45-9708-019B960494DF}">
-                  <a14:hiddenLine xmlns:a14="http://schemas.microsoft.com/office/drawing/2010/main" xmlns="" w="9525">
+                  <a14:hiddenLine xmlns="" xmlns:a14="http://schemas.microsoft.com/office/drawing/2010/main" w="9525">
                     <a:solidFill>
                       <a:srgbClr val="000000"/>
                     </a:solidFill>
@@ -10636,7 +10638,7 @@
               </a:ln>
               <a:extLst>
                 <a:ext uri="{91240B29-F687-4f45-9708-019B960494DF}">
-                  <a14:hiddenLine xmlns:a14="http://schemas.microsoft.com/office/drawing/2010/main" xmlns="" w="9525">
+                  <a14:hiddenLine xmlns="" xmlns:a14="http://schemas.microsoft.com/office/drawing/2010/main" w="9525">
                     <a:solidFill>
                       <a:srgbClr val="000000"/>
                     </a:solidFill>
@@ -10726,7 +10728,7 @@
               </a:ln>
               <a:extLst>
                 <a:ext uri="{91240B29-F687-4f45-9708-019B960494DF}">
-                  <a14:hiddenLine xmlns:a14="http://schemas.microsoft.com/office/drawing/2010/main" xmlns="" w="9525">
+                  <a14:hiddenLine xmlns="" xmlns:a14="http://schemas.microsoft.com/office/drawing/2010/main" w="9525">
                     <a:solidFill>
                       <a:srgbClr val="000000"/>
                     </a:solidFill>
@@ -10816,7 +10818,7 @@
               </a:ln>
               <a:extLst>
                 <a:ext uri="{91240B29-F687-4f45-9708-019B960494DF}">
-                  <a14:hiddenLine xmlns:a14="http://schemas.microsoft.com/office/drawing/2010/main" xmlns="" w="9525">
+                  <a14:hiddenLine xmlns="" xmlns:a14="http://schemas.microsoft.com/office/drawing/2010/main" w="9525">
                     <a:solidFill>
                       <a:srgbClr val="000000"/>
                     </a:solidFill>
@@ -10881,7 +10883,7 @@
               </a:ln>
               <a:extLst>
                 <a:ext uri="{91240B29-F687-4f45-9708-019B960494DF}">
-                  <a14:hiddenLine xmlns:a14="http://schemas.microsoft.com/office/drawing/2010/main" xmlns="" w="9525">
+                  <a14:hiddenLine xmlns="" xmlns:a14="http://schemas.microsoft.com/office/drawing/2010/main" w="9525">
                     <a:solidFill>
                       <a:srgbClr val="000000"/>
                     </a:solidFill>
@@ -11001,7 +11003,7 @@
               </a:ln>
               <a:extLst>
                 <a:ext uri="{91240B29-F687-4f45-9708-019B960494DF}">
-                  <a14:hiddenLine xmlns:a14="http://schemas.microsoft.com/office/drawing/2010/main" xmlns="" w="9525">
+                  <a14:hiddenLine xmlns="" xmlns:a14="http://schemas.microsoft.com/office/drawing/2010/main" w="9525">
                     <a:solidFill>
                       <a:srgbClr val="000000"/>
                     </a:solidFill>
@@ -11082,7 +11084,7 @@
               </a:ln>
               <a:extLst>
                 <a:ext uri="{91240B29-F687-4f45-9708-019B960494DF}">
-                  <a14:hiddenLine xmlns:a14="http://schemas.microsoft.com/office/drawing/2010/main" xmlns="" w="9525">
+                  <a14:hiddenLine xmlns="" xmlns:a14="http://schemas.microsoft.com/office/drawing/2010/main" w="9525">
                     <a:solidFill>
                       <a:srgbClr val="000000"/>
                     </a:solidFill>
@@ -11197,7 +11199,7 @@
               </a:ln>
               <a:extLst>
                 <a:ext uri="{91240B29-F687-4f45-9708-019B960494DF}">
-                  <a14:hiddenLine xmlns:a14="http://schemas.microsoft.com/office/drawing/2010/main" xmlns="" w="9525">
+                  <a14:hiddenLine xmlns="" xmlns:a14="http://schemas.microsoft.com/office/drawing/2010/main" w="9525">
                     <a:solidFill>
                       <a:srgbClr val="000000"/>
                     </a:solidFill>
@@ -11287,7 +11289,7 @@
               </a:ln>
               <a:extLst>
                 <a:ext uri="{91240B29-F687-4f45-9708-019B960494DF}">
-                  <a14:hiddenLine xmlns:a14="http://schemas.microsoft.com/office/drawing/2010/main" xmlns="" w="9525">
+                  <a14:hiddenLine xmlns="" xmlns:a14="http://schemas.microsoft.com/office/drawing/2010/main" w="9525">
                     <a:solidFill>
                       <a:srgbClr val="000000"/>
                     </a:solidFill>
@@ -11352,7 +11354,7 @@
               </a:ln>
               <a:extLst>
                 <a:ext uri="{91240B29-F687-4f45-9708-019B960494DF}">
-                  <a14:hiddenLine xmlns:a14="http://schemas.microsoft.com/office/drawing/2010/main" xmlns="" w="9525">
+                  <a14:hiddenLine xmlns="" xmlns:a14="http://schemas.microsoft.com/office/drawing/2010/main" w="9525">
                     <a:solidFill>
                       <a:srgbClr val="000000"/>
                     </a:solidFill>
@@ -11442,7 +11444,7 @@
               </a:ln>
               <a:extLst>
                 <a:ext uri="{91240B29-F687-4f45-9708-019B960494DF}">
-                  <a14:hiddenLine xmlns:a14="http://schemas.microsoft.com/office/drawing/2010/main" xmlns="" w="9525">
+                  <a14:hiddenLine xmlns="" xmlns:a14="http://schemas.microsoft.com/office/drawing/2010/main" w="9525">
                     <a:solidFill>
                       <a:srgbClr val="000000"/>
                     </a:solidFill>
@@ -11510,7 +11512,7 @@
               </a:ln>
               <a:extLst>
                 <a:ext uri="{91240B29-F687-4f45-9708-019B960494DF}">
-                  <a14:hiddenLine xmlns:a14="http://schemas.microsoft.com/office/drawing/2010/main" xmlns="" w="9525">
+                  <a14:hiddenLine xmlns="" xmlns:a14="http://schemas.microsoft.com/office/drawing/2010/main" w="9525">
                     <a:solidFill>
                       <a:srgbClr val="000000"/>
                     </a:solidFill>
@@ -11600,7 +11602,7 @@
               </a:ln>
               <a:extLst>
                 <a:ext uri="{91240B29-F687-4f45-9708-019B960494DF}">
-                  <a14:hiddenLine xmlns:a14="http://schemas.microsoft.com/office/drawing/2010/main" xmlns="" w="9525">
+                  <a14:hiddenLine xmlns="" xmlns:a14="http://schemas.microsoft.com/office/drawing/2010/main" w="9525">
                     <a:solidFill>
                       <a:srgbClr val="000000"/>
                     </a:solidFill>
@@ -11668,7 +11670,7 @@
               </a:ln>
               <a:extLst>
                 <a:ext uri="{91240B29-F687-4f45-9708-019B960494DF}">
-                  <a14:hiddenLine xmlns:a14="http://schemas.microsoft.com/office/drawing/2010/main" xmlns="" w="9525">
+                  <a14:hiddenLine xmlns="" xmlns:a14="http://schemas.microsoft.com/office/drawing/2010/main" w="9525">
                     <a:solidFill>
                       <a:srgbClr val="000000"/>
                     </a:solidFill>
@@ -11758,7 +11760,7 @@
               </a:ln>
               <a:extLst>
                 <a:ext uri="{91240B29-F687-4f45-9708-019B960494DF}">
-                  <a14:hiddenLine xmlns:a14="http://schemas.microsoft.com/office/drawing/2010/main" xmlns="" w="9525">
+                  <a14:hiddenLine xmlns="" xmlns:a14="http://schemas.microsoft.com/office/drawing/2010/main" w="9525">
                     <a:solidFill>
                       <a:srgbClr val="000000"/>
                     </a:solidFill>
@@ -11792,7 +11794,7 @@
               </a:ln>
               <a:extLst>
                 <a:ext uri="{91240B29-F687-4f45-9708-019B960494DF}">
-                  <a14:hiddenLine xmlns:a14="http://schemas.microsoft.com/office/drawing/2010/main" xmlns="" w="9525">
+                  <a14:hiddenLine xmlns="" xmlns:a14="http://schemas.microsoft.com/office/drawing/2010/main" w="9525">
                     <a:solidFill>
                       <a:srgbClr val="000000"/>
                     </a:solidFill>
@@ -11933,7 +11935,7 @@
             <a:fld id="{48A87A34-81AB-432B-8DAE-1953F412C126}" type="datetimeFigureOut">
               <a:rPr lang="en-US" dirty="0"/>
               <a:pPr/>
-              <a:t>11/10/2018</a:t>
+              <a:t>11/11/2018</a:t>
             </a:fld>
             <a:endParaRPr lang="en-US" dirty="0"/>
           </a:p>
@@ -12852,19 +12854,8 @@
                 <a:latin typeface="Segoe UI Emoji" panose="020B0502040204020203" pitchFamily="34" charset="0"/>
                 <a:ea typeface="Segoe UI Emoji" panose="020B0502040204020203" pitchFamily="34" charset="0"/>
               </a:rPr>
-              <a:t>Other: JSX, React Native</a:t>
+              <a:t>Other: JSX, React Native, Redux.</a:t>
             </a:r>
-            <a:r>
-              <a:rPr lang="en-US">
-                <a:latin typeface="Segoe UI Emoji" panose="020B0502040204020203" pitchFamily="34" charset="0"/>
-                <a:ea typeface="Segoe UI Emoji" panose="020B0502040204020203" pitchFamily="34" charset="0"/>
-              </a:rPr>
-              <a:t>, Redux.</a:t>
-            </a:r>
-            <a:endParaRPr lang="en-US" dirty="0">
-              <a:latin typeface="Segoe UI Emoji" panose="020B0502040204020203" pitchFamily="34" charset="0"/>
-              <a:ea typeface="Segoe UI Emoji" panose="020B0502040204020203" pitchFamily="34" charset="0"/>
-            </a:endParaRPr>
           </a:p>
         </p:txBody>
       </p:sp>
@@ -12882,6 +12873,230 @@
 </file>
 
 <file path=ppt/slides/slide5.xml><?xml version="1.0" encoding="utf-8"?>
+<p:sld xmlns:a="http://schemas.openxmlformats.org/drawingml/2006/main" xmlns:r="http://schemas.openxmlformats.org/officeDocument/2006/relationships" xmlns:p="http://schemas.openxmlformats.org/presentationml/2006/main">
+  <p:cSld>
+    <p:spTree>
+      <p:nvGrpSpPr>
+        <p:cNvPr id="1" name=""/>
+        <p:cNvGrpSpPr/>
+        <p:nvPr/>
+      </p:nvGrpSpPr>
+      <p:grpSpPr>
+        <a:xfrm>
+          <a:off x="0" y="0"/>
+          <a:ext cx="0" cy="0"/>
+          <a:chOff x="0" y="0"/>
+          <a:chExt cx="0" cy="0"/>
+        </a:xfrm>
+      </p:grpSpPr>
+      <p:sp>
+        <p:nvSpPr>
+          <p:cNvPr id="2" name="Title 1">
+            <a:extLst>
+              <a:ext uri="{FF2B5EF4-FFF2-40B4-BE49-F238E27FC236}">
+                <a16:creationId xmlns:a16="http://schemas.microsoft.com/office/drawing/2014/main" id="{F2C41BFE-6538-4FEB-A642-128EF8ACA3A8}"/>
+              </a:ext>
+            </a:extLst>
+          </p:cNvPr>
+          <p:cNvSpPr>
+            <a:spLocks noGrp="1"/>
+          </p:cNvSpPr>
+          <p:nvPr>
+            <p:ph type="title"/>
+          </p:nvPr>
+        </p:nvSpPr>
+        <p:spPr/>
+        <p:txBody>
+          <a:bodyPr/>
+          <a:lstStyle/>
+          <a:p>
+            <a:pPr algn="ctr"/>
+            <a:r>
+              <a:rPr lang="en-US" dirty="0"/>
+              <a:t>Documentation from W3.org</a:t>
+            </a:r>
+          </a:p>
+        </p:txBody>
+      </p:sp>
+      <p:sp>
+        <p:nvSpPr>
+          <p:cNvPr id="3" name="Content Placeholder 2">
+            <a:extLst>
+              <a:ext uri="{FF2B5EF4-FFF2-40B4-BE49-F238E27FC236}">
+                <a16:creationId xmlns:a16="http://schemas.microsoft.com/office/drawing/2014/main" id="{902C208D-3415-42BD-BD83-B3479996E6C5}"/>
+              </a:ext>
+            </a:extLst>
+          </p:cNvPr>
+          <p:cNvSpPr>
+            <a:spLocks noGrp="1"/>
+          </p:cNvSpPr>
+          <p:nvPr>
+            <p:ph idx="1"/>
+          </p:nvPr>
+        </p:nvSpPr>
+        <p:spPr/>
+        <p:txBody>
+          <a:bodyPr>
+            <a:normAutofit lnSpcReduction="10000"/>
+          </a:bodyPr>
+          <a:lstStyle/>
+          <a:p>
+            <a:pPr marL="0" indent="0">
+              <a:buNone/>
+            </a:pPr>
+            <a:r>
+              <a:rPr lang="en-US" dirty="0"/>
+              <a:t>The Document Object Model (DOM) is a programming API for HTML and XML documents. It defines the logical structure of documents and the way a document is accessed and manipulated. In the DOM specification, the term "document" is used in the broad sense - increasingly, XML is being used as a way of representing many different kinds of information that may be stored in diverse systems, and much of this would traditionally be seen as data rather than as documents. Nevertheless, XML presents this data as documents, and the DOM may be used to manage this data.</a:t>
+            </a:r>
+          </a:p>
+        </p:txBody>
+      </p:sp>
+    </p:spTree>
+    <p:extLst>
+      <p:ext uri="{BB962C8B-B14F-4D97-AF65-F5344CB8AC3E}">
+        <p14:creationId xmlns:p14="http://schemas.microsoft.com/office/powerpoint/2010/main" val="2639858975"/>
+      </p:ext>
+    </p:extLst>
+  </p:cSld>
+  <p:clrMapOvr>
+    <a:masterClrMapping/>
+  </p:clrMapOvr>
+</p:sld>
+</file>
+
+<file path=ppt/slides/slide6.xml><?xml version="1.0" encoding="utf-8"?>
+<p:sld xmlns:a="http://schemas.openxmlformats.org/drawingml/2006/main" xmlns:r="http://schemas.openxmlformats.org/officeDocument/2006/relationships" xmlns:p="http://schemas.openxmlformats.org/presentationml/2006/main">
+  <p:cSld>
+    <p:spTree>
+      <p:nvGrpSpPr>
+        <p:cNvPr id="1" name=""/>
+        <p:cNvGrpSpPr/>
+        <p:nvPr/>
+      </p:nvGrpSpPr>
+      <p:grpSpPr>
+        <a:xfrm>
+          <a:off x="0" y="0"/>
+          <a:ext cx="0" cy="0"/>
+          <a:chOff x="0" y="0"/>
+          <a:chExt cx="0" cy="0"/>
+        </a:xfrm>
+      </p:grpSpPr>
+      <p:sp>
+        <p:nvSpPr>
+          <p:cNvPr id="2" name="Title 1">
+            <a:extLst>
+              <a:ext uri="{FF2B5EF4-FFF2-40B4-BE49-F238E27FC236}">
+                <a16:creationId xmlns:a16="http://schemas.microsoft.com/office/drawing/2014/main" id="{951B1502-F3EB-4D21-978C-677134E1D740}"/>
+              </a:ext>
+            </a:extLst>
+          </p:cNvPr>
+          <p:cNvSpPr>
+            <a:spLocks noGrp="1"/>
+          </p:cNvSpPr>
+          <p:nvPr>
+            <p:ph type="title"/>
+          </p:nvPr>
+        </p:nvSpPr>
+        <p:spPr>
+          <a:xfrm>
+            <a:off x="1141412" y="609600"/>
+            <a:ext cx="8104187" cy="575733"/>
+          </a:xfrm>
+        </p:spPr>
+        <p:txBody>
+          <a:bodyPr/>
+          <a:lstStyle/>
+          <a:p>
+            <a:pPr algn="ctr"/>
+            <a:r>
+              <a:rPr lang="en-US" dirty="0"/>
+              <a:t>Document Object Model –</a:t>
+            </a:r>
+            <a:r>
+              <a:rPr lang="en-US" sz="2400" dirty="0"/>
+              <a:t> aka: “the Dom”</a:t>
+            </a:r>
+            <a:endParaRPr lang="en-US" dirty="0"/>
+          </a:p>
+        </p:txBody>
+      </p:sp>
+      <p:sp>
+        <p:nvSpPr>
+          <p:cNvPr id="4" name="Text Placeholder 3">
+            <a:extLst>
+              <a:ext uri="{FF2B5EF4-FFF2-40B4-BE49-F238E27FC236}">
+                <a16:creationId xmlns:a16="http://schemas.microsoft.com/office/drawing/2014/main" id="{E85F68BF-31F6-403E-920C-F6782453DA5A}"/>
+              </a:ext>
+            </a:extLst>
+          </p:cNvPr>
+          <p:cNvSpPr>
+            <a:spLocks noGrp="1"/>
+          </p:cNvSpPr>
+          <p:nvPr>
+            <p:ph type="body" sz="half" idx="2"/>
+          </p:nvPr>
+        </p:nvSpPr>
+        <p:spPr>
+          <a:xfrm>
+            <a:off x="1141412" y="1727200"/>
+            <a:ext cx="2346855" cy="4064000"/>
+          </a:xfrm>
+        </p:spPr>
+        <p:txBody>
+          <a:bodyPr/>
+          <a:lstStyle/>
+          <a:p>
+            <a:r>
+              <a:rPr lang="en-US" dirty="0"/>
+              <a:t>Image from w3.org showing the DOM representing a table.</a:t>
+            </a:r>
+          </a:p>
+        </p:txBody>
+      </p:sp>
+      <p:pic>
+        <p:nvPicPr>
+          <p:cNvPr id="11" name="Picture 10">
+            <a:extLst>
+              <a:ext uri="{FF2B5EF4-FFF2-40B4-BE49-F238E27FC236}">
+                <a16:creationId xmlns:a16="http://schemas.microsoft.com/office/drawing/2014/main" id="{A0E27B24-410D-425C-A578-FB5EB11DD9F1}"/>
+              </a:ext>
+            </a:extLst>
+          </p:cNvPr>
+          <p:cNvPicPr>
+            <a:picLocks noChangeAspect="1"/>
+          </p:cNvPicPr>
+          <p:nvPr/>
+        </p:nvPicPr>
+        <p:blipFill>
+          <a:blip r:embed="rId2"/>
+          <a:stretch>
+            <a:fillRect/>
+          </a:stretch>
+        </p:blipFill>
+        <p:spPr>
+          <a:xfrm>
+            <a:off x="3678128" y="1727200"/>
+            <a:ext cx="7548672" cy="4270959"/>
+          </a:xfrm>
+          <a:prstGeom prst="rect">
+            <a:avLst/>
+          </a:prstGeom>
+        </p:spPr>
+      </p:pic>
+    </p:spTree>
+    <p:extLst>
+      <p:ext uri="{BB962C8B-B14F-4D97-AF65-F5344CB8AC3E}">
+        <p14:creationId xmlns:p14="http://schemas.microsoft.com/office/powerpoint/2010/main" val="3766596705"/>
+      </p:ext>
+    </p:extLst>
+  </p:cSld>
+  <p:clrMapOvr>
+    <a:masterClrMapping/>
+  </p:clrMapOvr>
+</p:sld>
+</file>
+
+<file path=ppt/slides/slide7.xml><?xml version="1.0" encoding="utf-8"?>
 <p:sld xmlns:a="http://schemas.openxmlformats.org/drawingml/2006/main" xmlns:r="http://schemas.openxmlformats.org/officeDocument/2006/relationships" xmlns:p="http://schemas.openxmlformats.org/presentationml/2006/main">
   <p:cSld>
     <p:spTree>
@@ -12973,7 +13188,7 @@
 </p:sld>
 </file>
 
-<file path=ppt/slides/slide6.xml><?xml version="1.0" encoding="utf-8"?>
+<file path=ppt/slides/slide8.xml><?xml version="1.0" encoding="utf-8"?>
 <p:sld xmlns:a="http://schemas.openxmlformats.org/drawingml/2006/main" xmlns:r="http://schemas.openxmlformats.org/officeDocument/2006/relationships" xmlns:p="http://schemas.openxmlformats.org/presentationml/2006/main">
   <p:cSld>
     <p:spTree>
@@ -13085,13 +13300,8 @@
             </a:r>
             <a:r>
               <a:rPr lang="en-US" dirty="0"/>
-              <a:t> install –</a:t>
+              <a:t> install –g create-react-app”</a:t>
             </a:r>
-            <a:r>
-              <a:rPr lang="en-US"/>
-              <a:t>g create-react-app”</a:t>
-            </a:r>
-            <a:endParaRPr lang="en-US" dirty="0"/>
           </a:p>
           <a:p>
             <a:r>

--- a/React/slides/react_lessons_slides.pptx
+++ b/React/slides/react_lessons_slides.pptx
@@ -176,7 +176,7 @@
           <a:noFill/>
           <a:extLst>
             <a:ext uri="{909E8E84-426E-40dd-AFC4-6F175D3DCCD1}">
-              <a14:hiddenFill xmlns="" xmlns:a14="http://schemas.microsoft.com/office/drawing/2010/main">
+              <a14:hiddenFill xmlns:a14="http://schemas.microsoft.com/office/drawing/2010/main" xmlns="">
                 <a:solidFill>
                   <a:srgbClr val="FFFFFF"/>
                 </a:solidFill>
@@ -235,7 +235,7 @@
             </a:ln>
             <a:extLst>
               <a:ext uri="{91240B29-F687-4f45-9708-019B960494DF}">
-                <a14:hiddenLine xmlns="" xmlns:a14="http://schemas.microsoft.com/office/drawing/2010/main" w="9525">
+                <a14:hiddenLine xmlns:a14="http://schemas.microsoft.com/office/drawing/2010/main" xmlns="" w="9525">
                   <a:solidFill>
                     <a:srgbClr val="000000"/>
                   </a:solidFill>
@@ -325,7 +325,7 @@
             </a:ln>
             <a:extLst>
               <a:ext uri="{91240B29-F687-4f45-9708-019B960494DF}">
-                <a14:hiddenLine xmlns="" xmlns:a14="http://schemas.microsoft.com/office/drawing/2010/main" w="9525">
+                <a14:hiddenLine xmlns:a14="http://schemas.microsoft.com/office/drawing/2010/main" xmlns="" w="9525">
                   <a:solidFill>
                     <a:srgbClr val="000000"/>
                   </a:solidFill>
@@ -415,7 +415,7 @@
             </a:ln>
             <a:extLst>
               <a:ext uri="{91240B29-F687-4f45-9708-019B960494DF}">
-                <a14:hiddenLine xmlns="" xmlns:a14="http://schemas.microsoft.com/office/drawing/2010/main" w="9525">
+                <a14:hiddenLine xmlns:a14="http://schemas.microsoft.com/office/drawing/2010/main" xmlns="" w="9525">
                   <a:solidFill>
                     <a:srgbClr val="000000"/>
                   </a:solidFill>
@@ -449,7 +449,7 @@
             </a:ln>
             <a:extLst>
               <a:ext uri="{91240B29-F687-4f45-9708-019B960494DF}">
-                <a14:hiddenLine xmlns="" xmlns:a14="http://schemas.microsoft.com/office/drawing/2010/main" w="9525">
+                <a14:hiddenLine xmlns:a14="http://schemas.microsoft.com/office/drawing/2010/main" xmlns="" w="9525">
                   <a:solidFill>
                     <a:srgbClr val="000000"/>
                   </a:solidFill>
@@ -539,7 +539,7 @@
             </a:ln>
             <a:extLst>
               <a:ext uri="{91240B29-F687-4f45-9708-019B960494DF}">
-                <a14:hiddenLine xmlns="" xmlns:a14="http://schemas.microsoft.com/office/drawing/2010/main" w="9525">
+                <a14:hiddenLine xmlns:a14="http://schemas.microsoft.com/office/drawing/2010/main" xmlns="" w="9525">
                   <a:solidFill>
                     <a:srgbClr val="000000"/>
                   </a:solidFill>
@@ -601,7 +601,7 @@
             </a:ln>
             <a:extLst>
               <a:ext uri="{91240B29-F687-4f45-9708-019B960494DF}">
-                <a14:hiddenLine xmlns="" xmlns:a14="http://schemas.microsoft.com/office/drawing/2010/main" w="9525">
+                <a14:hiddenLine xmlns:a14="http://schemas.microsoft.com/office/drawing/2010/main" xmlns="" w="9525">
                   <a:solidFill>
                     <a:srgbClr val="000000"/>
                   </a:solidFill>
@@ -663,7 +663,7 @@
             </a:ln>
             <a:extLst>
               <a:ext uri="{91240B29-F687-4f45-9708-019B960494DF}">
-                <a14:hiddenLine xmlns="" xmlns:a14="http://schemas.microsoft.com/office/drawing/2010/main" w="9525">
+                <a14:hiddenLine xmlns:a14="http://schemas.microsoft.com/office/drawing/2010/main" xmlns="" w="9525">
                   <a:solidFill>
                     <a:srgbClr val="000000"/>
                   </a:solidFill>
@@ -753,7 +753,7 @@
             </a:ln>
             <a:extLst>
               <a:ext uri="{91240B29-F687-4f45-9708-019B960494DF}">
-                <a14:hiddenLine xmlns="" xmlns:a14="http://schemas.microsoft.com/office/drawing/2010/main" w="9525">
+                <a14:hiddenLine xmlns:a14="http://schemas.microsoft.com/office/drawing/2010/main" xmlns="" w="9525">
                   <a:solidFill>
                     <a:srgbClr val="000000"/>
                   </a:solidFill>
@@ -815,7 +815,7 @@
             </a:ln>
             <a:extLst>
               <a:ext uri="{91240B29-F687-4f45-9708-019B960494DF}">
-                <a14:hiddenLine xmlns="" xmlns:a14="http://schemas.microsoft.com/office/drawing/2010/main" w="9525">
+                <a14:hiddenLine xmlns:a14="http://schemas.microsoft.com/office/drawing/2010/main" xmlns="" w="9525">
                   <a:solidFill>
                     <a:srgbClr val="000000"/>
                   </a:solidFill>
@@ -877,7 +877,7 @@
             </a:ln>
             <a:extLst>
               <a:ext uri="{91240B29-F687-4f45-9708-019B960494DF}">
-                <a14:hiddenLine xmlns="" xmlns:a14="http://schemas.microsoft.com/office/drawing/2010/main" w="9525">
+                <a14:hiddenLine xmlns:a14="http://schemas.microsoft.com/office/drawing/2010/main" xmlns="" w="9525">
                   <a:solidFill>
                     <a:srgbClr val="000000"/>
                   </a:solidFill>
@@ -967,7 +967,7 @@
             </a:ln>
             <a:extLst>
               <a:ext uri="{91240B29-F687-4f45-9708-019B960494DF}">
-                <a14:hiddenLine xmlns="" xmlns:a14="http://schemas.microsoft.com/office/drawing/2010/main" w="9525">
+                <a14:hiddenLine xmlns:a14="http://schemas.microsoft.com/office/drawing/2010/main" xmlns="" w="9525">
                   <a:solidFill>
                     <a:srgbClr val="000000"/>
                   </a:solidFill>
@@ -1057,7 +1057,7 @@
             </a:ln>
             <a:extLst>
               <a:ext uri="{91240B29-F687-4f45-9708-019B960494DF}">
-                <a14:hiddenLine xmlns="" xmlns:a14="http://schemas.microsoft.com/office/drawing/2010/main" w="9525">
+                <a14:hiddenLine xmlns:a14="http://schemas.microsoft.com/office/drawing/2010/main" xmlns="" w="9525">
                   <a:solidFill>
                     <a:srgbClr val="000000"/>
                   </a:solidFill>
@@ -1119,7 +1119,7 @@
             </a:ln>
             <a:extLst>
               <a:ext uri="{91240B29-F687-4f45-9708-019B960494DF}">
-                <a14:hiddenLine xmlns="" xmlns:a14="http://schemas.microsoft.com/office/drawing/2010/main" w="9525">
+                <a14:hiddenLine xmlns:a14="http://schemas.microsoft.com/office/drawing/2010/main" xmlns="" w="9525">
                   <a:solidFill>
                     <a:srgbClr val="000000"/>
                   </a:solidFill>
@@ -1229,7 +1229,7 @@
             </a:ln>
             <a:extLst>
               <a:ext uri="{91240B29-F687-4f45-9708-019B960494DF}">
-                <a14:hiddenLine xmlns="" xmlns:a14="http://schemas.microsoft.com/office/drawing/2010/main" w="9525">
+                <a14:hiddenLine xmlns:a14="http://schemas.microsoft.com/office/drawing/2010/main" xmlns="" w="9525">
                   <a:solidFill>
                     <a:srgbClr val="000000"/>
                   </a:solidFill>
@@ -1291,7 +1291,7 @@
             </a:ln>
             <a:extLst>
               <a:ext uri="{91240B29-F687-4f45-9708-019B960494DF}">
-                <a14:hiddenLine xmlns="" xmlns:a14="http://schemas.microsoft.com/office/drawing/2010/main" w="9525">
+                <a14:hiddenLine xmlns:a14="http://schemas.microsoft.com/office/drawing/2010/main" xmlns="" w="9525">
                   <a:solidFill>
                     <a:srgbClr val="000000"/>
                   </a:solidFill>
@@ -1381,7 +1381,7 @@
             </a:ln>
             <a:extLst>
               <a:ext uri="{91240B29-F687-4f45-9708-019B960494DF}">
-                <a14:hiddenLine xmlns="" xmlns:a14="http://schemas.microsoft.com/office/drawing/2010/main" w="9525">
+                <a14:hiddenLine xmlns:a14="http://schemas.microsoft.com/office/drawing/2010/main" xmlns="" w="9525">
                   <a:solidFill>
                     <a:srgbClr val="000000"/>
                   </a:solidFill>
@@ -1471,7 +1471,7 @@
             </a:ln>
             <a:extLst>
               <a:ext uri="{91240B29-F687-4f45-9708-019B960494DF}">
-                <a14:hiddenLine xmlns="" xmlns:a14="http://schemas.microsoft.com/office/drawing/2010/main" w="9525">
+                <a14:hiddenLine xmlns:a14="http://schemas.microsoft.com/office/drawing/2010/main" xmlns="" w="9525">
                   <a:solidFill>
                     <a:srgbClr val="000000"/>
                   </a:solidFill>
@@ -1533,7 +1533,7 @@
             </a:ln>
             <a:extLst>
               <a:ext uri="{91240B29-F687-4f45-9708-019B960494DF}">
-                <a14:hiddenLine xmlns="" xmlns:a14="http://schemas.microsoft.com/office/drawing/2010/main" w="9525">
+                <a14:hiddenLine xmlns:a14="http://schemas.microsoft.com/office/drawing/2010/main" xmlns="" w="9525">
                   <a:solidFill>
                     <a:srgbClr val="000000"/>
                   </a:solidFill>
@@ -1623,7 +1623,7 @@
             </a:ln>
             <a:extLst>
               <a:ext uri="{91240B29-F687-4f45-9708-019B960494DF}">
-                <a14:hiddenLine xmlns="" xmlns:a14="http://schemas.microsoft.com/office/drawing/2010/main" w="9525">
+                <a14:hiddenLine xmlns:a14="http://schemas.microsoft.com/office/drawing/2010/main" xmlns="" w="9525">
                   <a:solidFill>
                     <a:srgbClr val="000000"/>
                   </a:solidFill>
@@ -1713,7 +1713,7 @@
             </a:ln>
             <a:extLst>
               <a:ext uri="{91240B29-F687-4f45-9708-019B960494DF}">
-                <a14:hiddenLine xmlns="" xmlns:a14="http://schemas.microsoft.com/office/drawing/2010/main" w="9525">
+                <a14:hiddenLine xmlns:a14="http://schemas.microsoft.com/office/drawing/2010/main" xmlns="" w="9525">
                   <a:solidFill>
                     <a:srgbClr val="000000"/>
                   </a:solidFill>
@@ -1769,7 +1769,7 @@
             </a:ln>
             <a:extLst>
               <a:ext uri="{91240B29-F687-4f45-9708-019B960494DF}">
-                <a14:hiddenLine xmlns="" xmlns:a14="http://schemas.microsoft.com/office/drawing/2010/main" w="9525">
+                <a14:hiddenLine xmlns:a14="http://schemas.microsoft.com/office/drawing/2010/main" xmlns="" w="9525">
                   <a:solidFill>
                     <a:srgbClr val="000000"/>
                   </a:solidFill>
@@ -1859,7 +1859,7 @@
             </a:ln>
             <a:extLst>
               <a:ext uri="{91240B29-F687-4f45-9708-019B960494DF}">
-                <a14:hiddenLine xmlns="" xmlns:a14="http://schemas.microsoft.com/office/drawing/2010/main" w="9525">
+                <a14:hiddenLine xmlns:a14="http://schemas.microsoft.com/office/drawing/2010/main" xmlns="" w="9525">
                   <a:solidFill>
                     <a:srgbClr val="000000"/>
                   </a:solidFill>
@@ -1915,7 +1915,7 @@
             </a:ln>
             <a:extLst>
               <a:ext uri="{91240B29-F687-4f45-9708-019B960494DF}">
-                <a14:hiddenLine xmlns="" xmlns:a14="http://schemas.microsoft.com/office/drawing/2010/main" w="9525">
+                <a14:hiddenLine xmlns:a14="http://schemas.microsoft.com/office/drawing/2010/main" xmlns="" w="9525">
                   <a:solidFill>
                     <a:srgbClr val="000000"/>
                   </a:solidFill>
@@ -2005,7 +2005,7 @@
             </a:ln>
             <a:extLst>
               <a:ext uri="{91240B29-F687-4f45-9708-019B960494DF}">
-                <a14:hiddenLine xmlns="" xmlns:a14="http://schemas.microsoft.com/office/drawing/2010/main" w="9525">
+                <a14:hiddenLine xmlns:a14="http://schemas.microsoft.com/office/drawing/2010/main" xmlns="" w="9525">
                   <a:solidFill>
                     <a:srgbClr val="000000"/>
                   </a:solidFill>
@@ -2073,7 +2073,7 @@
             </a:ln>
             <a:extLst>
               <a:ext uri="{91240B29-F687-4f45-9708-019B960494DF}">
-                <a14:hiddenLine xmlns="" xmlns:a14="http://schemas.microsoft.com/office/drawing/2010/main" w="9525">
+                <a14:hiddenLine xmlns:a14="http://schemas.microsoft.com/office/drawing/2010/main" xmlns="" w="9525">
                   <a:solidFill>
                     <a:srgbClr val="000000"/>
                   </a:solidFill>
@@ -2163,7 +2163,7 @@
             </a:ln>
             <a:extLst>
               <a:ext uri="{91240B29-F687-4f45-9708-019B960494DF}">
-                <a14:hiddenLine xmlns="" xmlns:a14="http://schemas.microsoft.com/office/drawing/2010/main" w="9525">
+                <a14:hiddenLine xmlns:a14="http://schemas.microsoft.com/office/drawing/2010/main" xmlns="" w="9525">
                   <a:solidFill>
                     <a:srgbClr val="000000"/>
                   </a:solidFill>
@@ -2231,7 +2231,7 @@
             </a:ln>
             <a:extLst>
               <a:ext uri="{91240B29-F687-4f45-9708-019B960494DF}">
-                <a14:hiddenLine xmlns="" xmlns:a14="http://schemas.microsoft.com/office/drawing/2010/main" w="9525">
+                <a14:hiddenLine xmlns:a14="http://schemas.microsoft.com/office/drawing/2010/main" xmlns="" w="9525">
                   <a:solidFill>
                     <a:srgbClr val="000000"/>
                   </a:solidFill>
@@ -2321,7 +2321,7 @@
             </a:ln>
             <a:extLst>
               <a:ext uri="{91240B29-F687-4f45-9708-019B960494DF}">
-                <a14:hiddenLine xmlns="" xmlns:a14="http://schemas.microsoft.com/office/drawing/2010/main" w="9525">
+                <a14:hiddenLine xmlns:a14="http://schemas.microsoft.com/office/drawing/2010/main" xmlns="" w="9525">
                   <a:solidFill>
                     <a:srgbClr val="000000"/>
                   </a:solidFill>
@@ -2355,7 +2355,7 @@
             </a:ln>
             <a:extLst>
               <a:ext uri="{91240B29-F687-4f45-9708-019B960494DF}">
-                <a14:hiddenLine xmlns="" xmlns:a14="http://schemas.microsoft.com/office/drawing/2010/main" w="9525">
+                <a14:hiddenLine xmlns:a14="http://schemas.microsoft.com/office/drawing/2010/main" xmlns="" w="9525">
                   <a:solidFill>
                     <a:srgbClr val="000000"/>
                   </a:solidFill>
@@ -2445,7 +2445,7 @@
             </a:ln>
             <a:extLst>
               <a:ext uri="{91240B29-F687-4f45-9708-019B960494DF}">
-                <a14:hiddenLine xmlns="" xmlns:a14="http://schemas.microsoft.com/office/drawing/2010/main" w="9525">
+                <a14:hiddenLine xmlns:a14="http://schemas.microsoft.com/office/drawing/2010/main" xmlns="" w="9525">
                   <a:solidFill>
                     <a:srgbClr val="000000"/>
                   </a:solidFill>
@@ -2507,7 +2507,7 @@
             </a:ln>
             <a:extLst>
               <a:ext uri="{91240B29-F687-4f45-9708-019B960494DF}">
-                <a14:hiddenLine xmlns="" xmlns:a14="http://schemas.microsoft.com/office/drawing/2010/main" w="9525">
+                <a14:hiddenLine xmlns:a14="http://schemas.microsoft.com/office/drawing/2010/main" xmlns="" w="9525">
                   <a:solidFill>
                     <a:srgbClr val="000000"/>
                   </a:solidFill>
@@ -2569,7 +2569,7 @@
             </a:ln>
             <a:extLst>
               <a:ext uri="{91240B29-F687-4f45-9708-019B960494DF}">
-                <a14:hiddenLine xmlns="" xmlns:a14="http://schemas.microsoft.com/office/drawing/2010/main" w="9525">
+                <a14:hiddenLine xmlns:a14="http://schemas.microsoft.com/office/drawing/2010/main" xmlns="" w="9525">
                   <a:solidFill>
                     <a:srgbClr val="000000"/>
                   </a:solidFill>
@@ -2659,7 +2659,7 @@
             </a:ln>
             <a:extLst>
               <a:ext uri="{91240B29-F687-4f45-9708-019B960494DF}">
-                <a14:hiddenLine xmlns="" xmlns:a14="http://schemas.microsoft.com/office/drawing/2010/main" w="9525">
+                <a14:hiddenLine xmlns:a14="http://schemas.microsoft.com/office/drawing/2010/main" xmlns="" w="9525">
                   <a:solidFill>
                     <a:srgbClr val="000000"/>
                   </a:solidFill>
@@ -2727,7 +2727,7 @@
             </a:ln>
             <a:extLst>
               <a:ext uri="{91240B29-F687-4f45-9708-019B960494DF}">
-                <a14:hiddenLine xmlns="" xmlns:a14="http://schemas.microsoft.com/office/drawing/2010/main" w="9525">
+                <a14:hiddenLine xmlns:a14="http://schemas.microsoft.com/office/drawing/2010/main" xmlns="" w="9525">
                   <a:solidFill>
                     <a:srgbClr val="000000"/>
                   </a:solidFill>
@@ -2789,7 +2789,7 @@
             </a:ln>
             <a:extLst>
               <a:ext uri="{91240B29-F687-4f45-9708-019B960494DF}">
-                <a14:hiddenLine xmlns="" xmlns:a14="http://schemas.microsoft.com/office/drawing/2010/main" w="9525">
+                <a14:hiddenLine xmlns:a14="http://schemas.microsoft.com/office/drawing/2010/main" xmlns="" w="9525">
                   <a:solidFill>
                     <a:srgbClr val="000000"/>
                   </a:solidFill>
@@ -2879,7 +2879,7 @@
             </a:ln>
             <a:extLst>
               <a:ext uri="{91240B29-F687-4f45-9708-019B960494DF}">
-                <a14:hiddenLine xmlns="" xmlns:a14="http://schemas.microsoft.com/office/drawing/2010/main" w="9525">
+                <a14:hiddenLine xmlns:a14="http://schemas.microsoft.com/office/drawing/2010/main" xmlns="" w="9525">
                   <a:solidFill>
                     <a:srgbClr val="000000"/>
                   </a:solidFill>
@@ -2941,7 +2941,7 @@
             </a:ln>
             <a:extLst>
               <a:ext uri="{91240B29-F687-4f45-9708-019B960494DF}">
-                <a14:hiddenLine xmlns="" xmlns:a14="http://schemas.microsoft.com/office/drawing/2010/main" w="9525">
+                <a14:hiddenLine xmlns:a14="http://schemas.microsoft.com/office/drawing/2010/main" xmlns="" w="9525">
                   <a:solidFill>
                     <a:srgbClr val="000000"/>
                   </a:solidFill>
@@ -3031,7 +3031,7 @@
             </a:ln>
             <a:extLst>
               <a:ext uri="{91240B29-F687-4f45-9708-019B960494DF}">
-                <a14:hiddenLine xmlns="" xmlns:a14="http://schemas.microsoft.com/office/drawing/2010/main" w="9525">
+                <a14:hiddenLine xmlns:a14="http://schemas.microsoft.com/office/drawing/2010/main" xmlns="" w="9525">
                   <a:solidFill>
                     <a:srgbClr val="000000"/>
                   </a:solidFill>
@@ -3093,7 +3093,7 @@
             </a:ln>
             <a:extLst>
               <a:ext uri="{91240B29-F687-4f45-9708-019B960494DF}">
-                <a14:hiddenLine xmlns="" xmlns:a14="http://schemas.microsoft.com/office/drawing/2010/main" w="9525">
+                <a14:hiddenLine xmlns:a14="http://schemas.microsoft.com/office/drawing/2010/main" xmlns="" w="9525">
                   <a:solidFill>
                     <a:srgbClr val="000000"/>
                   </a:solidFill>
@@ -3183,7 +3183,7 @@
             </a:ln>
             <a:extLst>
               <a:ext uri="{91240B29-F687-4f45-9708-019B960494DF}">
-                <a14:hiddenLine xmlns="" xmlns:a14="http://schemas.microsoft.com/office/drawing/2010/main" w="9525">
+                <a14:hiddenLine xmlns:a14="http://schemas.microsoft.com/office/drawing/2010/main" xmlns="" w="9525">
                   <a:solidFill>
                     <a:srgbClr val="000000"/>
                   </a:solidFill>
@@ -3217,7 +3217,7 @@
             </a:ln>
             <a:extLst>
               <a:ext uri="{91240B29-F687-4f45-9708-019B960494DF}">
-                <a14:hiddenLine xmlns="" xmlns:a14="http://schemas.microsoft.com/office/drawing/2010/main" w="9525">
+                <a14:hiddenLine xmlns:a14="http://schemas.microsoft.com/office/drawing/2010/main" xmlns="" w="9525">
                   <a:solidFill>
                     <a:srgbClr val="000000"/>
                   </a:solidFill>
@@ -3282,7 +3282,7 @@
             </a:ln>
             <a:extLst>
               <a:ext uri="{91240B29-F687-4f45-9708-019B960494DF}">
-                <a14:hiddenLine xmlns="" xmlns:a14="http://schemas.microsoft.com/office/drawing/2010/main" w="9525">
+                <a14:hiddenLine xmlns:a14="http://schemas.microsoft.com/office/drawing/2010/main" xmlns="" w="9525">
                   <a:solidFill>
                     <a:srgbClr val="000000"/>
                   </a:solidFill>
@@ -3372,7 +3372,7 @@
             </a:ln>
             <a:extLst>
               <a:ext uri="{91240B29-F687-4f45-9708-019B960494DF}">
-                <a14:hiddenLine xmlns="" xmlns:a14="http://schemas.microsoft.com/office/drawing/2010/main" w="9525">
+                <a14:hiddenLine xmlns:a14="http://schemas.microsoft.com/office/drawing/2010/main" xmlns="" w="9525">
                   <a:solidFill>
                     <a:srgbClr val="000000"/>
                   </a:solidFill>
@@ -3434,7 +3434,7 @@
             </a:ln>
             <a:extLst>
               <a:ext uri="{91240B29-F687-4f45-9708-019B960494DF}">
-                <a14:hiddenLine xmlns="" xmlns:a14="http://schemas.microsoft.com/office/drawing/2010/main" w="9525">
+                <a14:hiddenLine xmlns:a14="http://schemas.microsoft.com/office/drawing/2010/main" xmlns="" w="9525">
                   <a:solidFill>
                     <a:srgbClr val="000000"/>
                   </a:solidFill>
@@ -3524,7 +3524,7 @@
             </a:ln>
             <a:extLst>
               <a:ext uri="{91240B29-F687-4f45-9708-019B960494DF}">
-                <a14:hiddenLine xmlns="" xmlns:a14="http://schemas.microsoft.com/office/drawing/2010/main" w="9525">
+                <a14:hiddenLine xmlns:a14="http://schemas.microsoft.com/office/drawing/2010/main" xmlns="" w="9525">
                   <a:solidFill>
                     <a:srgbClr val="000000"/>
                   </a:solidFill>
@@ -3614,7 +3614,7 @@
             </a:ln>
             <a:extLst>
               <a:ext uri="{91240B29-F687-4f45-9708-019B960494DF}">
-                <a14:hiddenLine xmlns="" xmlns:a14="http://schemas.microsoft.com/office/drawing/2010/main" w="9525">
+                <a14:hiddenLine xmlns:a14="http://schemas.microsoft.com/office/drawing/2010/main" xmlns="" w="9525">
                   <a:solidFill>
                     <a:srgbClr val="000000"/>
                   </a:solidFill>
@@ -3679,7 +3679,7 @@
             </a:ln>
             <a:extLst>
               <a:ext uri="{91240B29-F687-4f45-9708-019B960494DF}">
-                <a14:hiddenLine xmlns="" xmlns:a14="http://schemas.microsoft.com/office/drawing/2010/main" w="9525">
+                <a14:hiddenLine xmlns:a14="http://schemas.microsoft.com/office/drawing/2010/main" xmlns="" w="9525">
                   <a:solidFill>
                     <a:srgbClr val="000000"/>
                   </a:solidFill>
@@ -3741,7 +3741,7 @@
             </a:ln>
             <a:extLst>
               <a:ext uri="{91240B29-F687-4f45-9708-019B960494DF}">
-                <a14:hiddenLine xmlns="" xmlns:a14="http://schemas.microsoft.com/office/drawing/2010/main" w="9525">
+                <a14:hiddenLine xmlns:a14="http://schemas.microsoft.com/office/drawing/2010/main" xmlns="" w="9525">
                   <a:solidFill>
                     <a:srgbClr val="000000"/>
                   </a:solidFill>
@@ -3831,7 +3831,7 @@
             </a:ln>
             <a:extLst>
               <a:ext uri="{91240B29-F687-4f45-9708-019B960494DF}">
-                <a14:hiddenLine xmlns="" xmlns:a14="http://schemas.microsoft.com/office/drawing/2010/main" w="9525">
+                <a14:hiddenLine xmlns:a14="http://schemas.microsoft.com/office/drawing/2010/main" xmlns="" w="9525">
                   <a:solidFill>
                     <a:srgbClr val="000000"/>
                   </a:solidFill>
@@ -3921,7 +3921,7 @@
             </a:ln>
             <a:extLst>
               <a:ext uri="{91240B29-F687-4f45-9708-019B960494DF}">
-                <a14:hiddenLine xmlns="" xmlns:a14="http://schemas.microsoft.com/office/drawing/2010/main" w="9525">
+                <a14:hiddenLine xmlns:a14="http://schemas.microsoft.com/office/drawing/2010/main" xmlns="" w="9525">
                   <a:solidFill>
                     <a:srgbClr val="000000"/>
                   </a:solidFill>
@@ -3983,7 +3983,7 @@
             </a:ln>
             <a:extLst>
               <a:ext uri="{91240B29-F687-4f45-9708-019B960494DF}">
-                <a14:hiddenLine xmlns="" xmlns:a14="http://schemas.microsoft.com/office/drawing/2010/main" w="9525">
+                <a14:hiddenLine xmlns:a14="http://schemas.microsoft.com/office/drawing/2010/main" xmlns="" w="9525">
                   <a:solidFill>
                     <a:srgbClr val="000000"/>
                   </a:solidFill>
@@ -4103,7 +4103,7 @@
             </a:ln>
             <a:extLst>
               <a:ext uri="{91240B29-F687-4f45-9708-019B960494DF}">
-                <a14:hiddenLine xmlns="" xmlns:a14="http://schemas.microsoft.com/office/drawing/2010/main" w="9525">
+                <a14:hiddenLine xmlns:a14="http://schemas.microsoft.com/office/drawing/2010/main" xmlns="" w="9525">
                   <a:solidFill>
                     <a:srgbClr val="000000"/>
                   </a:solidFill>
@@ -4171,7 +4171,7 @@
             </a:ln>
             <a:extLst>
               <a:ext uri="{91240B29-F687-4f45-9708-019B960494DF}">
-                <a14:hiddenLine xmlns="" xmlns:a14="http://schemas.microsoft.com/office/drawing/2010/main" w="9525">
+                <a14:hiddenLine xmlns:a14="http://schemas.microsoft.com/office/drawing/2010/main" xmlns="" w="9525">
                   <a:solidFill>
                     <a:srgbClr val="000000"/>
                   </a:solidFill>
@@ -4261,7 +4261,7 @@
             </a:ln>
             <a:extLst>
               <a:ext uri="{91240B29-F687-4f45-9708-019B960494DF}">
-                <a14:hiddenLine xmlns="" xmlns:a14="http://schemas.microsoft.com/office/drawing/2010/main" w="9525">
+                <a14:hiddenLine xmlns:a14="http://schemas.microsoft.com/office/drawing/2010/main" xmlns="" w="9525">
                   <a:solidFill>
                     <a:srgbClr val="000000"/>
                   </a:solidFill>
@@ -4401,7 +4401,7 @@
           <a:p>
             <a:fld id="{48A87A34-81AB-432B-8DAE-1953F412C126}" type="datetimeFigureOut">
               <a:rPr lang="en-US" dirty="0"/>
-              <a:t>11/11/2018</a:t>
+              <a:t>12/5/2018</a:t>
             </a:fld>
             <a:endParaRPr lang="en-US" dirty="0"/>
           </a:p>
@@ -4663,7 +4663,7 @@
           <a:p>
             <a:fld id="{48A87A34-81AB-432B-8DAE-1953F412C126}" type="datetimeFigureOut">
               <a:rPr lang="en-US" dirty="0"/>
-              <a:t>11/11/2018</a:t>
+              <a:t>12/5/2018</a:t>
             </a:fld>
             <a:endParaRPr lang="en-US" dirty="0"/>
           </a:p>
@@ -4854,7 +4854,7 @@
           <a:p>
             <a:fld id="{48A87A34-81AB-432B-8DAE-1953F412C126}" type="datetimeFigureOut">
               <a:rPr lang="en-US" dirty="0"/>
-              <a:t>11/11/2018</a:t>
+              <a:t>12/5/2018</a:t>
             </a:fld>
             <a:endParaRPr lang="en-US" dirty="0"/>
           </a:p>
@@ -5112,7 +5112,7 @@
           <a:p>
             <a:fld id="{48A87A34-81AB-432B-8DAE-1953F412C126}" type="datetimeFigureOut">
               <a:rPr lang="en-US" dirty="0"/>
-              <a:t>11/11/2018</a:t>
+              <a:t>12/5/2018</a:t>
             </a:fld>
             <a:endParaRPr lang="en-US" dirty="0"/>
           </a:p>
@@ -5541,7 +5541,7 @@
           <a:p>
             <a:fld id="{48A87A34-81AB-432B-8DAE-1953F412C126}" type="datetimeFigureOut">
               <a:rPr lang="en-US" dirty="0"/>
-              <a:t>11/11/2018</a:t>
+              <a:t>12/5/2018</a:t>
             </a:fld>
             <a:endParaRPr lang="en-US" dirty="0"/>
           </a:p>
@@ -6082,7 +6082,7 @@
           <a:p>
             <a:fld id="{48A87A34-81AB-432B-8DAE-1953F412C126}" type="datetimeFigureOut">
               <a:rPr lang="en-US" dirty="0"/>
-              <a:t>11/11/2018</a:t>
+              <a:t>12/5/2018</a:t>
             </a:fld>
             <a:endParaRPr lang="en-US" dirty="0"/>
           </a:p>
@@ -6797,7 +6797,7 @@
           <a:p>
             <a:fld id="{48A87A34-81AB-432B-8DAE-1953F412C126}" type="datetimeFigureOut">
               <a:rPr lang="en-US" dirty="0"/>
-              <a:t>11/11/2018</a:t>
+              <a:t>12/5/2018</a:t>
             </a:fld>
             <a:endParaRPr lang="en-US" dirty="0"/>
           </a:p>
@@ -6962,7 +6962,7 @@
           <a:p>
             <a:fld id="{48A87A34-81AB-432B-8DAE-1953F412C126}" type="datetimeFigureOut">
               <a:rPr lang="en-US" dirty="0"/>
-              <a:t>11/11/2018</a:t>
+              <a:t>12/5/2018</a:t>
             </a:fld>
             <a:endParaRPr lang="en-US" dirty="0"/>
           </a:p>
@@ -7137,7 +7137,7 @@
           <a:p>
             <a:fld id="{48A87A34-81AB-432B-8DAE-1953F412C126}" type="datetimeFigureOut">
               <a:rPr lang="en-US" dirty="0"/>
-              <a:t>11/11/2018</a:t>
+              <a:t>12/5/2018</a:t>
             </a:fld>
             <a:endParaRPr lang="en-US" dirty="0"/>
           </a:p>
@@ -7302,7 +7302,7 @@
           <a:p>
             <a:fld id="{48A87A34-81AB-432B-8DAE-1953F412C126}" type="datetimeFigureOut">
               <a:rPr lang="en-US" dirty="0"/>
-              <a:t>11/11/2018</a:t>
+              <a:t>12/5/2018</a:t>
             </a:fld>
             <a:endParaRPr lang="en-US" dirty="0"/>
           </a:p>
@@ -7547,7 +7547,7 @@
           <a:p>
             <a:fld id="{48A87A34-81AB-432B-8DAE-1953F412C126}" type="datetimeFigureOut">
               <a:rPr lang="en-US" dirty="0"/>
-              <a:t>11/11/2018</a:t>
+              <a:t>12/5/2018</a:t>
             </a:fld>
             <a:endParaRPr lang="en-US" dirty="0"/>
           </a:p>
@@ -7774,7 +7774,7 @@
           <a:p>
             <a:fld id="{48A87A34-81AB-432B-8DAE-1953F412C126}" type="datetimeFigureOut">
               <a:rPr lang="en-US" dirty="0"/>
-              <a:t>11/11/2018</a:t>
+              <a:t>12/5/2018</a:t>
             </a:fld>
             <a:endParaRPr lang="en-US" dirty="0"/>
           </a:p>
@@ -8150,7 +8150,7 @@
           <a:p>
             <a:fld id="{48A87A34-81AB-432B-8DAE-1953F412C126}" type="datetimeFigureOut">
               <a:rPr lang="en-US" dirty="0"/>
-              <a:t>11/11/2018</a:t>
+              <a:t>12/5/2018</a:t>
             </a:fld>
             <a:endParaRPr lang="en-US" dirty="0"/>
           </a:p>
@@ -8263,7 +8263,7 @@
           <a:p>
             <a:fld id="{48A87A34-81AB-432B-8DAE-1953F412C126}" type="datetimeFigureOut">
               <a:rPr lang="en-US" dirty="0"/>
-              <a:t>11/11/2018</a:t>
+              <a:t>12/5/2018</a:t>
             </a:fld>
             <a:endParaRPr lang="en-US" dirty="0"/>
           </a:p>
@@ -8353,7 +8353,7 @@
           <a:p>
             <a:fld id="{48A87A34-81AB-432B-8DAE-1953F412C126}" type="datetimeFigureOut">
               <a:rPr lang="en-US" dirty="0"/>
-              <a:t>11/11/2018</a:t>
+              <a:t>12/5/2018</a:t>
             </a:fld>
             <a:endParaRPr lang="en-US" dirty="0"/>
           </a:p>
@@ -8597,7 +8597,7 @@
           <a:p>
             <a:fld id="{48A87A34-81AB-432B-8DAE-1953F412C126}" type="datetimeFigureOut">
               <a:rPr lang="en-US" dirty="0"/>
-              <a:t>11/11/2018</a:t>
+              <a:t>12/5/2018</a:t>
             </a:fld>
             <a:endParaRPr lang="en-US" dirty="0"/>
           </a:p>
@@ -8872,7 +8872,7 @@
           <a:p>
             <a:fld id="{48A87A34-81AB-432B-8DAE-1953F412C126}" type="datetimeFigureOut">
               <a:rPr lang="en-US" dirty="0"/>
-              <a:t>11/11/2018</a:t>
+              <a:t>12/5/2018</a:t>
             </a:fld>
             <a:endParaRPr lang="en-US" dirty="0"/>
           </a:p>
@@ -8990,7 +8990,7 @@
           <a:noFill/>
           <a:extLst>
             <a:ext uri="{909E8E84-426E-40dd-AFC4-6F175D3DCCD1}">
-              <a14:hiddenFill xmlns="" xmlns:a14="http://schemas.microsoft.com/office/drawing/2010/main">
+              <a14:hiddenFill xmlns:a14="http://schemas.microsoft.com/office/drawing/2010/main" xmlns="">
                 <a:solidFill>
                   <a:srgbClr val="FFFFFF"/>
                 </a:solidFill>
@@ -9064,7 +9064,7 @@
               </a:ln>
               <a:extLst>
                 <a:ext uri="{91240B29-F687-4f45-9708-019B960494DF}">
-                  <a14:hiddenLine xmlns="" xmlns:a14="http://schemas.microsoft.com/office/drawing/2010/main" w="9525">
+                  <a14:hiddenLine xmlns:a14="http://schemas.microsoft.com/office/drawing/2010/main" xmlns="" w="9525">
                     <a:solidFill>
                       <a:srgbClr val="000000"/>
                     </a:solidFill>
@@ -9154,7 +9154,7 @@
               </a:ln>
               <a:extLst>
                 <a:ext uri="{91240B29-F687-4f45-9708-019B960494DF}">
-                  <a14:hiddenLine xmlns="" xmlns:a14="http://schemas.microsoft.com/office/drawing/2010/main" w="9525">
+                  <a14:hiddenLine xmlns:a14="http://schemas.microsoft.com/office/drawing/2010/main" xmlns="" w="9525">
                     <a:solidFill>
                       <a:srgbClr val="000000"/>
                     </a:solidFill>
@@ -9244,7 +9244,7 @@
               </a:ln>
               <a:extLst>
                 <a:ext uri="{91240B29-F687-4f45-9708-019B960494DF}">
-                  <a14:hiddenLine xmlns="" xmlns:a14="http://schemas.microsoft.com/office/drawing/2010/main" w="9525">
+                  <a14:hiddenLine xmlns:a14="http://schemas.microsoft.com/office/drawing/2010/main" xmlns="" w="9525">
                     <a:solidFill>
                       <a:srgbClr val="000000"/>
                     </a:solidFill>
@@ -9306,7 +9306,7 @@
               </a:ln>
               <a:extLst>
                 <a:ext uri="{91240B29-F687-4f45-9708-019B960494DF}">
-                  <a14:hiddenLine xmlns="" xmlns:a14="http://schemas.microsoft.com/office/drawing/2010/main" w="9525">
+                  <a14:hiddenLine xmlns:a14="http://schemas.microsoft.com/office/drawing/2010/main" xmlns="" w="9525">
                     <a:solidFill>
                       <a:srgbClr val="000000"/>
                     </a:solidFill>
@@ -9396,7 +9396,7 @@
               </a:ln>
               <a:extLst>
                 <a:ext uri="{91240B29-F687-4f45-9708-019B960494DF}">
-                  <a14:hiddenLine xmlns="" xmlns:a14="http://schemas.microsoft.com/office/drawing/2010/main" w="9525">
+                  <a14:hiddenLine xmlns:a14="http://schemas.microsoft.com/office/drawing/2010/main" xmlns="" w="9525">
                     <a:solidFill>
                       <a:srgbClr val="000000"/>
                     </a:solidFill>
@@ -9458,7 +9458,7 @@
               </a:ln>
               <a:extLst>
                 <a:ext uri="{91240B29-F687-4f45-9708-019B960494DF}">
-                  <a14:hiddenLine xmlns="" xmlns:a14="http://schemas.microsoft.com/office/drawing/2010/main" w="9525">
+                  <a14:hiddenLine xmlns:a14="http://schemas.microsoft.com/office/drawing/2010/main" xmlns="" w="9525">
                     <a:solidFill>
                       <a:srgbClr val="000000"/>
                     </a:solidFill>
@@ -9520,7 +9520,7 @@
               </a:ln>
               <a:extLst>
                 <a:ext uri="{91240B29-F687-4f45-9708-019B960494DF}">
-                  <a14:hiddenLine xmlns="" xmlns:a14="http://schemas.microsoft.com/office/drawing/2010/main" w="9525">
+                  <a14:hiddenLine xmlns:a14="http://schemas.microsoft.com/office/drawing/2010/main" xmlns="" w="9525">
                     <a:solidFill>
                       <a:srgbClr val="000000"/>
                     </a:solidFill>
@@ -9610,7 +9610,7 @@
               </a:ln>
               <a:extLst>
                 <a:ext uri="{91240B29-F687-4f45-9708-019B960494DF}">
-                  <a14:hiddenLine xmlns="" xmlns:a14="http://schemas.microsoft.com/office/drawing/2010/main" w="9525">
+                  <a14:hiddenLine xmlns:a14="http://schemas.microsoft.com/office/drawing/2010/main" xmlns="" w="9525">
                     <a:solidFill>
                       <a:srgbClr val="000000"/>
                     </a:solidFill>
@@ -9700,7 +9700,7 @@
               </a:ln>
               <a:extLst>
                 <a:ext uri="{91240B29-F687-4f45-9708-019B960494DF}">
-                  <a14:hiddenLine xmlns="" xmlns:a14="http://schemas.microsoft.com/office/drawing/2010/main" w="9525">
+                  <a14:hiddenLine xmlns:a14="http://schemas.microsoft.com/office/drawing/2010/main" xmlns="" w="9525">
                     <a:solidFill>
                       <a:srgbClr val="000000"/>
                     </a:solidFill>
@@ -9762,7 +9762,7 @@
               </a:ln>
               <a:extLst>
                 <a:ext uri="{91240B29-F687-4f45-9708-019B960494DF}">
-                  <a14:hiddenLine xmlns="" xmlns:a14="http://schemas.microsoft.com/office/drawing/2010/main" w="9525">
+                  <a14:hiddenLine xmlns:a14="http://schemas.microsoft.com/office/drawing/2010/main" xmlns="" w="9525">
                     <a:solidFill>
                       <a:srgbClr val="000000"/>
                     </a:solidFill>
@@ -9872,7 +9872,7 @@
               </a:ln>
               <a:extLst>
                 <a:ext uri="{91240B29-F687-4f45-9708-019B960494DF}">
-                  <a14:hiddenLine xmlns="" xmlns:a14="http://schemas.microsoft.com/office/drawing/2010/main" w="9525">
+                  <a14:hiddenLine xmlns:a14="http://schemas.microsoft.com/office/drawing/2010/main" xmlns="" w="9525">
                     <a:solidFill>
                       <a:srgbClr val="000000"/>
                     </a:solidFill>
@@ -9956,7 +9956,7 @@
               </a:ln>
               <a:extLst>
                 <a:ext uri="{91240B29-F687-4f45-9708-019B960494DF}">
-                  <a14:hiddenLine xmlns="" xmlns:a14="http://schemas.microsoft.com/office/drawing/2010/main" w="9525">
+                  <a14:hiddenLine xmlns:a14="http://schemas.microsoft.com/office/drawing/2010/main" xmlns="" w="9525">
                     <a:solidFill>
                       <a:srgbClr val="000000"/>
                     </a:solidFill>
@@ -10018,7 +10018,7 @@
               </a:ln>
               <a:extLst>
                 <a:ext uri="{91240B29-F687-4f45-9708-019B960494DF}">
-                  <a14:hiddenLine xmlns="" xmlns:a14="http://schemas.microsoft.com/office/drawing/2010/main" w="9525">
+                  <a14:hiddenLine xmlns:a14="http://schemas.microsoft.com/office/drawing/2010/main" xmlns="" w="9525">
                     <a:solidFill>
                       <a:srgbClr val="000000"/>
                     </a:solidFill>
@@ -10080,7 +10080,7 @@
               </a:ln>
               <a:extLst>
                 <a:ext uri="{91240B29-F687-4f45-9708-019B960494DF}">
-                  <a14:hiddenLine xmlns="" xmlns:a14="http://schemas.microsoft.com/office/drawing/2010/main" w="9525">
+                  <a14:hiddenLine xmlns:a14="http://schemas.microsoft.com/office/drawing/2010/main" xmlns="" w="9525">
                     <a:solidFill>
                       <a:srgbClr val="000000"/>
                     </a:solidFill>
@@ -10170,7 +10170,7 @@
               </a:ln>
               <a:extLst>
                 <a:ext uri="{91240B29-F687-4f45-9708-019B960494DF}">
-                  <a14:hiddenLine xmlns="" xmlns:a14="http://schemas.microsoft.com/office/drawing/2010/main" w="9525">
+                  <a14:hiddenLine xmlns:a14="http://schemas.microsoft.com/office/drawing/2010/main" xmlns="" w="9525">
                     <a:solidFill>
                       <a:srgbClr val="000000"/>
                     </a:solidFill>
@@ -10204,7 +10204,7 @@
               </a:ln>
               <a:extLst>
                 <a:ext uri="{91240B29-F687-4f45-9708-019B960494DF}">
-                  <a14:hiddenLine xmlns="" xmlns:a14="http://schemas.microsoft.com/office/drawing/2010/main" w="9525">
+                  <a14:hiddenLine xmlns:a14="http://schemas.microsoft.com/office/drawing/2010/main" xmlns="" w="9525">
                     <a:solidFill>
                       <a:srgbClr val="000000"/>
                     </a:solidFill>
@@ -10269,7 +10269,7 @@
               </a:ln>
               <a:extLst>
                 <a:ext uri="{91240B29-F687-4f45-9708-019B960494DF}">
-                  <a14:hiddenLine xmlns="" xmlns:a14="http://schemas.microsoft.com/office/drawing/2010/main" w="9525">
+                  <a14:hiddenLine xmlns:a14="http://schemas.microsoft.com/office/drawing/2010/main" xmlns="" w="9525">
                     <a:solidFill>
                       <a:srgbClr val="000000"/>
                     </a:solidFill>
@@ -10359,7 +10359,7 @@
               </a:ln>
               <a:extLst>
                 <a:ext uri="{91240B29-F687-4f45-9708-019B960494DF}">
-                  <a14:hiddenLine xmlns="" xmlns:a14="http://schemas.microsoft.com/office/drawing/2010/main" w="9525">
+                  <a14:hiddenLine xmlns:a14="http://schemas.microsoft.com/office/drawing/2010/main" xmlns="" w="9525">
                     <a:solidFill>
                       <a:srgbClr val="000000"/>
                     </a:solidFill>
@@ -10421,7 +10421,7 @@
               </a:ln>
               <a:extLst>
                 <a:ext uri="{91240B29-F687-4f45-9708-019B960494DF}">
-                  <a14:hiddenLine xmlns="" xmlns:a14="http://schemas.microsoft.com/office/drawing/2010/main" w="9525">
+                  <a14:hiddenLine xmlns:a14="http://schemas.microsoft.com/office/drawing/2010/main" xmlns="" w="9525">
                     <a:solidFill>
                       <a:srgbClr val="000000"/>
                     </a:solidFill>
@@ -10511,7 +10511,7 @@
               </a:ln>
               <a:extLst>
                 <a:ext uri="{91240B29-F687-4f45-9708-019B960494DF}">
-                  <a14:hiddenLine xmlns="" xmlns:a14="http://schemas.microsoft.com/office/drawing/2010/main" w="9525">
+                  <a14:hiddenLine xmlns:a14="http://schemas.microsoft.com/office/drawing/2010/main" xmlns="" w="9525">
                     <a:solidFill>
                       <a:srgbClr val="000000"/>
                     </a:solidFill>
@@ -10576,7 +10576,7 @@
               </a:ln>
               <a:extLst>
                 <a:ext uri="{91240B29-F687-4f45-9708-019B960494DF}">
-                  <a14:hiddenLine xmlns="" xmlns:a14="http://schemas.microsoft.com/office/drawing/2010/main" w="9525">
+                  <a14:hiddenLine xmlns:a14="http://schemas.microsoft.com/office/drawing/2010/main" xmlns="" w="9525">
                     <a:solidFill>
                       <a:srgbClr val="000000"/>
                     </a:solidFill>
@@ -10638,7 +10638,7 @@
               </a:ln>
               <a:extLst>
                 <a:ext uri="{91240B29-F687-4f45-9708-019B960494DF}">
-                  <a14:hiddenLine xmlns="" xmlns:a14="http://schemas.microsoft.com/office/drawing/2010/main" w="9525">
+                  <a14:hiddenLine xmlns:a14="http://schemas.microsoft.com/office/drawing/2010/main" xmlns="" w="9525">
                     <a:solidFill>
                       <a:srgbClr val="000000"/>
                     </a:solidFill>
@@ -10728,7 +10728,7 @@
               </a:ln>
               <a:extLst>
                 <a:ext uri="{91240B29-F687-4f45-9708-019B960494DF}">
-                  <a14:hiddenLine xmlns="" xmlns:a14="http://schemas.microsoft.com/office/drawing/2010/main" w="9525">
+                  <a14:hiddenLine xmlns:a14="http://schemas.microsoft.com/office/drawing/2010/main" xmlns="" w="9525">
                     <a:solidFill>
                       <a:srgbClr val="000000"/>
                     </a:solidFill>
@@ -10818,7 +10818,7 @@
               </a:ln>
               <a:extLst>
                 <a:ext uri="{91240B29-F687-4f45-9708-019B960494DF}">
-                  <a14:hiddenLine xmlns="" xmlns:a14="http://schemas.microsoft.com/office/drawing/2010/main" w="9525">
+                  <a14:hiddenLine xmlns:a14="http://schemas.microsoft.com/office/drawing/2010/main" xmlns="" w="9525">
                     <a:solidFill>
                       <a:srgbClr val="000000"/>
                     </a:solidFill>
@@ -10883,7 +10883,7 @@
               </a:ln>
               <a:extLst>
                 <a:ext uri="{91240B29-F687-4f45-9708-019B960494DF}">
-                  <a14:hiddenLine xmlns="" xmlns:a14="http://schemas.microsoft.com/office/drawing/2010/main" w="9525">
+                  <a14:hiddenLine xmlns:a14="http://schemas.microsoft.com/office/drawing/2010/main" xmlns="" w="9525">
                     <a:solidFill>
                       <a:srgbClr val="000000"/>
                     </a:solidFill>
@@ -11003,7 +11003,7 @@
               </a:ln>
               <a:extLst>
                 <a:ext uri="{91240B29-F687-4f45-9708-019B960494DF}">
-                  <a14:hiddenLine xmlns="" xmlns:a14="http://schemas.microsoft.com/office/drawing/2010/main" w="9525">
+                  <a14:hiddenLine xmlns:a14="http://schemas.microsoft.com/office/drawing/2010/main" xmlns="" w="9525">
                     <a:solidFill>
                       <a:srgbClr val="000000"/>
                     </a:solidFill>
@@ -11084,7 +11084,7 @@
               </a:ln>
               <a:extLst>
                 <a:ext uri="{91240B29-F687-4f45-9708-019B960494DF}">
-                  <a14:hiddenLine xmlns="" xmlns:a14="http://schemas.microsoft.com/office/drawing/2010/main" w="9525">
+                  <a14:hiddenLine xmlns:a14="http://schemas.microsoft.com/office/drawing/2010/main" xmlns="" w="9525">
                     <a:solidFill>
                       <a:srgbClr val="000000"/>
                     </a:solidFill>
@@ -11199,7 +11199,7 @@
               </a:ln>
               <a:extLst>
                 <a:ext uri="{91240B29-F687-4f45-9708-019B960494DF}">
-                  <a14:hiddenLine xmlns="" xmlns:a14="http://schemas.microsoft.com/office/drawing/2010/main" w="9525">
+                  <a14:hiddenLine xmlns:a14="http://schemas.microsoft.com/office/drawing/2010/main" xmlns="" w="9525">
                     <a:solidFill>
                       <a:srgbClr val="000000"/>
                     </a:solidFill>
@@ -11289,7 +11289,7 @@
               </a:ln>
               <a:extLst>
                 <a:ext uri="{91240B29-F687-4f45-9708-019B960494DF}">
-                  <a14:hiddenLine xmlns="" xmlns:a14="http://schemas.microsoft.com/office/drawing/2010/main" w="9525">
+                  <a14:hiddenLine xmlns:a14="http://schemas.microsoft.com/office/drawing/2010/main" xmlns="" w="9525">
                     <a:solidFill>
                       <a:srgbClr val="000000"/>
                     </a:solidFill>
@@ -11354,7 +11354,7 @@
               </a:ln>
               <a:extLst>
                 <a:ext uri="{91240B29-F687-4f45-9708-019B960494DF}">
-                  <a14:hiddenLine xmlns="" xmlns:a14="http://schemas.microsoft.com/office/drawing/2010/main" w="9525">
+                  <a14:hiddenLine xmlns:a14="http://schemas.microsoft.com/office/drawing/2010/main" xmlns="" w="9525">
                     <a:solidFill>
                       <a:srgbClr val="000000"/>
                     </a:solidFill>
@@ -11444,7 +11444,7 @@
               </a:ln>
               <a:extLst>
                 <a:ext uri="{91240B29-F687-4f45-9708-019B960494DF}">
-                  <a14:hiddenLine xmlns="" xmlns:a14="http://schemas.microsoft.com/office/drawing/2010/main" w="9525">
+                  <a14:hiddenLine xmlns:a14="http://schemas.microsoft.com/office/drawing/2010/main" xmlns="" w="9525">
                     <a:solidFill>
                       <a:srgbClr val="000000"/>
                     </a:solidFill>
@@ -11512,7 +11512,7 @@
               </a:ln>
               <a:extLst>
                 <a:ext uri="{91240B29-F687-4f45-9708-019B960494DF}">
-                  <a14:hiddenLine xmlns="" xmlns:a14="http://schemas.microsoft.com/office/drawing/2010/main" w="9525">
+                  <a14:hiddenLine xmlns:a14="http://schemas.microsoft.com/office/drawing/2010/main" xmlns="" w="9525">
                     <a:solidFill>
                       <a:srgbClr val="000000"/>
                     </a:solidFill>
@@ -11602,7 +11602,7 @@
               </a:ln>
               <a:extLst>
                 <a:ext uri="{91240B29-F687-4f45-9708-019B960494DF}">
-                  <a14:hiddenLine xmlns="" xmlns:a14="http://schemas.microsoft.com/office/drawing/2010/main" w="9525">
+                  <a14:hiddenLine xmlns:a14="http://schemas.microsoft.com/office/drawing/2010/main" xmlns="" w="9525">
                     <a:solidFill>
                       <a:srgbClr val="000000"/>
                     </a:solidFill>
@@ -11670,7 +11670,7 @@
               </a:ln>
               <a:extLst>
                 <a:ext uri="{91240B29-F687-4f45-9708-019B960494DF}">
-                  <a14:hiddenLine xmlns="" xmlns:a14="http://schemas.microsoft.com/office/drawing/2010/main" w="9525">
+                  <a14:hiddenLine xmlns:a14="http://schemas.microsoft.com/office/drawing/2010/main" xmlns="" w="9525">
                     <a:solidFill>
                       <a:srgbClr val="000000"/>
                     </a:solidFill>
@@ -11760,7 +11760,7 @@
               </a:ln>
               <a:extLst>
                 <a:ext uri="{91240B29-F687-4f45-9708-019B960494DF}">
-                  <a14:hiddenLine xmlns="" xmlns:a14="http://schemas.microsoft.com/office/drawing/2010/main" w="9525">
+                  <a14:hiddenLine xmlns:a14="http://schemas.microsoft.com/office/drawing/2010/main" xmlns="" w="9525">
                     <a:solidFill>
                       <a:srgbClr val="000000"/>
                     </a:solidFill>
@@ -11794,7 +11794,7 @@
               </a:ln>
               <a:extLst>
                 <a:ext uri="{91240B29-F687-4f45-9708-019B960494DF}">
-                  <a14:hiddenLine xmlns="" xmlns:a14="http://schemas.microsoft.com/office/drawing/2010/main" w="9525">
+                  <a14:hiddenLine xmlns:a14="http://schemas.microsoft.com/office/drawing/2010/main" xmlns="" w="9525">
                     <a:solidFill>
                       <a:srgbClr val="000000"/>
                     </a:solidFill>
@@ -11935,7 +11935,7 @@
             <a:fld id="{48A87A34-81AB-432B-8DAE-1953F412C126}" type="datetimeFigureOut">
               <a:rPr lang="en-US" dirty="0"/>
               <a:pPr/>
-              <a:t>11/11/2018</a:t>
+              <a:t>12/5/2018</a:t>
             </a:fld>
             <a:endParaRPr lang="en-US" dirty="0"/>
           </a:p>
@@ -12459,6 +12459,9 @@
   <p:clrMapOvr>
     <a:masterClrMapping/>
   </p:clrMapOvr>
+  <p:transition spd="slow">
+    <p:randomBar dir="vert"/>
+  </p:transition>
 </p:sld>
 </file>
 
@@ -12602,6 +12605,9 @@
   <p:clrMapOvr>
     <a:masterClrMapping/>
   </p:clrMapOvr>
+  <p:transition spd="slow">
+    <p:randomBar dir="vert"/>
+  </p:transition>
 </p:sld>
 </file>
 
@@ -12734,6 +12740,9 @@
   <p:clrMapOvr>
     <a:masterClrMapping/>
   </p:clrMapOvr>
+  <p:transition spd="slow">
+    <p:randomBar dir="vert"/>
+  </p:transition>
 </p:sld>
 </file>
 
@@ -12869,6 +12878,9 @@
   <p:clrMapOvr>
     <a:masterClrMapping/>
   </p:clrMapOvr>
+  <p:transition spd="slow">
+    <p:randomBar dir="vert"/>
+  </p:transition>
 </p:sld>
 </file>
 
@@ -12961,6 +12973,9 @@
   <p:clrMapOvr>
     <a:masterClrMapping/>
   </p:clrMapOvr>
+  <p:transition spd="slow">
+    <p:randomBar dir="vert"/>
+  </p:transition>
 </p:sld>
 </file>
 
@@ -13048,17 +13063,22 @@
           <a:p>
             <a:r>
               <a:rPr lang="en-US" dirty="0"/>
-              <a:t>Image from w3.org showing the DOM representing a table.</a:t>
+              <a:t>Image from guru99.com showing the </a:t>
             </a:r>
+            <a:r>
+              <a:rPr lang="en-US"/>
+              <a:t>DOM.</a:t>
+            </a:r>
+            <a:endParaRPr lang="en-US" dirty="0"/>
           </a:p>
         </p:txBody>
       </p:sp>
       <p:pic>
         <p:nvPicPr>
-          <p:cNvPr id="11" name="Picture 10">
+          <p:cNvPr id="5" name="Picture 4">
             <a:extLst>
               <a:ext uri="{FF2B5EF4-FFF2-40B4-BE49-F238E27FC236}">
-                <a16:creationId xmlns:a16="http://schemas.microsoft.com/office/drawing/2014/main" id="{A0E27B24-410D-425C-A578-FB5EB11DD9F1}"/>
+                <a16:creationId xmlns:a16="http://schemas.microsoft.com/office/drawing/2014/main" id="{ACB65681-C788-491B-B2FC-F5C518B1131F}"/>
               </a:ext>
             </a:extLst>
           </p:cNvPr>
@@ -13075,8 +13095,8 @@
         </p:blipFill>
         <p:spPr>
           <a:xfrm>
-            <a:off x="3678128" y="1727200"/>
-            <a:ext cx="7548672" cy="4270959"/>
+            <a:off x="4251325" y="1727200"/>
+            <a:ext cx="5848350" cy="4000500"/>
           </a:xfrm>
           <a:prstGeom prst="rect">
             <a:avLst/>
@@ -13093,6 +13113,9 @@
   <p:clrMapOvr>
     <a:masterClrMapping/>
   </p:clrMapOvr>
+  <p:transition spd="slow">
+    <p:randomBar dir="vert"/>
+  </p:transition>
 </p:sld>
 </file>
 
@@ -13185,6 +13208,9 @@
   <p:clrMapOvr>
     <a:masterClrMapping/>
   </p:clrMapOvr>
+  <p:transition spd="slow">
+    <p:randomBar dir="vert"/>
+  </p:transition>
 </p:sld>
 </file>
 
@@ -13327,6 +13353,9 @@
   <p:clrMapOvr>
     <a:masterClrMapping/>
   </p:clrMapOvr>
+  <p:transition spd="slow">
+    <p:randomBar dir="vert"/>
+  </p:transition>
 </p:sld>
 </file>
 
